--- a/5.0_python_6.libraries/python_libraries/1.numpy/Numpy_class.pptx
+++ b/5.0_python_6.libraries/python_libraries/1.numpy/Numpy_class.pptx
@@ -18411,7 +18411,7 @@
         </p:nvSpPr>
         <p:spPr>
           <a:xfrm>
-            <a:off x="311700" y="1152475"/>
+            <a:off x="154855" y="1017855"/>
             <a:ext cx="8520600" cy="3416400"/>
           </a:xfrm>
           <a:prstGeom prst="rect">
@@ -19234,8 +19234,8 @@
         </p:blipFill>
         <p:spPr>
           <a:xfrm>
-            <a:off x="4051935" y="1977390"/>
-            <a:ext cx="5092065" cy="1757045"/>
+            <a:off x="4145915" y="1977390"/>
+            <a:ext cx="4997450" cy="2987675"/>
           </a:xfrm>
           <a:prstGeom prst="rect">
             <a:avLst/>
@@ -20818,12 +20818,12 @@
                 <a:cs typeface="Verdana" panose="020B0604030504040204"/>
                 <a:sym typeface="Verdana" panose="020B0604030504040204"/>
               </a:rPr>
-              <a:t> the data, and views </a:t>
-            </a:r>
-            <a:r>
-              <a:rPr lang="en-GB" sz="1150" i="1">
-                <a:solidFill>
-                  <a:schemeClr val="dk1"/>
+              <a:t> the data, and </a:t>
+            </a:r>
+            <a:r>
+              <a:rPr lang="en-GB" sz="1150" b="1">
+                <a:solidFill>
+                  <a:srgbClr val="FF0000"/>
                 </a:solidFill>
                 <a:highlight>
                   <a:srgbClr val="FFFFFF"/>
@@ -20833,12 +20833,12 @@
                 <a:cs typeface="Verdana" panose="020B0604030504040204"/>
                 <a:sym typeface="Verdana" panose="020B0604030504040204"/>
               </a:rPr>
-              <a:t>does not own</a:t>
-            </a:r>
-            <a:r>
-              <a:rPr lang="en-GB" sz="1150">
-                <a:solidFill>
-                  <a:schemeClr val="dk1"/>
+              <a:t>views </a:t>
+            </a:r>
+            <a:r>
+              <a:rPr lang="en-GB" sz="1150" b="1" i="1">
+                <a:solidFill>
+                  <a:srgbClr val="FF0000"/>
                 </a:solidFill>
                 <a:highlight>
                   <a:srgbClr val="FFFFFF"/>
@@ -20848,7 +20848,52 @@
                 <a:cs typeface="Verdana" panose="020B0604030504040204"/>
                 <a:sym typeface="Verdana" panose="020B0604030504040204"/>
               </a:rPr>
-              <a:t> the data, but how can we check this?</a:t>
+              <a:t>does not own</a:t>
+            </a:r>
+            <a:r>
+              <a:rPr lang="en-GB" sz="1150">
+                <a:solidFill>
+                  <a:schemeClr val="dk1"/>
+                </a:solidFill>
+                <a:highlight>
+                  <a:srgbClr val="FFFFFF"/>
+                </a:highlight>
+                <a:latin typeface="Verdana" panose="020B0604030504040204"/>
+                <a:ea typeface="Verdana" panose="020B0604030504040204"/>
+                <a:cs typeface="Verdana" panose="020B0604030504040204"/>
+                <a:sym typeface="Verdana" panose="020B0604030504040204"/>
+              </a:rPr>
+              <a:t> </a:t>
+            </a:r>
+            <a:r>
+              <a:rPr lang="en-GB" sz="1150" b="1">
+                <a:solidFill>
+                  <a:srgbClr val="FF0000"/>
+                </a:solidFill>
+                <a:highlight>
+                  <a:srgbClr val="FFFFFF"/>
+                </a:highlight>
+                <a:latin typeface="Verdana" panose="020B0604030504040204"/>
+                <a:ea typeface="Verdana" panose="020B0604030504040204"/>
+                <a:cs typeface="Verdana" panose="020B0604030504040204"/>
+                <a:sym typeface="Verdana" panose="020B0604030504040204"/>
+              </a:rPr>
+              <a:t>the data</a:t>
+            </a:r>
+            <a:r>
+              <a:rPr lang="en-GB" sz="1150">
+                <a:solidFill>
+                  <a:schemeClr val="dk1"/>
+                </a:solidFill>
+                <a:highlight>
+                  <a:srgbClr val="FFFFFF"/>
+                </a:highlight>
+                <a:latin typeface="Verdana" panose="020B0604030504040204"/>
+                <a:ea typeface="Verdana" panose="020B0604030504040204"/>
+                <a:cs typeface="Verdana" panose="020B0604030504040204"/>
+                <a:sym typeface="Verdana" panose="020B0604030504040204"/>
+              </a:rPr>
+              <a:t>, but how can we check this?</a:t>
             </a:r>
             <a:endParaRPr sz="1150">
               <a:solidFill>
@@ -21045,7 +21090,7 @@
               <a:buNone/>
             </a:pPr>
             <a:r>
-              <a:rPr lang="en-GB" sz="1150">
+              <a:rPr lang="en-GB" sz="1600" b="1">
                 <a:solidFill>
                   <a:srgbClr val="0000CD"/>
                 </a:solidFill>
@@ -21060,7 +21105,7 @@
               <a:t>import</a:t>
             </a:r>
             <a:r>
-              <a:rPr lang="en-GB" sz="1150">
+              <a:rPr lang="en-GB" sz="1600" b="1">
                 <a:solidFill>
                   <a:schemeClr val="dk1"/>
                 </a:solidFill>
@@ -21075,7 +21120,7 @@
               <a:t> numpy </a:t>
             </a:r>
             <a:r>
-              <a:rPr lang="en-GB" sz="1150">
+              <a:rPr lang="en-GB" sz="1600" b="1">
                 <a:solidFill>
                   <a:srgbClr val="0000CD"/>
                 </a:solidFill>
@@ -21090,7 +21135,7 @@
               <a:t>as</a:t>
             </a:r>
             <a:r>
-              <a:rPr lang="en-GB" sz="1150">
+              <a:rPr lang="en-GB" sz="1600" b="1">
                 <a:solidFill>
                   <a:schemeClr val="dk1"/>
                 </a:solidFill>
@@ -21104,7 +21149,7 @@
               </a:rPr>
               <a:t> np</a:t>
             </a:r>
-            <a:endParaRPr sz="1100">
+            <a:endParaRPr sz="1600" b="1">
               <a:solidFill>
                 <a:schemeClr val="dk1"/>
               </a:solidFill>
@@ -21121,7 +21166,7 @@
               <a:buNone/>
             </a:pPr>
             <a:r>
-              <a:rPr lang="en-GB" sz="1150">
+              <a:rPr lang="en-GB" sz="1600" b="1">
                 <a:solidFill>
                   <a:schemeClr val="dk1"/>
                 </a:solidFill>
@@ -21136,7 +21181,7 @@
               <a:t>arr = np.array([</a:t>
             </a:r>
             <a:r>
-              <a:rPr lang="en-GB" sz="1150">
+              <a:rPr lang="en-GB" sz="1600" b="1">
                 <a:solidFill>
                   <a:srgbClr val="FF0000"/>
                 </a:solidFill>
@@ -21151,7 +21196,7 @@
               <a:t>1</a:t>
             </a:r>
             <a:r>
-              <a:rPr lang="en-GB" sz="1150">
+              <a:rPr lang="en-GB" sz="1600" b="1">
                 <a:solidFill>
                   <a:schemeClr val="dk1"/>
                 </a:solidFill>
@@ -21166,7 +21211,7 @@
               <a:t>, </a:t>
             </a:r>
             <a:r>
-              <a:rPr lang="en-GB" sz="1150">
+              <a:rPr lang="en-GB" sz="1600" b="1">
                 <a:solidFill>
                   <a:srgbClr val="FF0000"/>
                 </a:solidFill>
@@ -21181,7 +21226,7 @@
               <a:t>2</a:t>
             </a:r>
             <a:r>
-              <a:rPr lang="en-GB" sz="1150">
+              <a:rPr lang="en-GB" sz="1600" b="1">
                 <a:solidFill>
                   <a:schemeClr val="dk1"/>
                 </a:solidFill>
@@ -21196,7 +21241,7 @@
               <a:t>, </a:t>
             </a:r>
             <a:r>
-              <a:rPr lang="en-GB" sz="1150">
+              <a:rPr lang="en-GB" sz="1600" b="1">
                 <a:solidFill>
                   <a:srgbClr val="FF0000"/>
                 </a:solidFill>
@@ -21211,7 +21256,7 @@
               <a:t>3</a:t>
             </a:r>
             <a:r>
-              <a:rPr lang="en-GB" sz="1150">
+              <a:rPr lang="en-GB" sz="1600" b="1">
                 <a:solidFill>
                   <a:schemeClr val="dk1"/>
                 </a:solidFill>
@@ -21226,7 +21271,7 @@
               <a:t>, </a:t>
             </a:r>
             <a:r>
-              <a:rPr lang="en-GB" sz="1150">
+              <a:rPr lang="en-GB" sz="1600" b="1">
                 <a:solidFill>
                   <a:srgbClr val="FF0000"/>
                 </a:solidFill>
@@ -21241,7 +21286,7 @@
               <a:t>4</a:t>
             </a:r>
             <a:r>
-              <a:rPr lang="en-GB" sz="1150">
+              <a:rPr lang="en-GB" sz="1600" b="1">
                 <a:solidFill>
                   <a:schemeClr val="dk1"/>
                 </a:solidFill>
@@ -21256,7 +21301,7 @@
               <a:t>, </a:t>
             </a:r>
             <a:r>
-              <a:rPr lang="en-GB" sz="1150">
+              <a:rPr lang="en-GB" sz="1600" b="1">
                 <a:solidFill>
                   <a:srgbClr val="FF0000"/>
                 </a:solidFill>
@@ -21271,7 +21316,7 @@
               <a:t>5</a:t>
             </a:r>
             <a:r>
-              <a:rPr lang="en-GB" sz="1150">
+              <a:rPr lang="en-GB" sz="1600" b="1">
                 <a:solidFill>
                   <a:schemeClr val="dk1"/>
                 </a:solidFill>
@@ -21285,7 +21330,7 @@
               </a:rPr>
               <a:t>])</a:t>
             </a:r>
-            <a:endParaRPr sz="1100">
+            <a:endParaRPr sz="1600" b="1">
               <a:solidFill>
                 <a:schemeClr val="dk1"/>
               </a:solidFill>
@@ -21302,7 +21347,7 @@
               <a:buNone/>
             </a:pPr>
             <a:r>
-              <a:rPr lang="en-GB" sz="1150">
+              <a:rPr lang="en-GB" sz="1600" b="1">
                 <a:solidFill>
                   <a:schemeClr val="dk1"/>
                 </a:solidFill>
@@ -21316,7 +21361,7 @@
               </a:rPr>
               <a:t>x = arr.copy()</a:t>
             </a:r>
-            <a:endParaRPr sz="1150">
+            <a:endParaRPr sz="1600" b="1">
               <a:solidFill>
                 <a:schemeClr val="dk1"/>
               </a:solidFill>
@@ -21340,7 +21385,7 @@
               <a:buNone/>
             </a:pPr>
             <a:r>
-              <a:rPr lang="en-GB" sz="1150">
+              <a:rPr lang="en-GB" sz="1600" b="1">
                 <a:solidFill>
                   <a:schemeClr val="dk1"/>
                 </a:solidFill>
@@ -21354,7 +21399,7 @@
               </a:rPr>
               <a:t>y = arr.view()</a:t>
             </a:r>
-            <a:endParaRPr sz="1100">
+            <a:endParaRPr sz="1600" b="1">
               <a:solidFill>
                 <a:schemeClr val="dk1"/>
               </a:solidFill>
@@ -21371,7 +21416,7 @@
               <a:buNone/>
             </a:pPr>
             <a:r>
-              <a:rPr lang="en-GB" sz="1150">
+              <a:rPr lang="en-GB" sz="1600" b="1">
                 <a:solidFill>
                   <a:srgbClr val="0000CD"/>
                 </a:solidFill>
@@ -21386,7 +21431,7 @@
               <a:t>print</a:t>
             </a:r>
             <a:r>
-              <a:rPr lang="en-GB" sz="1150">
+              <a:rPr lang="en-GB" sz="1600" b="1">
                 <a:solidFill>
                   <a:schemeClr val="dk1"/>
                 </a:solidFill>
@@ -21400,7 +21445,7 @@
               </a:rPr>
               <a:t>(x.base)</a:t>
             </a:r>
-            <a:endParaRPr sz="1150">
+            <a:endParaRPr sz="1600" b="1">
               <a:solidFill>
                 <a:schemeClr val="dk1"/>
               </a:solidFill>
@@ -21429,7 +21474,7 @@
               <a:buNone/>
             </a:pPr>
             <a:r>
-              <a:rPr lang="en-GB" sz="1150">
+              <a:rPr lang="en-GB" sz="1600" b="1">
                 <a:solidFill>
                   <a:srgbClr val="0000CD"/>
                 </a:solidFill>
@@ -21444,7 +21489,7 @@
               <a:t>print</a:t>
             </a:r>
             <a:r>
-              <a:rPr lang="en-GB" sz="1150">
+              <a:rPr lang="en-GB" sz="1600" b="1">
                 <a:solidFill>
                   <a:schemeClr val="dk1"/>
                 </a:solidFill>
@@ -21458,7 +21503,7 @@
               </a:rPr>
               <a:t>(y.base)</a:t>
             </a:r>
-            <a:endParaRPr sz="1150">
+            <a:endParaRPr sz="1600" b="1">
               <a:solidFill>
                 <a:schemeClr val="dk1"/>
               </a:solidFill>
@@ -21481,6 +21526,18 @@
               </a:spcAft>
               <a:buNone/>
             </a:pPr>
+            <a:endParaRPr sz="1600" b="1">
+              <a:solidFill>
+                <a:schemeClr val="dk1"/>
+              </a:solidFill>
+              <a:highlight>
+                <a:srgbClr val="FFFFFF"/>
+              </a:highlight>
+              <a:latin typeface="Verdana" panose="020B0604030504040204"/>
+              <a:ea typeface="Verdana" panose="020B0604030504040204"/>
+              <a:cs typeface="Verdana" panose="020B0604030504040204"/>
+              <a:sym typeface="Verdana" panose="020B0604030504040204"/>
+            </a:endParaRPr>
           </a:p>
         </p:txBody>
       </p:sp>
@@ -25017,6 +25074,112 @@
               </a:rPr>
               <a:t>(arr)</a:t>
             </a:r>
+            <a:r>
+              <a:rPr lang="en-US" altLang="en-GB" sz="1150">
+                <a:solidFill>
+                  <a:schemeClr val="dk1"/>
+                </a:solidFill>
+                <a:highlight>
+                  <a:srgbClr val="FFFFFF"/>
+                </a:highlight>
+                <a:latin typeface="Courier New" panose="02070309020205020404"/>
+                <a:ea typeface="Courier New" panose="02070309020205020404"/>
+                <a:cs typeface="Courier New" panose="02070309020205020404"/>
+                <a:sym typeface="Courier New" panose="02070309020205020404"/>
+              </a:rPr>
+              <a:t>) </a:t>
+            </a:r>
+            <a:endParaRPr lang="en-US" altLang="en-GB" sz="1150">
+              <a:solidFill>
+                <a:schemeClr val="dk1"/>
+              </a:solidFill>
+              <a:highlight>
+                <a:srgbClr val="FFFFFF"/>
+              </a:highlight>
+              <a:latin typeface="Courier New" panose="02070309020205020404"/>
+              <a:ea typeface="Courier New" panose="02070309020205020404"/>
+              <a:cs typeface="Courier New" panose="02070309020205020404"/>
+              <a:sym typeface="Courier New" panose="02070309020205020404"/>
+            </a:endParaRPr>
+          </a:p>
+          <a:p>
+            <a:pPr marL="114300" marR="114300" lvl="0" indent="0" algn="l" rtl="0">
+              <a:spcBef>
+                <a:spcPts val="1200"/>
+              </a:spcBef>
+              <a:spcAft>
+                <a:spcPts val="0"/>
+              </a:spcAft>
+              <a:buNone/>
+            </a:pPr>
+            <a:r>
+              <a:rPr lang="en-GB" sz="1150">
+                <a:solidFill>
+                  <a:srgbClr val="0000CD"/>
+                </a:solidFill>
+                <a:highlight>
+                  <a:srgbClr val="FFFFFF"/>
+                </a:highlight>
+                <a:latin typeface="Courier New" panose="02070309020205020404"/>
+                <a:ea typeface="Courier New" panose="02070309020205020404"/>
+                <a:cs typeface="Courier New" panose="02070309020205020404"/>
+                <a:sym typeface="Courier New" panose="02070309020205020404"/>
+              </a:rPr>
+              <a:t>print</a:t>
+            </a:r>
+            <a:r>
+              <a:rPr lang="en-GB" sz="1150">
+                <a:solidFill>
+                  <a:schemeClr val="dk1"/>
+                </a:solidFill>
+                <a:highlight>
+                  <a:srgbClr val="FFFFFF"/>
+                </a:highlight>
+                <a:latin typeface="Courier New" panose="02070309020205020404"/>
+                <a:ea typeface="Courier New" panose="02070309020205020404"/>
+                <a:cs typeface="Courier New" panose="02070309020205020404"/>
+                <a:sym typeface="Courier New" panose="02070309020205020404"/>
+              </a:rPr>
+              <a:t>(arr</a:t>
+            </a:r>
+            <a:r>
+              <a:rPr lang="en-US" altLang="en-GB" sz="1150">
+                <a:solidFill>
+                  <a:schemeClr val="dk1"/>
+                </a:solidFill>
+                <a:highlight>
+                  <a:srgbClr val="FFFFFF"/>
+                </a:highlight>
+                <a:latin typeface="Courier New" panose="02070309020205020404"/>
+                <a:ea typeface="Courier New" panose="02070309020205020404"/>
+                <a:cs typeface="Courier New" panose="02070309020205020404"/>
+                <a:sym typeface="Courier New" panose="02070309020205020404"/>
+              </a:rPr>
+              <a:t>.dtype)</a:t>
+            </a:r>
+            <a:endParaRPr sz="1150">
+              <a:solidFill>
+                <a:schemeClr val="dk1"/>
+              </a:solidFill>
+              <a:highlight>
+                <a:srgbClr val="FFFFFF"/>
+              </a:highlight>
+              <a:latin typeface="Courier New" panose="02070309020205020404"/>
+              <a:ea typeface="Courier New" panose="02070309020205020404"/>
+              <a:cs typeface="Courier New" panose="02070309020205020404"/>
+              <a:sym typeface="Courier New" panose="02070309020205020404"/>
+            </a:endParaRPr>
+          </a:p>
+          <a:p>
+            <a:pPr marL="114300" marR="114300" lvl="0" indent="0" algn="l" rtl="0">
+              <a:spcBef>
+                <a:spcPts val="1200"/>
+              </a:spcBef>
+              <a:spcAft>
+                <a:spcPts val="0"/>
+              </a:spcAft>
+              <a:buNone/>
+            </a:pPr>
             <a:endParaRPr sz="1150">
               <a:solidFill>
                 <a:schemeClr val="dk1"/>
@@ -30568,8 +30731,8 @@
         </p:nvSpPr>
         <p:spPr>
           <a:xfrm>
-            <a:off x="311700" y="1017725"/>
-            <a:ext cx="8520600" cy="3970200"/>
+            <a:off x="311785" y="1017905"/>
+            <a:ext cx="3824605" cy="3970020"/>
           </a:xfrm>
           <a:prstGeom prst="rect">
             <a:avLst/>
@@ -30577,7 +30740,7 @@
         </p:spPr>
         <p:txBody>
           <a:bodyPr spcFirstLastPara="1" wrap="square" lIns="91425" tIns="91425" rIns="91425" bIns="91425" anchor="t" anchorCtr="0">
-            <a:normAutofit fontScale="47500" lnSpcReduction="20000"/>
+            <a:normAutofit lnSpcReduction="20000"/>
           </a:bodyPr>
           <a:lstStyle/>
           <a:p>
@@ -30758,12 +30921,30 @@
               <a:buFont typeface="Arial" panose="020B0604020202020204"/>
               <a:buNone/>
             </a:pPr>
-            <a:r>
-              <a:rPr lang="en-GB"/>
-              <a:t># Element-wise multiplication</a:t>
-            </a:r>
             <a:endParaRPr lang="en-GB"/>
           </a:p>
+        </p:txBody>
+      </p:sp>
+      <p:sp>
+        <p:nvSpPr>
+          <p:cNvPr id="1" name="Text Box 0"/>
+          <p:cNvSpPr txBox="1"/>
+          <p:nvPr/>
+        </p:nvSpPr>
+        <p:spPr>
+          <a:xfrm>
+            <a:off x="4505325" y="1017905"/>
+            <a:ext cx="4572000" cy="3179445"/>
+          </a:xfrm>
+          <a:prstGeom prst="rect">
+            <a:avLst/>
+          </a:prstGeom>
+          <a:noFill/>
+        </p:spPr>
+        <p:txBody>
+          <a:bodyPr wrap="square" rtlCol="0" anchor="t">
+            <a:noAutofit/>
+          </a:bodyPr>
           <a:p>
             <a:pPr marL="0" lvl="0" indent="0" algn="l" rtl="0">
               <a:spcBef>
@@ -30780,8 +30961,10 @@
               <a:buNone/>
             </a:pPr>
             <a:r>
-              <a:rPr lang="en-GB"/>
-              <a:t>result_multiply = arr1 * arr2</a:t>
+              <a:rPr lang="en-GB">
+                <a:sym typeface="+mn-ea"/>
+              </a:rPr>
+              <a:t># Element-wise multiplication</a:t>
             </a:r>
             <a:endParaRPr lang="en-GB"/>
           </a:p>
@@ -30801,8 +30984,10 @@
               <a:buNone/>
             </a:pPr>
             <a:r>
-              <a:rPr lang="en-GB"/>
-              <a:t># Element-wise division</a:t>
+              <a:rPr lang="en-GB">
+                <a:sym typeface="+mn-ea"/>
+              </a:rPr>
+              <a:t>result_multiply = arr1 * arr2</a:t>
             </a:r>
             <a:endParaRPr lang="en-GB"/>
           </a:p>
@@ -30822,8 +31007,10 @@
               <a:buNone/>
             </a:pPr>
             <a:r>
-              <a:rPr lang="en-GB"/>
-              <a:t>result_divide = arr1 / arr2</a:t>
+              <a:rPr lang="en-GB">
+                <a:sym typeface="+mn-ea"/>
+              </a:rPr>
+              <a:t># Element-wise division</a:t>
             </a:r>
             <a:endParaRPr lang="en-GB"/>
           </a:p>
@@ -30843,7 +31030,32 @@
               <a:buNone/>
             </a:pPr>
             <a:r>
-              <a:rPr lang="en-GB"/>
+              <a:rPr lang="en-GB">
+                <a:sym typeface="+mn-ea"/>
+              </a:rPr>
+              <a:t>result_divide = arr1 / arr2</a:t>
+            </a:r>
+            <a:endParaRPr lang="en-GB"/>
+          </a:p>
+          <a:p>
+            <a:pPr marL="0" lvl="0" indent="0" algn="l" rtl="0">
+              <a:spcBef>
+                <a:spcPts val="1200"/>
+              </a:spcBef>
+              <a:spcAft>
+                <a:spcPts val="0"/>
+              </a:spcAft>
+              <a:buClr>
+                <a:schemeClr val="dk1"/>
+              </a:buClr>
+              <a:buSzPct val="61000"/>
+              <a:buFont typeface="Arial" panose="020B0604020202020204"/>
+              <a:buNone/>
+            </a:pPr>
+            <a:r>
+              <a:rPr lang="en-GB">
+                <a:sym typeface="+mn-ea"/>
+              </a:rPr>
               <a:t># Element-wise power</a:t>
             </a:r>
             <a:endParaRPr lang="en-GB"/>
@@ -30859,10 +31071,14 @@
               <a:buNone/>
             </a:pPr>
             <a:r>
-              <a:rPr lang="en-GB"/>
+              <a:rPr lang="en-GB">
+                <a:sym typeface="+mn-ea"/>
+              </a:rPr>
               <a:t>result_power = arr1 ** arr2</a:t>
             </a:r>
-            <a:endParaRPr lang="en-GB"/>
+            <a:endParaRPr lang="en-GB">
+              <a:sym typeface="+mn-ea"/>
+            </a:endParaRPr>
           </a:p>
         </p:txBody>
       </p:sp>
@@ -31758,7 +31974,7 @@
         </p:nvSpPr>
         <p:spPr>
           <a:xfrm>
-            <a:off x="311700" y="445025"/>
+            <a:off x="311700" y="201820"/>
             <a:ext cx="8520600" cy="572700"/>
           </a:xfrm>
           <a:prstGeom prst="rect">
@@ -31798,7 +32014,7 @@
         </p:nvSpPr>
         <p:spPr>
           <a:xfrm>
-            <a:off x="311700" y="1152475"/>
+            <a:off x="396155" y="774650"/>
             <a:ext cx="8520600" cy="3416400"/>
           </a:xfrm>
           <a:prstGeom prst="rect">
@@ -32005,6 +32221,28 @@
           </a:p>
         </p:txBody>
       </p:sp>
+      <p:pic>
+        <p:nvPicPr>
+          <p:cNvPr id="1" name="Picture 0"/>
+          <p:cNvPicPr/>
+          <p:nvPr/>
+        </p:nvPicPr>
+        <p:blipFill>
+          <a:blip r:embed="rId1"/>
+          <a:stretch>
+            <a:fillRect/>
+          </a:stretch>
+        </p:blipFill>
+        <p:spPr>
+          <a:xfrm>
+            <a:off x="3689350" y="1229360"/>
+            <a:ext cx="4890135" cy="3261360"/>
+          </a:xfrm>
+          <a:prstGeom prst="rect">
+            <a:avLst/>
+          </a:prstGeom>
+        </p:spPr>
+      </p:pic>
     </p:spTree>
   </p:cSld>
   <p:clrMapOvr>
@@ -32112,8 +32350,8 @@
         </p:nvSpPr>
         <p:spPr>
           <a:xfrm>
-            <a:off x="185175" y="1152475"/>
-            <a:ext cx="8647200" cy="3892800"/>
+            <a:off x="185420" y="1152525"/>
+            <a:ext cx="2947035" cy="3892550"/>
           </a:xfrm>
           <a:prstGeom prst="rect">
             <a:avLst/>
@@ -32121,7 +32359,7 @@
         </p:spPr>
         <p:txBody>
           <a:bodyPr spcFirstLastPara="1" wrap="square" lIns="91425" tIns="91425" rIns="91425" bIns="91425" anchor="t" anchorCtr="0">
-            <a:normAutofit fontScale="60000" lnSpcReduction="10000"/>
+            <a:normAutofit/>
           </a:bodyPr>
           <a:lstStyle/>
           <a:p>
@@ -32271,6 +32509,28 @@
             </a:r>
             <a:endParaRPr lang="en-GB" baseline="-25000"/>
           </a:p>
+        </p:txBody>
+      </p:sp>
+      <p:sp>
+        <p:nvSpPr>
+          <p:cNvPr id="1" name="Text Box 0"/>
+          <p:cNvSpPr txBox="1"/>
+          <p:nvPr/>
+        </p:nvSpPr>
+        <p:spPr>
+          <a:xfrm>
+            <a:off x="4010660" y="1520190"/>
+            <a:ext cx="3255010" cy="1993265"/>
+          </a:xfrm>
+          <a:prstGeom prst="rect">
+            <a:avLst/>
+          </a:prstGeom>
+          <a:noFill/>
+        </p:spPr>
+        <p:txBody>
+          <a:bodyPr wrap="square" rtlCol="0" anchor="t">
+            <a:spAutoFit/>
+          </a:bodyPr>
           <a:p>
             <a:pPr marL="0" lvl="0" indent="0" algn="l" rtl="0">
               <a:spcBef>
@@ -32287,7 +32547,9 @@
               <a:buNone/>
             </a:pPr>
             <a:r>
-              <a:rPr lang="en-GB" baseline="-25000"/>
+              <a:rPr lang="en-GB" baseline="-25000">
+                <a:sym typeface="+mn-ea"/>
+              </a:rPr>
               <a:t>result_product = np.prod(arr)</a:t>
             </a:r>
             <a:endParaRPr lang="en-GB" baseline="-25000"/>
@@ -32308,7 +32570,9 @@
               <a:buNone/>
             </a:pPr>
             <a:r>
-              <a:rPr lang="en-GB" baseline="-25000"/>
+              <a:rPr lang="en-GB" baseline="-25000">
+                <a:sym typeface="+mn-ea"/>
+              </a:rPr>
               <a:t># Mean and median</a:t>
             </a:r>
             <a:endParaRPr lang="en-GB" baseline="-25000"/>
@@ -32329,7 +32593,9 @@
               <a:buNone/>
             </a:pPr>
             <a:r>
-              <a:rPr lang="en-GB" baseline="-25000"/>
+              <a:rPr lang="en-GB" baseline="-25000">
+                <a:sym typeface="+mn-ea"/>
+              </a:rPr>
               <a:t>result_mean = np.mean(arr)</a:t>
             </a:r>
             <a:endParaRPr lang="en-GB" baseline="-25000"/>
@@ -32350,7 +32616,9 @@
               <a:buNone/>
             </a:pPr>
             <a:r>
-              <a:rPr lang="en-GB" baseline="-25000"/>
+              <a:rPr lang="en-GB" baseline="-25000">
+                <a:sym typeface="+mn-ea"/>
+              </a:rPr>
               <a:t>result_median = np.median(arr)</a:t>
             </a:r>
             <a:endParaRPr lang="en-GB" baseline="-25000"/>
@@ -32371,7 +32639,9 @@
               <a:buNone/>
             </a:pPr>
             <a:r>
-              <a:rPr lang="en-GB" baseline="-25000"/>
+              <a:rPr lang="en-GB" baseline="-25000">
+                <a:sym typeface="+mn-ea"/>
+              </a:rPr>
               <a:t># Variance and standard deviation</a:t>
             </a:r>
             <a:endParaRPr lang="en-GB" baseline="-25000"/>
@@ -32392,7 +32662,9 @@
               <a:buNone/>
             </a:pPr>
             <a:r>
-              <a:rPr lang="en-GB" baseline="-25000"/>
+              <a:rPr lang="en-GB" baseline="-25000">
+                <a:sym typeface="+mn-ea"/>
+              </a:rPr>
               <a:t>result_var = np.var(arr)</a:t>
             </a:r>
             <a:endParaRPr lang="en-GB" baseline="-25000"/>
@@ -32408,10 +32680,14 @@
               <a:buNone/>
             </a:pPr>
             <a:r>
-              <a:rPr lang="en-GB" baseline="-25000"/>
+              <a:rPr lang="en-GB" baseline="-25000">
+                <a:sym typeface="+mn-ea"/>
+              </a:rPr>
               <a:t>result_std = np.std(arr)</a:t>
             </a:r>
-            <a:endParaRPr lang="en-GB" baseline="-25000"/>
+            <a:endParaRPr lang="en-GB" baseline="-25000">
+              <a:sym typeface="+mn-ea"/>
+            </a:endParaRPr>
           </a:p>
         </p:txBody>
       </p:sp>
@@ -33453,7 +33729,7 @@
         <p:spPr>
           <a:xfrm>
             <a:off x="4262120" y="546100"/>
-            <a:ext cx="4572000" cy="3107690"/>
+            <a:ext cx="4882515" cy="3107690"/>
           </a:xfrm>
           <a:prstGeom prst="rect">
             <a:avLst/>
@@ -33629,7 +33905,7 @@
         <p:spPr>
           <a:xfrm>
             <a:off x="421640" y="337185"/>
-            <a:ext cx="3134995" cy="3416300"/>
+            <a:ext cx="3228340" cy="3416300"/>
           </a:xfrm>
         </p:spPr>
         <p:txBody>

--- a/5.0_python_6.libraries/python_libraries/1.numpy/Numpy_class.pptx
+++ b/5.0_python_6.libraries/python_libraries/1.numpy/Numpy_class.pptx
@@ -49,21 +49,21 @@
     <p:sldId id="294" r:id="rId42"/>
     <p:sldId id="295" r:id="rId43"/>
     <p:sldId id="296" r:id="rId44"/>
-    <p:sldId id="297" r:id="rId45"/>
-    <p:sldId id="298" r:id="rId46"/>
-    <p:sldId id="299" r:id="rId47"/>
-    <p:sldId id="300" r:id="rId48"/>
-    <p:sldId id="309" r:id="rId49"/>
-    <p:sldId id="310" r:id="rId50"/>
-    <p:sldId id="301" r:id="rId51"/>
-    <p:sldId id="302" r:id="rId52"/>
-    <p:sldId id="303" r:id="rId53"/>
-    <p:sldId id="311" r:id="rId54"/>
-    <p:sldId id="304" r:id="rId55"/>
-    <p:sldId id="312" r:id="rId56"/>
-    <p:sldId id="305" r:id="rId57"/>
-    <p:sldId id="306" r:id="rId58"/>
-    <p:sldId id="307" r:id="rId59"/>
+    <p:sldId id="333" r:id="rId45"/>
+    <p:sldId id="297" r:id="rId46"/>
+    <p:sldId id="298" r:id="rId47"/>
+    <p:sldId id="299" r:id="rId48"/>
+    <p:sldId id="300" r:id="rId49"/>
+    <p:sldId id="309" r:id="rId50"/>
+    <p:sldId id="310" r:id="rId51"/>
+    <p:sldId id="301" r:id="rId52"/>
+    <p:sldId id="302" r:id="rId53"/>
+    <p:sldId id="303" r:id="rId54"/>
+    <p:sldId id="311" r:id="rId55"/>
+    <p:sldId id="304" r:id="rId56"/>
+    <p:sldId id="312" r:id="rId57"/>
+    <p:sldId id="305" r:id="rId58"/>
+    <p:sldId id="306" r:id="rId59"/>
     <p:sldId id="321" r:id="rId60"/>
     <p:sldId id="322" r:id="rId61"/>
     <p:sldId id="328" r:id="rId62"/>
@@ -5411,105 +5411,6 @@
 </file>
 
 <file path=ppt/notesSlides/notesSlide52.xml><?xml version="1.0" encoding="utf-8"?>
-<p:notes xmlns:a="http://schemas.openxmlformats.org/drawingml/2006/main" xmlns:r="http://schemas.openxmlformats.org/officeDocument/2006/relationships" xmlns:p="http://schemas.openxmlformats.org/presentationml/2006/main" showMasterPhAnim="0" showMasterSp="0">
-  <p:cSld>
-    <p:spTree>
-      <p:nvGrpSpPr>
-        <p:cNvPr id="346" name="Shape 346"/>
-        <p:cNvGrpSpPr/>
-        <p:nvPr/>
-      </p:nvGrpSpPr>
-      <p:grpSpPr>
-        <a:xfrm>
-          <a:off x="0" y="0"/>
-          <a:ext cx="0" cy="0"/>
-          <a:chOff x="0" y="0"/>
-          <a:chExt cx="0" cy="0"/>
-        </a:xfrm>
-      </p:grpSpPr>
-      <p:sp>
-        <p:nvSpPr>
-          <p:cNvPr id="347" name="Google Shape;347;g25c18dd4481_0_173:notes"/>
-          <p:cNvSpPr/>
-          <p:nvPr>
-            <p:ph type="sldImg" idx="2"/>
-          </p:nvPr>
-        </p:nvSpPr>
-        <p:spPr>
-          <a:xfrm>
-            <a:off x="381300" y="685800"/>
-            <a:ext cx="6096000" cy="3429000"/>
-          </a:xfrm>
-          <a:custGeom>
-            <a:avLst/>
-            <a:gdLst/>
-            <a:ahLst/>
-            <a:cxnLst/>
-            <a:rect l="l" t="t" r="r" b="b"/>
-            <a:pathLst>
-              <a:path w="120000" h="120000" extrusionOk="0">
-                <a:moveTo>
-                  <a:pt x="0" y="0"/>
-                </a:moveTo>
-                <a:lnTo>
-                  <a:pt x="120000" y="0"/>
-                </a:lnTo>
-                <a:lnTo>
-                  <a:pt x="120000" y="120000"/>
-                </a:lnTo>
-                <a:lnTo>
-                  <a:pt x="0" y="120000"/>
-                </a:lnTo>
-                <a:close/>
-              </a:path>
-            </a:pathLst>
-          </a:custGeom>
-        </p:spPr>
-      </p:sp>
-      <p:sp>
-        <p:nvSpPr>
-          <p:cNvPr id="348" name="Google Shape;348;g25c18dd4481_0_173:notes"/>
-          <p:cNvSpPr txBox="1"/>
-          <p:nvPr>
-            <p:ph type="body" idx="1"/>
-          </p:nvPr>
-        </p:nvSpPr>
-        <p:spPr>
-          <a:xfrm>
-            <a:off x="685800" y="4343400"/>
-            <a:ext cx="5486400" cy="4114800"/>
-          </a:xfrm>
-          <a:prstGeom prst="rect">
-            <a:avLst/>
-          </a:prstGeom>
-        </p:spPr>
-        <p:txBody>
-          <a:bodyPr spcFirstLastPara="1" wrap="square" lIns="91425" tIns="91425" rIns="91425" bIns="91425" anchor="t" anchorCtr="0">
-            <a:noAutofit/>
-          </a:bodyPr>
-          <a:lstStyle/>
-          <a:p>
-            <a:pPr marL="0" lvl="0" indent="0" algn="l" rtl="0">
-              <a:spcBef>
-                <a:spcPts val="0"/>
-              </a:spcBef>
-              <a:spcAft>
-                <a:spcPts val="0"/>
-              </a:spcAft>
-              <a:buNone/>
-            </a:pPr>
-          </a:p>
-        </p:txBody>
-      </p:sp>
-    </p:spTree>
-  </p:cSld>
-  <p:clrMapOvr>
-    <a:masterClrMapping/>
-  </p:clrMapOvr>
-</p:notes>
-</file>
-
-<file path=ppt/notesSlides/notesSlide53.xml><?xml version="1.0" encoding="utf-8"?>
 <p:notes xmlns:a="http://schemas.openxmlformats.org/drawingml/2006/main" xmlns:r="http://schemas.openxmlformats.org/officeDocument/2006/relationships" xmlns:p="http://schemas.openxmlformats.org/presentationml/2006/main" showMasterPhAnim="0" showMasterSp="0">
   <p:cSld>
     <p:spTree>
@@ -30691,8 +30592,8 @@
         </p:nvSpPr>
         <p:spPr>
           <a:xfrm>
-            <a:off x="311700" y="445025"/>
-            <a:ext cx="8520600" cy="572700"/>
+            <a:off x="311785" y="445135"/>
+            <a:ext cx="2663190" cy="572770"/>
           </a:xfrm>
           <a:prstGeom prst="rect">
             <a:avLst/>
@@ -30927,14 +30828,14 @@
       </p:sp>
       <p:sp>
         <p:nvSpPr>
-          <p:cNvPr id="1" name="Text Box 0"/>
+          <p:cNvPr id="2" name="Text Box 1"/>
           <p:cNvSpPr txBox="1"/>
           <p:nvPr/>
         </p:nvSpPr>
         <p:spPr>
           <a:xfrm>
             <a:off x="4505325" y="1017905"/>
-            <a:ext cx="4572000" cy="3179445"/>
+            <a:ext cx="4572000" cy="2309495"/>
           </a:xfrm>
           <a:prstGeom prst="rect">
             <a:avLst/>
@@ -31678,8 +31579,8 @@
         </p:nvSpPr>
         <p:spPr>
           <a:xfrm>
-            <a:off x="311700" y="336050"/>
-            <a:ext cx="8520600" cy="4457700"/>
+            <a:off x="311785" y="335915"/>
+            <a:ext cx="2616200" cy="4457700"/>
           </a:xfrm>
           <a:prstGeom prst="rect">
             <a:avLst/>
@@ -32223,7 +32124,7 @@
       </p:sp>
       <p:pic>
         <p:nvPicPr>
-          <p:cNvPr id="1" name="Picture 0"/>
+          <p:cNvPr id="3" name="Picture 2"/>
           <p:cNvPicPr/>
           <p:nvPr/>
         </p:nvPicPr>
@@ -32252,6 +32153,895 @@
 </file>
 
 <file path=ppt/slides/slide42.xml><?xml version="1.0" encoding="utf-8"?>
+<p:sld xmlns:a="http://schemas.openxmlformats.org/drawingml/2006/main" xmlns:r="http://schemas.openxmlformats.org/officeDocument/2006/relationships" xmlns:p="http://schemas.openxmlformats.org/presentationml/2006/main">
+  <p:cSld>
+    <p:spTree>
+      <p:nvGrpSpPr>
+        <p:cNvPr id="1" name=""/>
+        <p:cNvGrpSpPr/>
+        <p:nvPr/>
+      </p:nvGrpSpPr>
+      <p:grpSpPr/>
+      <p:sp>
+        <p:nvSpPr>
+          <p:cNvPr id="7" name="Google Shape;350;p64"/>
+          <p:cNvSpPr txBox="1"/>
+          <p:nvPr/>
+        </p:nvSpPr>
+        <p:spPr>
+          <a:xfrm>
+            <a:off x="311700" y="445025"/>
+            <a:ext cx="8520600" cy="572700"/>
+          </a:xfrm>
+          <a:prstGeom prst="rect">
+            <a:avLst/>
+          </a:prstGeom>
+          <a:noFill/>
+          <a:ln>
+            <a:noFill/>
+          </a:ln>
+        </p:spPr>
+        <p:txBody>
+          <a:bodyPr wrap="square" lIns="91425" tIns="91425" rIns="91425" bIns="91425" anchor="t" anchorCtr="0">
+            <a:normAutofit fontScale="90000"/>
+          </a:bodyPr>
+          <a:lstStyle>
+            <a:defPPr marR="0" lvl="0" algn="l" rtl="0">
+              <a:lnSpc>
+                <a:spcPct val="100000"/>
+              </a:lnSpc>
+              <a:spcBef>
+                <a:spcPts val="0"/>
+              </a:spcBef>
+              <a:spcAft>
+                <a:spcPts val="0"/>
+              </a:spcAft>
+            </a:defPPr>
+            <a:lvl1pPr marR="0" lvl="0" algn="l" rtl="0">
+              <a:lnSpc>
+                <a:spcPct val="100000"/>
+              </a:lnSpc>
+              <a:spcBef>
+                <a:spcPts val="0"/>
+              </a:spcBef>
+              <a:spcAft>
+                <a:spcPts val="0"/>
+              </a:spcAft>
+              <a:buClr>
+                <a:schemeClr val="dk1"/>
+              </a:buClr>
+              <a:buSzPts val="2800"/>
+              <a:buFont typeface="Arial" panose="020B0604020202020204"/>
+              <a:buNone/>
+              <a:defRPr sz="2800" b="0" i="0" u="none" strike="noStrike" cap="none">
+                <a:solidFill>
+                  <a:schemeClr val="dk1"/>
+                </a:solidFill>
+                <a:latin typeface="Arial" panose="020B0604020202020204"/>
+                <a:ea typeface="Arial" panose="020B0604020202020204"/>
+                <a:cs typeface="Arial" panose="020B0604020202020204"/>
+                <a:sym typeface="Arial" panose="020B0604020202020204"/>
+              </a:defRPr>
+            </a:lvl1pPr>
+            <a:lvl2pPr marR="0" lvl="1" algn="l" rtl="0">
+              <a:lnSpc>
+                <a:spcPct val="100000"/>
+              </a:lnSpc>
+              <a:spcBef>
+                <a:spcPts val="0"/>
+              </a:spcBef>
+              <a:spcAft>
+                <a:spcPts val="0"/>
+              </a:spcAft>
+              <a:buClr>
+                <a:schemeClr val="dk1"/>
+              </a:buClr>
+              <a:buSzPts val="2800"/>
+              <a:buFont typeface="Arial" panose="020B0604020202020204"/>
+              <a:buNone/>
+              <a:defRPr sz="2800" b="0" i="0" u="none" strike="noStrike" cap="none">
+                <a:solidFill>
+                  <a:schemeClr val="dk1"/>
+                </a:solidFill>
+                <a:latin typeface="Arial" panose="020B0604020202020204"/>
+                <a:ea typeface="Arial" panose="020B0604020202020204"/>
+                <a:cs typeface="Arial" panose="020B0604020202020204"/>
+                <a:sym typeface="Arial" panose="020B0604020202020204"/>
+              </a:defRPr>
+            </a:lvl2pPr>
+            <a:lvl3pPr marR="0" lvl="2" algn="l" rtl="0">
+              <a:lnSpc>
+                <a:spcPct val="100000"/>
+              </a:lnSpc>
+              <a:spcBef>
+                <a:spcPts val="0"/>
+              </a:spcBef>
+              <a:spcAft>
+                <a:spcPts val="0"/>
+              </a:spcAft>
+              <a:buClr>
+                <a:schemeClr val="dk1"/>
+              </a:buClr>
+              <a:buSzPts val="2800"/>
+              <a:buFont typeface="Arial" panose="020B0604020202020204"/>
+              <a:buNone/>
+              <a:defRPr sz="2800" b="0" i="0" u="none" strike="noStrike" cap="none">
+                <a:solidFill>
+                  <a:schemeClr val="dk1"/>
+                </a:solidFill>
+                <a:latin typeface="Arial" panose="020B0604020202020204"/>
+                <a:ea typeface="Arial" panose="020B0604020202020204"/>
+                <a:cs typeface="Arial" panose="020B0604020202020204"/>
+                <a:sym typeface="Arial" panose="020B0604020202020204"/>
+              </a:defRPr>
+            </a:lvl3pPr>
+            <a:lvl4pPr marR="0" lvl="3" algn="l" rtl="0">
+              <a:lnSpc>
+                <a:spcPct val="100000"/>
+              </a:lnSpc>
+              <a:spcBef>
+                <a:spcPts val="0"/>
+              </a:spcBef>
+              <a:spcAft>
+                <a:spcPts val="0"/>
+              </a:spcAft>
+              <a:buClr>
+                <a:schemeClr val="dk1"/>
+              </a:buClr>
+              <a:buSzPts val="2800"/>
+              <a:buFont typeface="Arial" panose="020B0604020202020204"/>
+              <a:buNone/>
+              <a:defRPr sz="2800" b="0" i="0" u="none" strike="noStrike" cap="none">
+                <a:solidFill>
+                  <a:schemeClr val="dk1"/>
+                </a:solidFill>
+                <a:latin typeface="Arial" panose="020B0604020202020204"/>
+                <a:ea typeface="Arial" panose="020B0604020202020204"/>
+                <a:cs typeface="Arial" panose="020B0604020202020204"/>
+                <a:sym typeface="Arial" panose="020B0604020202020204"/>
+              </a:defRPr>
+            </a:lvl4pPr>
+            <a:lvl5pPr marR="0" lvl="4" algn="l" rtl="0">
+              <a:lnSpc>
+                <a:spcPct val="100000"/>
+              </a:lnSpc>
+              <a:spcBef>
+                <a:spcPts val="0"/>
+              </a:spcBef>
+              <a:spcAft>
+                <a:spcPts val="0"/>
+              </a:spcAft>
+              <a:buClr>
+                <a:schemeClr val="dk1"/>
+              </a:buClr>
+              <a:buSzPts val="2800"/>
+              <a:buFont typeface="Arial" panose="020B0604020202020204"/>
+              <a:buNone/>
+              <a:defRPr sz="2800" b="0" i="0" u="none" strike="noStrike" cap="none">
+                <a:solidFill>
+                  <a:schemeClr val="dk1"/>
+                </a:solidFill>
+                <a:latin typeface="Arial" panose="020B0604020202020204"/>
+                <a:ea typeface="Arial" panose="020B0604020202020204"/>
+                <a:cs typeface="Arial" panose="020B0604020202020204"/>
+                <a:sym typeface="Arial" panose="020B0604020202020204"/>
+              </a:defRPr>
+            </a:lvl5pPr>
+            <a:lvl6pPr marR="0" lvl="5" algn="l" rtl="0">
+              <a:lnSpc>
+                <a:spcPct val="100000"/>
+              </a:lnSpc>
+              <a:spcBef>
+                <a:spcPts val="0"/>
+              </a:spcBef>
+              <a:spcAft>
+                <a:spcPts val="0"/>
+              </a:spcAft>
+              <a:buClr>
+                <a:schemeClr val="dk1"/>
+              </a:buClr>
+              <a:buSzPts val="2800"/>
+              <a:buFont typeface="Arial" panose="020B0604020202020204"/>
+              <a:buNone/>
+              <a:defRPr sz="2800" b="0" i="0" u="none" strike="noStrike" cap="none">
+                <a:solidFill>
+                  <a:schemeClr val="dk1"/>
+                </a:solidFill>
+                <a:latin typeface="Arial" panose="020B0604020202020204"/>
+                <a:ea typeface="Arial" panose="020B0604020202020204"/>
+                <a:cs typeface="Arial" panose="020B0604020202020204"/>
+                <a:sym typeface="Arial" panose="020B0604020202020204"/>
+              </a:defRPr>
+            </a:lvl6pPr>
+            <a:lvl7pPr marR="0" lvl="6" algn="l" rtl="0">
+              <a:lnSpc>
+                <a:spcPct val="100000"/>
+              </a:lnSpc>
+              <a:spcBef>
+                <a:spcPts val="0"/>
+              </a:spcBef>
+              <a:spcAft>
+                <a:spcPts val="0"/>
+              </a:spcAft>
+              <a:buClr>
+                <a:schemeClr val="dk1"/>
+              </a:buClr>
+              <a:buSzPts val="2800"/>
+              <a:buFont typeface="Arial" panose="020B0604020202020204"/>
+              <a:buNone/>
+              <a:defRPr sz="2800" b="0" i="0" u="none" strike="noStrike" cap="none">
+                <a:solidFill>
+                  <a:schemeClr val="dk1"/>
+                </a:solidFill>
+                <a:latin typeface="Arial" panose="020B0604020202020204"/>
+                <a:ea typeface="Arial" panose="020B0604020202020204"/>
+                <a:cs typeface="Arial" panose="020B0604020202020204"/>
+                <a:sym typeface="Arial" panose="020B0604020202020204"/>
+              </a:defRPr>
+            </a:lvl7pPr>
+            <a:lvl8pPr marR="0" lvl="7" algn="l" rtl="0">
+              <a:lnSpc>
+                <a:spcPct val="100000"/>
+              </a:lnSpc>
+              <a:spcBef>
+                <a:spcPts val="0"/>
+              </a:spcBef>
+              <a:spcAft>
+                <a:spcPts val="0"/>
+              </a:spcAft>
+              <a:buClr>
+                <a:schemeClr val="dk1"/>
+              </a:buClr>
+              <a:buSzPts val="2800"/>
+              <a:buFont typeface="Arial" panose="020B0604020202020204"/>
+              <a:buNone/>
+              <a:defRPr sz="2800" b="0" i="0" u="none" strike="noStrike" cap="none">
+                <a:solidFill>
+                  <a:schemeClr val="dk1"/>
+                </a:solidFill>
+                <a:latin typeface="Arial" panose="020B0604020202020204"/>
+                <a:ea typeface="Arial" panose="020B0604020202020204"/>
+                <a:cs typeface="Arial" panose="020B0604020202020204"/>
+                <a:sym typeface="Arial" panose="020B0604020202020204"/>
+              </a:defRPr>
+            </a:lvl8pPr>
+            <a:lvl9pPr marR="0" lvl="8" algn="l" rtl="0">
+              <a:lnSpc>
+                <a:spcPct val="100000"/>
+              </a:lnSpc>
+              <a:spcBef>
+                <a:spcPts val="0"/>
+              </a:spcBef>
+              <a:spcAft>
+                <a:spcPts val="0"/>
+              </a:spcAft>
+              <a:buClr>
+                <a:schemeClr val="dk1"/>
+              </a:buClr>
+              <a:buSzPts val="2800"/>
+              <a:buFont typeface="Arial" panose="020B0604020202020204"/>
+              <a:buNone/>
+              <a:defRPr sz="2800" b="0" i="0" u="none" strike="noStrike" cap="none">
+                <a:solidFill>
+                  <a:schemeClr val="dk1"/>
+                </a:solidFill>
+                <a:latin typeface="Arial" panose="020B0604020202020204"/>
+                <a:ea typeface="Arial" panose="020B0604020202020204"/>
+                <a:cs typeface="Arial" panose="020B0604020202020204"/>
+                <a:sym typeface="Arial" panose="020B0604020202020204"/>
+              </a:defRPr>
+            </a:lvl9pPr>
+          </a:lstStyle>
+          <a:p>
+            <a:pPr marL="0" lvl="0" indent="0" algn="l" rtl="0">
+              <a:spcBef>
+                <a:spcPts val="0"/>
+              </a:spcBef>
+              <a:spcAft>
+                <a:spcPts val="0"/>
+              </a:spcAft>
+              <a:buNone/>
+            </a:pPr>
+            <a:r>
+              <a:rPr lang="en-GB"/>
+              <a:t>Broadcasting and Element-wise Operations</a:t>
+            </a:r>
+            <a:endParaRPr lang="en-GB"/>
+          </a:p>
+        </p:txBody>
+      </p:sp>
+      <p:sp>
+        <p:nvSpPr>
+          <p:cNvPr id="8" name="Google Shape;351;p64"/>
+          <p:cNvSpPr txBox="1"/>
+          <p:nvPr/>
+        </p:nvSpPr>
+        <p:spPr>
+          <a:xfrm>
+            <a:off x="112310" y="1017855"/>
+            <a:ext cx="8520600" cy="3416400"/>
+          </a:xfrm>
+          <a:prstGeom prst="rect">
+            <a:avLst/>
+          </a:prstGeom>
+          <a:noFill/>
+          <a:ln>
+            <a:noFill/>
+          </a:ln>
+        </p:spPr>
+        <p:txBody>
+          <a:bodyPr wrap="square" lIns="91425" tIns="91425" rIns="91425" bIns="91425" anchor="t" anchorCtr="0">
+            <a:normAutofit lnSpcReduction="20000"/>
+          </a:bodyPr>
+          <a:lstStyle>
+            <a:defPPr marR="0" lvl="0" algn="l" rtl="0">
+              <a:lnSpc>
+                <a:spcPct val="100000"/>
+              </a:lnSpc>
+              <a:spcBef>
+                <a:spcPts val="0"/>
+              </a:spcBef>
+              <a:spcAft>
+                <a:spcPts val="0"/>
+              </a:spcAft>
+            </a:defPPr>
+            <a:lvl1pPr marL="457200" marR="0" lvl="0" indent="-342900" algn="l" rtl="0">
+              <a:lnSpc>
+                <a:spcPct val="115000"/>
+              </a:lnSpc>
+              <a:spcBef>
+                <a:spcPts val="0"/>
+              </a:spcBef>
+              <a:spcAft>
+                <a:spcPts val="0"/>
+              </a:spcAft>
+              <a:buClr>
+                <a:schemeClr val="dk2"/>
+              </a:buClr>
+              <a:buSzPts val="1800"/>
+              <a:buFont typeface="Arial" panose="020B0604020202020204"/>
+              <a:buChar char="●"/>
+              <a:defRPr sz="1800" b="0" i="0" u="none" strike="noStrike" cap="none">
+                <a:solidFill>
+                  <a:schemeClr val="dk2"/>
+                </a:solidFill>
+                <a:latin typeface="Arial" panose="020B0604020202020204"/>
+                <a:ea typeface="Arial" panose="020B0604020202020204"/>
+                <a:cs typeface="Arial" panose="020B0604020202020204"/>
+                <a:sym typeface="Arial" panose="020B0604020202020204"/>
+              </a:defRPr>
+            </a:lvl1pPr>
+            <a:lvl2pPr marL="914400" marR="0" lvl="1" indent="-317500" algn="l" rtl="0">
+              <a:lnSpc>
+                <a:spcPct val="115000"/>
+              </a:lnSpc>
+              <a:spcBef>
+                <a:spcPts val="0"/>
+              </a:spcBef>
+              <a:spcAft>
+                <a:spcPts val="0"/>
+              </a:spcAft>
+              <a:buClr>
+                <a:schemeClr val="dk2"/>
+              </a:buClr>
+              <a:buSzPts val="1400"/>
+              <a:buFont typeface="Arial" panose="020B0604020202020204"/>
+              <a:buChar char="○"/>
+              <a:defRPr sz="1400" b="0" i="0" u="none" strike="noStrike" cap="none">
+                <a:solidFill>
+                  <a:schemeClr val="dk2"/>
+                </a:solidFill>
+                <a:latin typeface="Arial" panose="020B0604020202020204"/>
+                <a:ea typeface="Arial" panose="020B0604020202020204"/>
+                <a:cs typeface="Arial" panose="020B0604020202020204"/>
+                <a:sym typeface="Arial" panose="020B0604020202020204"/>
+              </a:defRPr>
+            </a:lvl2pPr>
+            <a:lvl3pPr marL="1371600" marR="0" lvl="2" indent="-317500" algn="l" rtl="0">
+              <a:lnSpc>
+                <a:spcPct val="115000"/>
+              </a:lnSpc>
+              <a:spcBef>
+                <a:spcPts val="0"/>
+              </a:spcBef>
+              <a:spcAft>
+                <a:spcPts val="0"/>
+              </a:spcAft>
+              <a:buClr>
+                <a:schemeClr val="dk2"/>
+              </a:buClr>
+              <a:buSzPts val="1400"/>
+              <a:buFont typeface="Arial" panose="020B0604020202020204"/>
+              <a:buChar char="■"/>
+              <a:defRPr sz="1400" b="0" i="0" u="none" strike="noStrike" cap="none">
+                <a:solidFill>
+                  <a:schemeClr val="dk2"/>
+                </a:solidFill>
+                <a:latin typeface="Arial" panose="020B0604020202020204"/>
+                <a:ea typeface="Arial" panose="020B0604020202020204"/>
+                <a:cs typeface="Arial" panose="020B0604020202020204"/>
+                <a:sym typeface="Arial" panose="020B0604020202020204"/>
+              </a:defRPr>
+            </a:lvl3pPr>
+            <a:lvl4pPr marL="1828800" marR="0" lvl="3" indent="-317500" algn="l" rtl="0">
+              <a:lnSpc>
+                <a:spcPct val="115000"/>
+              </a:lnSpc>
+              <a:spcBef>
+                <a:spcPts val="0"/>
+              </a:spcBef>
+              <a:spcAft>
+                <a:spcPts val="0"/>
+              </a:spcAft>
+              <a:buClr>
+                <a:schemeClr val="dk2"/>
+              </a:buClr>
+              <a:buSzPts val="1400"/>
+              <a:buFont typeface="Arial" panose="020B0604020202020204"/>
+              <a:buChar char="●"/>
+              <a:defRPr sz="1400" b="0" i="0" u="none" strike="noStrike" cap="none">
+                <a:solidFill>
+                  <a:schemeClr val="dk2"/>
+                </a:solidFill>
+                <a:latin typeface="Arial" panose="020B0604020202020204"/>
+                <a:ea typeface="Arial" panose="020B0604020202020204"/>
+                <a:cs typeface="Arial" panose="020B0604020202020204"/>
+                <a:sym typeface="Arial" panose="020B0604020202020204"/>
+              </a:defRPr>
+            </a:lvl4pPr>
+            <a:lvl5pPr marL="2286000" marR="0" lvl="4" indent="-317500" algn="l" rtl="0">
+              <a:lnSpc>
+                <a:spcPct val="115000"/>
+              </a:lnSpc>
+              <a:spcBef>
+                <a:spcPts val="0"/>
+              </a:spcBef>
+              <a:spcAft>
+                <a:spcPts val="0"/>
+              </a:spcAft>
+              <a:buClr>
+                <a:schemeClr val="dk2"/>
+              </a:buClr>
+              <a:buSzPts val="1400"/>
+              <a:buFont typeface="Arial" panose="020B0604020202020204"/>
+              <a:buChar char="○"/>
+              <a:defRPr sz="1400" b="0" i="0" u="none" strike="noStrike" cap="none">
+                <a:solidFill>
+                  <a:schemeClr val="dk2"/>
+                </a:solidFill>
+                <a:latin typeface="Arial" panose="020B0604020202020204"/>
+                <a:ea typeface="Arial" panose="020B0604020202020204"/>
+                <a:cs typeface="Arial" panose="020B0604020202020204"/>
+                <a:sym typeface="Arial" panose="020B0604020202020204"/>
+              </a:defRPr>
+            </a:lvl5pPr>
+            <a:lvl6pPr marL="2743200" marR="0" lvl="5" indent="-317500" algn="l" rtl="0">
+              <a:lnSpc>
+                <a:spcPct val="115000"/>
+              </a:lnSpc>
+              <a:spcBef>
+                <a:spcPts val="0"/>
+              </a:spcBef>
+              <a:spcAft>
+                <a:spcPts val="0"/>
+              </a:spcAft>
+              <a:buClr>
+                <a:schemeClr val="dk2"/>
+              </a:buClr>
+              <a:buSzPts val="1400"/>
+              <a:buFont typeface="Arial" panose="020B0604020202020204"/>
+              <a:buChar char="■"/>
+              <a:defRPr sz="1400" b="0" i="0" u="none" strike="noStrike" cap="none">
+                <a:solidFill>
+                  <a:schemeClr val="dk2"/>
+                </a:solidFill>
+                <a:latin typeface="Arial" panose="020B0604020202020204"/>
+                <a:ea typeface="Arial" panose="020B0604020202020204"/>
+                <a:cs typeface="Arial" panose="020B0604020202020204"/>
+                <a:sym typeface="Arial" panose="020B0604020202020204"/>
+              </a:defRPr>
+            </a:lvl6pPr>
+            <a:lvl7pPr marL="3200400" marR="0" lvl="6" indent="-317500" algn="l" rtl="0">
+              <a:lnSpc>
+                <a:spcPct val="115000"/>
+              </a:lnSpc>
+              <a:spcBef>
+                <a:spcPts val="0"/>
+              </a:spcBef>
+              <a:spcAft>
+                <a:spcPts val="0"/>
+              </a:spcAft>
+              <a:buClr>
+                <a:schemeClr val="dk2"/>
+              </a:buClr>
+              <a:buSzPts val="1400"/>
+              <a:buFont typeface="Arial" panose="020B0604020202020204"/>
+              <a:buChar char="●"/>
+              <a:defRPr sz="1400" b="0" i="0" u="none" strike="noStrike" cap="none">
+                <a:solidFill>
+                  <a:schemeClr val="dk2"/>
+                </a:solidFill>
+                <a:latin typeface="Arial" panose="020B0604020202020204"/>
+                <a:ea typeface="Arial" panose="020B0604020202020204"/>
+                <a:cs typeface="Arial" panose="020B0604020202020204"/>
+                <a:sym typeface="Arial" panose="020B0604020202020204"/>
+              </a:defRPr>
+            </a:lvl7pPr>
+            <a:lvl8pPr marL="3657600" marR="0" lvl="7" indent="-317500" algn="l" rtl="0">
+              <a:lnSpc>
+                <a:spcPct val="115000"/>
+              </a:lnSpc>
+              <a:spcBef>
+                <a:spcPts val="0"/>
+              </a:spcBef>
+              <a:spcAft>
+                <a:spcPts val="0"/>
+              </a:spcAft>
+              <a:buClr>
+                <a:schemeClr val="dk2"/>
+              </a:buClr>
+              <a:buSzPts val="1400"/>
+              <a:buFont typeface="Arial" panose="020B0604020202020204"/>
+              <a:buChar char="○"/>
+              <a:defRPr sz="1400" b="0" i="0" u="none" strike="noStrike" cap="none">
+                <a:solidFill>
+                  <a:schemeClr val="dk2"/>
+                </a:solidFill>
+                <a:latin typeface="Arial" panose="020B0604020202020204"/>
+                <a:ea typeface="Arial" panose="020B0604020202020204"/>
+                <a:cs typeface="Arial" panose="020B0604020202020204"/>
+                <a:sym typeface="Arial" panose="020B0604020202020204"/>
+              </a:defRPr>
+            </a:lvl8pPr>
+            <a:lvl9pPr marL="4114800" marR="0" lvl="8" indent="-317500" algn="l" rtl="0">
+              <a:lnSpc>
+                <a:spcPct val="115000"/>
+              </a:lnSpc>
+              <a:spcBef>
+                <a:spcPts val="0"/>
+              </a:spcBef>
+              <a:spcAft>
+                <a:spcPts val="0"/>
+              </a:spcAft>
+              <a:buClr>
+                <a:schemeClr val="dk2"/>
+              </a:buClr>
+              <a:buSzPts val="1400"/>
+              <a:buFont typeface="Arial" panose="020B0604020202020204"/>
+              <a:buChar char="■"/>
+              <a:defRPr sz="1400" b="0" i="0" u="none" strike="noStrike" cap="none">
+                <a:solidFill>
+                  <a:schemeClr val="dk2"/>
+                </a:solidFill>
+                <a:latin typeface="Arial" panose="020B0604020202020204"/>
+                <a:ea typeface="Arial" panose="020B0604020202020204"/>
+                <a:cs typeface="Arial" panose="020B0604020202020204"/>
+                <a:sym typeface="Arial" panose="020B0604020202020204"/>
+              </a:defRPr>
+            </a:lvl9pPr>
+          </a:lstStyle>
+          <a:p>
+            <a:pPr marL="0" lvl="0" indent="0" algn="l" rtl="0">
+              <a:spcBef>
+                <a:spcPts val="0"/>
+              </a:spcBef>
+              <a:spcAft>
+                <a:spcPts val="0"/>
+              </a:spcAft>
+              <a:buClr>
+                <a:schemeClr val="dk1"/>
+              </a:buClr>
+              <a:buSzPts val="1100"/>
+              <a:buFont typeface="Arial" panose="020B0604020202020204"/>
+              <a:buNone/>
+            </a:pPr>
+            <a:r>
+              <a:rPr lang="en-GB" sz="1400"/>
+              <a:t>np.broadcast(): Return an object that allows broadcasting of two arrays.</a:t>
+            </a:r>
+            <a:endParaRPr lang="en-GB" sz="1400"/>
+          </a:p>
+          <a:p>
+            <a:pPr marL="0" lvl="0" indent="0" algn="l" rtl="0">
+              <a:spcBef>
+                <a:spcPts val="1200"/>
+              </a:spcBef>
+              <a:spcAft>
+                <a:spcPts val="0"/>
+              </a:spcAft>
+              <a:buClr>
+                <a:schemeClr val="dk1"/>
+              </a:buClr>
+              <a:buSzPts val="1100"/>
+              <a:buFont typeface="Arial" panose="020B0604020202020204"/>
+              <a:buNone/>
+            </a:pPr>
+            <a:r>
+              <a:rPr lang="en-GB" sz="1400"/>
+              <a:t>np.maximum(): Element-wise maximum between two arrays.</a:t>
+            </a:r>
+            <a:endParaRPr lang="en-GB" sz="1400"/>
+          </a:p>
+          <a:p>
+            <a:pPr marL="0" lvl="0" indent="0" algn="l" rtl="0">
+              <a:spcBef>
+                <a:spcPts val="1200"/>
+              </a:spcBef>
+              <a:spcAft>
+                <a:spcPts val="0"/>
+              </a:spcAft>
+              <a:buClr>
+                <a:schemeClr val="dk1"/>
+              </a:buClr>
+              <a:buSzPts val="1100"/>
+              <a:buFont typeface="Arial" panose="020B0604020202020204"/>
+              <a:buNone/>
+            </a:pPr>
+            <a:r>
+              <a:rPr lang="en-GB" sz="1400"/>
+              <a:t>np.minimum(): Element-wise minimum between two arrays.</a:t>
+            </a:r>
+            <a:endParaRPr lang="en-GB" sz="1400"/>
+          </a:p>
+          <a:p>
+            <a:pPr lvl="0" indent="0" algn="l" rtl="0">
+              <a:lnSpc>
+                <a:spcPct val="5000"/>
+              </a:lnSpc>
+              <a:spcBef>
+                <a:spcPts val="1200"/>
+              </a:spcBef>
+              <a:spcAft>
+                <a:spcPts val="1200"/>
+              </a:spcAft>
+              <a:buNone/>
+            </a:pPr>
+            <a:r>
+              <a:rPr sz="1000"/>
+              <a:t># Create two arrays of different shapes</a:t>
+            </a:r>
+            <a:endParaRPr sz="1000"/>
+          </a:p>
+          <a:p>
+            <a:pPr lvl="0" indent="0" algn="l" rtl="0">
+              <a:lnSpc>
+                <a:spcPct val="5000"/>
+              </a:lnSpc>
+              <a:spcBef>
+                <a:spcPts val="1200"/>
+              </a:spcBef>
+              <a:spcAft>
+                <a:spcPts val="1200"/>
+              </a:spcAft>
+              <a:buNone/>
+            </a:pPr>
+            <a:r>
+              <a:rPr sz="1000"/>
+              <a:t>arr1 = np.array([1, 2, 3])</a:t>
+            </a:r>
+            <a:endParaRPr sz="1000"/>
+          </a:p>
+          <a:p>
+            <a:pPr lvl="0" indent="0" algn="l" rtl="0">
+              <a:lnSpc>
+                <a:spcPct val="5000"/>
+              </a:lnSpc>
+              <a:spcBef>
+                <a:spcPts val="1200"/>
+              </a:spcBef>
+              <a:spcAft>
+                <a:spcPts val="1200"/>
+              </a:spcAft>
+              <a:buNone/>
+            </a:pPr>
+            <a:r>
+              <a:rPr sz="1000"/>
+              <a:t>arr2 = np.array([[1], [2], [3]])</a:t>
+            </a:r>
+            <a:endParaRPr sz="1000"/>
+          </a:p>
+          <a:p>
+            <a:pPr lvl="0" indent="0" algn="l" rtl="0">
+              <a:lnSpc>
+                <a:spcPct val="5000"/>
+              </a:lnSpc>
+              <a:spcBef>
+                <a:spcPts val="1200"/>
+              </a:spcBef>
+              <a:spcAft>
+                <a:spcPts val="1200"/>
+              </a:spcAft>
+              <a:buNone/>
+            </a:pPr>
+            <a:r>
+              <a:rPr sz="1000"/>
+              <a:t># 1. np.broadcast(): Return an object that allows broadcasting of two arrays</a:t>
+            </a:r>
+            <a:endParaRPr sz="1000"/>
+          </a:p>
+          <a:p>
+            <a:pPr lvl="0" indent="0" algn="l" rtl="0">
+              <a:lnSpc>
+                <a:spcPct val="5000"/>
+              </a:lnSpc>
+              <a:spcBef>
+                <a:spcPts val="1200"/>
+              </a:spcBef>
+              <a:spcAft>
+                <a:spcPts val="1200"/>
+              </a:spcAft>
+              <a:buNone/>
+            </a:pPr>
+            <a:r>
+              <a:rPr sz="1000"/>
+              <a:t>broadcast_obj = np.broadcast(arr1, arr2)</a:t>
+            </a:r>
+            <a:endParaRPr sz="1000"/>
+          </a:p>
+          <a:p>
+            <a:pPr lvl="0" indent="0" algn="l" rtl="0">
+              <a:lnSpc>
+                <a:spcPct val="5000"/>
+              </a:lnSpc>
+              <a:spcBef>
+                <a:spcPts val="1200"/>
+              </a:spcBef>
+              <a:spcAft>
+                <a:spcPts val="1200"/>
+              </a:spcAft>
+              <a:buNone/>
+            </a:pPr>
+            <a:r>
+              <a:rPr sz="1000"/>
+              <a:t># Use broadcasting to perform element-wise addition</a:t>
+            </a:r>
+            <a:endParaRPr sz="1000"/>
+          </a:p>
+          <a:p>
+            <a:pPr lvl="0" indent="0" algn="l" rtl="0">
+              <a:lnSpc>
+                <a:spcPct val="5000"/>
+              </a:lnSpc>
+              <a:spcBef>
+                <a:spcPts val="1200"/>
+              </a:spcBef>
+              <a:spcAft>
+                <a:spcPts val="1200"/>
+              </a:spcAft>
+              <a:buNone/>
+            </a:pPr>
+            <a:r>
+              <a:rPr sz="1000"/>
+              <a:t>broadcasted_sum = arr1 + arr2</a:t>
+            </a:r>
+            <a:endParaRPr sz="1000"/>
+          </a:p>
+        </p:txBody>
+      </p:sp>
+      <p:sp>
+        <p:nvSpPr>
+          <p:cNvPr id="9" name="Text Box 8"/>
+          <p:cNvSpPr txBox="1"/>
+          <p:nvPr/>
+        </p:nvSpPr>
+        <p:spPr>
+          <a:xfrm>
+            <a:off x="762000" y="4013200"/>
+            <a:ext cx="7870825" cy="1014730"/>
+          </a:xfrm>
+          <a:prstGeom prst="rect">
+            <a:avLst/>
+          </a:prstGeom>
+          <a:noFill/>
+        </p:spPr>
+        <p:txBody>
+          <a:bodyPr wrap="square" rtlCol="0">
+            <a:spAutoFit/>
+          </a:bodyPr>
+          <a:p>
+            <a:r>
+              <a:rPr lang="en-US" sz="1000"/>
+              <a:t># 2. np.maximum(): Element-wise maximum between two arrays</a:t>
+            </a:r>
+            <a:endParaRPr lang="en-US" sz="1000"/>
+          </a:p>
+          <a:p>
+            <a:r>
+              <a:rPr lang="en-US" sz="1000"/>
+              <a:t>arr3 = np.array([1, 4, 3, 2])</a:t>
+            </a:r>
+            <a:endParaRPr lang="en-US" sz="1000"/>
+          </a:p>
+          <a:p>
+            <a:r>
+              <a:rPr lang="en-US" sz="1000"/>
+              <a:t>arr4 = np.array([2, 3, 5, 1])</a:t>
+            </a:r>
+            <a:endParaRPr lang="en-US" sz="1000"/>
+          </a:p>
+          <a:p>
+            <a:r>
+              <a:rPr lang="en-US" sz="1000"/>
+              <a:t>maximum_result = np.maximum(arr3, arr4)</a:t>
+            </a:r>
+            <a:endParaRPr lang="en-US" sz="1000"/>
+          </a:p>
+          <a:p>
+            <a:r>
+              <a:rPr lang="en-US" sz="1000"/>
+              <a:t>print("Element-wise maximum:", maximum_result)</a:t>
+            </a:r>
+            <a:endParaRPr lang="en-US" sz="1000"/>
+          </a:p>
+          <a:p>
+            <a:r>
+              <a:rPr lang="en-US" sz="1000"/>
+              <a:t># Output: [2 4 5 2]</a:t>
+            </a:r>
+            <a:endParaRPr lang="en-US" sz="1000"/>
+          </a:p>
+        </p:txBody>
+      </p:sp>
+      <p:sp>
+        <p:nvSpPr>
+          <p:cNvPr id="10" name="Text Box 9"/>
+          <p:cNvSpPr txBox="1"/>
+          <p:nvPr/>
+        </p:nvSpPr>
+        <p:spPr>
+          <a:xfrm>
+            <a:off x="4260215" y="4505960"/>
+            <a:ext cx="4572000" cy="521970"/>
+          </a:xfrm>
+          <a:prstGeom prst="rect">
+            <a:avLst/>
+          </a:prstGeom>
+          <a:noFill/>
+        </p:spPr>
+        <p:txBody>
+          <a:bodyPr wrap="square" rtlCol="0" anchor="t">
+            <a:spAutoFit/>
+          </a:bodyPr>
+          <a:p>
+            <a:r>
+              <a:rPr lang="en-US"/>
+              <a:t>https://jakevdp.github.io/PythonDataScienceHandbook/02.05-computation-on-arrays-broadcasting.html </a:t>
+            </a:r>
+            <a:endParaRPr lang="en-US"/>
+          </a:p>
+        </p:txBody>
+      </p:sp>
+      <p:pic>
+        <p:nvPicPr>
+          <p:cNvPr id="11" name="Picture 10"/>
+          <p:cNvPicPr/>
+          <p:nvPr/>
+        </p:nvPicPr>
+        <p:blipFill>
+          <a:blip r:embed="rId1"/>
+          <a:stretch>
+            <a:fillRect/>
+          </a:stretch>
+        </p:blipFill>
+        <p:spPr>
+          <a:xfrm>
+            <a:off x="5038090" y="1668780"/>
+            <a:ext cx="3910330" cy="2526665"/>
+          </a:xfrm>
+          <a:prstGeom prst="rect">
+            <a:avLst/>
+          </a:prstGeom>
+        </p:spPr>
+      </p:pic>
+    </p:spTree>
+  </p:cSld>
+  <p:clrMapOvr>
+    <a:masterClrMapping/>
+  </p:clrMapOvr>
+</p:sld>
+</file>
+
+<file path=ppt/slides/slide43.xml><?xml version="1.0" encoding="utf-8"?>
 <p:sld xmlns:a="http://schemas.openxmlformats.org/drawingml/2006/main" xmlns:r="http://schemas.openxmlformats.org/officeDocument/2006/relationships" xmlns:p="http://schemas.openxmlformats.org/presentationml/2006/main">
   <p:cSld>
     <p:spTree>
@@ -32513,14 +33303,14 @@
       </p:sp>
       <p:sp>
         <p:nvSpPr>
-          <p:cNvPr id="1" name="Text Box 0"/>
+          <p:cNvPr id="2" name="Text Box 1"/>
           <p:cNvSpPr txBox="1"/>
           <p:nvPr/>
         </p:nvSpPr>
         <p:spPr>
           <a:xfrm>
             <a:off x="4010660" y="1520190"/>
-            <a:ext cx="3255010" cy="1993265"/>
+            <a:ext cx="3255010" cy="2916555"/>
           </a:xfrm>
           <a:prstGeom prst="rect">
             <a:avLst/>
@@ -32529,7 +33319,7 @@
         </p:spPr>
         <p:txBody>
           <a:bodyPr wrap="square" rtlCol="0" anchor="t">
-            <a:spAutoFit/>
+            <a:noAutofit/>
           </a:bodyPr>
           <a:p>
             <a:pPr marL="0" lvl="0" indent="0" algn="l" rtl="0">
@@ -32547,12 +33337,12 @@
               <a:buNone/>
             </a:pPr>
             <a:r>
-              <a:rPr lang="en-GB" baseline="-25000">
+              <a:rPr lang="en-GB" sz="2000" baseline="-25000">
                 <a:sym typeface="+mn-ea"/>
               </a:rPr>
               <a:t>result_product = np.prod(arr)</a:t>
             </a:r>
-            <a:endParaRPr lang="en-GB" baseline="-25000"/>
+            <a:endParaRPr lang="en-GB" sz="2000" baseline="-25000"/>
           </a:p>
           <a:p>
             <a:pPr marL="0" lvl="0" indent="0" algn="l" rtl="0">
@@ -32570,12 +33360,12 @@
               <a:buNone/>
             </a:pPr>
             <a:r>
-              <a:rPr lang="en-GB" baseline="-25000">
+              <a:rPr lang="en-GB" sz="2000" baseline="-25000">
                 <a:sym typeface="+mn-ea"/>
               </a:rPr>
               <a:t># Mean and median</a:t>
             </a:r>
-            <a:endParaRPr lang="en-GB" baseline="-25000"/>
+            <a:endParaRPr lang="en-GB" sz="2000" baseline="-25000"/>
           </a:p>
           <a:p>
             <a:pPr marL="0" lvl="0" indent="0" algn="l" rtl="0">
@@ -32593,12 +33383,12 @@
               <a:buNone/>
             </a:pPr>
             <a:r>
-              <a:rPr lang="en-GB" baseline="-25000">
+              <a:rPr lang="en-GB" sz="2000" baseline="-25000">
                 <a:sym typeface="+mn-ea"/>
               </a:rPr>
               <a:t>result_mean = np.mean(arr)</a:t>
             </a:r>
-            <a:endParaRPr lang="en-GB" baseline="-25000"/>
+            <a:endParaRPr lang="en-GB" sz="2000" baseline="-25000"/>
           </a:p>
           <a:p>
             <a:pPr marL="0" lvl="0" indent="0" algn="l" rtl="0">
@@ -32616,12 +33406,12 @@
               <a:buNone/>
             </a:pPr>
             <a:r>
-              <a:rPr lang="en-GB" baseline="-25000">
+              <a:rPr lang="en-GB" sz="2000" baseline="-25000">
                 <a:sym typeface="+mn-ea"/>
               </a:rPr>
               <a:t>result_median = np.median(arr)</a:t>
             </a:r>
-            <a:endParaRPr lang="en-GB" baseline="-25000"/>
+            <a:endParaRPr lang="en-GB" sz="2000" baseline="-25000"/>
           </a:p>
           <a:p>
             <a:pPr marL="0" lvl="0" indent="0" algn="l" rtl="0">
@@ -32639,12 +33429,12 @@
               <a:buNone/>
             </a:pPr>
             <a:r>
-              <a:rPr lang="en-GB" baseline="-25000">
+              <a:rPr lang="en-GB" sz="2000" baseline="-25000">
                 <a:sym typeface="+mn-ea"/>
               </a:rPr>
               <a:t># Variance and standard deviation</a:t>
             </a:r>
-            <a:endParaRPr lang="en-GB" baseline="-25000"/>
+            <a:endParaRPr lang="en-GB" sz="2000" baseline="-25000"/>
           </a:p>
           <a:p>
             <a:pPr marL="0" lvl="0" indent="0" algn="l" rtl="0">
@@ -32662,12 +33452,12 @@
               <a:buNone/>
             </a:pPr>
             <a:r>
-              <a:rPr lang="en-GB" baseline="-25000">
+              <a:rPr lang="en-GB" sz="2000" baseline="-25000">
                 <a:sym typeface="+mn-ea"/>
               </a:rPr>
               <a:t>result_var = np.var(arr)</a:t>
             </a:r>
-            <a:endParaRPr lang="en-GB" baseline="-25000"/>
+            <a:endParaRPr lang="en-GB" sz="2000" baseline="-25000"/>
           </a:p>
           <a:p>
             <a:pPr marL="0" lvl="0" indent="0" algn="l" rtl="0">
@@ -32680,12 +33470,12 @@
               <a:buNone/>
             </a:pPr>
             <a:r>
-              <a:rPr lang="en-GB" baseline="-25000">
+              <a:rPr lang="en-GB" sz="2000" baseline="-25000">
                 <a:sym typeface="+mn-ea"/>
               </a:rPr>
               <a:t>result_std = np.std(arr)</a:t>
             </a:r>
-            <a:endParaRPr lang="en-GB" baseline="-25000">
+            <a:endParaRPr lang="en-GB" sz="2000" baseline="-25000">
               <a:sym typeface="+mn-ea"/>
             </a:endParaRPr>
           </a:p>
@@ -32699,7 +33489,7 @@
 </p:sld>
 </file>
 
-<file path=ppt/slides/slide43.xml><?xml version="1.0" encoding="utf-8"?>
+<file path=ppt/slides/slide44.xml><?xml version="1.0" encoding="utf-8"?>
 <p:sld xmlns:a="http://schemas.openxmlformats.org/drawingml/2006/main" xmlns:r="http://schemas.openxmlformats.org/officeDocument/2006/relationships" xmlns:p="http://schemas.openxmlformats.org/presentationml/2006/main">
   <p:cSld>
     <p:spTree>
@@ -32766,8 +33556,8 @@
         </p:nvSpPr>
         <p:spPr>
           <a:xfrm>
-            <a:off x="311700" y="1152475"/>
-            <a:ext cx="8520600" cy="3416400"/>
+            <a:off x="311785" y="1152525"/>
+            <a:ext cx="3345815" cy="3416300"/>
           </a:xfrm>
           <a:prstGeom prst="rect">
             <a:avLst/>
@@ -33009,7 +33799,7 @@
 </p:sld>
 </file>
 
-<file path=ppt/slides/slide44.xml><?xml version="1.0" encoding="utf-8"?>
+<file path=ppt/slides/slide45.xml><?xml version="1.0" encoding="utf-8"?>
 <p:sld xmlns:a="http://schemas.openxmlformats.org/drawingml/2006/main" xmlns:r="http://schemas.openxmlformats.org/officeDocument/2006/relationships" xmlns:p="http://schemas.openxmlformats.org/presentationml/2006/main">
   <p:cSld>
     <p:spTree>
@@ -33192,7 +33982,7 @@
 </p:sld>
 </file>
 
-<file path=ppt/slides/slide45.xml><?xml version="1.0" encoding="utf-8"?>
+<file path=ppt/slides/slide46.xml><?xml version="1.0" encoding="utf-8"?>
 <p:sld xmlns:a="http://schemas.openxmlformats.org/drawingml/2006/main" xmlns:r="http://schemas.openxmlformats.org/officeDocument/2006/relationships" xmlns:p="http://schemas.openxmlformats.org/presentationml/2006/main">
   <p:cSld>
     <p:spTree>
@@ -33486,7 +34276,7 @@
 </p:sld>
 </file>
 
-<file path=ppt/slides/slide46.xml><?xml version="1.0" encoding="utf-8"?>
+<file path=ppt/slides/slide47.xml><?xml version="1.0" encoding="utf-8"?>
 <p:sld xmlns:a="http://schemas.openxmlformats.org/drawingml/2006/main" xmlns:r="http://schemas.openxmlformats.org/officeDocument/2006/relationships" xmlns:p="http://schemas.openxmlformats.org/presentationml/2006/main">
   <p:cSld>
     <p:spTree>
@@ -33884,7 +34674,7 @@
 </p:sld>
 </file>
 
-<file path=ppt/slides/slide47.xml><?xml version="1.0" encoding="utf-8"?>
+<file path=ppt/slides/slide48.xml><?xml version="1.0" encoding="utf-8"?>
 <p:sld xmlns:a="http://schemas.openxmlformats.org/drawingml/2006/main" xmlns:r="http://schemas.openxmlformats.org/officeDocument/2006/relationships" xmlns:p="http://schemas.openxmlformats.org/presentationml/2006/main">
   <p:cSld>
     <p:spTree>
@@ -34260,7 +35050,7 @@
 </p:sld>
 </file>
 
-<file path=ppt/slides/slide48.xml><?xml version="1.0" encoding="utf-8"?>
+<file path=ppt/slides/slide49.xml><?xml version="1.0" encoding="utf-8"?>
 <p:sld xmlns:a="http://schemas.openxmlformats.org/drawingml/2006/main" xmlns:r="http://schemas.openxmlformats.org/officeDocument/2006/relationships" xmlns:p="http://schemas.openxmlformats.org/presentationml/2006/main">
   <p:cSld>
     <p:spTree>
@@ -34450,192 +35240,6 @@
               <a:t>np.histogram(): Compute the histogram of a set of data.</a:t>
             </a:r>
             <a:endParaRPr lang="en-GB"/>
-          </a:p>
-        </p:txBody>
-      </p:sp>
-    </p:spTree>
-  </p:cSld>
-  <p:clrMapOvr>
-    <a:masterClrMapping/>
-  </p:clrMapOvr>
-</p:sld>
-</file>
-
-<file path=ppt/slides/slide49.xml><?xml version="1.0" encoding="utf-8"?>
-<p:sld xmlns:a="http://schemas.openxmlformats.org/drawingml/2006/main" xmlns:r="http://schemas.openxmlformats.org/officeDocument/2006/relationships" xmlns:p="http://schemas.openxmlformats.org/presentationml/2006/main">
-  <p:cSld>
-    <p:spTree>
-      <p:nvGrpSpPr>
-        <p:cNvPr id="319" name="Shape 319"/>
-        <p:cNvGrpSpPr/>
-        <p:nvPr/>
-      </p:nvGrpSpPr>
-      <p:grpSpPr>
-        <a:xfrm>
-          <a:off x="0" y="0"/>
-          <a:ext cx="0" cy="0"/>
-          <a:chOff x="0" y="0"/>
-          <a:chExt cx="0" cy="0"/>
-        </a:xfrm>
-      </p:grpSpPr>
-      <p:sp>
-        <p:nvSpPr>
-          <p:cNvPr id="320" name="Google Shape;320;p59"/>
-          <p:cNvSpPr txBox="1"/>
-          <p:nvPr>
-            <p:ph type="title"/>
-          </p:nvPr>
-        </p:nvSpPr>
-        <p:spPr>
-          <a:xfrm>
-            <a:off x="311700" y="445025"/>
-            <a:ext cx="8520600" cy="572700"/>
-          </a:xfrm>
-          <a:prstGeom prst="rect">
-            <a:avLst/>
-          </a:prstGeom>
-        </p:spPr>
-        <p:txBody>
-          <a:bodyPr spcFirstLastPara="1" wrap="square" lIns="91425" tIns="91425" rIns="91425" bIns="91425" anchor="t" anchorCtr="0">
-            <a:normAutofit fontScale="90000"/>
-          </a:bodyPr>
-          <a:lstStyle/>
-          <a:p>
-            <a:pPr marL="0" lvl="0" indent="0" algn="l" rtl="0">
-              <a:lnSpc>
-                <a:spcPct val="115000"/>
-              </a:lnSpc>
-              <a:spcBef>
-                <a:spcPts val="0"/>
-              </a:spcBef>
-              <a:spcAft>
-                <a:spcPts val="1200"/>
-              </a:spcAft>
-              <a:buClr>
-                <a:schemeClr val="dk1"/>
-              </a:buClr>
-              <a:buSzPct val="52000"/>
-              <a:buFont typeface="Arial" panose="020B0604020202020204"/>
-              <a:buNone/>
-            </a:pPr>
-            <a:r>
-              <a:rPr lang="en-GB" sz="2135" b="1">
-                <a:solidFill>
-                  <a:schemeClr val="dk2"/>
-                </a:solidFill>
-              </a:rPr>
-              <a:t>Mathematical Operations</a:t>
-            </a:r>
-            <a:endParaRPr sz="3135" b="1"/>
-          </a:p>
-        </p:txBody>
-      </p:sp>
-      <p:sp>
-        <p:nvSpPr>
-          <p:cNvPr id="321" name="Google Shape;321;p59"/>
-          <p:cNvSpPr txBox="1"/>
-          <p:nvPr>
-            <p:ph type="body" idx="1"/>
-          </p:nvPr>
-        </p:nvSpPr>
-        <p:spPr>
-          <a:xfrm>
-            <a:off x="311700" y="1152475"/>
-            <a:ext cx="8520600" cy="3416400"/>
-          </a:xfrm>
-          <a:prstGeom prst="rect">
-            <a:avLst/>
-          </a:prstGeom>
-        </p:spPr>
-        <p:txBody>
-          <a:bodyPr spcFirstLastPara="1" wrap="square" lIns="91425" tIns="91425" rIns="91425" bIns="91425" anchor="t" anchorCtr="0">
-            <a:normAutofit/>
-          </a:bodyPr>
-          <a:lstStyle/>
-          <a:p>
-            <a:pPr marL="0" lvl="0" indent="0" algn="l" rtl="0">
-              <a:spcBef>
-                <a:spcPts val="0"/>
-              </a:spcBef>
-              <a:spcAft>
-                <a:spcPts val="0"/>
-              </a:spcAft>
-              <a:buNone/>
-            </a:pPr>
-          </a:p>
-          <a:p>
-            <a:pPr marL="0" lvl="0" indent="0" algn="l" rtl="0">
-              <a:spcBef>
-                <a:spcPts val="1200"/>
-              </a:spcBef>
-              <a:spcAft>
-                <a:spcPts val="0"/>
-              </a:spcAft>
-              <a:buClr>
-                <a:schemeClr val="dk1"/>
-              </a:buClr>
-              <a:buSzPts val="1100"/>
-              <a:buFont typeface="Arial" panose="020B0604020202020204"/>
-              <a:buNone/>
-            </a:pPr>
-            <a:r>
-              <a:rPr lang="en-GB"/>
-              <a:t>np.exp(): Calculate the exponential of all elements in the array.</a:t>
-            </a:r>
-            <a:endParaRPr lang="en-GB"/>
-          </a:p>
-          <a:p>
-            <a:pPr marL="0" lvl="0" indent="0" algn="l" rtl="0">
-              <a:spcBef>
-                <a:spcPts val="1200"/>
-              </a:spcBef>
-              <a:spcAft>
-                <a:spcPts val="0"/>
-              </a:spcAft>
-              <a:buClr>
-                <a:schemeClr val="dk1"/>
-              </a:buClr>
-              <a:buSzPts val="1100"/>
-              <a:buFont typeface="Arial" panose="020B0604020202020204"/>
-              <a:buNone/>
-            </a:pPr>
-            <a:r>
-              <a:rPr lang="en-GB"/>
-              <a:t>np.log(): Compute natural logarithm (base e) element-wise.</a:t>
-            </a:r>
-            <a:endParaRPr lang="en-GB"/>
-          </a:p>
-          <a:p>
-            <a:pPr marL="0" lvl="0" indent="0" algn="l" rtl="0">
-              <a:spcBef>
-                <a:spcPts val="1200"/>
-              </a:spcBef>
-              <a:spcAft>
-                <a:spcPts val="0"/>
-              </a:spcAft>
-              <a:buClr>
-                <a:schemeClr val="dk1"/>
-              </a:buClr>
-              <a:buSzPts val="1100"/>
-              <a:buFont typeface="Arial" panose="020B0604020202020204"/>
-              <a:buNone/>
-            </a:pPr>
-            <a:r>
-              <a:rPr lang="en-GB"/>
-              <a:t>np.log10(): Compute the base-10 logarithm of all elements.</a:t>
-            </a:r>
-            <a:endParaRPr lang="en-GB"/>
-          </a:p>
-          <a:p>
-            <a:pPr marL="0" lvl="0" indent="0" algn="l" rtl="0">
-              <a:spcBef>
-                <a:spcPts val="1200"/>
-              </a:spcBef>
-              <a:spcAft>
-                <a:spcPts val="1200"/>
-              </a:spcAft>
-              <a:buNone/>
-            </a:pPr>
           </a:p>
         </p:txBody>
       </p:sp>
@@ -34970,6 +35574,192 @@
   <p:cSld>
     <p:spTree>
       <p:nvGrpSpPr>
+        <p:cNvPr id="319" name="Shape 319"/>
+        <p:cNvGrpSpPr/>
+        <p:nvPr/>
+      </p:nvGrpSpPr>
+      <p:grpSpPr>
+        <a:xfrm>
+          <a:off x="0" y="0"/>
+          <a:ext cx="0" cy="0"/>
+          <a:chOff x="0" y="0"/>
+          <a:chExt cx="0" cy="0"/>
+        </a:xfrm>
+      </p:grpSpPr>
+      <p:sp>
+        <p:nvSpPr>
+          <p:cNvPr id="320" name="Google Shape;320;p59"/>
+          <p:cNvSpPr txBox="1"/>
+          <p:nvPr>
+            <p:ph type="title"/>
+          </p:nvPr>
+        </p:nvSpPr>
+        <p:spPr>
+          <a:xfrm>
+            <a:off x="311700" y="445025"/>
+            <a:ext cx="8520600" cy="572700"/>
+          </a:xfrm>
+          <a:prstGeom prst="rect">
+            <a:avLst/>
+          </a:prstGeom>
+        </p:spPr>
+        <p:txBody>
+          <a:bodyPr spcFirstLastPara="1" wrap="square" lIns="91425" tIns="91425" rIns="91425" bIns="91425" anchor="t" anchorCtr="0">
+            <a:normAutofit fontScale="90000"/>
+          </a:bodyPr>
+          <a:lstStyle/>
+          <a:p>
+            <a:pPr marL="0" lvl="0" indent="0" algn="l" rtl="0">
+              <a:lnSpc>
+                <a:spcPct val="115000"/>
+              </a:lnSpc>
+              <a:spcBef>
+                <a:spcPts val="0"/>
+              </a:spcBef>
+              <a:spcAft>
+                <a:spcPts val="1200"/>
+              </a:spcAft>
+              <a:buClr>
+                <a:schemeClr val="dk1"/>
+              </a:buClr>
+              <a:buSzPct val="52000"/>
+              <a:buFont typeface="Arial" panose="020B0604020202020204"/>
+              <a:buNone/>
+            </a:pPr>
+            <a:r>
+              <a:rPr lang="en-GB" sz="2135" b="1">
+                <a:solidFill>
+                  <a:schemeClr val="dk2"/>
+                </a:solidFill>
+              </a:rPr>
+              <a:t>Mathematical Operations</a:t>
+            </a:r>
+            <a:endParaRPr sz="3135" b="1"/>
+          </a:p>
+        </p:txBody>
+      </p:sp>
+      <p:sp>
+        <p:nvSpPr>
+          <p:cNvPr id="321" name="Google Shape;321;p59"/>
+          <p:cNvSpPr txBox="1"/>
+          <p:nvPr>
+            <p:ph type="body" idx="1"/>
+          </p:nvPr>
+        </p:nvSpPr>
+        <p:spPr>
+          <a:xfrm>
+            <a:off x="311700" y="1152475"/>
+            <a:ext cx="8520600" cy="3416400"/>
+          </a:xfrm>
+          <a:prstGeom prst="rect">
+            <a:avLst/>
+          </a:prstGeom>
+        </p:spPr>
+        <p:txBody>
+          <a:bodyPr spcFirstLastPara="1" wrap="square" lIns="91425" tIns="91425" rIns="91425" bIns="91425" anchor="t" anchorCtr="0">
+            <a:normAutofit/>
+          </a:bodyPr>
+          <a:lstStyle/>
+          <a:p>
+            <a:pPr marL="0" lvl="0" indent="0" algn="l" rtl="0">
+              <a:spcBef>
+                <a:spcPts val="0"/>
+              </a:spcBef>
+              <a:spcAft>
+                <a:spcPts val="0"/>
+              </a:spcAft>
+              <a:buNone/>
+            </a:pPr>
+          </a:p>
+          <a:p>
+            <a:pPr marL="0" lvl="0" indent="0" algn="l" rtl="0">
+              <a:spcBef>
+                <a:spcPts val="1200"/>
+              </a:spcBef>
+              <a:spcAft>
+                <a:spcPts val="0"/>
+              </a:spcAft>
+              <a:buClr>
+                <a:schemeClr val="dk1"/>
+              </a:buClr>
+              <a:buSzPts val="1100"/>
+              <a:buFont typeface="Arial" panose="020B0604020202020204"/>
+              <a:buNone/>
+            </a:pPr>
+            <a:r>
+              <a:rPr lang="en-GB"/>
+              <a:t>np.exp(): Calculate the exponential of all elements in the array.</a:t>
+            </a:r>
+            <a:endParaRPr lang="en-GB"/>
+          </a:p>
+          <a:p>
+            <a:pPr marL="0" lvl="0" indent="0" algn="l" rtl="0">
+              <a:spcBef>
+                <a:spcPts val="1200"/>
+              </a:spcBef>
+              <a:spcAft>
+                <a:spcPts val="0"/>
+              </a:spcAft>
+              <a:buClr>
+                <a:schemeClr val="dk1"/>
+              </a:buClr>
+              <a:buSzPts val="1100"/>
+              <a:buFont typeface="Arial" panose="020B0604020202020204"/>
+              <a:buNone/>
+            </a:pPr>
+            <a:r>
+              <a:rPr lang="en-GB"/>
+              <a:t>np.log(): Compute natural logarithm (base e) element-wise.</a:t>
+            </a:r>
+            <a:endParaRPr lang="en-GB"/>
+          </a:p>
+          <a:p>
+            <a:pPr marL="0" lvl="0" indent="0" algn="l" rtl="0">
+              <a:spcBef>
+                <a:spcPts val="1200"/>
+              </a:spcBef>
+              <a:spcAft>
+                <a:spcPts val="0"/>
+              </a:spcAft>
+              <a:buClr>
+                <a:schemeClr val="dk1"/>
+              </a:buClr>
+              <a:buSzPts val="1100"/>
+              <a:buFont typeface="Arial" panose="020B0604020202020204"/>
+              <a:buNone/>
+            </a:pPr>
+            <a:r>
+              <a:rPr lang="en-GB"/>
+              <a:t>np.log10(): Compute the base-10 logarithm of all elements.</a:t>
+            </a:r>
+            <a:endParaRPr lang="en-GB"/>
+          </a:p>
+          <a:p>
+            <a:pPr marL="0" lvl="0" indent="0" algn="l" rtl="0">
+              <a:spcBef>
+                <a:spcPts val="1200"/>
+              </a:spcBef>
+              <a:spcAft>
+                <a:spcPts val="1200"/>
+              </a:spcAft>
+              <a:buNone/>
+            </a:pPr>
+          </a:p>
+        </p:txBody>
+      </p:sp>
+    </p:spTree>
+  </p:cSld>
+  <p:clrMapOvr>
+    <a:masterClrMapping/>
+  </p:clrMapOvr>
+</p:sld>
+</file>
+
+<file path=ppt/slides/slide51.xml><?xml version="1.0" encoding="utf-8"?>
+<p:sld xmlns:a="http://schemas.openxmlformats.org/drawingml/2006/main" xmlns:r="http://schemas.openxmlformats.org/officeDocument/2006/relationships" xmlns:p="http://schemas.openxmlformats.org/presentationml/2006/main">
+  <p:cSld>
+    <p:spTree>
+      <p:nvGrpSpPr>
         <p:cNvPr id="325" name="Shape 325"/>
         <p:cNvGrpSpPr/>
         <p:nvPr/>
@@ -35256,7 +36046,7 @@
 </p:sld>
 </file>
 
-<file path=ppt/slides/slide51.xml><?xml version="1.0" encoding="utf-8"?>
+<file path=ppt/slides/slide52.xml><?xml version="1.0" encoding="utf-8"?>
 <p:sld xmlns:a="http://schemas.openxmlformats.org/drawingml/2006/main" xmlns:r="http://schemas.openxmlformats.org/officeDocument/2006/relationships" xmlns:p="http://schemas.openxmlformats.org/presentationml/2006/main">
   <p:cSld>
     <p:spTree>
@@ -35440,7 +36230,7 @@
 </p:sld>
 </file>
 
-<file path=ppt/slides/slide52.xml><?xml version="1.0" encoding="utf-8"?>
+<file path=ppt/slides/slide53.xml><?xml version="1.0" encoding="utf-8"?>
 <p:sld xmlns:a="http://schemas.openxmlformats.org/drawingml/2006/main" xmlns:r="http://schemas.openxmlformats.org/officeDocument/2006/relationships" xmlns:p="http://schemas.openxmlformats.org/presentationml/2006/main">
   <p:cSld>
     <p:spTree>
@@ -35813,7 +36603,7 @@
 </p:sld>
 </file>
 
-<file path=ppt/slides/slide53.xml><?xml version="1.0" encoding="utf-8"?>
+<file path=ppt/slides/slide54.xml><?xml version="1.0" encoding="utf-8"?>
 <p:sld xmlns:a="http://schemas.openxmlformats.org/drawingml/2006/main" xmlns:r="http://schemas.openxmlformats.org/officeDocument/2006/relationships" xmlns:p="http://schemas.openxmlformats.org/presentationml/2006/main">
   <p:cSld>
     <p:spTree>
@@ -36019,7 +36809,7 @@
 </p:sld>
 </file>
 
-<file path=ppt/slides/slide54.xml><?xml version="1.0" encoding="utf-8"?>
+<file path=ppt/slides/slide55.xml><?xml version="1.0" encoding="utf-8"?>
 <p:sld xmlns:a="http://schemas.openxmlformats.org/drawingml/2006/main" xmlns:r="http://schemas.openxmlformats.org/officeDocument/2006/relationships" xmlns:p="http://schemas.openxmlformats.org/presentationml/2006/main">
   <p:cSld>
     <p:spTree>
@@ -36199,7 +36989,7 @@
 </p:sld>
 </file>
 
-<file path=ppt/slides/slide55.xml><?xml version="1.0" encoding="utf-8"?>
+<file path=ppt/slides/slide56.xml><?xml version="1.0" encoding="utf-8"?>
 <p:sld xmlns:a="http://schemas.openxmlformats.org/drawingml/2006/main" xmlns:r="http://schemas.openxmlformats.org/officeDocument/2006/relationships" xmlns:p="http://schemas.openxmlformats.org/presentationml/2006/main">
   <p:cSld>
     <p:spTree>
@@ -36379,406 +37169,6 @@
 </p:sld>
 </file>
 
-<file path=ppt/slides/slide56.xml><?xml version="1.0" encoding="utf-8"?>
-<p:sld xmlns:a="http://schemas.openxmlformats.org/drawingml/2006/main" xmlns:r="http://schemas.openxmlformats.org/officeDocument/2006/relationships" xmlns:p="http://schemas.openxmlformats.org/presentationml/2006/main">
-  <p:cSld>
-    <p:spTree>
-      <p:nvGrpSpPr>
-        <p:cNvPr id="349" name="Shape 349"/>
-        <p:cNvGrpSpPr/>
-        <p:nvPr/>
-      </p:nvGrpSpPr>
-      <p:grpSpPr>
-        <a:xfrm>
-          <a:off x="0" y="0"/>
-          <a:ext cx="0" cy="0"/>
-          <a:chOff x="0" y="0"/>
-          <a:chExt cx="0" cy="0"/>
-        </a:xfrm>
-      </p:grpSpPr>
-      <p:sp>
-        <p:nvSpPr>
-          <p:cNvPr id="350" name="Google Shape;350;p64"/>
-          <p:cNvSpPr txBox="1"/>
-          <p:nvPr>
-            <p:ph type="title"/>
-          </p:nvPr>
-        </p:nvSpPr>
-        <p:spPr>
-          <a:xfrm>
-            <a:off x="311700" y="445025"/>
-            <a:ext cx="8520600" cy="572700"/>
-          </a:xfrm>
-          <a:prstGeom prst="rect">
-            <a:avLst/>
-          </a:prstGeom>
-        </p:spPr>
-        <p:txBody>
-          <a:bodyPr spcFirstLastPara="1" wrap="square" lIns="91425" tIns="91425" rIns="91425" bIns="91425" anchor="t" anchorCtr="0">
-            <a:normAutofit fontScale="90000"/>
-          </a:bodyPr>
-          <a:lstStyle/>
-          <a:p>
-            <a:pPr marL="0" lvl="0" indent="0" algn="l" rtl="0">
-              <a:spcBef>
-                <a:spcPts val="0"/>
-              </a:spcBef>
-              <a:spcAft>
-                <a:spcPts val="0"/>
-              </a:spcAft>
-              <a:buNone/>
-            </a:pPr>
-            <a:r>
-              <a:rPr lang="en-GB"/>
-              <a:t>Broadcasting and Element-wise Operations</a:t>
-            </a:r>
-            <a:endParaRPr lang="en-GB"/>
-          </a:p>
-        </p:txBody>
-      </p:sp>
-      <p:sp>
-        <p:nvSpPr>
-          <p:cNvPr id="351" name="Google Shape;351;p64"/>
-          <p:cNvSpPr txBox="1"/>
-          <p:nvPr>
-            <p:ph type="body" idx="1"/>
-          </p:nvPr>
-        </p:nvSpPr>
-        <p:spPr>
-          <a:xfrm>
-            <a:off x="112310" y="1017855"/>
-            <a:ext cx="8520600" cy="3416400"/>
-          </a:xfrm>
-          <a:prstGeom prst="rect">
-            <a:avLst/>
-          </a:prstGeom>
-        </p:spPr>
-        <p:txBody>
-          <a:bodyPr spcFirstLastPara="1" wrap="square" lIns="91425" tIns="91425" rIns="91425" bIns="91425" anchor="t" anchorCtr="0">
-            <a:normAutofit lnSpcReduction="20000"/>
-          </a:bodyPr>
-          <a:lstStyle/>
-          <a:p>
-            <a:pPr marL="0" lvl="0" indent="0" algn="l" rtl="0">
-              <a:spcBef>
-                <a:spcPts val="0"/>
-              </a:spcBef>
-              <a:spcAft>
-                <a:spcPts val="0"/>
-              </a:spcAft>
-              <a:buClr>
-                <a:schemeClr val="dk1"/>
-              </a:buClr>
-              <a:buSzPts val="1100"/>
-              <a:buFont typeface="Arial" panose="020B0604020202020204"/>
-              <a:buNone/>
-            </a:pPr>
-            <a:r>
-              <a:rPr lang="en-GB" sz="1400"/>
-              <a:t>np.broadcast(): Return an object that allows broadcasting of two arrays.</a:t>
-            </a:r>
-            <a:endParaRPr lang="en-GB" sz="1400"/>
-          </a:p>
-          <a:p>
-            <a:pPr marL="0" lvl="0" indent="0" algn="l" rtl="0">
-              <a:spcBef>
-                <a:spcPts val="1200"/>
-              </a:spcBef>
-              <a:spcAft>
-                <a:spcPts val="0"/>
-              </a:spcAft>
-              <a:buClr>
-                <a:schemeClr val="dk1"/>
-              </a:buClr>
-              <a:buSzPts val="1100"/>
-              <a:buFont typeface="Arial" panose="020B0604020202020204"/>
-              <a:buNone/>
-            </a:pPr>
-            <a:r>
-              <a:rPr lang="en-GB" sz="1400"/>
-              <a:t>np.maximum(): Element-wise maximum between two arrays.</a:t>
-            </a:r>
-            <a:endParaRPr lang="en-GB" sz="1400"/>
-          </a:p>
-          <a:p>
-            <a:pPr marL="0" lvl="0" indent="0" algn="l" rtl="0">
-              <a:spcBef>
-                <a:spcPts val="1200"/>
-              </a:spcBef>
-              <a:spcAft>
-                <a:spcPts val="0"/>
-              </a:spcAft>
-              <a:buClr>
-                <a:schemeClr val="dk1"/>
-              </a:buClr>
-              <a:buSzPts val="1100"/>
-              <a:buFont typeface="Arial" panose="020B0604020202020204"/>
-              <a:buNone/>
-            </a:pPr>
-            <a:r>
-              <a:rPr lang="en-GB" sz="1400"/>
-              <a:t>np.minimum(): Element-wise minimum between two arrays.</a:t>
-            </a:r>
-            <a:endParaRPr lang="en-GB" sz="1400"/>
-          </a:p>
-          <a:p>
-            <a:pPr lvl="0" indent="0" algn="l" rtl="0">
-              <a:lnSpc>
-                <a:spcPct val="5000"/>
-              </a:lnSpc>
-              <a:spcBef>
-                <a:spcPts val="1200"/>
-              </a:spcBef>
-              <a:spcAft>
-                <a:spcPts val="1200"/>
-              </a:spcAft>
-              <a:buNone/>
-            </a:pPr>
-            <a:r>
-              <a:rPr sz="1000"/>
-              <a:t># Create two arrays of different shapes</a:t>
-            </a:r>
-            <a:endParaRPr sz="1000"/>
-          </a:p>
-          <a:p>
-            <a:pPr lvl="0" indent="0" algn="l" rtl="0">
-              <a:lnSpc>
-                <a:spcPct val="5000"/>
-              </a:lnSpc>
-              <a:spcBef>
-                <a:spcPts val="1200"/>
-              </a:spcBef>
-              <a:spcAft>
-                <a:spcPts val="1200"/>
-              </a:spcAft>
-              <a:buNone/>
-            </a:pPr>
-            <a:r>
-              <a:rPr sz="1000"/>
-              <a:t>arr1 = np.array([1, 2, 3])</a:t>
-            </a:r>
-            <a:endParaRPr sz="1000"/>
-          </a:p>
-          <a:p>
-            <a:pPr lvl="0" indent="0" algn="l" rtl="0">
-              <a:lnSpc>
-                <a:spcPct val="5000"/>
-              </a:lnSpc>
-              <a:spcBef>
-                <a:spcPts val="1200"/>
-              </a:spcBef>
-              <a:spcAft>
-                <a:spcPts val="1200"/>
-              </a:spcAft>
-              <a:buNone/>
-            </a:pPr>
-            <a:r>
-              <a:rPr sz="1000"/>
-              <a:t>arr2 = np.array([[1], [2], [3]])</a:t>
-            </a:r>
-            <a:endParaRPr sz="1000"/>
-          </a:p>
-          <a:p>
-            <a:pPr lvl="0" indent="0" algn="l" rtl="0">
-              <a:lnSpc>
-                <a:spcPct val="5000"/>
-              </a:lnSpc>
-              <a:spcBef>
-                <a:spcPts val="1200"/>
-              </a:spcBef>
-              <a:spcAft>
-                <a:spcPts val="1200"/>
-              </a:spcAft>
-              <a:buNone/>
-            </a:pPr>
-            <a:r>
-              <a:rPr sz="1000"/>
-              <a:t># 1. np.broadcast(): Return an object that allows broadcasting of two arrays</a:t>
-            </a:r>
-            <a:endParaRPr sz="1000"/>
-          </a:p>
-          <a:p>
-            <a:pPr lvl="0" indent="0" algn="l" rtl="0">
-              <a:lnSpc>
-                <a:spcPct val="5000"/>
-              </a:lnSpc>
-              <a:spcBef>
-                <a:spcPts val="1200"/>
-              </a:spcBef>
-              <a:spcAft>
-                <a:spcPts val="1200"/>
-              </a:spcAft>
-              <a:buNone/>
-            </a:pPr>
-            <a:r>
-              <a:rPr sz="1000"/>
-              <a:t>broadcast_obj = np.broadcast(arr1, arr2)</a:t>
-            </a:r>
-            <a:endParaRPr sz="1000"/>
-          </a:p>
-          <a:p>
-            <a:pPr lvl="0" indent="0" algn="l" rtl="0">
-              <a:lnSpc>
-                <a:spcPct val="5000"/>
-              </a:lnSpc>
-              <a:spcBef>
-                <a:spcPts val="1200"/>
-              </a:spcBef>
-              <a:spcAft>
-                <a:spcPts val="1200"/>
-              </a:spcAft>
-              <a:buNone/>
-            </a:pPr>
-            <a:r>
-              <a:rPr sz="1000"/>
-              <a:t># Use broadcasting to perform element-wise addition</a:t>
-            </a:r>
-            <a:endParaRPr sz="1000"/>
-          </a:p>
-          <a:p>
-            <a:pPr lvl="0" indent="0" algn="l" rtl="0">
-              <a:lnSpc>
-                <a:spcPct val="5000"/>
-              </a:lnSpc>
-              <a:spcBef>
-                <a:spcPts val="1200"/>
-              </a:spcBef>
-              <a:spcAft>
-                <a:spcPts val="1200"/>
-              </a:spcAft>
-              <a:buNone/>
-            </a:pPr>
-            <a:r>
-              <a:rPr sz="1000"/>
-              <a:t>broadcasted_sum = arr1 + arr2</a:t>
-            </a:r>
-            <a:endParaRPr sz="1000"/>
-          </a:p>
-        </p:txBody>
-      </p:sp>
-      <p:sp>
-        <p:nvSpPr>
-          <p:cNvPr id="2" name="Text Box 1"/>
-          <p:cNvSpPr txBox="1"/>
-          <p:nvPr/>
-        </p:nvSpPr>
-        <p:spPr>
-          <a:xfrm>
-            <a:off x="762000" y="4013200"/>
-            <a:ext cx="7870825" cy="1014730"/>
-          </a:xfrm>
-          <a:prstGeom prst="rect">
-            <a:avLst/>
-          </a:prstGeom>
-          <a:noFill/>
-        </p:spPr>
-        <p:txBody>
-          <a:bodyPr wrap="square" rtlCol="0">
-            <a:spAutoFit/>
-          </a:bodyPr>
-          <a:p>
-            <a:r>
-              <a:rPr lang="en-US" sz="1000"/>
-              <a:t># 2. np.maximum(): Element-wise maximum between two arrays</a:t>
-            </a:r>
-            <a:endParaRPr lang="en-US" sz="1000"/>
-          </a:p>
-          <a:p>
-            <a:r>
-              <a:rPr lang="en-US" sz="1000"/>
-              <a:t>arr3 = np.array([1, 4, 3, 2])</a:t>
-            </a:r>
-            <a:endParaRPr lang="en-US" sz="1000"/>
-          </a:p>
-          <a:p>
-            <a:r>
-              <a:rPr lang="en-US" sz="1000"/>
-              <a:t>arr4 = np.array([2, 3, 5, 1])</a:t>
-            </a:r>
-            <a:endParaRPr lang="en-US" sz="1000"/>
-          </a:p>
-          <a:p>
-            <a:r>
-              <a:rPr lang="en-US" sz="1000"/>
-              <a:t>maximum_result = np.maximum(arr3, arr4)</a:t>
-            </a:r>
-            <a:endParaRPr lang="en-US" sz="1000"/>
-          </a:p>
-          <a:p>
-            <a:r>
-              <a:rPr lang="en-US" sz="1000"/>
-              <a:t>print("Element-wise maximum:", maximum_result)</a:t>
-            </a:r>
-            <a:endParaRPr lang="en-US" sz="1000"/>
-          </a:p>
-          <a:p>
-            <a:r>
-              <a:rPr lang="en-US" sz="1000"/>
-              <a:t># Output: [2 4 5 2]</a:t>
-            </a:r>
-            <a:endParaRPr lang="en-US" sz="1000"/>
-          </a:p>
-        </p:txBody>
-      </p:sp>
-      <p:sp>
-        <p:nvSpPr>
-          <p:cNvPr id="4" name="Text Box 3"/>
-          <p:cNvSpPr txBox="1"/>
-          <p:nvPr/>
-        </p:nvSpPr>
-        <p:spPr>
-          <a:xfrm>
-            <a:off x="4260215" y="4505960"/>
-            <a:ext cx="4572000" cy="521970"/>
-          </a:xfrm>
-          <a:prstGeom prst="rect">
-            <a:avLst/>
-          </a:prstGeom>
-          <a:noFill/>
-        </p:spPr>
-        <p:txBody>
-          <a:bodyPr wrap="square" rtlCol="0" anchor="t">
-            <a:spAutoFit/>
-          </a:bodyPr>
-          <a:p>
-            <a:r>
-              <a:rPr lang="en-US"/>
-              <a:t>https://jakevdp.github.io/PythonDataScienceHandbook/02.05-computation-on-arrays-broadcasting.html </a:t>
-            </a:r>
-            <a:endParaRPr lang="en-US"/>
-          </a:p>
-        </p:txBody>
-      </p:sp>
-      <p:pic>
-        <p:nvPicPr>
-          <p:cNvPr id="3" name="Picture 2"/>
-          <p:cNvPicPr/>
-          <p:nvPr/>
-        </p:nvPicPr>
-        <p:blipFill>
-          <a:blip r:embed="rId1"/>
-          <a:stretch>
-            <a:fillRect/>
-          </a:stretch>
-        </p:blipFill>
-        <p:spPr>
-          <a:xfrm>
-            <a:off x="5038090" y="1668780"/>
-            <a:ext cx="3910330" cy="2526665"/>
-          </a:xfrm>
-          <a:prstGeom prst="rect">
-            <a:avLst/>
-          </a:prstGeom>
-        </p:spPr>
-      </p:pic>
-    </p:spTree>
-  </p:cSld>
-  <p:clrMapOvr>
-    <a:masterClrMapping/>
-  </p:clrMapOvr>
-</p:sld>
-</file>
-
 <file path=ppt/slides/slide57.xml><?xml version="1.0" encoding="utf-8"?>
 <p:sld xmlns:a="http://schemas.openxmlformats.org/drawingml/2006/main" xmlns:r="http://schemas.openxmlformats.org/officeDocument/2006/relationships" xmlns:p="http://schemas.openxmlformats.org/presentationml/2006/main">
   <p:cSld>
@@ -36828,7 +37218,15 @@
           <a:p>
             <a:r>
               <a:rPr lang="en-US"/>
-              <a:t>Matrices are a fundamental tool in data science, enabling efficient computation, data representation, and algorithm implementation. They are essential for handling large datasets, performing linear algebra operations, and implementing machine learning algorithms.</a:t>
+              <a:t>Matrices are a fundamental tool in data science, enabling </a:t>
+            </a:r>
+            <a:r>
+              <a:rPr lang="en-US" b="1"/>
+              <a:t>efficient computation</a:t>
+            </a:r>
+            <a:r>
+              <a:rPr lang="en-US"/>
+              <a:t>, data representation, and algorithm implementation. They are essential for handling large datasets, performing linear algebra operations, and implementing machine learning algorithms.</a:t>
             </a:r>
             <a:endParaRPr lang="en-US"/>
           </a:p>
@@ -36843,7 +37241,7 @@
         <p:spPr>
           <a:xfrm>
             <a:off x="1029335" y="3037205"/>
-            <a:ext cx="7803515" cy="1531620"/>
+            <a:ext cx="7199630" cy="1531620"/>
           </a:xfrm>
           <a:prstGeom prst="rect">
             <a:avLst/>
@@ -36958,8 +37356,8 @@
         </p:nvSpPr>
         <p:spPr>
           <a:xfrm>
-            <a:off x="311700" y="250775"/>
-            <a:ext cx="8520600" cy="3416400"/>
+            <a:off x="311785" y="250825"/>
+            <a:ext cx="8520430" cy="3173730"/>
           </a:xfrm>
         </p:spPr>
         <p:txBody>
@@ -38395,38 +38793,6 @@
         <p:nvPr/>
       </p:nvGrpSpPr>
       <p:grpSpPr/>
-      <p:sp>
-        <p:nvSpPr>
-          <p:cNvPr id="2" name="Title 1"/>
-          <p:cNvSpPr/>
-          <p:nvPr>
-            <p:ph type="title"/>
-          </p:nvPr>
-        </p:nvSpPr>
-        <p:spPr/>
-        <p:txBody>
-          <a:bodyPr/>
-          <a:p>
-            <a:endParaRPr lang="en-US"/>
-          </a:p>
-        </p:txBody>
-      </p:sp>
-      <p:sp>
-        <p:nvSpPr>
-          <p:cNvPr id="3" name="Text Placeholder 2"/>
-          <p:cNvSpPr/>
-          <p:nvPr>
-            <p:ph type="body" idx="1"/>
-          </p:nvPr>
-        </p:nvSpPr>
-        <p:spPr/>
-        <p:txBody>
-          <a:bodyPr/>
-          <a:p>
-            <a:endParaRPr lang="en-US"/>
-          </a:p>
-        </p:txBody>
-      </p:sp>
       <p:pic>
         <p:nvPicPr>
           <p:cNvPr id="4" name="Picture 3"/>

--- a/5.0_python_6.libraries/python_libraries/1.numpy/Numpy_class.pptx
+++ b/5.0_python_6.libraries/python_libraries/1.numpy/Numpy_class.pptx
@@ -48,29 +48,30 @@
     <p:sldId id="293" r:id="rId41"/>
     <p:sldId id="294" r:id="rId42"/>
     <p:sldId id="295" r:id="rId43"/>
-    <p:sldId id="296" r:id="rId44"/>
-    <p:sldId id="333" r:id="rId45"/>
-    <p:sldId id="297" r:id="rId46"/>
-    <p:sldId id="298" r:id="rId47"/>
-    <p:sldId id="299" r:id="rId48"/>
-    <p:sldId id="300" r:id="rId49"/>
-    <p:sldId id="309" r:id="rId50"/>
-    <p:sldId id="310" r:id="rId51"/>
-    <p:sldId id="301" r:id="rId52"/>
-    <p:sldId id="302" r:id="rId53"/>
-    <p:sldId id="303" r:id="rId54"/>
-    <p:sldId id="311" r:id="rId55"/>
-    <p:sldId id="304" r:id="rId56"/>
-    <p:sldId id="312" r:id="rId57"/>
-    <p:sldId id="305" r:id="rId58"/>
-    <p:sldId id="306" r:id="rId59"/>
-    <p:sldId id="321" r:id="rId60"/>
-    <p:sldId id="322" r:id="rId61"/>
-    <p:sldId id="328" r:id="rId62"/>
-    <p:sldId id="332" r:id="rId63"/>
-    <p:sldId id="325" r:id="rId64"/>
-    <p:sldId id="323" r:id="rId65"/>
-    <p:sldId id="308" r:id="rId66"/>
+    <p:sldId id="334" r:id="rId44"/>
+    <p:sldId id="296" r:id="rId45"/>
+    <p:sldId id="333" r:id="rId46"/>
+    <p:sldId id="297" r:id="rId47"/>
+    <p:sldId id="298" r:id="rId48"/>
+    <p:sldId id="299" r:id="rId49"/>
+    <p:sldId id="300" r:id="rId50"/>
+    <p:sldId id="309" r:id="rId51"/>
+    <p:sldId id="310" r:id="rId52"/>
+    <p:sldId id="301" r:id="rId53"/>
+    <p:sldId id="302" r:id="rId54"/>
+    <p:sldId id="303" r:id="rId55"/>
+    <p:sldId id="311" r:id="rId56"/>
+    <p:sldId id="304" r:id="rId57"/>
+    <p:sldId id="312" r:id="rId58"/>
+    <p:sldId id="305" r:id="rId59"/>
+    <p:sldId id="306" r:id="rId60"/>
+    <p:sldId id="321" r:id="rId61"/>
+    <p:sldId id="322" r:id="rId62"/>
+    <p:sldId id="328" r:id="rId63"/>
+    <p:sldId id="332" r:id="rId64"/>
+    <p:sldId id="325" r:id="rId65"/>
+    <p:sldId id="323" r:id="rId66"/>
+    <p:sldId id="308" r:id="rId67"/>
   </p:sldIdLst>
   <p:sldSz cx="9144000" cy="5143500"/>
   <p:notesSz cx="6858000" cy="9144000"/>
@@ -31853,6 +31854,943 @@
   <p:cSld>
     <p:spTree>
       <p:nvGrpSpPr>
+        <p:cNvPr id="1" name=""/>
+        <p:cNvGrpSpPr/>
+        <p:nvPr/>
+      </p:nvGrpSpPr>
+      <p:grpSpPr/>
+      <p:sp>
+        <p:nvSpPr>
+          <p:cNvPr id="5" name="Google Shape;290;p54"/>
+          <p:cNvSpPr txBox="1"/>
+          <p:nvPr/>
+        </p:nvSpPr>
+        <p:spPr>
+          <a:xfrm>
+            <a:off x="185420" y="304165"/>
+            <a:ext cx="3456305" cy="572770"/>
+          </a:xfrm>
+          <a:prstGeom prst="rect">
+            <a:avLst/>
+          </a:prstGeom>
+          <a:noFill/>
+          <a:ln>
+            <a:noFill/>
+          </a:ln>
+        </p:spPr>
+        <p:txBody>
+          <a:bodyPr wrap="square" lIns="91425" tIns="91425" rIns="91425" bIns="91425" anchor="t" anchorCtr="0">
+            <a:normAutofit fontScale="90000"/>
+          </a:bodyPr>
+          <a:lstStyle>
+            <a:defPPr marR="0" lvl="0" algn="l" rtl="0">
+              <a:lnSpc>
+                <a:spcPct val="100000"/>
+              </a:lnSpc>
+              <a:spcBef>
+                <a:spcPts val="0"/>
+              </a:spcBef>
+              <a:spcAft>
+                <a:spcPts val="0"/>
+              </a:spcAft>
+            </a:defPPr>
+            <a:lvl1pPr marR="0" lvl="0" algn="l" rtl="0">
+              <a:lnSpc>
+                <a:spcPct val="100000"/>
+              </a:lnSpc>
+              <a:spcBef>
+                <a:spcPts val="0"/>
+              </a:spcBef>
+              <a:spcAft>
+                <a:spcPts val="0"/>
+              </a:spcAft>
+              <a:buClr>
+                <a:schemeClr val="dk1"/>
+              </a:buClr>
+              <a:buSzPts val="2800"/>
+              <a:buFont typeface="Arial" panose="020B0604020202020204"/>
+              <a:buNone/>
+              <a:defRPr sz="2800" b="0" i="0" u="none" strike="noStrike" cap="none">
+                <a:solidFill>
+                  <a:schemeClr val="dk1"/>
+                </a:solidFill>
+                <a:latin typeface="Arial" panose="020B0604020202020204"/>
+                <a:ea typeface="Arial" panose="020B0604020202020204"/>
+                <a:cs typeface="Arial" panose="020B0604020202020204"/>
+                <a:sym typeface="Arial" panose="020B0604020202020204"/>
+              </a:defRPr>
+            </a:lvl1pPr>
+            <a:lvl2pPr marR="0" lvl="1" algn="l" rtl="0">
+              <a:lnSpc>
+                <a:spcPct val="100000"/>
+              </a:lnSpc>
+              <a:spcBef>
+                <a:spcPts val="0"/>
+              </a:spcBef>
+              <a:spcAft>
+                <a:spcPts val="0"/>
+              </a:spcAft>
+              <a:buClr>
+                <a:schemeClr val="dk1"/>
+              </a:buClr>
+              <a:buSzPts val="2800"/>
+              <a:buFont typeface="Arial" panose="020B0604020202020204"/>
+              <a:buNone/>
+              <a:defRPr sz="2800" b="0" i="0" u="none" strike="noStrike" cap="none">
+                <a:solidFill>
+                  <a:schemeClr val="dk1"/>
+                </a:solidFill>
+                <a:latin typeface="Arial" panose="020B0604020202020204"/>
+                <a:ea typeface="Arial" panose="020B0604020202020204"/>
+                <a:cs typeface="Arial" panose="020B0604020202020204"/>
+                <a:sym typeface="Arial" panose="020B0604020202020204"/>
+              </a:defRPr>
+            </a:lvl2pPr>
+            <a:lvl3pPr marR="0" lvl="2" algn="l" rtl="0">
+              <a:lnSpc>
+                <a:spcPct val="100000"/>
+              </a:lnSpc>
+              <a:spcBef>
+                <a:spcPts val="0"/>
+              </a:spcBef>
+              <a:spcAft>
+                <a:spcPts val="0"/>
+              </a:spcAft>
+              <a:buClr>
+                <a:schemeClr val="dk1"/>
+              </a:buClr>
+              <a:buSzPts val="2800"/>
+              <a:buFont typeface="Arial" panose="020B0604020202020204"/>
+              <a:buNone/>
+              <a:defRPr sz="2800" b="0" i="0" u="none" strike="noStrike" cap="none">
+                <a:solidFill>
+                  <a:schemeClr val="dk1"/>
+                </a:solidFill>
+                <a:latin typeface="Arial" panose="020B0604020202020204"/>
+                <a:ea typeface="Arial" panose="020B0604020202020204"/>
+                <a:cs typeface="Arial" panose="020B0604020202020204"/>
+                <a:sym typeface="Arial" panose="020B0604020202020204"/>
+              </a:defRPr>
+            </a:lvl3pPr>
+            <a:lvl4pPr marR="0" lvl="3" algn="l" rtl="0">
+              <a:lnSpc>
+                <a:spcPct val="100000"/>
+              </a:lnSpc>
+              <a:spcBef>
+                <a:spcPts val="0"/>
+              </a:spcBef>
+              <a:spcAft>
+                <a:spcPts val="0"/>
+              </a:spcAft>
+              <a:buClr>
+                <a:schemeClr val="dk1"/>
+              </a:buClr>
+              <a:buSzPts val="2800"/>
+              <a:buFont typeface="Arial" panose="020B0604020202020204"/>
+              <a:buNone/>
+              <a:defRPr sz="2800" b="0" i="0" u="none" strike="noStrike" cap="none">
+                <a:solidFill>
+                  <a:schemeClr val="dk1"/>
+                </a:solidFill>
+                <a:latin typeface="Arial" panose="020B0604020202020204"/>
+                <a:ea typeface="Arial" panose="020B0604020202020204"/>
+                <a:cs typeface="Arial" panose="020B0604020202020204"/>
+                <a:sym typeface="Arial" panose="020B0604020202020204"/>
+              </a:defRPr>
+            </a:lvl4pPr>
+            <a:lvl5pPr marR="0" lvl="4" algn="l" rtl="0">
+              <a:lnSpc>
+                <a:spcPct val="100000"/>
+              </a:lnSpc>
+              <a:spcBef>
+                <a:spcPts val="0"/>
+              </a:spcBef>
+              <a:spcAft>
+                <a:spcPts val="0"/>
+              </a:spcAft>
+              <a:buClr>
+                <a:schemeClr val="dk1"/>
+              </a:buClr>
+              <a:buSzPts val="2800"/>
+              <a:buFont typeface="Arial" panose="020B0604020202020204"/>
+              <a:buNone/>
+              <a:defRPr sz="2800" b="0" i="0" u="none" strike="noStrike" cap="none">
+                <a:solidFill>
+                  <a:schemeClr val="dk1"/>
+                </a:solidFill>
+                <a:latin typeface="Arial" panose="020B0604020202020204"/>
+                <a:ea typeface="Arial" panose="020B0604020202020204"/>
+                <a:cs typeface="Arial" panose="020B0604020202020204"/>
+                <a:sym typeface="Arial" panose="020B0604020202020204"/>
+              </a:defRPr>
+            </a:lvl5pPr>
+            <a:lvl6pPr marR="0" lvl="5" algn="l" rtl="0">
+              <a:lnSpc>
+                <a:spcPct val="100000"/>
+              </a:lnSpc>
+              <a:spcBef>
+                <a:spcPts val="0"/>
+              </a:spcBef>
+              <a:spcAft>
+                <a:spcPts val="0"/>
+              </a:spcAft>
+              <a:buClr>
+                <a:schemeClr val="dk1"/>
+              </a:buClr>
+              <a:buSzPts val="2800"/>
+              <a:buFont typeface="Arial" panose="020B0604020202020204"/>
+              <a:buNone/>
+              <a:defRPr sz="2800" b="0" i="0" u="none" strike="noStrike" cap="none">
+                <a:solidFill>
+                  <a:schemeClr val="dk1"/>
+                </a:solidFill>
+                <a:latin typeface="Arial" panose="020B0604020202020204"/>
+                <a:ea typeface="Arial" panose="020B0604020202020204"/>
+                <a:cs typeface="Arial" panose="020B0604020202020204"/>
+                <a:sym typeface="Arial" panose="020B0604020202020204"/>
+              </a:defRPr>
+            </a:lvl6pPr>
+            <a:lvl7pPr marR="0" lvl="6" algn="l" rtl="0">
+              <a:lnSpc>
+                <a:spcPct val="100000"/>
+              </a:lnSpc>
+              <a:spcBef>
+                <a:spcPts val="0"/>
+              </a:spcBef>
+              <a:spcAft>
+                <a:spcPts val="0"/>
+              </a:spcAft>
+              <a:buClr>
+                <a:schemeClr val="dk1"/>
+              </a:buClr>
+              <a:buSzPts val="2800"/>
+              <a:buFont typeface="Arial" panose="020B0604020202020204"/>
+              <a:buNone/>
+              <a:defRPr sz="2800" b="0" i="0" u="none" strike="noStrike" cap="none">
+                <a:solidFill>
+                  <a:schemeClr val="dk1"/>
+                </a:solidFill>
+                <a:latin typeface="Arial" panose="020B0604020202020204"/>
+                <a:ea typeface="Arial" panose="020B0604020202020204"/>
+                <a:cs typeface="Arial" panose="020B0604020202020204"/>
+                <a:sym typeface="Arial" panose="020B0604020202020204"/>
+              </a:defRPr>
+            </a:lvl7pPr>
+            <a:lvl8pPr marR="0" lvl="7" algn="l" rtl="0">
+              <a:lnSpc>
+                <a:spcPct val="100000"/>
+              </a:lnSpc>
+              <a:spcBef>
+                <a:spcPts val="0"/>
+              </a:spcBef>
+              <a:spcAft>
+                <a:spcPts val="0"/>
+              </a:spcAft>
+              <a:buClr>
+                <a:schemeClr val="dk1"/>
+              </a:buClr>
+              <a:buSzPts val="2800"/>
+              <a:buFont typeface="Arial" panose="020B0604020202020204"/>
+              <a:buNone/>
+              <a:defRPr sz="2800" b="0" i="0" u="none" strike="noStrike" cap="none">
+                <a:solidFill>
+                  <a:schemeClr val="dk1"/>
+                </a:solidFill>
+                <a:latin typeface="Arial" panose="020B0604020202020204"/>
+                <a:ea typeface="Arial" panose="020B0604020202020204"/>
+                <a:cs typeface="Arial" panose="020B0604020202020204"/>
+                <a:sym typeface="Arial" panose="020B0604020202020204"/>
+              </a:defRPr>
+            </a:lvl8pPr>
+            <a:lvl9pPr marR="0" lvl="8" algn="l" rtl="0">
+              <a:lnSpc>
+                <a:spcPct val="100000"/>
+              </a:lnSpc>
+              <a:spcBef>
+                <a:spcPts val="0"/>
+              </a:spcBef>
+              <a:spcAft>
+                <a:spcPts val="0"/>
+              </a:spcAft>
+              <a:buClr>
+                <a:schemeClr val="dk1"/>
+              </a:buClr>
+              <a:buSzPts val="2800"/>
+              <a:buFont typeface="Arial" panose="020B0604020202020204"/>
+              <a:buNone/>
+              <a:defRPr sz="2800" b="0" i="0" u="none" strike="noStrike" cap="none">
+                <a:solidFill>
+                  <a:schemeClr val="dk1"/>
+                </a:solidFill>
+                <a:latin typeface="Arial" panose="020B0604020202020204"/>
+                <a:ea typeface="Arial" panose="020B0604020202020204"/>
+                <a:cs typeface="Arial" panose="020B0604020202020204"/>
+                <a:sym typeface="Arial" panose="020B0604020202020204"/>
+              </a:defRPr>
+            </a:lvl9pPr>
+          </a:lstStyle>
+          <a:p>
+            <a:pPr marL="0" lvl="0" indent="0" algn="l" rtl="0">
+              <a:spcBef>
+                <a:spcPts val="0"/>
+              </a:spcBef>
+              <a:spcAft>
+                <a:spcPts val="0"/>
+              </a:spcAft>
+              <a:buClr>
+                <a:schemeClr val="dk1"/>
+              </a:buClr>
+              <a:buSzPct val="39000"/>
+              <a:buFont typeface="Arial" panose="020B0604020202020204"/>
+              <a:buNone/>
+            </a:pPr>
+            <a:r>
+              <a:rPr lang="en-GB"/>
+              <a:t>Aggregation Functions</a:t>
+            </a:r>
+            <a:endParaRPr lang="en-GB"/>
+          </a:p>
+          <a:p>
+            <a:pPr marL="0" lvl="0" indent="0" algn="l" rtl="0">
+              <a:spcBef>
+                <a:spcPts val="0"/>
+              </a:spcBef>
+              <a:spcAft>
+                <a:spcPts val="0"/>
+              </a:spcAft>
+              <a:buClr>
+                <a:schemeClr val="dk1"/>
+              </a:buClr>
+              <a:buSzPct val="39000"/>
+              <a:buFont typeface="Arial" panose="020B0604020202020204"/>
+              <a:buNone/>
+            </a:pPr>
+          </a:p>
+          <a:p>
+            <a:pPr marL="0" lvl="0" indent="0" algn="l" rtl="0">
+              <a:spcBef>
+                <a:spcPts val="0"/>
+              </a:spcBef>
+              <a:spcAft>
+                <a:spcPts val="0"/>
+              </a:spcAft>
+              <a:buNone/>
+            </a:pPr>
+          </a:p>
+        </p:txBody>
+      </p:sp>
+      <p:sp>
+        <p:nvSpPr>
+          <p:cNvPr id="6" name="Google Shape;291;p54"/>
+          <p:cNvSpPr txBox="1"/>
+          <p:nvPr/>
+        </p:nvSpPr>
+        <p:spPr>
+          <a:xfrm>
+            <a:off x="185420" y="1152525"/>
+            <a:ext cx="2947035" cy="3892550"/>
+          </a:xfrm>
+          <a:prstGeom prst="rect">
+            <a:avLst/>
+          </a:prstGeom>
+          <a:noFill/>
+          <a:ln>
+            <a:noFill/>
+          </a:ln>
+        </p:spPr>
+        <p:txBody>
+          <a:bodyPr wrap="square" lIns="91425" tIns="91425" rIns="91425" bIns="91425" anchor="t" anchorCtr="0">
+            <a:normAutofit/>
+          </a:bodyPr>
+          <a:lstStyle>
+            <a:defPPr marR="0" lvl="0" algn="l" rtl="0">
+              <a:lnSpc>
+                <a:spcPct val="100000"/>
+              </a:lnSpc>
+              <a:spcBef>
+                <a:spcPts val="0"/>
+              </a:spcBef>
+              <a:spcAft>
+                <a:spcPts val="0"/>
+              </a:spcAft>
+            </a:defPPr>
+            <a:lvl1pPr marL="457200" marR="0" lvl="0" indent="-342900" algn="l" rtl="0">
+              <a:lnSpc>
+                <a:spcPct val="115000"/>
+              </a:lnSpc>
+              <a:spcBef>
+                <a:spcPts val="0"/>
+              </a:spcBef>
+              <a:spcAft>
+                <a:spcPts val="0"/>
+              </a:spcAft>
+              <a:buClr>
+                <a:schemeClr val="dk2"/>
+              </a:buClr>
+              <a:buSzPts val="1800"/>
+              <a:buFont typeface="Arial" panose="020B0604020202020204"/>
+              <a:buChar char="●"/>
+              <a:defRPr sz="1800" b="0" i="0" u="none" strike="noStrike" cap="none">
+                <a:solidFill>
+                  <a:schemeClr val="dk2"/>
+                </a:solidFill>
+                <a:latin typeface="Arial" panose="020B0604020202020204"/>
+                <a:ea typeface="Arial" panose="020B0604020202020204"/>
+                <a:cs typeface="Arial" panose="020B0604020202020204"/>
+                <a:sym typeface="Arial" panose="020B0604020202020204"/>
+              </a:defRPr>
+            </a:lvl1pPr>
+            <a:lvl2pPr marL="914400" marR="0" lvl="1" indent="-317500" algn="l" rtl="0">
+              <a:lnSpc>
+                <a:spcPct val="115000"/>
+              </a:lnSpc>
+              <a:spcBef>
+                <a:spcPts val="0"/>
+              </a:spcBef>
+              <a:spcAft>
+                <a:spcPts val="0"/>
+              </a:spcAft>
+              <a:buClr>
+                <a:schemeClr val="dk2"/>
+              </a:buClr>
+              <a:buSzPts val="1400"/>
+              <a:buFont typeface="Arial" panose="020B0604020202020204"/>
+              <a:buChar char="○"/>
+              <a:defRPr sz="1400" b="0" i="0" u="none" strike="noStrike" cap="none">
+                <a:solidFill>
+                  <a:schemeClr val="dk2"/>
+                </a:solidFill>
+                <a:latin typeface="Arial" panose="020B0604020202020204"/>
+                <a:ea typeface="Arial" panose="020B0604020202020204"/>
+                <a:cs typeface="Arial" panose="020B0604020202020204"/>
+                <a:sym typeface="Arial" panose="020B0604020202020204"/>
+              </a:defRPr>
+            </a:lvl2pPr>
+            <a:lvl3pPr marL="1371600" marR="0" lvl="2" indent="-317500" algn="l" rtl="0">
+              <a:lnSpc>
+                <a:spcPct val="115000"/>
+              </a:lnSpc>
+              <a:spcBef>
+                <a:spcPts val="0"/>
+              </a:spcBef>
+              <a:spcAft>
+                <a:spcPts val="0"/>
+              </a:spcAft>
+              <a:buClr>
+                <a:schemeClr val="dk2"/>
+              </a:buClr>
+              <a:buSzPts val="1400"/>
+              <a:buFont typeface="Arial" panose="020B0604020202020204"/>
+              <a:buChar char="■"/>
+              <a:defRPr sz="1400" b="0" i="0" u="none" strike="noStrike" cap="none">
+                <a:solidFill>
+                  <a:schemeClr val="dk2"/>
+                </a:solidFill>
+                <a:latin typeface="Arial" panose="020B0604020202020204"/>
+                <a:ea typeface="Arial" panose="020B0604020202020204"/>
+                <a:cs typeface="Arial" panose="020B0604020202020204"/>
+                <a:sym typeface="Arial" panose="020B0604020202020204"/>
+              </a:defRPr>
+            </a:lvl3pPr>
+            <a:lvl4pPr marL="1828800" marR="0" lvl="3" indent="-317500" algn="l" rtl="0">
+              <a:lnSpc>
+                <a:spcPct val="115000"/>
+              </a:lnSpc>
+              <a:spcBef>
+                <a:spcPts val="0"/>
+              </a:spcBef>
+              <a:spcAft>
+                <a:spcPts val="0"/>
+              </a:spcAft>
+              <a:buClr>
+                <a:schemeClr val="dk2"/>
+              </a:buClr>
+              <a:buSzPts val="1400"/>
+              <a:buFont typeface="Arial" panose="020B0604020202020204"/>
+              <a:buChar char="●"/>
+              <a:defRPr sz="1400" b="0" i="0" u="none" strike="noStrike" cap="none">
+                <a:solidFill>
+                  <a:schemeClr val="dk2"/>
+                </a:solidFill>
+                <a:latin typeface="Arial" panose="020B0604020202020204"/>
+                <a:ea typeface="Arial" panose="020B0604020202020204"/>
+                <a:cs typeface="Arial" panose="020B0604020202020204"/>
+                <a:sym typeface="Arial" panose="020B0604020202020204"/>
+              </a:defRPr>
+            </a:lvl4pPr>
+            <a:lvl5pPr marL="2286000" marR="0" lvl="4" indent="-317500" algn="l" rtl="0">
+              <a:lnSpc>
+                <a:spcPct val="115000"/>
+              </a:lnSpc>
+              <a:spcBef>
+                <a:spcPts val="0"/>
+              </a:spcBef>
+              <a:spcAft>
+                <a:spcPts val="0"/>
+              </a:spcAft>
+              <a:buClr>
+                <a:schemeClr val="dk2"/>
+              </a:buClr>
+              <a:buSzPts val="1400"/>
+              <a:buFont typeface="Arial" panose="020B0604020202020204"/>
+              <a:buChar char="○"/>
+              <a:defRPr sz="1400" b="0" i="0" u="none" strike="noStrike" cap="none">
+                <a:solidFill>
+                  <a:schemeClr val="dk2"/>
+                </a:solidFill>
+                <a:latin typeface="Arial" panose="020B0604020202020204"/>
+                <a:ea typeface="Arial" panose="020B0604020202020204"/>
+                <a:cs typeface="Arial" panose="020B0604020202020204"/>
+                <a:sym typeface="Arial" panose="020B0604020202020204"/>
+              </a:defRPr>
+            </a:lvl5pPr>
+            <a:lvl6pPr marL="2743200" marR="0" lvl="5" indent="-317500" algn="l" rtl="0">
+              <a:lnSpc>
+                <a:spcPct val="115000"/>
+              </a:lnSpc>
+              <a:spcBef>
+                <a:spcPts val="0"/>
+              </a:spcBef>
+              <a:spcAft>
+                <a:spcPts val="0"/>
+              </a:spcAft>
+              <a:buClr>
+                <a:schemeClr val="dk2"/>
+              </a:buClr>
+              <a:buSzPts val="1400"/>
+              <a:buFont typeface="Arial" panose="020B0604020202020204"/>
+              <a:buChar char="■"/>
+              <a:defRPr sz="1400" b="0" i="0" u="none" strike="noStrike" cap="none">
+                <a:solidFill>
+                  <a:schemeClr val="dk2"/>
+                </a:solidFill>
+                <a:latin typeface="Arial" panose="020B0604020202020204"/>
+                <a:ea typeface="Arial" panose="020B0604020202020204"/>
+                <a:cs typeface="Arial" panose="020B0604020202020204"/>
+                <a:sym typeface="Arial" panose="020B0604020202020204"/>
+              </a:defRPr>
+            </a:lvl6pPr>
+            <a:lvl7pPr marL="3200400" marR="0" lvl="6" indent="-317500" algn="l" rtl="0">
+              <a:lnSpc>
+                <a:spcPct val="115000"/>
+              </a:lnSpc>
+              <a:spcBef>
+                <a:spcPts val="0"/>
+              </a:spcBef>
+              <a:spcAft>
+                <a:spcPts val="0"/>
+              </a:spcAft>
+              <a:buClr>
+                <a:schemeClr val="dk2"/>
+              </a:buClr>
+              <a:buSzPts val="1400"/>
+              <a:buFont typeface="Arial" panose="020B0604020202020204"/>
+              <a:buChar char="●"/>
+              <a:defRPr sz="1400" b="0" i="0" u="none" strike="noStrike" cap="none">
+                <a:solidFill>
+                  <a:schemeClr val="dk2"/>
+                </a:solidFill>
+                <a:latin typeface="Arial" panose="020B0604020202020204"/>
+                <a:ea typeface="Arial" panose="020B0604020202020204"/>
+                <a:cs typeface="Arial" panose="020B0604020202020204"/>
+                <a:sym typeface="Arial" panose="020B0604020202020204"/>
+              </a:defRPr>
+            </a:lvl7pPr>
+            <a:lvl8pPr marL="3657600" marR="0" lvl="7" indent="-317500" algn="l" rtl="0">
+              <a:lnSpc>
+                <a:spcPct val="115000"/>
+              </a:lnSpc>
+              <a:spcBef>
+                <a:spcPts val="0"/>
+              </a:spcBef>
+              <a:spcAft>
+                <a:spcPts val="0"/>
+              </a:spcAft>
+              <a:buClr>
+                <a:schemeClr val="dk2"/>
+              </a:buClr>
+              <a:buSzPts val="1400"/>
+              <a:buFont typeface="Arial" panose="020B0604020202020204"/>
+              <a:buChar char="○"/>
+              <a:defRPr sz="1400" b="0" i="0" u="none" strike="noStrike" cap="none">
+                <a:solidFill>
+                  <a:schemeClr val="dk2"/>
+                </a:solidFill>
+                <a:latin typeface="Arial" panose="020B0604020202020204"/>
+                <a:ea typeface="Arial" panose="020B0604020202020204"/>
+                <a:cs typeface="Arial" panose="020B0604020202020204"/>
+                <a:sym typeface="Arial" panose="020B0604020202020204"/>
+              </a:defRPr>
+            </a:lvl8pPr>
+            <a:lvl9pPr marL="4114800" marR="0" lvl="8" indent="-317500" algn="l" rtl="0">
+              <a:lnSpc>
+                <a:spcPct val="115000"/>
+              </a:lnSpc>
+              <a:spcBef>
+                <a:spcPts val="0"/>
+              </a:spcBef>
+              <a:spcAft>
+                <a:spcPts val="0"/>
+              </a:spcAft>
+              <a:buClr>
+                <a:schemeClr val="dk2"/>
+              </a:buClr>
+              <a:buSzPts val="1400"/>
+              <a:buFont typeface="Arial" panose="020B0604020202020204"/>
+              <a:buChar char="■"/>
+              <a:defRPr sz="1400" b="0" i="0" u="none" strike="noStrike" cap="none">
+                <a:solidFill>
+                  <a:schemeClr val="dk2"/>
+                </a:solidFill>
+                <a:latin typeface="Arial" panose="020B0604020202020204"/>
+                <a:ea typeface="Arial" panose="020B0604020202020204"/>
+                <a:cs typeface="Arial" panose="020B0604020202020204"/>
+                <a:sym typeface="Arial" panose="020B0604020202020204"/>
+              </a:defRPr>
+            </a:lvl9pPr>
+          </a:lstStyle>
+          <a:p>
+            <a:pPr marL="0" lvl="0" indent="0" algn="l" rtl="0">
+              <a:spcBef>
+                <a:spcPts val="0"/>
+              </a:spcBef>
+              <a:spcAft>
+                <a:spcPts val="0"/>
+              </a:spcAft>
+              <a:buClr>
+                <a:schemeClr val="dk1"/>
+              </a:buClr>
+              <a:buSzPct val="61000"/>
+              <a:buFont typeface="Arial" panose="020B0604020202020204"/>
+              <a:buNone/>
+            </a:pPr>
+            <a:r>
+              <a:rPr lang="en-GB" baseline="-25000"/>
+              <a:t>import numpy as np</a:t>
+            </a:r>
+            <a:endParaRPr lang="en-GB" baseline="-25000"/>
+          </a:p>
+          <a:p>
+            <a:pPr marL="0" lvl="0" indent="0" algn="l" rtl="0">
+              <a:spcBef>
+                <a:spcPts val="1200"/>
+              </a:spcBef>
+              <a:spcAft>
+                <a:spcPts val="0"/>
+              </a:spcAft>
+              <a:buClr>
+                <a:schemeClr val="dk1"/>
+              </a:buClr>
+              <a:buSzPct val="61000"/>
+              <a:buFont typeface="Arial" panose="020B0604020202020204"/>
+              <a:buNone/>
+            </a:pPr>
+            <a:r>
+              <a:rPr lang="en-GB" baseline="-25000"/>
+              <a:t>arr = np.array([1, 2, 3, 4, 5])</a:t>
+            </a:r>
+            <a:endParaRPr lang="en-GB" baseline="-25000"/>
+          </a:p>
+          <a:p>
+            <a:pPr marL="0" lvl="0" indent="0" algn="l" rtl="0">
+              <a:spcBef>
+                <a:spcPts val="1200"/>
+              </a:spcBef>
+              <a:spcAft>
+                <a:spcPts val="0"/>
+              </a:spcAft>
+              <a:buClr>
+                <a:schemeClr val="dk1"/>
+              </a:buClr>
+              <a:buSzPct val="61000"/>
+              <a:buFont typeface="Arial" panose="020B0604020202020204"/>
+              <a:buNone/>
+            </a:pPr>
+            <a:r>
+              <a:rPr lang="en-GB" baseline="-25000"/>
+              <a:t># Minimum and maximum</a:t>
+            </a:r>
+            <a:endParaRPr lang="en-GB" baseline="-25000"/>
+          </a:p>
+          <a:p>
+            <a:pPr marL="0" lvl="0" indent="0" algn="l" rtl="0">
+              <a:spcBef>
+                <a:spcPts val="1200"/>
+              </a:spcBef>
+              <a:spcAft>
+                <a:spcPts val="0"/>
+              </a:spcAft>
+              <a:buClr>
+                <a:schemeClr val="dk1"/>
+              </a:buClr>
+              <a:buSzPct val="61000"/>
+              <a:buFont typeface="Arial" panose="020B0604020202020204"/>
+              <a:buNone/>
+            </a:pPr>
+            <a:r>
+              <a:rPr lang="en-GB" baseline="-25000"/>
+              <a:t>result_min = np.min(arr)</a:t>
+            </a:r>
+            <a:endParaRPr lang="en-GB" baseline="-25000"/>
+          </a:p>
+          <a:p>
+            <a:pPr marL="0" lvl="0" indent="0" algn="l" rtl="0">
+              <a:spcBef>
+                <a:spcPts val="1200"/>
+              </a:spcBef>
+              <a:spcAft>
+                <a:spcPts val="0"/>
+              </a:spcAft>
+              <a:buClr>
+                <a:schemeClr val="dk1"/>
+              </a:buClr>
+              <a:buSzPct val="61000"/>
+              <a:buFont typeface="Arial" panose="020B0604020202020204"/>
+              <a:buNone/>
+            </a:pPr>
+            <a:r>
+              <a:rPr lang="en-GB" baseline="-25000"/>
+              <a:t>result_max = np.max(arr)</a:t>
+            </a:r>
+            <a:endParaRPr lang="en-GB" baseline="-25000"/>
+          </a:p>
+          <a:p>
+            <a:pPr marL="0" lvl="0" indent="0" algn="l" rtl="0">
+              <a:spcBef>
+                <a:spcPts val="1200"/>
+              </a:spcBef>
+              <a:spcAft>
+                <a:spcPts val="0"/>
+              </a:spcAft>
+              <a:buClr>
+                <a:schemeClr val="dk1"/>
+              </a:buClr>
+              <a:buSzPct val="61000"/>
+              <a:buFont typeface="Arial" panose="020B0604020202020204"/>
+              <a:buNone/>
+            </a:pPr>
+            <a:r>
+              <a:rPr lang="en-GB" baseline="-25000"/>
+              <a:t># Sum and product</a:t>
+            </a:r>
+            <a:endParaRPr lang="en-GB" baseline="-25000"/>
+          </a:p>
+          <a:p>
+            <a:pPr marL="0" lvl="0" indent="0" algn="l" rtl="0">
+              <a:spcBef>
+                <a:spcPts val="1200"/>
+              </a:spcBef>
+              <a:spcAft>
+                <a:spcPts val="0"/>
+              </a:spcAft>
+              <a:buClr>
+                <a:schemeClr val="dk1"/>
+              </a:buClr>
+              <a:buSzPct val="61000"/>
+              <a:buFont typeface="Arial" panose="020B0604020202020204"/>
+              <a:buNone/>
+            </a:pPr>
+            <a:r>
+              <a:rPr lang="en-GB" baseline="-25000"/>
+              <a:t>result_sum = np.sum(arr)</a:t>
+            </a:r>
+            <a:endParaRPr lang="en-GB" baseline="-25000"/>
+          </a:p>
+        </p:txBody>
+      </p:sp>
+      <p:sp>
+        <p:nvSpPr>
+          <p:cNvPr id="7" name="Text Box 6"/>
+          <p:cNvSpPr txBox="1"/>
+          <p:nvPr/>
+        </p:nvSpPr>
+        <p:spPr>
+          <a:xfrm>
+            <a:off x="4010660" y="1520190"/>
+            <a:ext cx="3255010" cy="2916555"/>
+          </a:xfrm>
+          <a:prstGeom prst="rect">
+            <a:avLst/>
+          </a:prstGeom>
+          <a:noFill/>
+        </p:spPr>
+        <p:txBody>
+          <a:bodyPr wrap="square" rtlCol="0" anchor="t">
+            <a:noAutofit/>
+          </a:bodyPr>
+          <a:p>
+            <a:pPr marL="0" lvl="0" indent="0" algn="l" rtl="0">
+              <a:spcBef>
+                <a:spcPts val="1200"/>
+              </a:spcBef>
+              <a:spcAft>
+                <a:spcPts val="0"/>
+              </a:spcAft>
+              <a:buClr>
+                <a:schemeClr val="dk1"/>
+              </a:buClr>
+              <a:buSzPct val="61000"/>
+              <a:buFont typeface="Arial" panose="020B0604020202020204"/>
+              <a:buNone/>
+            </a:pPr>
+            <a:r>
+              <a:rPr lang="en-GB" sz="2000" baseline="-25000">
+                <a:sym typeface="+mn-ea"/>
+              </a:rPr>
+              <a:t>result_product = np.prod(arr)</a:t>
+            </a:r>
+            <a:endParaRPr lang="en-GB" sz="2000" baseline="-25000"/>
+          </a:p>
+          <a:p>
+            <a:pPr marL="0" lvl="0" indent="0" algn="l" rtl="0">
+              <a:spcBef>
+                <a:spcPts val="1200"/>
+              </a:spcBef>
+              <a:spcAft>
+                <a:spcPts val="0"/>
+              </a:spcAft>
+              <a:buClr>
+                <a:schemeClr val="dk1"/>
+              </a:buClr>
+              <a:buSzPct val="61000"/>
+              <a:buFont typeface="Arial" panose="020B0604020202020204"/>
+              <a:buNone/>
+            </a:pPr>
+            <a:r>
+              <a:rPr lang="en-GB" sz="2000" baseline="-25000">
+                <a:sym typeface="+mn-ea"/>
+              </a:rPr>
+              <a:t># Mean and median</a:t>
+            </a:r>
+            <a:endParaRPr lang="en-GB" sz="2000" baseline="-25000"/>
+          </a:p>
+          <a:p>
+            <a:pPr marL="0" lvl="0" indent="0" algn="l" rtl="0">
+              <a:spcBef>
+                <a:spcPts val="1200"/>
+              </a:spcBef>
+              <a:spcAft>
+                <a:spcPts val="0"/>
+              </a:spcAft>
+              <a:buClr>
+                <a:schemeClr val="dk1"/>
+              </a:buClr>
+              <a:buSzPct val="61000"/>
+              <a:buFont typeface="Arial" panose="020B0604020202020204"/>
+              <a:buNone/>
+            </a:pPr>
+            <a:r>
+              <a:rPr lang="en-GB" sz="2000" baseline="-25000">
+                <a:sym typeface="+mn-ea"/>
+              </a:rPr>
+              <a:t>result_mean = np.mean(arr)</a:t>
+            </a:r>
+            <a:endParaRPr lang="en-GB" sz="2000" baseline="-25000"/>
+          </a:p>
+          <a:p>
+            <a:pPr marL="0" lvl="0" indent="0" algn="l" rtl="0">
+              <a:spcBef>
+                <a:spcPts val="1200"/>
+              </a:spcBef>
+              <a:spcAft>
+                <a:spcPts val="0"/>
+              </a:spcAft>
+              <a:buClr>
+                <a:schemeClr val="dk1"/>
+              </a:buClr>
+              <a:buSzPct val="61000"/>
+              <a:buFont typeface="Arial" panose="020B0604020202020204"/>
+              <a:buNone/>
+            </a:pPr>
+            <a:r>
+              <a:rPr lang="en-GB" sz="2000" baseline="-25000">
+                <a:sym typeface="+mn-ea"/>
+              </a:rPr>
+              <a:t>result_median = np.median(arr)</a:t>
+            </a:r>
+            <a:endParaRPr lang="en-GB" sz="2000" baseline="-25000"/>
+          </a:p>
+          <a:p>
+            <a:pPr marL="0" lvl="0" indent="0" algn="l" rtl="0">
+              <a:spcBef>
+                <a:spcPts val="1200"/>
+              </a:spcBef>
+              <a:spcAft>
+                <a:spcPts val="0"/>
+              </a:spcAft>
+              <a:buClr>
+                <a:schemeClr val="dk1"/>
+              </a:buClr>
+              <a:buSzPct val="61000"/>
+              <a:buFont typeface="Arial" panose="020B0604020202020204"/>
+              <a:buNone/>
+            </a:pPr>
+            <a:r>
+              <a:rPr lang="en-GB" sz="2000" baseline="-25000">
+                <a:sym typeface="+mn-ea"/>
+              </a:rPr>
+              <a:t># Variance and standard deviation</a:t>
+            </a:r>
+            <a:endParaRPr lang="en-GB" sz="2000" baseline="-25000"/>
+          </a:p>
+          <a:p>
+            <a:pPr marL="0" lvl="0" indent="0" algn="l" rtl="0">
+              <a:spcBef>
+                <a:spcPts val="1200"/>
+              </a:spcBef>
+              <a:spcAft>
+                <a:spcPts val="0"/>
+              </a:spcAft>
+              <a:buClr>
+                <a:schemeClr val="dk1"/>
+              </a:buClr>
+              <a:buSzPct val="61000"/>
+              <a:buFont typeface="Arial" panose="020B0604020202020204"/>
+              <a:buNone/>
+            </a:pPr>
+            <a:r>
+              <a:rPr lang="en-GB" sz="2000" baseline="-25000">
+                <a:sym typeface="+mn-ea"/>
+              </a:rPr>
+              <a:t>result_var = np.var(arr)</a:t>
+            </a:r>
+            <a:endParaRPr lang="en-GB" sz="2000" baseline="-25000"/>
+          </a:p>
+          <a:p>
+            <a:pPr marL="0" lvl="0" indent="0" algn="l" rtl="0">
+              <a:spcBef>
+                <a:spcPts val="1200"/>
+              </a:spcBef>
+              <a:spcAft>
+                <a:spcPts val="1200"/>
+              </a:spcAft>
+              <a:buNone/>
+            </a:pPr>
+            <a:r>
+              <a:rPr lang="en-GB" sz="2000" baseline="-25000">
+                <a:sym typeface="+mn-ea"/>
+              </a:rPr>
+              <a:t>result_std = np.std(arr)</a:t>
+            </a:r>
+            <a:endParaRPr lang="en-GB" sz="2000" baseline="-25000">
+              <a:sym typeface="+mn-ea"/>
+            </a:endParaRPr>
+          </a:p>
+        </p:txBody>
+      </p:sp>
+    </p:spTree>
+  </p:cSld>
+  <p:clrMapOvr>
+    <a:masterClrMapping/>
+  </p:clrMapOvr>
+</p:sld>
+</file>
+
+<file path=ppt/slides/slide42.xml><?xml version="1.0" encoding="utf-8"?>
+<p:sld xmlns:a="http://schemas.openxmlformats.org/drawingml/2006/main" xmlns:r="http://schemas.openxmlformats.org/officeDocument/2006/relationships" xmlns:p="http://schemas.openxmlformats.org/presentationml/2006/main">
+  <p:cSld>
+    <p:spTree>
+      <p:nvGrpSpPr>
         <p:cNvPr id="283" name="Shape 283"/>
         <p:cNvGrpSpPr/>
         <p:nvPr/>
@@ -32152,7 +33090,7 @@
 </p:sld>
 </file>
 
-<file path=ppt/slides/slide42.xml><?xml version="1.0" encoding="utf-8"?>
+<file path=ppt/slides/slide43.xml><?xml version="1.0" encoding="utf-8"?>
 <p:sld xmlns:a="http://schemas.openxmlformats.org/drawingml/2006/main" xmlns:r="http://schemas.openxmlformats.org/officeDocument/2006/relationships" xmlns:p="http://schemas.openxmlformats.org/presentationml/2006/main">
   <p:cSld>
     <p:spTree>
@@ -33041,7 +33979,7 @@
 </p:sld>
 </file>
 
-<file path=ppt/slides/slide43.xml><?xml version="1.0" encoding="utf-8"?>
+<file path=ppt/slides/slide44.xml><?xml version="1.0" encoding="utf-8"?>
 <p:sld xmlns:a="http://schemas.openxmlformats.org/drawingml/2006/main" xmlns:r="http://schemas.openxmlformats.org/officeDocument/2006/relationships" xmlns:p="http://schemas.openxmlformats.org/presentationml/2006/main">
   <p:cSld>
     <p:spTree>
@@ -33060,424 +33998,33 @@
       </p:grpSpPr>
       <p:sp>
         <p:nvSpPr>
-          <p:cNvPr id="290" name="Google Shape;290;p54"/>
-          <p:cNvSpPr txBox="1"/>
+          <p:cNvPr id="1" name="Title 0"/>
+          <p:cNvSpPr/>
           <p:nvPr>
             <p:ph type="title"/>
           </p:nvPr>
         </p:nvSpPr>
-        <p:spPr>
-          <a:xfrm>
-            <a:off x="311700" y="445025"/>
-            <a:ext cx="8520600" cy="572700"/>
-          </a:xfrm>
-          <a:prstGeom prst="rect">
-            <a:avLst/>
-          </a:prstGeom>
-        </p:spPr>
+        <p:spPr/>
         <p:txBody>
-          <a:bodyPr spcFirstLastPara="1" wrap="square" lIns="91425" tIns="91425" rIns="91425" bIns="91425" anchor="t" anchorCtr="0">
-            <a:normAutofit fontScale="90000"/>
-          </a:bodyPr>
-          <a:lstStyle/>
-          <a:p>
-            <a:pPr marL="0" lvl="0" indent="0" algn="l" rtl="0">
-              <a:spcBef>
-                <a:spcPts val="0"/>
-              </a:spcBef>
-              <a:spcAft>
-                <a:spcPts val="0"/>
-              </a:spcAft>
-              <a:buClr>
-                <a:schemeClr val="dk1"/>
-              </a:buClr>
-              <a:buSzPct val="39000"/>
-              <a:buFont typeface="Arial" panose="020B0604020202020204"/>
-              <a:buNone/>
-            </a:pPr>
-            <a:r>
-              <a:rPr lang="en-GB"/>
-              <a:t>Aggregation Functions</a:t>
-            </a:r>
-            <a:endParaRPr lang="en-GB"/>
-          </a:p>
-          <a:p>
-            <a:pPr marL="0" lvl="0" indent="0" algn="l" rtl="0">
-              <a:spcBef>
-                <a:spcPts val="0"/>
-              </a:spcBef>
-              <a:spcAft>
-                <a:spcPts val="0"/>
-              </a:spcAft>
-              <a:buClr>
-                <a:schemeClr val="dk1"/>
-              </a:buClr>
-              <a:buSzPct val="39000"/>
-              <a:buFont typeface="Arial" panose="020B0604020202020204"/>
-              <a:buNone/>
-            </a:pPr>
-          </a:p>
-          <a:p>
-            <a:pPr marL="0" lvl="0" indent="0" algn="l" rtl="0">
-              <a:spcBef>
-                <a:spcPts val="0"/>
-              </a:spcBef>
-              <a:spcAft>
-                <a:spcPts val="0"/>
-              </a:spcAft>
-              <a:buNone/>
-            </a:pPr>
+          <a:bodyPr/>
+          <a:p>
+            <a:endParaRPr lang="en-US"/>
           </a:p>
         </p:txBody>
       </p:sp>
       <p:sp>
         <p:nvSpPr>
-          <p:cNvPr id="291" name="Google Shape;291;p54"/>
-          <p:cNvSpPr txBox="1"/>
+          <p:cNvPr id="3" name="Text Placeholder 2"/>
+          <p:cNvSpPr/>
           <p:nvPr>
             <p:ph type="body" idx="1"/>
           </p:nvPr>
         </p:nvSpPr>
-        <p:spPr>
-          <a:xfrm>
-            <a:off x="185420" y="1152525"/>
-            <a:ext cx="2947035" cy="3892550"/>
-          </a:xfrm>
-          <a:prstGeom prst="rect">
-            <a:avLst/>
-          </a:prstGeom>
-        </p:spPr>
+        <p:spPr/>
         <p:txBody>
-          <a:bodyPr spcFirstLastPara="1" wrap="square" lIns="91425" tIns="91425" rIns="91425" bIns="91425" anchor="t" anchorCtr="0">
-            <a:normAutofit/>
-          </a:bodyPr>
-          <a:lstStyle/>
-          <a:p>
-            <a:pPr marL="0" lvl="0" indent="0" algn="l" rtl="0">
-              <a:spcBef>
-                <a:spcPts val="0"/>
-              </a:spcBef>
-              <a:spcAft>
-                <a:spcPts val="0"/>
-              </a:spcAft>
-              <a:buClr>
-                <a:schemeClr val="dk1"/>
-              </a:buClr>
-              <a:buSzPct val="61000"/>
-              <a:buFont typeface="Arial" panose="020B0604020202020204"/>
-              <a:buNone/>
-            </a:pPr>
-            <a:r>
-              <a:rPr lang="en-GB" baseline="-25000"/>
-              <a:t>import numpy as np</a:t>
-            </a:r>
-            <a:endParaRPr lang="en-GB" baseline="-25000"/>
-          </a:p>
-          <a:p>
-            <a:pPr marL="0" lvl="0" indent="0" algn="l" rtl="0">
-              <a:spcBef>
-                <a:spcPts val="1200"/>
-              </a:spcBef>
-              <a:spcAft>
-                <a:spcPts val="0"/>
-              </a:spcAft>
-              <a:buClr>
-                <a:schemeClr val="dk1"/>
-              </a:buClr>
-              <a:buSzPct val="61000"/>
-              <a:buFont typeface="Arial" panose="020B0604020202020204"/>
-              <a:buNone/>
-            </a:pPr>
-            <a:r>
-              <a:rPr lang="en-GB" baseline="-25000"/>
-              <a:t>arr = np.array([1, 2, 3, 4, 5])</a:t>
-            </a:r>
-            <a:endParaRPr lang="en-GB" baseline="-25000"/>
-          </a:p>
-          <a:p>
-            <a:pPr marL="0" lvl="0" indent="0" algn="l" rtl="0">
-              <a:spcBef>
-                <a:spcPts val="1200"/>
-              </a:spcBef>
-              <a:spcAft>
-                <a:spcPts val="0"/>
-              </a:spcAft>
-              <a:buClr>
-                <a:schemeClr val="dk1"/>
-              </a:buClr>
-              <a:buSzPct val="61000"/>
-              <a:buFont typeface="Arial" panose="020B0604020202020204"/>
-              <a:buNone/>
-            </a:pPr>
-            <a:r>
-              <a:rPr lang="en-GB" baseline="-25000"/>
-              <a:t># Minimum and maximum</a:t>
-            </a:r>
-            <a:endParaRPr lang="en-GB" baseline="-25000"/>
-          </a:p>
-          <a:p>
-            <a:pPr marL="0" lvl="0" indent="0" algn="l" rtl="0">
-              <a:spcBef>
-                <a:spcPts val="1200"/>
-              </a:spcBef>
-              <a:spcAft>
-                <a:spcPts val="0"/>
-              </a:spcAft>
-              <a:buClr>
-                <a:schemeClr val="dk1"/>
-              </a:buClr>
-              <a:buSzPct val="61000"/>
-              <a:buFont typeface="Arial" panose="020B0604020202020204"/>
-              <a:buNone/>
-            </a:pPr>
-            <a:r>
-              <a:rPr lang="en-GB" baseline="-25000"/>
-              <a:t>result_min = np.min(arr)</a:t>
-            </a:r>
-            <a:endParaRPr lang="en-GB" baseline="-25000"/>
-          </a:p>
-          <a:p>
-            <a:pPr marL="0" lvl="0" indent="0" algn="l" rtl="0">
-              <a:spcBef>
-                <a:spcPts val="1200"/>
-              </a:spcBef>
-              <a:spcAft>
-                <a:spcPts val="0"/>
-              </a:spcAft>
-              <a:buClr>
-                <a:schemeClr val="dk1"/>
-              </a:buClr>
-              <a:buSzPct val="61000"/>
-              <a:buFont typeface="Arial" panose="020B0604020202020204"/>
-              <a:buNone/>
-            </a:pPr>
-            <a:r>
-              <a:rPr lang="en-GB" baseline="-25000"/>
-              <a:t>result_max = np.max(arr)</a:t>
-            </a:r>
-            <a:endParaRPr lang="en-GB" baseline="-25000"/>
-          </a:p>
-          <a:p>
-            <a:pPr marL="0" lvl="0" indent="0" algn="l" rtl="0">
-              <a:spcBef>
-                <a:spcPts val="1200"/>
-              </a:spcBef>
-              <a:spcAft>
-                <a:spcPts val="0"/>
-              </a:spcAft>
-              <a:buClr>
-                <a:schemeClr val="dk1"/>
-              </a:buClr>
-              <a:buSzPct val="61000"/>
-              <a:buFont typeface="Arial" panose="020B0604020202020204"/>
-              <a:buNone/>
-            </a:pPr>
-            <a:r>
-              <a:rPr lang="en-GB" baseline="-25000"/>
-              <a:t># Sum and product</a:t>
-            </a:r>
-            <a:endParaRPr lang="en-GB" baseline="-25000"/>
-          </a:p>
-          <a:p>
-            <a:pPr marL="0" lvl="0" indent="0" algn="l" rtl="0">
-              <a:spcBef>
-                <a:spcPts val="1200"/>
-              </a:spcBef>
-              <a:spcAft>
-                <a:spcPts val="0"/>
-              </a:spcAft>
-              <a:buClr>
-                <a:schemeClr val="dk1"/>
-              </a:buClr>
-              <a:buSzPct val="61000"/>
-              <a:buFont typeface="Arial" panose="020B0604020202020204"/>
-              <a:buNone/>
-            </a:pPr>
-            <a:r>
-              <a:rPr lang="en-GB" baseline="-25000"/>
-              <a:t>result_sum = np.sum(arr)</a:t>
-            </a:r>
-            <a:endParaRPr lang="en-GB" baseline="-25000"/>
-          </a:p>
-        </p:txBody>
-      </p:sp>
-      <p:sp>
-        <p:nvSpPr>
-          <p:cNvPr id="2" name="Text Box 1"/>
-          <p:cNvSpPr txBox="1"/>
-          <p:nvPr/>
-        </p:nvSpPr>
-        <p:spPr>
-          <a:xfrm>
-            <a:off x="4010660" y="1520190"/>
-            <a:ext cx="3255010" cy="2916555"/>
-          </a:xfrm>
-          <a:prstGeom prst="rect">
-            <a:avLst/>
-          </a:prstGeom>
-          <a:noFill/>
-        </p:spPr>
-        <p:txBody>
-          <a:bodyPr wrap="square" rtlCol="0" anchor="t">
-            <a:noAutofit/>
-          </a:bodyPr>
-          <a:p>
-            <a:pPr marL="0" lvl="0" indent="0" algn="l" rtl="0">
-              <a:spcBef>
-                <a:spcPts val="1200"/>
-              </a:spcBef>
-              <a:spcAft>
-                <a:spcPts val="0"/>
-              </a:spcAft>
-              <a:buClr>
-                <a:schemeClr val="dk1"/>
-              </a:buClr>
-              <a:buSzPct val="61000"/>
-              <a:buFont typeface="Arial" panose="020B0604020202020204"/>
-              <a:buNone/>
-            </a:pPr>
-            <a:r>
-              <a:rPr lang="en-GB" sz="2000" baseline="-25000">
-                <a:sym typeface="+mn-ea"/>
-              </a:rPr>
-              <a:t>result_product = np.prod(arr)</a:t>
-            </a:r>
-            <a:endParaRPr lang="en-GB" sz="2000" baseline="-25000"/>
-          </a:p>
-          <a:p>
-            <a:pPr marL="0" lvl="0" indent="0" algn="l" rtl="0">
-              <a:spcBef>
-                <a:spcPts val="1200"/>
-              </a:spcBef>
-              <a:spcAft>
-                <a:spcPts val="0"/>
-              </a:spcAft>
-              <a:buClr>
-                <a:schemeClr val="dk1"/>
-              </a:buClr>
-              <a:buSzPct val="61000"/>
-              <a:buFont typeface="Arial" panose="020B0604020202020204"/>
-              <a:buNone/>
-            </a:pPr>
-            <a:r>
-              <a:rPr lang="en-GB" sz="2000" baseline="-25000">
-                <a:sym typeface="+mn-ea"/>
-              </a:rPr>
-              <a:t># Mean and median</a:t>
-            </a:r>
-            <a:endParaRPr lang="en-GB" sz="2000" baseline="-25000"/>
-          </a:p>
-          <a:p>
-            <a:pPr marL="0" lvl="0" indent="0" algn="l" rtl="0">
-              <a:spcBef>
-                <a:spcPts val="1200"/>
-              </a:spcBef>
-              <a:spcAft>
-                <a:spcPts val="0"/>
-              </a:spcAft>
-              <a:buClr>
-                <a:schemeClr val="dk1"/>
-              </a:buClr>
-              <a:buSzPct val="61000"/>
-              <a:buFont typeface="Arial" panose="020B0604020202020204"/>
-              <a:buNone/>
-            </a:pPr>
-            <a:r>
-              <a:rPr lang="en-GB" sz="2000" baseline="-25000">
-                <a:sym typeface="+mn-ea"/>
-              </a:rPr>
-              <a:t>result_mean = np.mean(arr)</a:t>
-            </a:r>
-            <a:endParaRPr lang="en-GB" sz="2000" baseline="-25000"/>
-          </a:p>
-          <a:p>
-            <a:pPr marL="0" lvl="0" indent="0" algn="l" rtl="0">
-              <a:spcBef>
-                <a:spcPts val="1200"/>
-              </a:spcBef>
-              <a:spcAft>
-                <a:spcPts val="0"/>
-              </a:spcAft>
-              <a:buClr>
-                <a:schemeClr val="dk1"/>
-              </a:buClr>
-              <a:buSzPct val="61000"/>
-              <a:buFont typeface="Arial" panose="020B0604020202020204"/>
-              <a:buNone/>
-            </a:pPr>
-            <a:r>
-              <a:rPr lang="en-GB" sz="2000" baseline="-25000">
-                <a:sym typeface="+mn-ea"/>
-              </a:rPr>
-              <a:t>result_median = np.median(arr)</a:t>
-            </a:r>
-            <a:endParaRPr lang="en-GB" sz="2000" baseline="-25000"/>
-          </a:p>
-          <a:p>
-            <a:pPr marL="0" lvl="0" indent="0" algn="l" rtl="0">
-              <a:spcBef>
-                <a:spcPts val="1200"/>
-              </a:spcBef>
-              <a:spcAft>
-                <a:spcPts val="0"/>
-              </a:spcAft>
-              <a:buClr>
-                <a:schemeClr val="dk1"/>
-              </a:buClr>
-              <a:buSzPct val="61000"/>
-              <a:buFont typeface="Arial" panose="020B0604020202020204"/>
-              <a:buNone/>
-            </a:pPr>
-            <a:r>
-              <a:rPr lang="en-GB" sz="2000" baseline="-25000">
-                <a:sym typeface="+mn-ea"/>
-              </a:rPr>
-              <a:t># Variance and standard deviation</a:t>
-            </a:r>
-            <a:endParaRPr lang="en-GB" sz="2000" baseline="-25000"/>
-          </a:p>
-          <a:p>
-            <a:pPr marL="0" lvl="0" indent="0" algn="l" rtl="0">
-              <a:spcBef>
-                <a:spcPts val="1200"/>
-              </a:spcBef>
-              <a:spcAft>
-                <a:spcPts val="0"/>
-              </a:spcAft>
-              <a:buClr>
-                <a:schemeClr val="dk1"/>
-              </a:buClr>
-              <a:buSzPct val="61000"/>
-              <a:buFont typeface="Arial" panose="020B0604020202020204"/>
-              <a:buNone/>
-            </a:pPr>
-            <a:r>
-              <a:rPr lang="en-GB" sz="2000" baseline="-25000">
-                <a:sym typeface="+mn-ea"/>
-              </a:rPr>
-              <a:t>result_var = np.var(arr)</a:t>
-            </a:r>
-            <a:endParaRPr lang="en-GB" sz="2000" baseline="-25000"/>
-          </a:p>
-          <a:p>
-            <a:pPr marL="0" lvl="0" indent="0" algn="l" rtl="0">
-              <a:spcBef>
-                <a:spcPts val="1200"/>
-              </a:spcBef>
-              <a:spcAft>
-                <a:spcPts val="1200"/>
-              </a:spcAft>
-              <a:buNone/>
-            </a:pPr>
-            <a:r>
-              <a:rPr lang="en-GB" sz="2000" baseline="-25000">
-                <a:sym typeface="+mn-ea"/>
-              </a:rPr>
-              <a:t>result_std = np.std(arr)</a:t>
-            </a:r>
-            <a:endParaRPr lang="en-GB" sz="2000" baseline="-25000">
-              <a:sym typeface="+mn-ea"/>
-            </a:endParaRPr>
+          <a:bodyPr/>
+          <a:p>
+            <a:endParaRPr lang="en-US"/>
           </a:p>
         </p:txBody>
       </p:sp>
@@ -33489,7 +34036,7 @@
 </p:sld>
 </file>
 
-<file path=ppt/slides/slide44.xml><?xml version="1.0" encoding="utf-8"?>
+<file path=ppt/slides/slide45.xml><?xml version="1.0" encoding="utf-8"?>
 <p:sld xmlns:a="http://schemas.openxmlformats.org/drawingml/2006/main" xmlns:r="http://schemas.openxmlformats.org/officeDocument/2006/relationships" xmlns:p="http://schemas.openxmlformats.org/presentationml/2006/main">
   <p:cSld>
     <p:spTree>
@@ -33799,7 +34346,7 @@
 </p:sld>
 </file>
 
-<file path=ppt/slides/slide45.xml><?xml version="1.0" encoding="utf-8"?>
+<file path=ppt/slides/slide46.xml><?xml version="1.0" encoding="utf-8"?>
 <p:sld xmlns:a="http://schemas.openxmlformats.org/drawingml/2006/main" xmlns:r="http://schemas.openxmlformats.org/officeDocument/2006/relationships" xmlns:p="http://schemas.openxmlformats.org/presentationml/2006/main">
   <p:cSld>
     <p:spTree>
@@ -33982,7 +34529,7 @@
 </p:sld>
 </file>
 
-<file path=ppt/slides/slide46.xml><?xml version="1.0" encoding="utf-8"?>
+<file path=ppt/slides/slide47.xml><?xml version="1.0" encoding="utf-8"?>
 <p:sld xmlns:a="http://schemas.openxmlformats.org/drawingml/2006/main" xmlns:r="http://schemas.openxmlformats.org/officeDocument/2006/relationships" xmlns:p="http://schemas.openxmlformats.org/presentationml/2006/main">
   <p:cSld>
     <p:spTree>
@@ -34276,7 +34823,7 @@
 </p:sld>
 </file>
 
-<file path=ppt/slides/slide47.xml><?xml version="1.0" encoding="utf-8"?>
+<file path=ppt/slides/slide48.xml><?xml version="1.0" encoding="utf-8"?>
 <p:sld xmlns:a="http://schemas.openxmlformats.org/drawingml/2006/main" xmlns:r="http://schemas.openxmlformats.org/officeDocument/2006/relationships" xmlns:p="http://schemas.openxmlformats.org/presentationml/2006/main">
   <p:cSld>
     <p:spTree>
@@ -34674,7 +35221,7 @@
 </p:sld>
 </file>
 
-<file path=ppt/slides/slide48.xml><?xml version="1.0" encoding="utf-8"?>
+<file path=ppt/slides/slide49.xml><?xml version="1.0" encoding="utf-8"?>
 <p:sld xmlns:a="http://schemas.openxmlformats.org/drawingml/2006/main" xmlns:r="http://schemas.openxmlformats.org/officeDocument/2006/relationships" xmlns:p="http://schemas.openxmlformats.org/presentationml/2006/main">
   <p:cSld>
     <p:spTree>
@@ -35039,207 +35586,6 @@
               <a:buNone/>
             </a:pPr>
             <a:endParaRPr lang="en-US" sz="1400"/>
-          </a:p>
-        </p:txBody>
-      </p:sp>
-    </p:spTree>
-  </p:cSld>
-  <p:clrMapOvr>
-    <a:masterClrMapping/>
-  </p:clrMapOvr>
-</p:sld>
-</file>
-
-<file path=ppt/slides/slide49.xml><?xml version="1.0" encoding="utf-8"?>
-<p:sld xmlns:a="http://schemas.openxmlformats.org/drawingml/2006/main" xmlns:r="http://schemas.openxmlformats.org/officeDocument/2006/relationships" xmlns:p="http://schemas.openxmlformats.org/presentationml/2006/main">
-  <p:cSld>
-    <p:spTree>
-      <p:nvGrpSpPr>
-        <p:cNvPr id="313" name="Shape 313"/>
-        <p:cNvGrpSpPr/>
-        <p:nvPr/>
-      </p:nvGrpSpPr>
-      <p:grpSpPr>
-        <a:xfrm>
-          <a:off x="0" y="0"/>
-          <a:ext cx="0" cy="0"/>
-          <a:chOff x="0" y="0"/>
-          <a:chExt cx="0" cy="0"/>
-        </a:xfrm>
-      </p:grpSpPr>
-      <p:sp>
-        <p:nvSpPr>
-          <p:cNvPr id="314" name="Google Shape;314;p58"/>
-          <p:cNvSpPr txBox="1"/>
-          <p:nvPr>
-            <p:ph type="title"/>
-          </p:nvPr>
-        </p:nvSpPr>
-        <p:spPr>
-          <a:xfrm>
-            <a:off x="311700" y="445025"/>
-            <a:ext cx="8520600" cy="572700"/>
-          </a:xfrm>
-          <a:prstGeom prst="rect">
-            <a:avLst/>
-          </a:prstGeom>
-        </p:spPr>
-        <p:txBody>
-          <a:bodyPr spcFirstLastPara="1" wrap="square" lIns="91425" tIns="91425" rIns="91425" bIns="91425" anchor="t" anchorCtr="0">
-            <a:normAutofit fontScale="90000"/>
-          </a:bodyPr>
-          <a:lstStyle/>
-          <a:p>
-            <a:pPr marL="0" lvl="0" indent="0" algn="l" rtl="0">
-              <a:spcBef>
-                <a:spcPts val="0"/>
-              </a:spcBef>
-              <a:spcAft>
-                <a:spcPts val="0"/>
-              </a:spcAft>
-              <a:buNone/>
-            </a:pPr>
-            <a:r>
-              <a:rPr lang="en-GB"/>
-              <a:t>Additional Functions inMachine Learning</a:t>
-            </a:r>
-            <a:endParaRPr lang="en-GB"/>
-          </a:p>
-        </p:txBody>
-      </p:sp>
-      <p:sp>
-        <p:nvSpPr>
-          <p:cNvPr id="315" name="Google Shape;315;p58"/>
-          <p:cNvSpPr txBox="1"/>
-          <p:nvPr>
-            <p:ph type="body" idx="1"/>
-          </p:nvPr>
-        </p:nvSpPr>
-        <p:spPr>
-          <a:xfrm>
-            <a:off x="311700" y="1152475"/>
-            <a:ext cx="8520600" cy="3416400"/>
-          </a:xfrm>
-          <a:prstGeom prst="rect">
-            <a:avLst/>
-          </a:prstGeom>
-        </p:spPr>
-        <p:txBody>
-          <a:bodyPr spcFirstLastPara="1" wrap="square" lIns="91425" tIns="91425" rIns="91425" bIns="91425" anchor="t" anchorCtr="0">
-            <a:normAutofit/>
-          </a:bodyPr>
-          <a:lstStyle/>
-          <a:p>
-            <a:pPr marL="0" lvl="0" indent="0" algn="l" rtl="0">
-              <a:spcBef>
-                <a:spcPts val="0"/>
-              </a:spcBef>
-              <a:spcAft>
-                <a:spcPts val="0"/>
-              </a:spcAft>
-              <a:buNone/>
-            </a:pPr>
-            <a:r>
-              <a:rPr lang="en-GB"/>
-              <a:t>Statistics and Data Analysis</a:t>
-            </a:r>
-            <a:endParaRPr lang="en-GB"/>
-          </a:p>
-          <a:p>
-            <a:pPr marL="0" lvl="0" indent="0" algn="l" rtl="0">
-              <a:spcBef>
-                <a:spcPts val="1200"/>
-              </a:spcBef>
-              <a:spcAft>
-                <a:spcPts val="0"/>
-              </a:spcAft>
-              <a:buNone/>
-            </a:pPr>
-            <a:r>
-              <a:rPr lang="en-GB"/>
-              <a:t>np.mean(): Compute the mean of an array.</a:t>
-            </a:r>
-            <a:endParaRPr lang="en-GB"/>
-          </a:p>
-          <a:p>
-            <a:pPr marL="0" lvl="0" indent="0" algn="l" rtl="0">
-              <a:spcBef>
-                <a:spcPts val="1200"/>
-              </a:spcBef>
-              <a:spcAft>
-                <a:spcPts val="0"/>
-              </a:spcAft>
-              <a:buNone/>
-            </a:pPr>
-            <a:r>
-              <a:rPr lang="en-GB"/>
-              <a:t>np.median(): Compute the median of an array.</a:t>
-            </a:r>
-            <a:endParaRPr lang="en-GB"/>
-          </a:p>
-          <a:p>
-            <a:pPr marL="0" lvl="0" indent="0" algn="l" rtl="0">
-              <a:spcBef>
-                <a:spcPts val="1200"/>
-              </a:spcBef>
-              <a:spcAft>
-                <a:spcPts val="0"/>
-              </a:spcAft>
-              <a:buNone/>
-            </a:pPr>
-            <a:r>
-              <a:rPr lang="en-GB"/>
-              <a:t>np.percentile(): Compute the q-th percentile of the data along the specified axis.</a:t>
-            </a:r>
-            <a:endParaRPr lang="en-GB"/>
-          </a:p>
-          <a:p>
-            <a:pPr marL="0" lvl="0" indent="0" algn="l" rtl="0">
-              <a:spcBef>
-                <a:spcPts val="1200"/>
-              </a:spcBef>
-              <a:spcAft>
-                <a:spcPts val="0"/>
-              </a:spcAft>
-              <a:buNone/>
-            </a:pPr>
-            <a:r>
-              <a:rPr lang="en-GB"/>
-              <a:t>np.cov(): Compute the covariance matrix.</a:t>
-            </a:r>
-            <a:endParaRPr lang="en-GB"/>
-          </a:p>
-          <a:p>
-            <a:pPr marL="0" lvl="0" indent="0" algn="l" rtl="0">
-              <a:spcBef>
-                <a:spcPts val="1200"/>
-              </a:spcBef>
-              <a:spcAft>
-                <a:spcPts val="0"/>
-              </a:spcAft>
-              <a:buNone/>
-            </a:pPr>
-            <a:r>
-              <a:rPr lang="en-GB"/>
-              <a:t>np.corrcoef(): Compute the correlation coefficient matrix.</a:t>
-            </a:r>
-            <a:endParaRPr lang="en-GB"/>
-          </a:p>
-          <a:p>
-            <a:pPr marL="0" lvl="0" indent="0" algn="l" rtl="0">
-              <a:spcBef>
-                <a:spcPts val="1200"/>
-              </a:spcBef>
-              <a:spcAft>
-                <a:spcPts val="1200"/>
-              </a:spcAft>
-              <a:buNone/>
-            </a:pPr>
-            <a:r>
-              <a:rPr lang="en-GB"/>
-              <a:t>np.histogram(): Compute the histogram of a set of data.</a:t>
-            </a:r>
-            <a:endParaRPr lang="en-GB"/>
           </a:p>
         </p:txBody>
       </p:sp>
@@ -35574,6 +35920,207 @@
   <p:cSld>
     <p:spTree>
       <p:nvGrpSpPr>
+        <p:cNvPr id="313" name="Shape 313"/>
+        <p:cNvGrpSpPr/>
+        <p:nvPr/>
+      </p:nvGrpSpPr>
+      <p:grpSpPr>
+        <a:xfrm>
+          <a:off x="0" y="0"/>
+          <a:ext cx="0" cy="0"/>
+          <a:chOff x="0" y="0"/>
+          <a:chExt cx="0" cy="0"/>
+        </a:xfrm>
+      </p:grpSpPr>
+      <p:sp>
+        <p:nvSpPr>
+          <p:cNvPr id="314" name="Google Shape;314;p58"/>
+          <p:cNvSpPr txBox="1"/>
+          <p:nvPr>
+            <p:ph type="title"/>
+          </p:nvPr>
+        </p:nvSpPr>
+        <p:spPr>
+          <a:xfrm>
+            <a:off x="311700" y="445025"/>
+            <a:ext cx="8520600" cy="572700"/>
+          </a:xfrm>
+          <a:prstGeom prst="rect">
+            <a:avLst/>
+          </a:prstGeom>
+        </p:spPr>
+        <p:txBody>
+          <a:bodyPr spcFirstLastPara="1" wrap="square" lIns="91425" tIns="91425" rIns="91425" bIns="91425" anchor="t" anchorCtr="0">
+            <a:normAutofit fontScale="90000"/>
+          </a:bodyPr>
+          <a:lstStyle/>
+          <a:p>
+            <a:pPr marL="0" lvl="0" indent="0" algn="l" rtl="0">
+              <a:spcBef>
+                <a:spcPts val="0"/>
+              </a:spcBef>
+              <a:spcAft>
+                <a:spcPts val="0"/>
+              </a:spcAft>
+              <a:buNone/>
+            </a:pPr>
+            <a:r>
+              <a:rPr lang="en-GB"/>
+              <a:t>Additional Functions inMachine Learning</a:t>
+            </a:r>
+            <a:endParaRPr lang="en-GB"/>
+          </a:p>
+        </p:txBody>
+      </p:sp>
+      <p:sp>
+        <p:nvSpPr>
+          <p:cNvPr id="315" name="Google Shape;315;p58"/>
+          <p:cNvSpPr txBox="1"/>
+          <p:nvPr>
+            <p:ph type="body" idx="1"/>
+          </p:nvPr>
+        </p:nvSpPr>
+        <p:spPr>
+          <a:xfrm>
+            <a:off x="311700" y="1152475"/>
+            <a:ext cx="8520600" cy="3416400"/>
+          </a:xfrm>
+          <a:prstGeom prst="rect">
+            <a:avLst/>
+          </a:prstGeom>
+        </p:spPr>
+        <p:txBody>
+          <a:bodyPr spcFirstLastPara="1" wrap="square" lIns="91425" tIns="91425" rIns="91425" bIns="91425" anchor="t" anchorCtr="0">
+            <a:normAutofit/>
+          </a:bodyPr>
+          <a:lstStyle/>
+          <a:p>
+            <a:pPr marL="0" lvl="0" indent="0" algn="l" rtl="0">
+              <a:spcBef>
+                <a:spcPts val="0"/>
+              </a:spcBef>
+              <a:spcAft>
+                <a:spcPts val="0"/>
+              </a:spcAft>
+              <a:buNone/>
+            </a:pPr>
+            <a:r>
+              <a:rPr lang="en-GB"/>
+              <a:t>Statistics and Data Analysis</a:t>
+            </a:r>
+            <a:endParaRPr lang="en-GB"/>
+          </a:p>
+          <a:p>
+            <a:pPr marL="0" lvl="0" indent="0" algn="l" rtl="0">
+              <a:spcBef>
+                <a:spcPts val="1200"/>
+              </a:spcBef>
+              <a:spcAft>
+                <a:spcPts val="0"/>
+              </a:spcAft>
+              <a:buNone/>
+            </a:pPr>
+            <a:r>
+              <a:rPr lang="en-GB"/>
+              <a:t>np.mean(): Compute the mean of an array.</a:t>
+            </a:r>
+            <a:endParaRPr lang="en-GB"/>
+          </a:p>
+          <a:p>
+            <a:pPr marL="0" lvl="0" indent="0" algn="l" rtl="0">
+              <a:spcBef>
+                <a:spcPts val="1200"/>
+              </a:spcBef>
+              <a:spcAft>
+                <a:spcPts val="0"/>
+              </a:spcAft>
+              <a:buNone/>
+            </a:pPr>
+            <a:r>
+              <a:rPr lang="en-GB"/>
+              <a:t>np.median(): Compute the median of an array.</a:t>
+            </a:r>
+            <a:endParaRPr lang="en-GB"/>
+          </a:p>
+          <a:p>
+            <a:pPr marL="0" lvl="0" indent="0" algn="l" rtl="0">
+              <a:spcBef>
+                <a:spcPts val="1200"/>
+              </a:spcBef>
+              <a:spcAft>
+                <a:spcPts val="0"/>
+              </a:spcAft>
+              <a:buNone/>
+            </a:pPr>
+            <a:r>
+              <a:rPr lang="en-GB"/>
+              <a:t>np.percentile(): Compute the q-th percentile of the data along the specified axis.</a:t>
+            </a:r>
+            <a:endParaRPr lang="en-GB"/>
+          </a:p>
+          <a:p>
+            <a:pPr marL="0" lvl="0" indent="0" algn="l" rtl="0">
+              <a:spcBef>
+                <a:spcPts val="1200"/>
+              </a:spcBef>
+              <a:spcAft>
+                <a:spcPts val="0"/>
+              </a:spcAft>
+              <a:buNone/>
+            </a:pPr>
+            <a:r>
+              <a:rPr lang="en-GB"/>
+              <a:t>np.cov(): Compute the covariance matrix.</a:t>
+            </a:r>
+            <a:endParaRPr lang="en-GB"/>
+          </a:p>
+          <a:p>
+            <a:pPr marL="0" lvl="0" indent="0" algn="l" rtl="0">
+              <a:spcBef>
+                <a:spcPts val="1200"/>
+              </a:spcBef>
+              <a:spcAft>
+                <a:spcPts val="0"/>
+              </a:spcAft>
+              <a:buNone/>
+            </a:pPr>
+            <a:r>
+              <a:rPr lang="en-GB"/>
+              <a:t>np.corrcoef(): Compute the correlation coefficient matrix.</a:t>
+            </a:r>
+            <a:endParaRPr lang="en-GB"/>
+          </a:p>
+          <a:p>
+            <a:pPr marL="0" lvl="0" indent="0" algn="l" rtl="0">
+              <a:spcBef>
+                <a:spcPts val="1200"/>
+              </a:spcBef>
+              <a:spcAft>
+                <a:spcPts val="1200"/>
+              </a:spcAft>
+              <a:buNone/>
+            </a:pPr>
+            <a:r>
+              <a:rPr lang="en-GB"/>
+              <a:t>np.histogram(): Compute the histogram of a set of data.</a:t>
+            </a:r>
+            <a:endParaRPr lang="en-GB"/>
+          </a:p>
+        </p:txBody>
+      </p:sp>
+    </p:spTree>
+  </p:cSld>
+  <p:clrMapOvr>
+    <a:masterClrMapping/>
+  </p:clrMapOvr>
+</p:sld>
+</file>
+
+<file path=ppt/slides/slide51.xml><?xml version="1.0" encoding="utf-8"?>
+<p:sld xmlns:a="http://schemas.openxmlformats.org/drawingml/2006/main" xmlns:r="http://schemas.openxmlformats.org/officeDocument/2006/relationships" xmlns:p="http://schemas.openxmlformats.org/presentationml/2006/main">
+  <p:cSld>
+    <p:spTree>
+      <p:nvGrpSpPr>
         <p:cNvPr id="319" name="Shape 319"/>
         <p:cNvGrpSpPr/>
         <p:nvPr/>
@@ -35755,7 +36302,7 @@
 </p:sld>
 </file>
 
-<file path=ppt/slides/slide51.xml><?xml version="1.0" encoding="utf-8"?>
+<file path=ppt/slides/slide52.xml><?xml version="1.0" encoding="utf-8"?>
 <p:sld xmlns:a="http://schemas.openxmlformats.org/drawingml/2006/main" xmlns:r="http://schemas.openxmlformats.org/officeDocument/2006/relationships" xmlns:p="http://schemas.openxmlformats.org/presentationml/2006/main">
   <p:cSld>
     <p:spTree>
@@ -35782,8 +36329,8 @@
         </p:nvSpPr>
         <p:spPr>
           <a:xfrm>
-            <a:off x="311700" y="445025"/>
-            <a:ext cx="8520600" cy="572700"/>
+            <a:off x="311785" y="445135"/>
+            <a:ext cx="3542030" cy="572770"/>
           </a:xfrm>
           <a:prstGeom prst="rect">
             <a:avLst/>
@@ -36046,7 +36593,7 @@
 </p:sld>
 </file>
 
-<file path=ppt/slides/slide52.xml><?xml version="1.0" encoding="utf-8"?>
+<file path=ppt/slides/slide53.xml><?xml version="1.0" encoding="utf-8"?>
 <p:sld xmlns:a="http://schemas.openxmlformats.org/drawingml/2006/main" xmlns:r="http://schemas.openxmlformats.org/officeDocument/2006/relationships" xmlns:p="http://schemas.openxmlformats.org/presentationml/2006/main">
   <p:cSld>
     <p:spTree>
@@ -36230,7 +36777,7 @@
 </p:sld>
 </file>
 
-<file path=ppt/slides/slide53.xml><?xml version="1.0" encoding="utf-8"?>
+<file path=ppt/slides/slide54.xml><?xml version="1.0" encoding="utf-8"?>
 <p:sld xmlns:a="http://schemas.openxmlformats.org/drawingml/2006/main" xmlns:r="http://schemas.openxmlformats.org/officeDocument/2006/relationships" xmlns:p="http://schemas.openxmlformats.org/presentationml/2006/main">
   <p:cSld>
     <p:spTree>
@@ -36603,7 +37150,7 @@
 </p:sld>
 </file>
 
-<file path=ppt/slides/slide54.xml><?xml version="1.0" encoding="utf-8"?>
+<file path=ppt/slides/slide55.xml><?xml version="1.0" encoding="utf-8"?>
 <p:sld xmlns:a="http://schemas.openxmlformats.org/drawingml/2006/main" xmlns:r="http://schemas.openxmlformats.org/officeDocument/2006/relationships" xmlns:p="http://schemas.openxmlformats.org/presentationml/2006/main">
   <p:cSld>
     <p:spTree>
@@ -36809,7 +37356,7 @@
 </p:sld>
 </file>
 
-<file path=ppt/slides/slide55.xml><?xml version="1.0" encoding="utf-8"?>
+<file path=ppt/slides/slide56.xml><?xml version="1.0" encoding="utf-8"?>
 <p:sld xmlns:a="http://schemas.openxmlformats.org/drawingml/2006/main" xmlns:r="http://schemas.openxmlformats.org/officeDocument/2006/relationships" xmlns:p="http://schemas.openxmlformats.org/presentationml/2006/main">
   <p:cSld>
     <p:spTree>
@@ -36989,7 +37536,7 @@
 </p:sld>
 </file>
 
-<file path=ppt/slides/slide56.xml><?xml version="1.0" encoding="utf-8"?>
+<file path=ppt/slides/slide57.xml><?xml version="1.0" encoding="utf-8"?>
 <p:sld xmlns:a="http://schemas.openxmlformats.org/drawingml/2006/main" xmlns:r="http://schemas.openxmlformats.org/officeDocument/2006/relationships" xmlns:p="http://schemas.openxmlformats.org/presentationml/2006/main">
   <p:cSld>
     <p:spTree>
@@ -37169,7 +37716,7 @@
 </p:sld>
 </file>
 
-<file path=ppt/slides/slide57.xml><?xml version="1.0" encoding="utf-8"?>
+<file path=ppt/slides/slide58.xml><?xml version="1.0" encoding="utf-8"?>
 <p:sld xmlns:a="http://schemas.openxmlformats.org/drawingml/2006/main" xmlns:r="http://schemas.openxmlformats.org/officeDocument/2006/relationships" xmlns:p="http://schemas.openxmlformats.org/presentationml/2006/main">
   <p:cSld>
     <p:spTree>
@@ -37336,7 +37883,7 @@
 </p:sld>
 </file>
 
-<file path=ppt/slides/slide58.xml><?xml version="1.0" encoding="utf-8"?>
+<file path=ppt/slides/slide59.xml><?xml version="1.0" encoding="utf-8"?>
 <p:sld xmlns:a="http://schemas.openxmlformats.org/drawingml/2006/main" xmlns:r="http://schemas.openxmlformats.org/officeDocument/2006/relationships" xmlns:p="http://schemas.openxmlformats.org/presentationml/2006/main">
   <p:cSld>
     <p:spTree>
@@ -37554,7 +38101,911 @@
 </p:sld>
 </file>
 
-<file path=ppt/slides/slide59.xml><?xml version="1.0" encoding="utf-8"?>
+<file path=ppt/slides/slide6.xml><?xml version="1.0" encoding="utf-8"?>
+<p:sld xmlns:a="http://schemas.openxmlformats.org/drawingml/2006/main" xmlns:r="http://schemas.openxmlformats.org/officeDocument/2006/relationships" xmlns:p="http://schemas.openxmlformats.org/presentationml/2006/main">
+  <p:cSld>
+    <p:spTree>
+      <p:nvGrpSpPr>
+        <p:cNvPr id="82" name="Shape 82"/>
+        <p:cNvGrpSpPr/>
+        <p:nvPr/>
+      </p:nvGrpSpPr>
+      <p:grpSpPr>
+        <a:xfrm>
+          <a:off x="0" y="0"/>
+          <a:ext cx="0" cy="0"/>
+          <a:chOff x="0" y="0"/>
+          <a:chExt cx="0" cy="0"/>
+        </a:xfrm>
+      </p:grpSpPr>
+      <p:sp>
+        <p:nvSpPr>
+          <p:cNvPr id="83" name="Google Shape;83;p18"/>
+          <p:cNvSpPr txBox="1"/>
+          <p:nvPr>
+            <p:ph type="title"/>
+          </p:nvPr>
+        </p:nvSpPr>
+        <p:spPr>
+          <a:xfrm>
+            <a:off x="311700" y="445025"/>
+            <a:ext cx="8520600" cy="572700"/>
+          </a:xfrm>
+          <a:prstGeom prst="rect">
+            <a:avLst/>
+          </a:prstGeom>
+        </p:spPr>
+        <p:txBody>
+          <a:bodyPr spcFirstLastPara="1" wrap="square" lIns="91425" tIns="91425" rIns="91425" bIns="91425" anchor="t" anchorCtr="0">
+            <a:normAutofit fontScale="90000"/>
+          </a:bodyPr>
+          <a:lstStyle/>
+          <a:p>
+            <a:pPr marL="0" lvl="0" indent="0" algn="l" rtl="0">
+              <a:lnSpc>
+                <a:spcPct val="115000"/>
+              </a:lnSpc>
+              <a:spcBef>
+                <a:spcPts val="800"/>
+              </a:spcBef>
+              <a:spcAft>
+                <a:spcPts val="0"/>
+              </a:spcAft>
+              <a:buClr>
+                <a:schemeClr val="dk1"/>
+              </a:buClr>
+              <a:buSzPct val="46000"/>
+              <a:buFont typeface="Arial" panose="020B0604020202020204"/>
+              <a:buNone/>
+            </a:pPr>
+            <a:r>
+              <a:rPr lang="en-GB" sz="2400">
+                <a:highlight>
+                  <a:srgbClr val="FFFFFF"/>
+                </a:highlight>
+              </a:rPr>
+              <a:t>Create a NumPy ndarray Object</a:t>
+            </a:r>
+            <a:endParaRPr sz="2400">
+              <a:highlight>
+                <a:srgbClr val="FFFFFF"/>
+              </a:highlight>
+            </a:endParaRPr>
+          </a:p>
+          <a:p>
+            <a:pPr marL="0" lvl="0" indent="0" algn="l" rtl="0">
+              <a:spcBef>
+                <a:spcPts val="800"/>
+              </a:spcBef>
+              <a:spcAft>
+                <a:spcPts val="0"/>
+              </a:spcAft>
+              <a:buNone/>
+            </a:pPr>
+          </a:p>
+        </p:txBody>
+      </p:sp>
+      <p:sp>
+        <p:nvSpPr>
+          <p:cNvPr id="84" name="Google Shape;84;p18"/>
+          <p:cNvSpPr txBox="1"/>
+          <p:nvPr>
+            <p:ph type="body" idx="1"/>
+          </p:nvPr>
+        </p:nvSpPr>
+        <p:spPr>
+          <a:xfrm>
+            <a:off x="257090" y="1152475"/>
+            <a:ext cx="8520600" cy="3416400"/>
+          </a:xfrm>
+          <a:prstGeom prst="rect">
+            <a:avLst/>
+          </a:prstGeom>
+        </p:spPr>
+        <p:txBody>
+          <a:bodyPr spcFirstLastPara="1" wrap="square" lIns="91425" tIns="91425" rIns="91425" bIns="91425" anchor="t" anchorCtr="0">
+            <a:normAutofit/>
+          </a:bodyPr>
+          <a:lstStyle/>
+          <a:p>
+            <a:pPr marL="0" lvl="0" indent="0" algn="l" rtl="0">
+              <a:spcBef>
+                <a:spcPts val="1400"/>
+              </a:spcBef>
+              <a:spcAft>
+                <a:spcPts val="0"/>
+              </a:spcAft>
+              <a:buClr>
+                <a:schemeClr val="dk1"/>
+              </a:buClr>
+              <a:buSzPts val="1100"/>
+              <a:buFont typeface="Arial" panose="020B0604020202020204"/>
+              <a:buNone/>
+            </a:pPr>
+            <a:r>
+              <a:rPr lang="en-GB" sz="1150">
+                <a:solidFill>
+                  <a:schemeClr val="dk1"/>
+                </a:solidFill>
+                <a:highlight>
+                  <a:srgbClr val="FFFFFF"/>
+                </a:highlight>
+                <a:latin typeface="Verdana" panose="020B0604030504040204"/>
+                <a:ea typeface="Verdana" panose="020B0604030504040204"/>
+                <a:cs typeface="Verdana" panose="020B0604030504040204"/>
+                <a:sym typeface="Verdana" panose="020B0604030504040204"/>
+              </a:rPr>
+              <a:t>NumPy is used to work with arrays. The array object in NumPy is called </a:t>
+            </a:r>
+            <a:r>
+              <a:rPr lang="en-GB" sz="1200">
+                <a:solidFill>
+                  <a:srgbClr val="DC143C"/>
+                </a:solidFill>
+                <a:highlight>
+                  <a:srgbClr val="FFFFFF"/>
+                </a:highlight>
+                <a:latin typeface="Courier New" panose="02070309020205020404"/>
+                <a:ea typeface="Courier New" panose="02070309020205020404"/>
+                <a:cs typeface="Courier New" panose="02070309020205020404"/>
+                <a:sym typeface="Courier New" panose="02070309020205020404"/>
+              </a:rPr>
+              <a:t>ndarray</a:t>
+            </a:r>
+            <a:r>
+              <a:rPr lang="en-GB" sz="1150">
+                <a:solidFill>
+                  <a:schemeClr val="dk1"/>
+                </a:solidFill>
+                <a:highlight>
+                  <a:srgbClr val="FFFFFF"/>
+                </a:highlight>
+                <a:latin typeface="Verdana" panose="020B0604030504040204"/>
+                <a:ea typeface="Verdana" panose="020B0604030504040204"/>
+                <a:cs typeface="Verdana" panose="020B0604030504040204"/>
+                <a:sym typeface="Verdana" panose="020B0604030504040204"/>
+              </a:rPr>
+              <a:t>.</a:t>
+            </a:r>
+            <a:endParaRPr sz="1150">
+              <a:solidFill>
+                <a:schemeClr val="dk1"/>
+              </a:solidFill>
+              <a:highlight>
+                <a:srgbClr val="FFFFFF"/>
+              </a:highlight>
+              <a:latin typeface="Verdana" panose="020B0604030504040204"/>
+              <a:ea typeface="Verdana" panose="020B0604030504040204"/>
+              <a:cs typeface="Verdana" panose="020B0604030504040204"/>
+              <a:sym typeface="Verdana" panose="020B0604030504040204"/>
+            </a:endParaRPr>
+          </a:p>
+          <a:p>
+            <a:pPr marL="0" lvl="0" indent="0" algn="l" rtl="0">
+              <a:spcBef>
+                <a:spcPts val="1400"/>
+              </a:spcBef>
+              <a:spcAft>
+                <a:spcPts val="0"/>
+              </a:spcAft>
+              <a:buClr>
+                <a:schemeClr val="dk1"/>
+              </a:buClr>
+              <a:buSzPts val="1100"/>
+              <a:buFont typeface="Arial" panose="020B0604020202020204"/>
+              <a:buNone/>
+            </a:pPr>
+            <a:r>
+              <a:rPr lang="en-GB" sz="1150">
+                <a:solidFill>
+                  <a:schemeClr val="dk1"/>
+                </a:solidFill>
+                <a:highlight>
+                  <a:srgbClr val="FFFFFF"/>
+                </a:highlight>
+                <a:latin typeface="Verdana" panose="020B0604030504040204"/>
+                <a:ea typeface="Verdana" panose="020B0604030504040204"/>
+                <a:cs typeface="Verdana" panose="020B0604030504040204"/>
+                <a:sym typeface="Verdana" panose="020B0604030504040204"/>
+              </a:rPr>
+              <a:t>We can create a NumPy </a:t>
+            </a:r>
+            <a:r>
+              <a:rPr lang="en-GB" sz="1200">
+                <a:solidFill>
+                  <a:srgbClr val="DC143C"/>
+                </a:solidFill>
+                <a:highlight>
+                  <a:srgbClr val="FFFFFF"/>
+                </a:highlight>
+                <a:latin typeface="Courier New" panose="02070309020205020404"/>
+                <a:ea typeface="Courier New" panose="02070309020205020404"/>
+                <a:cs typeface="Courier New" panose="02070309020205020404"/>
+                <a:sym typeface="Courier New" panose="02070309020205020404"/>
+              </a:rPr>
+              <a:t>ndarray</a:t>
+            </a:r>
+            <a:r>
+              <a:rPr lang="en-GB" sz="1150">
+                <a:solidFill>
+                  <a:schemeClr val="dk1"/>
+                </a:solidFill>
+                <a:highlight>
+                  <a:srgbClr val="FFFFFF"/>
+                </a:highlight>
+                <a:latin typeface="Verdana" panose="020B0604030504040204"/>
+                <a:ea typeface="Verdana" panose="020B0604030504040204"/>
+                <a:cs typeface="Verdana" panose="020B0604030504040204"/>
+                <a:sym typeface="Verdana" panose="020B0604030504040204"/>
+              </a:rPr>
+              <a:t> object by using the </a:t>
+            </a:r>
+            <a:r>
+              <a:rPr lang="en-GB" sz="1200">
+                <a:solidFill>
+                  <a:srgbClr val="DC143C"/>
+                </a:solidFill>
+                <a:highlight>
+                  <a:srgbClr val="FFFFFF"/>
+                </a:highlight>
+                <a:latin typeface="Courier New" panose="02070309020205020404"/>
+                <a:ea typeface="Courier New" panose="02070309020205020404"/>
+                <a:cs typeface="Courier New" panose="02070309020205020404"/>
+                <a:sym typeface="Courier New" panose="02070309020205020404"/>
+              </a:rPr>
+              <a:t>array()</a:t>
+            </a:r>
+            <a:r>
+              <a:rPr lang="en-GB" sz="1150">
+                <a:solidFill>
+                  <a:schemeClr val="dk1"/>
+                </a:solidFill>
+                <a:highlight>
+                  <a:srgbClr val="FFFFFF"/>
+                </a:highlight>
+                <a:latin typeface="Verdana" panose="020B0604030504040204"/>
+                <a:ea typeface="Verdana" panose="020B0604030504040204"/>
+                <a:cs typeface="Verdana" panose="020B0604030504040204"/>
+                <a:sym typeface="Verdana" panose="020B0604030504040204"/>
+              </a:rPr>
+              <a:t> function.</a:t>
+            </a:r>
+            <a:endParaRPr sz="1150">
+              <a:solidFill>
+                <a:schemeClr val="dk1"/>
+              </a:solidFill>
+              <a:highlight>
+                <a:srgbClr val="FFFFFF"/>
+              </a:highlight>
+              <a:latin typeface="Verdana" panose="020B0604030504040204"/>
+              <a:ea typeface="Verdana" panose="020B0604030504040204"/>
+              <a:cs typeface="Verdana" panose="020B0604030504040204"/>
+              <a:sym typeface="Verdana" panose="020B0604030504040204"/>
+            </a:endParaRPr>
+          </a:p>
+          <a:p>
+            <a:pPr marL="0" lvl="0" indent="0" algn="l" rtl="0">
+              <a:spcBef>
+                <a:spcPts val="1400"/>
+              </a:spcBef>
+              <a:spcAft>
+                <a:spcPts val="0"/>
+              </a:spcAft>
+              <a:buClr>
+                <a:schemeClr val="dk1"/>
+              </a:buClr>
+              <a:buSzPts val="1100"/>
+              <a:buFont typeface="Arial" panose="020B0604020202020204"/>
+              <a:buNone/>
+            </a:pPr>
+            <a:r>
+              <a:rPr lang="en-GB" sz="1150">
+                <a:solidFill>
+                  <a:srgbClr val="0000CD"/>
+                </a:solidFill>
+                <a:highlight>
+                  <a:srgbClr val="FFFFFF"/>
+                </a:highlight>
+                <a:latin typeface="Courier New" panose="02070309020205020404"/>
+                <a:ea typeface="Courier New" panose="02070309020205020404"/>
+                <a:cs typeface="Courier New" panose="02070309020205020404"/>
+                <a:sym typeface="Courier New" panose="02070309020205020404"/>
+              </a:rPr>
+              <a:t>import</a:t>
+            </a:r>
+            <a:r>
+              <a:rPr lang="en-GB" sz="1150">
+                <a:solidFill>
+                  <a:schemeClr val="dk1"/>
+                </a:solidFill>
+                <a:highlight>
+                  <a:srgbClr val="FFFFFF"/>
+                </a:highlight>
+                <a:latin typeface="Courier New" panose="02070309020205020404"/>
+                <a:ea typeface="Courier New" panose="02070309020205020404"/>
+                <a:cs typeface="Courier New" panose="02070309020205020404"/>
+                <a:sym typeface="Courier New" panose="02070309020205020404"/>
+              </a:rPr>
+              <a:t> numpy </a:t>
+            </a:r>
+            <a:r>
+              <a:rPr lang="en-GB" sz="1150">
+                <a:solidFill>
+                  <a:srgbClr val="0000CD"/>
+                </a:solidFill>
+                <a:highlight>
+                  <a:srgbClr val="FFFFFF"/>
+                </a:highlight>
+                <a:latin typeface="Courier New" panose="02070309020205020404"/>
+                <a:ea typeface="Courier New" panose="02070309020205020404"/>
+                <a:cs typeface="Courier New" panose="02070309020205020404"/>
+                <a:sym typeface="Courier New" panose="02070309020205020404"/>
+              </a:rPr>
+              <a:t>as</a:t>
+            </a:r>
+            <a:r>
+              <a:rPr lang="en-GB" sz="1150">
+                <a:solidFill>
+                  <a:schemeClr val="dk1"/>
+                </a:solidFill>
+                <a:highlight>
+                  <a:srgbClr val="FFFFFF"/>
+                </a:highlight>
+                <a:latin typeface="Courier New" panose="02070309020205020404"/>
+                <a:ea typeface="Courier New" panose="02070309020205020404"/>
+                <a:cs typeface="Courier New" panose="02070309020205020404"/>
+                <a:sym typeface="Courier New" panose="02070309020205020404"/>
+              </a:rPr>
+              <a:t> np</a:t>
+            </a:r>
+            <a:endParaRPr sz="1100">
+              <a:solidFill>
+                <a:schemeClr val="dk1"/>
+              </a:solidFill>
+            </a:endParaRPr>
+          </a:p>
+          <a:p>
+            <a:pPr marL="0" lvl="0" indent="0" algn="l" rtl="0">
+              <a:spcBef>
+                <a:spcPts val="1200"/>
+              </a:spcBef>
+              <a:spcAft>
+                <a:spcPts val="0"/>
+              </a:spcAft>
+              <a:buClr>
+                <a:schemeClr val="dk1"/>
+              </a:buClr>
+              <a:buSzPts val="1100"/>
+              <a:buFont typeface="Arial" panose="020B0604020202020204"/>
+              <a:buNone/>
+            </a:pPr>
+            <a:r>
+              <a:rPr lang="en-GB" sz="1150">
+                <a:solidFill>
+                  <a:schemeClr val="dk1"/>
+                </a:solidFill>
+                <a:highlight>
+                  <a:srgbClr val="FFFFFF"/>
+                </a:highlight>
+                <a:latin typeface="Courier New" panose="02070309020205020404"/>
+                <a:ea typeface="Courier New" panose="02070309020205020404"/>
+                <a:cs typeface="Courier New" panose="02070309020205020404"/>
+                <a:sym typeface="Courier New" panose="02070309020205020404"/>
+              </a:rPr>
+              <a:t>arr = np.array([</a:t>
+            </a:r>
+            <a:r>
+              <a:rPr lang="en-GB" sz="1150">
+                <a:solidFill>
+                  <a:srgbClr val="FF0000"/>
+                </a:solidFill>
+                <a:highlight>
+                  <a:srgbClr val="FFFFFF"/>
+                </a:highlight>
+                <a:latin typeface="Courier New" panose="02070309020205020404"/>
+                <a:ea typeface="Courier New" panose="02070309020205020404"/>
+                <a:cs typeface="Courier New" panose="02070309020205020404"/>
+                <a:sym typeface="Courier New" panose="02070309020205020404"/>
+              </a:rPr>
+              <a:t>1</a:t>
+            </a:r>
+            <a:r>
+              <a:rPr lang="en-GB" sz="1150">
+                <a:solidFill>
+                  <a:schemeClr val="dk1"/>
+                </a:solidFill>
+                <a:highlight>
+                  <a:srgbClr val="FFFFFF"/>
+                </a:highlight>
+                <a:latin typeface="Courier New" panose="02070309020205020404"/>
+                <a:ea typeface="Courier New" panose="02070309020205020404"/>
+                <a:cs typeface="Courier New" panose="02070309020205020404"/>
+                <a:sym typeface="Courier New" panose="02070309020205020404"/>
+              </a:rPr>
+              <a:t>, </a:t>
+            </a:r>
+            <a:r>
+              <a:rPr lang="en-GB" sz="1150">
+                <a:solidFill>
+                  <a:srgbClr val="FF0000"/>
+                </a:solidFill>
+                <a:highlight>
+                  <a:srgbClr val="FFFFFF"/>
+                </a:highlight>
+                <a:latin typeface="Courier New" panose="02070309020205020404"/>
+                <a:ea typeface="Courier New" panose="02070309020205020404"/>
+                <a:cs typeface="Courier New" panose="02070309020205020404"/>
+                <a:sym typeface="Courier New" panose="02070309020205020404"/>
+              </a:rPr>
+              <a:t>2</a:t>
+            </a:r>
+            <a:r>
+              <a:rPr lang="en-GB" sz="1150">
+                <a:solidFill>
+                  <a:schemeClr val="dk1"/>
+                </a:solidFill>
+                <a:highlight>
+                  <a:srgbClr val="FFFFFF"/>
+                </a:highlight>
+                <a:latin typeface="Courier New" panose="02070309020205020404"/>
+                <a:ea typeface="Courier New" panose="02070309020205020404"/>
+                <a:cs typeface="Courier New" panose="02070309020205020404"/>
+                <a:sym typeface="Courier New" panose="02070309020205020404"/>
+              </a:rPr>
+              <a:t>, </a:t>
+            </a:r>
+            <a:r>
+              <a:rPr lang="en-GB" sz="1150">
+                <a:solidFill>
+                  <a:srgbClr val="FF0000"/>
+                </a:solidFill>
+                <a:highlight>
+                  <a:srgbClr val="FFFFFF"/>
+                </a:highlight>
+                <a:latin typeface="Courier New" panose="02070309020205020404"/>
+                <a:ea typeface="Courier New" panose="02070309020205020404"/>
+                <a:cs typeface="Courier New" panose="02070309020205020404"/>
+                <a:sym typeface="Courier New" panose="02070309020205020404"/>
+              </a:rPr>
+              <a:t>3</a:t>
+            </a:r>
+            <a:r>
+              <a:rPr lang="en-GB" sz="1150">
+                <a:solidFill>
+                  <a:schemeClr val="dk1"/>
+                </a:solidFill>
+                <a:highlight>
+                  <a:srgbClr val="FFFFFF"/>
+                </a:highlight>
+                <a:latin typeface="Courier New" panose="02070309020205020404"/>
+                <a:ea typeface="Courier New" panose="02070309020205020404"/>
+                <a:cs typeface="Courier New" panose="02070309020205020404"/>
+                <a:sym typeface="Courier New" panose="02070309020205020404"/>
+              </a:rPr>
+              <a:t>, </a:t>
+            </a:r>
+            <a:r>
+              <a:rPr lang="en-GB" sz="1150">
+                <a:solidFill>
+                  <a:srgbClr val="FF0000"/>
+                </a:solidFill>
+                <a:highlight>
+                  <a:srgbClr val="FFFFFF"/>
+                </a:highlight>
+                <a:latin typeface="Courier New" panose="02070309020205020404"/>
+                <a:ea typeface="Courier New" panose="02070309020205020404"/>
+                <a:cs typeface="Courier New" panose="02070309020205020404"/>
+                <a:sym typeface="Courier New" panose="02070309020205020404"/>
+              </a:rPr>
+              <a:t>4</a:t>
+            </a:r>
+            <a:r>
+              <a:rPr lang="en-GB" sz="1150">
+                <a:solidFill>
+                  <a:schemeClr val="dk1"/>
+                </a:solidFill>
+                <a:highlight>
+                  <a:srgbClr val="FFFFFF"/>
+                </a:highlight>
+                <a:latin typeface="Courier New" panose="02070309020205020404"/>
+                <a:ea typeface="Courier New" panose="02070309020205020404"/>
+                <a:cs typeface="Courier New" panose="02070309020205020404"/>
+                <a:sym typeface="Courier New" panose="02070309020205020404"/>
+              </a:rPr>
+              <a:t>, </a:t>
+            </a:r>
+            <a:r>
+              <a:rPr lang="en-GB" sz="1150">
+                <a:solidFill>
+                  <a:srgbClr val="FF0000"/>
+                </a:solidFill>
+                <a:highlight>
+                  <a:srgbClr val="FFFFFF"/>
+                </a:highlight>
+                <a:latin typeface="Courier New" panose="02070309020205020404"/>
+                <a:ea typeface="Courier New" panose="02070309020205020404"/>
+                <a:cs typeface="Courier New" panose="02070309020205020404"/>
+                <a:sym typeface="Courier New" panose="02070309020205020404"/>
+              </a:rPr>
+              <a:t>5</a:t>
+            </a:r>
+            <a:r>
+              <a:rPr lang="en-GB" sz="1150">
+                <a:solidFill>
+                  <a:schemeClr val="dk1"/>
+                </a:solidFill>
+                <a:highlight>
+                  <a:srgbClr val="FFFFFF"/>
+                </a:highlight>
+                <a:latin typeface="Courier New" panose="02070309020205020404"/>
+                <a:ea typeface="Courier New" panose="02070309020205020404"/>
+                <a:cs typeface="Courier New" panose="02070309020205020404"/>
+                <a:sym typeface="Courier New" panose="02070309020205020404"/>
+              </a:rPr>
+              <a:t>])</a:t>
+            </a:r>
+            <a:endParaRPr sz="1100">
+              <a:solidFill>
+                <a:schemeClr val="dk1"/>
+              </a:solidFill>
+            </a:endParaRPr>
+          </a:p>
+          <a:p>
+            <a:pPr marL="0" lvl="0" indent="0" algn="l" rtl="0">
+              <a:spcBef>
+                <a:spcPts val="1200"/>
+              </a:spcBef>
+              <a:spcAft>
+                <a:spcPts val="0"/>
+              </a:spcAft>
+              <a:buClr>
+                <a:schemeClr val="dk1"/>
+              </a:buClr>
+              <a:buSzPts val="1100"/>
+              <a:buFont typeface="Arial" panose="020B0604020202020204"/>
+              <a:buNone/>
+            </a:pPr>
+            <a:r>
+              <a:rPr lang="en-GB" sz="1150">
+                <a:solidFill>
+                  <a:srgbClr val="0000CD"/>
+                </a:solidFill>
+                <a:highlight>
+                  <a:srgbClr val="FFFFFF"/>
+                </a:highlight>
+                <a:latin typeface="Courier New" panose="02070309020205020404"/>
+                <a:ea typeface="Courier New" panose="02070309020205020404"/>
+                <a:cs typeface="Courier New" panose="02070309020205020404"/>
+                <a:sym typeface="Courier New" panose="02070309020205020404"/>
+              </a:rPr>
+              <a:t>print</a:t>
+            </a:r>
+            <a:r>
+              <a:rPr lang="en-GB" sz="1150">
+                <a:solidFill>
+                  <a:schemeClr val="dk1"/>
+                </a:solidFill>
+                <a:highlight>
+                  <a:srgbClr val="FFFFFF"/>
+                </a:highlight>
+                <a:latin typeface="Courier New" panose="02070309020205020404"/>
+                <a:ea typeface="Courier New" panose="02070309020205020404"/>
+                <a:cs typeface="Courier New" panose="02070309020205020404"/>
+                <a:sym typeface="Courier New" panose="02070309020205020404"/>
+              </a:rPr>
+              <a:t>(arr)</a:t>
+            </a:r>
+            <a:endParaRPr sz="1100">
+              <a:solidFill>
+                <a:schemeClr val="dk1"/>
+              </a:solidFill>
+            </a:endParaRPr>
+          </a:p>
+          <a:p>
+            <a:pPr marL="0" lvl="0" indent="0" algn="l" rtl="0">
+              <a:spcBef>
+                <a:spcPts val="1200"/>
+              </a:spcBef>
+              <a:spcAft>
+                <a:spcPts val="0"/>
+              </a:spcAft>
+              <a:buNone/>
+            </a:pPr>
+            <a:r>
+              <a:rPr lang="en-GB" sz="1150">
+                <a:solidFill>
+                  <a:srgbClr val="0000CD"/>
+                </a:solidFill>
+                <a:highlight>
+                  <a:srgbClr val="FFFFFF"/>
+                </a:highlight>
+                <a:latin typeface="Courier New" panose="02070309020205020404"/>
+                <a:ea typeface="Courier New" panose="02070309020205020404"/>
+                <a:cs typeface="Courier New" panose="02070309020205020404"/>
+                <a:sym typeface="Courier New" panose="02070309020205020404"/>
+              </a:rPr>
+              <a:t>print</a:t>
+            </a:r>
+            <a:r>
+              <a:rPr lang="en-GB" sz="1150">
+                <a:solidFill>
+                  <a:schemeClr val="dk1"/>
+                </a:solidFill>
+                <a:highlight>
+                  <a:srgbClr val="FFFFFF"/>
+                </a:highlight>
+                <a:latin typeface="Courier New" panose="02070309020205020404"/>
+                <a:ea typeface="Courier New" panose="02070309020205020404"/>
+                <a:cs typeface="Courier New" panose="02070309020205020404"/>
+                <a:sym typeface="Courier New" panose="02070309020205020404"/>
+              </a:rPr>
+              <a:t>(</a:t>
+            </a:r>
+            <a:r>
+              <a:rPr lang="en-GB" sz="1150">
+                <a:solidFill>
+                  <a:srgbClr val="0000CD"/>
+                </a:solidFill>
+                <a:highlight>
+                  <a:srgbClr val="FFFFFF"/>
+                </a:highlight>
+                <a:latin typeface="Courier New" panose="02070309020205020404"/>
+                <a:ea typeface="Courier New" panose="02070309020205020404"/>
+                <a:cs typeface="Courier New" panose="02070309020205020404"/>
+                <a:sym typeface="Courier New" panose="02070309020205020404"/>
+              </a:rPr>
+              <a:t>type</a:t>
+            </a:r>
+            <a:r>
+              <a:rPr lang="en-GB" sz="1150">
+                <a:solidFill>
+                  <a:schemeClr val="dk1"/>
+                </a:solidFill>
+                <a:highlight>
+                  <a:srgbClr val="FFFFFF"/>
+                </a:highlight>
+                <a:latin typeface="Courier New" panose="02070309020205020404"/>
+                <a:ea typeface="Courier New" panose="02070309020205020404"/>
+                <a:cs typeface="Courier New" panose="02070309020205020404"/>
+                <a:sym typeface="Courier New" panose="02070309020205020404"/>
+              </a:rPr>
+              <a:t>(arr))</a:t>
+            </a:r>
+            <a:endParaRPr sz="1150">
+              <a:solidFill>
+                <a:schemeClr val="dk1"/>
+              </a:solidFill>
+              <a:highlight>
+                <a:srgbClr val="FFFFFF"/>
+              </a:highlight>
+              <a:latin typeface="Courier New" panose="02070309020205020404"/>
+              <a:ea typeface="Courier New" panose="02070309020205020404"/>
+              <a:cs typeface="Courier New" panose="02070309020205020404"/>
+              <a:sym typeface="Courier New" panose="02070309020205020404"/>
+            </a:endParaRPr>
+          </a:p>
+          <a:p>
+            <a:pPr marL="0" lvl="0" indent="0" algn="l" rtl="0">
+              <a:spcBef>
+                <a:spcPts val="1200"/>
+              </a:spcBef>
+              <a:spcAft>
+                <a:spcPts val="0"/>
+              </a:spcAft>
+              <a:buNone/>
+            </a:pPr>
+            <a:r>
+              <a:rPr lang="en-GB" sz="1150">
+                <a:solidFill>
+                  <a:schemeClr val="dk1"/>
+                </a:solidFill>
+                <a:highlight>
+                  <a:srgbClr val="FFFFCC"/>
+                </a:highlight>
+                <a:latin typeface="Verdana" panose="020B0604030504040204"/>
+                <a:ea typeface="Verdana" panose="020B0604030504040204"/>
+                <a:cs typeface="Verdana" panose="020B0604030504040204"/>
+                <a:sym typeface="Verdana" panose="020B0604030504040204"/>
+              </a:rPr>
+              <a:t>type(): This built-in Python function tells us the type of the object passed to it. Like in above code it shows that </a:t>
+            </a:r>
+            <a:r>
+              <a:rPr lang="en-GB" sz="1200">
+                <a:solidFill>
+                  <a:srgbClr val="DC143C"/>
+                </a:solidFill>
+                <a:latin typeface="Courier New" panose="02070309020205020404"/>
+                <a:ea typeface="Courier New" panose="02070309020205020404"/>
+                <a:cs typeface="Courier New" panose="02070309020205020404"/>
+                <a:sym typeface="Courier New" panose="02070309020205020404"/>
+              </a:rPr>
+              <a:t>arr</a:t>
+            </a:r>
+            <a:r>
+              <a:rPr lang="en-GB" sz="1150">
+                <a:solidFill>
+                  <a:schemeClr val="dk1"/>
+                </a:solidFill>
+                <a:highlight>
+                  <a:srgbClr val="FFFFCC"/>
+                </a:highlight>
+                <a:latin typeface="Verdana" panose="020B0604030504040204"/>
+                <a:ea typeface="Verdana" panose="020B0604030504040204"/>
+                <a:cs typeface="Verdana" panose="020B0604030504040204"/>
+                <a:sym typeface="Verdana" panose="020B0604030504040204"/>
+              </a:rPr>
+              <a:t> is </a:t>
+            </a:r>
+            <a:r>
+              <a:rPr lang="en-GB" sz="1200">
+                <a:solidFill>
+                  <a:srgbClr val="DC143C"/>
+                </a:solidFill>
+                <a:latin typeface="Courier New" panose="02070309020205020404"/>
+                <a:ea typeface="Courier New" panose="02070309020205020404"/>
+                <a:cs typeface="Courier New" panose="02070309020205020404"/>
+                <a:sym typeface="Courier New" panose="02070309020205020404"/>
+              </a:rPr>
+              <a:t>numpy.ndarray</a:t>
+            </a:r>
+            <a:r>
+              <a:rPr lang="en-GB" sz="1150">
+                <a:solidFill>
+                  <a:schemeClr val="dk1"/>
+                </a:solidFill>
+                <a:highlight>
+                  <a:srgbClr val="FFFFCC"/>
+                </a:highlight>
+                <a:latin typeface="Verdana" panose="020B0604030504040204"/>
+                <a:ea typeface="Verdana" panose="020B0604030504040204"/>
+                <a:cs typeface="Verdana" panose="020B0604030504040204"/>
+                <a:sym typeface="Verdana" panose="020B0604030504040204"/>
+              </a:rPr>
+              <a:t> type.</a:t>
+            </a:r>
+            <a:endParaRPr sz="1150">
+              <a:solidFill>
+                <a:schemeClr val="dk1"/>
+              </a:solidFill>
+              <a:highlight>
+                <a:srgbClr val="FFFFCC"/>
+              </a:highlight>
+              <a:latin typeface="Verdana" panose="020B0604030504040204"/>
+              <a:ea typeface="Verdana" panose="020B0604030504040204"/>
+              <a:cs typeface="Verdana" panose="020B0604030504040204"/>
+              <a:sym typeface="Verdana" panose="020B0604030504040204"/>
+            </a:endParaRPr>
+          </a:p>
+          <a:p>
+            <a:pPr marL="0" lvl="0" indent="0" algn="l" rtl="0">
+              <a:spcBef>
+                <a:spcPts val="1200"/>
+              </a:spcBef>
+              <a:spcAft>
+                <a:spcPts val="1200"/>
+              </a:spcAft>
+              <a:buNone/>
+            </a:pPr>
+            <a:r>
+              <a:rPr lang="en-GB" sz="1150">
+                <a:solidFill>
+                  <a:schemeClr val="dk1"/>
+                </a:solidFill>
+                <a:highlight>
+                  <a:srgbClr val="FFFFFF"/>
+                </a:highlight>
+                <a:latin typeface="Verdana" panose="020B0604030504040204"/>
+                <a:ea typeface="Verdana" panose="020B0604030504040204"/>
+                <a:cs typeface="Verdana" panose="020B0604030504040204"/>
+                <a:sym typeface="Verdana" panose="020B0604030504040204"/>
+              </a:rPr>
+              <a:t>To create an </a:t>
+            </a:r>
+            <a:r>
+              <a:rPr lang="en-GB" sz="1200">
+                <a:solidFill>
+                  <a:srgbClr val="DC143C"/>
+                </a:solidFill>
+                <a:latin typeface="Courier New" panose="02070309020205020404"/>
+                <a:ea typeface="Courier New" panose="02070309020205020404"/>
+                <a:cs typeface="Courier New" panose="02070309020205020404"/>
+                <a:sym typeface="Courier New" panose="02070309020205020404"/>
+              </a:rPr>
+              <a:t>ndarray</a:t>
+            </a:r>
+            <a:r>
+              <a:rPr lang="en-GB" sz="1150">
+                <a:solidFill>
+                  <a:schemeClr val="dk1"/>
+                </a:solidFill>
+                <a:highlight>
+                  <a:srgbClr val="FFFFFF"/>
+                </a:highlight>
+                <a:latin typeface="Verdana" panose="020B0604030504040204"/>
+                <a:ea typeface="Verdana" panose="020B0604030504040204"/>
+                <a:cs typeface="Verdana" panose="020B0604030504040204"/>
+                <a:sym typeface="Verdana" panose="020B0604030504040204"/>
+              </a:rPr>
+              <a:t>, we can pass a list, tuple or any array-like object into the </a:t>
+            </a:r>
+            <a:r>
+              <a:rPr lang="en-GB" sz="1200">
+                <a:solidFill>
+                  <a:srgbClr val="DC143C"/>
+                </a:solidFill>
+                <a:latin typeface="Courier New" panose="02070309020205020404"/>
+                <a:ea typeface="Courier New" panose="02070309020205020404"/>
+                <a:cs typeface="Courier New" panose="02070309020205020404"/>
+                <a:sym typeface="Courier New" panose="02070309020205020404"/>
+              </a:rPr>
+              <a:t>array()</a:t>
+            </a:r>
+            <a:r>
+              <a:rPr lang="en-GB" sz="1150">
+                <a:solidFill>
+                  <a:schemeClr val="dk1"/>
+                </a:solidFill>
+                <a:highlight>
+                  <a:srgbClr val="FFFFFF"/>
+                </a:highlight>
+                <a:latin typeface="Verdana" panose="020B0604030504040204"/>
+                <a:ea typeface="Verdana" panose="020B0604030504040204"/>
+                <a:cs typeface="Verdana" panose="020B0604030504040204"/>
+                <a:sym typeface="Verdana" panose="020B0604030504040204"/>
+              </a:rPr>
+              <a:t> method, and it will be converted into an </a:t>
+            </a:r>
+            <a:r>
+              <a:rPr lang="en-GB" sz="1200">
+                <a:solidFill>
+                  <a:srgbClr val="DC143C"/>
+                </a:solidFill>
+                <a:latin typeface="Courier New" panose="02070309020205020404"/>
+                <a:ea typeface="Courier New" panose="02070309020205020404"/>
+                <a:cs typeface="Courier New" panose="02070309020205020404"/>
+                <a:sym typeface="Courier New" panose="02070309020205020404"/>
+              </a:rPr>
+              <a:t>ndarray</a:t>
+            </a:r>
+            <a:r>
+              <a:rPr lang="en-GB" sz="1150">
+                <a:solidFill>
+                  <a:schemeClr val="dk1"/>
+                </a:solidFill>
+                <a:highlight>
+                  <a:srgbClr val="FFFFFF"/>
+                </a:highlight>
+                <a:latin typeface="Verdana" panose="020B0604030504040204"/>
+                <a:ea typeface="Verdana" panose="020B0604030504040204"/>
+                <a:cs typeface="Verdana" panose="020B0604030504040204"/>
+                <a:sym typeface="Verdana" panose="020B0604030504040204"/>
+              </a:rPr>
+              <a:t>:</a:t>
+            </a:r>
+            <a:endParaRPr sz="1150">
+              <a:solidFill>
+                <a:schemeClr val="dk1"/>
+              </a:solidFill>
+              <a:highlight>
+                <a:srgbClr val="FFFFCC"/>
+              </a:highlight>
+              <a:latin typeface="Verdana" panose="020B0604030504040204"/>
+              <a:ea typeface="Verdana" panose="020B0604030504040204"/>
+              <a:cs typeface="Verdana" panose="020B0604030504040204"/>
+              <a:sym typeface="Verdana" panose="020B0604030504040204"/>
+            </a:endParaRPr>
+          </a:p>
+        </p:txBody>
+      </p:sp>
+    </p:spTree>
+  </p:cSld>
+  <p:clrMapOvr>
+    <a:masterClrMapping/>
+  </p:clrMapOvr>
+</p:sld>
+</file>
+
+<file path=ppt/slides/slide60.xml><?xml version="1.0" encoding="utf-8"?>
 <p:sld xmlns:a="http://schemas.openxmlformats.org/drawingml/2006/main" xmlns:r="http://schemas.openxmlformats.org/officeDocument/2006/relationships" xmlns:p="http://schemas.openxmlformats.org/presentationml/2006/main">
   <p:cSld>
     <p:spTree>
@@ -37616,911 +39067,7 @@
 </p:sld>
 </file>
 
-<file path=ppt/slides/slide6.xml><?xml version="1.0" encoding="utf-8"?>
-<p:sld xmlns:a="http://schemas.openxmlformats.org/drawingml/2006/main" xmlns:r="http://schemas.openxmlformats.org/officeDocument/2006/relationships" xmlns:p="http://schemas.openxmlformats.org/presentationml/2006/main">
-  <p:cSld>
-    <p:spTree>
-      <p:nvGrpSpPr>
-        <p:cNvPr id="82" name="Shape 82"/>
-        <p:cNvGrpSpPr/>
-        <p:nvPr/>
-      </p:nvGrpSpPr>
-      <p:grpSpPr>
-        <a:xfrm>
-          <a:off x="0" y="0"/>
-          <a:ext cx="0" cy="0"/>
-          <a:chOff x="0" y="0"/>
-          <a:chExt cx="0" cy="0"/>
-        </a:xfrm>
-      </p:grpSpPr>
-      <p:sp>
-        <p:nvSpPr>
-          <p:cNvPr id="83" name="Google Shape;83;p18"/>
-          <p:cNvSpPr txBox="1"/>
-          <p:nvPr>
-            <p:ph type="title"/>
-          </p:nvPr>
-        </p:nvSpPr>
-        <p:spPr>
-          <a:xfrm>
-            <a:off x="311700" y="445025"/>
-            <a:ext cx="8520600" cy="572700"/>
-          </a:xfrm>
-          <a:prstGeom prst="rect">
-            <a:avLst/>
-          </a:prstGeom>
-        </p:spPr>
-        <p:txBody>
-          <a:bodyPr spcFirstLastPara="1" wrap="square" lIns="91425" tIns="91425" rIns="91425" bIns="91425" anchor="t" anchorCtr="0">
-            <a:normAutofit fontScale="90000"/>
-          </a:bodyPr>
-          <a:lstStyle/>
-          <a:p>
-            <a:pPr marL="0" lvl="0" indent="0" algn="l" rtl="0">
-              <a:lnSpc>
-                <a:spcPct val="115000"/>
-              </a:lnSpc>
-              <a:spcBef>
-                <a:spcPts val="800"/>
-              </a:spcBef>
-              <a:spcAft>
-                <a:spcPts val="0"/>
-              </a:spcAft>
-              <a:buClr>
-                <a:schemeClr val="dk1"/>
-              </a:buClr>
-              <a:buSzPct val="46000"/>
-              <a:buFont typeface="Arial" panose="020B0604020202020204"/>
-              <a:buNone/>
-            </a:pPr>
-            <a:r>
-              <a:rPr lang="en-GB" sz="2400">
-                <a:highlight>
-                  <a:srgbClr val="FFFFFF"/>
-                </a:highlight>
-              </a:rPr>
-              <a:t>Create a NumPy ndarray Object</a:t>
-            </a:r>
-            <a:endParaRPr sz="2400">
-              <a:highlight>
-                <a:srgbClr val="FFFFFF"/>
-              </a:highlight>
-            </a:endParaRPr>
-          </a:p>
-          <a:p>
-            <a:pPr marL="0" lvl="0" indent="0" algn="l" rtl="0">
-              <a:spcBef>
-                <a:spcPts val="800"/>
-              </a:spcBef>
-              <a:spcAft>
-                <a:spcPts val="0"/>
-              </a:spcAft>
-              <a:buNone/>
-            </a:pPr>
-          </a:p>
-        </p:txBody>
-      </p:sp>
-      <p:sp>
-        <p:nvSpPr>
-          <p:cNvPr id="84" name="Google Shape;84;p18"/>
-          <p:cNvSpPr txBox="1"/>
-          <p:nvPr>
-            <p:ph type="body" idx="1"/>
-          </p:nvPr>
-        </p:nvSpPr>
-        <p:spPr>
-          <a:xfrm>
-            <a:off x="257090" y="1152475"/>
-            <a:ext cx="8520600" cy="3416400"/>
-          </a:xfrm>
-          <a:prstGeom prst="rect">
-            <a:avLst/>
-          </a:prstGeom>
-        </p:spPr>
-        <p:txBody>
-          <a:bodyPr spcFirstLastPara="1" wrap="square" lIns="91425" tIns="91425" rIns="91425" bIns="91425" anchor="t" anchorCtr="0">
-            <a:normAutofit/>
-          </a:bodyPr>
-          <a:lstStyle/>
-          <a:p>
-            <a:pPr marL="0" lvl="0" indent="0" algn="l" rtl="0">
-              <a:spcBef>
-                <a:spcPts val="1400"/>
-              </a:spcBef>
-              <a:spcAft>
-                <a:spcPts val="0"/>
-              </a:spcAft>
-              <a:buClr>
-                <a:schemeClr val="dk1"/>
-              </a:buClr>
-              <a:buSzPts val="1100"/>
-              <a:buFont typeface="Arial" panose="020B0604020202020204"/>
-              <a:buNone/>
-            </a:pPr>
-            <a:r>
-              <a:rPr lang="en-GB" sz="1150">
-                <a:solidFill>
-                  <a:schemeClr val="dk1"/>
-                </a:solidFill>
-                <a:highlight>
-                  <a:srgbClr val="FFFFFF"/>
-                </a:highlight>
-                <a:latin typeface="Verdana" panose="020B0604030504040204"/>
-                <a:ea typeface="Verdana" panose="020B0604030504040204"/>
-                <a:cs typeface="Verdana" panose="020B0604030504040204"/>
-                <a:sym typeface="Verdana" panose="020B0604030504040204"/>
-              </a:rPr>
-              <a:t>NumPy is used to work with arrays. The array object in NumPy is called </a:t>
-            </a:r>
-            <a:r>
-              <a:rPr lang="en-GB" sz="1200">
-                <a:solidFill>
-                  <a:srgbClr val="DC143C"/>
-                </a:solidFill>
-                <a:highlight>
-                  <a:srgbClr val="FFFFFF"/>
-                </a:highlight>
-                <a:latin typeface="Courier New" panose="02070309020205020404"/>
-                <a:ea typeface="Courier New" panose="02070309020205020404"/>
-                <a:cs typeface="Courier New" panose="02070309020205020404"/>
-                <a:sym typeface="Courier New" panose="02070309020205020404"/>
-              </a:rPr>
-              <a:t>ndarray</a:t>
-            </a:r>
-            <a:r>
-              <a:rPr lang="en-GB" sz="1150">
-                <a:solidFill>
-                  <a:schemeClr val="dk1"/>
-                </a:solidFill>
-                <a:highlight>
-                  <a:srgbClr val="FFFFFF"/>
-                </a:highlight>
-                <a:latin typeface="Verdana" panose="020B0604030504040204"/>
-                <a:ea typeface="Verdana" panose="020B0604030504040204"/>
-                <a:cs typeface="Verdana" panose="020B0604030504040204"/>
-                <a:sym typeface="Verdana" panose="020B0604030504040204"/>
-              </a:rPr>
-              <a:t>.</a:t>
-            </a:r>
-            <a:endParaRPr sz="1150">
-              <a:solidFill>
-                <a:schemeClr val="dk1"/>
-              </a:solidFill>
-              <a:highlight>
-                <a:srgbClr val="FFFFFF"/>
-              </a:highlight>
-              <a:latin typeface="Verdana" panose="020B0604030504040204"/>
-              <a:ea typeface="Verdana" panose="020B0604030504040204"/>
-              <a:cs typeface="Verdana" panose="020B0604030504040204"/>
-              <a:sym typeface="Verdana" panose="020B0604030504040204"/>
-            </a:endParaRPr>
-          </a:p>
-          <a:p>
-            <a:pPr marL="0" lvl="0" indent="0" algn="l" rtl="0">
-              <a:spcBef>
-                <a:spcPts val="1400"/>
-              </a:spcBef>
-              <a:spcAft>
-                <a:spcPts val="0"/>
-              </a:spcAft>
-              <a:buClr>
-                <a:schemeClr val="dk1"/>
-              </a:buClr>
-              <a:buSzPts val="1100"/>
-              <a:buFont typeface="Arial" panose="020B0604020202020204"/>
-              <a:buNone/>
-            </a:pPr>
-            <a:r>
-              <a:rPr lang="en-GB" sz="1150">
-                <a:solidFill>
-                  <a:schemeClr val="dk1"/>
-                </a:solidFill>
-                <a:highlight>
-                  <a:srgbClr val="FFFFFF"/>
-                </a:highlight>
-                <a:latin typeface="Verdana" panose="020B0604030504040204"/>
-                <a:ea typeface="Verdana" panose="020B0604030504040204"/>
-                <a:cs typeface="Verdana" panose="020B0604030504040204"/>
-                <a:sym typeface="Verdana" panose="020B0604030504040204"/>
-              </a:rPr>
-              <a:t>We can create a NumPy </a:t>
-            </a:r>
-            <a:r>
-              <a:rPr lang="en-GB" sz="1200">
-                <a:solidFill>
-                  <a:srgbClr val="DC143C"/>
-                </a:solidFill>
-                <a:highlight>
-                  <a:srgbClr val="FFFFFF"/>
-                </a:highlight>
-                <a:latin typeface="Courier New" panose="02070309020205020404"/>
-                <a:ea typeface="Courier New" panose="02070309020205020404"/>
-                <a:cs typeface="Courier New" panose="02070309020205020404"/>
-                <a:sym typeface="Courier New" panose="02070309020205020404"/>
-              </a:rPr>
-              <a:t>ndarray</a:t>
-            </a:r>
-            <a:r>
-              <a:rPr lang="en-GB" sz="1150">
-                <a:solidFill>
-                  <a:schemeClr val="dk1"/>
-                </a:solidFill>
-                <a:highlight>
-                  <a:srgbClr val="FFFFFF"/>
-                </a:highlight>
-                <a:latin typeface="Verdana" panose="020B0604030504040204"/>
-                <a:ea typeface="Verdana" panose="020B0604030504040204"/>
-                <a:cs typeface="Verdana" panose="020B0604030504040204"/>
-                <a:sym typeface="Verdana" panose="020B0604030504040204"/>
-              </a:rPr>
-              <a:t> object by using the </a:t>
-            </a:r>
-            <a:r>
-              <a:rPr lang="en-GB" sz="1200">
-                <a:solidFill>
-                  <a:srgbClr val="DC143C"/>
-                </a:solidFill>
-                <a:highlight>
-                  <a:srgbClr val="FFFFFF"/>
-                </a:highlight>
-                <a:latin typeface="Courier New" panose="02070309020205020404"/>
-                <a:ea typeface="Courier New" panose="02070309020205020404"/>
-                <a:cs typeface="Courier New" panose="02070309020205020404"/>
-                <a:sym typeface="Courier New" panose="02070309020205020404"/>
-              </a:rPr>
-              <a:t>array()</a:t>
-            </a:r>
-            <a:r>
-              <a:rPr lang="en-GB" sz="1150">
-                <a:solidFill>
-                  <a:schemeClr val="dk1"/>
-                </a:solidFill>
-                <a:highlight>
-                  <a:srgbClr val="FFFFFF"/>
-                </a:highlight>
-                <a:latin typeface="Verdana" panose="020B0604030504040204"/>
-                <a:ea typeface="Verdana" panose="020B0604030504040204"/>
-                <a:cs typeface="Verdana" panose="020B0604030504040204"/>
-                <a:sym typeface="Verdana" panose="020B0604030504040204"/>
-              </a:rPr>
-              <a:t> function.</a:t>
-            </a:r>
-            <a:endParaRPr sz="1150">
-              <a:solidFill>
-                <a:schemeClr val="dk1"/>
-              </a:solidFill>
-              <a:highlight>
-                <a:srgbClr val="FFFFFF"/>
-              </a:highlight>
-              <a:latin typeface="Verdana" panose="020B0604030504040204"/>
-              <a:ea typeface="Verdana" panose="020B0604030504040204"/>
-              <a:cs typeface="Verdana" panose="020B0604030504040204"/>
-              <a:sym typeface="Verdana" panose="020B0604030504040204"/>
-            </a:endParaRPr>
-          </a:p>
-          <a:p>
-            <a:pPr marL="0" lvl="0" indent="0" algn="l" rtl="0">
-              <a:spcBef>
-                <a:spcPts val="1400"/>
-              </a:spcBef>
-              <a:spcAft>
-                <a:spcPts val="0"/>
-              </a:spcAft>
-              <a:buClr>
-                <a:schemeClr val="dk1"/>
-              </a:buClr>
-              <a:buSzPts val="1100"/>
-              <a:buFont typeface="Arial" panose="020B0604020202020204"/>
-              <a:buNone/>
-            </a:pPr>
-            <a:r>
-              <a:rPr lang="en-GB" sz="1150">
-                <a:solidFill>
-                  <a:srgbClr val="0000CD"/>
-                </a:solidFill>
-                <a:highlight>
-                  <a:srgbClr val="FFFFFF"/>
-                </a:highlight>
-                <a:latin typeface="Courier New" panose="02070309020205020404"/>
-                <a:ea typeface="Courier New" panose="02070309020205020404"/>
-                <a:cs typeface="Courier New" panose="02070309020205020404"/>
-                <a:sym typeface="Courier New" panose="02070309020205020404"/>
-              </a:rPr>
-              <a:t>import</a:t>
-            </a:r>
-            <a:r>
-              <a:rPr lang="en-GB" sz="1150">
-                <a:solidFill>
-                  <a:schemeClr val="dk1"/>
-                </a:solidFill>
-                <a:highlight>
-                  <a:srgbClr val="FFFFFF"/>
-                </a:highlight>
-                <a:latin typeface="Courier New" panose="02070309020205020404"/>
-                <a:ea typeface="Courier New" panose="02070309020205020404"/>
-                <a:cs typeface="Courier New" panose="02070309020205020404"/>
-                <a:sym typeface="Courier New" panose="02070309020205020404"/>
-              </a:rPr>
-              <a:t> numpy </a:t>
-            </a:r>
-            <a:r>
-              <a:rPr lang="en-GB" sz="1150">
-                <a:solidFill>
-                  <a:srgbClr val="0000CD"/>
-                </a:solidFill>
-                <a:highlight>
-                  <a:srgbClr val="FFFFFF"/>
-                </a:highlight>
-                <a:latin typeface="Courier New" panose="02070309020205020404"/>
-                <a:ea typeface="Courier New" panose="02070309020205020404"/>
-                <a:cs typeface="Courier New" panose="02070309020205020404"/>
-                <a:sym typeface="Courier New" panose="02070309020205020404"/>
-              </a:rPr>
-              <a:t>as</a:t>
-            </a:r>
-            <a:r>
-              <a:rPr lang="en-GB" sz="1150">
-                <a:solidFill>
-                  <a:schemeClr val="dk1"/>
-                </a:solidFill>
-                <a:highlight>
-                  <a:srgbClr val="FFFFFF"/>
-                </a:highlight>
-                <a:latin typeface="Courier New" panose="02070309020205020404"/>
-                <a:ea typeface="Courier New" panose="02070309020205020404"/>
-                <a:cs typeface="Courier New" panose="02070309020205020404"/>
-                <a:sym typeface="Courier New" panose="02070309020205020404"/>
-              </a:rPr>
-              <a:t> np</a:t>
-            </a:r>
-            <a:endParaRPr sz="1100">
-              <a:solidFill>
-                <a:schemeClr val="dk1"/>
-              </a:solidFill>
-            </a:endParaRPr>
-          </a:p>
-          <a:p>
-            <a:pPr marL="0" lvl="0" indent="0" algn="l" rtl="0">
-              <a:spcBef>
-                <a:spcPts val="1200"/>
-              </a:spcBef>
-              <a:spcAft>
-                <a:spcPts val="0"/>
-              </a:spcAft>
-              <a:buClr>
-                <a:schemeClr val="dk1"/>
-              </a:buClr>
-              <a:buSzPts val="1100"/>
-              <a:buFont typeface="Arial" panose="020B0604020202020204"/>
-              <a:buNone/>
-            </a:pPr>
-            <a:r>
-              <a:rPr lang="en-GB" sz="1150">
-                <a:solidFill>
-                  <a:schemeClr val="dk1"/>
-                </a:solidFill>
-                <a:highlight>
-                  <a:srgbClr val="FFFFFF"/>
-                </a:highlight>
-                <a:latin typeface="Courier New" panose="02070309020205020404"/>
-                <a:ea typeface="Courier New" panose="02070309020205020404"/>
-                <a:cs typeface="Courier New" panose="02070309020205020404"/>
-                <a:sym typeface="Courier New" panose="02070309020205020404"/>
-              </a:rPr>
-              <a:t>arr = np.array([</a:t>
-            </a:r>
-            <a:r>
-              <a:rPr lang="en-GB" sz="1150">
-                <a:solidFill>
-                  <a:srgbClr val="FF0000"/>
-                </a:solidFill>
-                <a:highlight>
-                  <a:srgbClr val="FFFFFF"/>
-                </a:highlight>
-                <a:latin typeface="Courier New" panose="02070309020205020404"/>
-                <a:ea typeface="Courier New" panose="02070309020205020404"/>
-                <a:cs typeface="Courier New" panose="02070309020205020404"/>
-                <a:sym typeface="Courier New" panose="02070309020205020404"/>
-              </a:rPr>
-              <a:t>1</a:t>
-            </a:r>
-            <a:r>
-              <a:rPr lang="en-GB" sz="1150">
-                <a:solidFill>
-                  <a:schemeClr val="dk1"/>
-                </a:solidFill>
-                <a:highlight>
-                  <a:srgbClr val="FFFFFF"/>
-                </a:highlight>
-                <a:latin typeface="Courier New" panose="02070309020205020404"/>
-                <a:ea typeface="Courier New" panose="02070309020205020404"/>
-                <a:cs typeface="Courier New" panose="02070309020205020404"/>
-                <a:sym typeface="Courier New" panose="02070309020205020404"/>
-              </a:rPr>
-              <a:t>, </a:t>
-            </a:r>
-            <a:r>
-              <a:rPr lang="en-GB" sz="1150">
-                <a:solidFill>
-                  <a:srgbClr val="FF0000"/>
-                </a:solidFill>
-                <a:highlight>
-                  <a:srgbClr val="FFFFFF"/>
-                </a:highlight>
-                <a:latin typeface="Courier New" panose="02070309020205020404"/>
-                <a:ea typeface="Courier New" panose="02070309020205020404"/>
-                <a:cs typeface="Courier New" panose="02070309020205020404"/>
-                <a:sym typeface="Courier New" panose="02070309020205020404"/>
-              </a:rPr>
-              <a:t>2</a:t>
-            </a:r>
-            <a:r>
-              <a:rPr lang="en-GB" sz="1150">
-                <a:solidFill>
-                  <a:schemeClr val="dk1"/>
-                </a:solidFill>
-                <a:highlight>
-                  <a:srgbClr val="FFFFFF"/>
-                </a:highlight>
-                <a:latin typeface="Courier New" panose="02070309020205020404"/>
-                <a:ea typeface="Courier New" panose="02070309020205020404"/>
-                <a:cs typeface="Courier New" panose="02070309020205020404"/>
-                <a:sym typeface="Courier New" panose="02070309020205020404"/>
-              </a:rPr>
-              <a:t>, </a:t>
-            </a:r>
-            <a:r>
-              <a:rPr lang="en-GB" sz="1150">
-                <a:solidFill>
-                  <a:srgbClr val="FF0000"/>
-                </a:solidFill>
-                <a:highlight>
-                  <a:srgbClr val="FFFFFF"/>
-                </a:highlight>
-                <a:latin typeface="Courier New" panose="02070309020205020404"/>
-                <a:ea typeface="Courier New" panose="02070309020205020404"/>
-                <a:cs typeface="Courier New" panose="02070309020205020404"/>
-                <a:sym typeface="Courier New" panose="02070309020205020404"/>
-              </a:rPr>
-              <a:t>3</a:t>
-            </a:r>
-            <a:r>
-              <a:rPr lang="en-GB" sz="1150">
-                <a:solidFill>
-                  <a:schemeClr val="dk1"/>
-                </a:solidFill>
-                <a:highlight>
-                  <a:srgbClr val="FFFFFF"/>
-                </a:highlight>
-                <a:latin typeface="Courier New" panose="02070309020205020404"/>
-                <a:ea typeface="Courier New" panose="02070309020205020404"/>
-                <a:cs typeface="Courier New" panose="02070309020205020404"/>
-                <a:sym typeface="Courier New" panose="02070309020205020404"/>
-              </a:rPr>
-              <a:t>, </a:t>
-            </a:r>
-            <a:r>
-              <a:rPr lang="en-GB" sz="1150">
-                <a:solidFill>
-                  <a:srgbClr val="FF0000"/>
-                </a:solidFill>
-                <a:highlight>
-                  <a:srgbClr val="FFFFFF"/>
-                </a:highlight>
-                <a:latin typeface="Courier New" panose="02070309020205020404"/>
-                <a:ea typeface="Courier New" panose="02070309020205020404"/>
-                <a:cs typeface="Courier New" panose="02070309020205020404"/>
-                <a:sym typeface="Courier New" panose="02070309020205020404"/>
-              </a:rPr>
-              <a:t>4</a:t>
-            </a:r>
-            <a:r>
-              <a:rPr lang="en-GB" sz="1150">
-                <a:solidFill>
-                  <a:schemeClr val="dk1"/>
-                </a:solidFill>
-                <a:highlight>
-                  <a:srgbClr val="FFFFFF"/>
-                </a:highlight>
-                <a:latin typeface="Courier New" panose="02070309020205020404"/>
-                <a:ea typeface="Courier New" panose="02070309020205020404"/>
-                <a:cs typeface="Courier New" panose="02070309020205020404"/>
-                <a:sym typeface="Courier New" panose="02070309020205020404"/>
-              </a:rPr>
-              <a:t>, </a:t>
-            </a:r>
-            <a:r>
-              <a:rPr lang="en-GB" sz="1150">
-                <a:solidFill>
-                  <a:srgbClr val="FF0000"/>
-                </a:solidFill>
-                <a:highlight>
-                  <a:srgbClr val="FFFFFF"/>
-                </a:highlight>
-                <a:latin typeface="Courier New" panose="02070309020205020404"/>
-                <a:ea typeface="Courier New" panose="02070309020205020404"/>
-                <a:cs typeface="Courier New" panose="02070309020205020404"/>
-                <a:sym typeface="Courier New" panose="02070309020205020404"/>
-              </a:rPr>
-              <a:t>5</a:t>
-            </a:r>
-            <a:r>
-              <a:rPr lang="en-GB" sz="1150">
-                <a:solidFill>
-                  <a:schemeClr val="dk1"/>
-                </a:solidFill>
-                <a:highlight>
-                  <a:srgbClr val="FFFFFF"/>
-                </a:highlight>
-                <a:latin typeface="Courier New" panose="02070309020205020404"/>
-                <a:ea typeface="Courier New" panose="02070309020205020404"/>
-                <a:cs typeface="Courier New" panose="02070309020205020404"/>
-                <a:sym typeface="Courier New" panose="02070309020205020404"/>
-              </a:rPr>
-              <a:t>])</a:t>
-            </a:r>
-            <a:endParaRPr sz="1100">
-              <a:solidFill>
-                <a:schemeClr val="dk1"/>
-              </a:solidFill>
-            </a:endParaRPr>
-          </a:p>
-          <a:p>
-            <a:pPr marL="0" lvl="0" indent="0" algn="l" rtl="0">
-              <a:spcBef>
-                <a:spcPts val="1200"/>
-              </a:spcBef>
-              <a:spcAft>
-                <a:spcPts val="0"/>
-              </a:spcAft>
-              <a:buClr>
-                <a:schemeClr val="dk1"/>
-              </a:buClr>
-              <a:buSzPts val="1100"/>
-              <a:buFont typeface="Arial" panose="020B0604020202020204"/>
-              <a:buNone/>
-            </a:pPr>
-            <a:r>
-              <a:rPr lang="en-GB" sz="1150">
-                <a:solidFill>
-                  <a:srgbClr val="0000CD"/>
-                </a:solidFill>
-                <a:highlight>
-                  <a:srgbClr val="FFFFFF"/>
-                </a:highlight>
-                <a:latin typeface="Courier New" panose="02070309020205020404"/>
-                <a:ea typeface="Courier New" panose="02070309020205020404"/>
-                <a:cs typeface="Courier New" panose="02070309020205020404"/>
-                <a:sym typeface="Courier New" panose="02070309020205020404"/>
-              </a:rPr>
-              <a:t>print</a:t>
-            </a:r>
-            <a:r>
-              <a:rPr lang="en-GB" sz="1150">
-                <a:solidFill>
-                  <a:schemeClr val="dk1"/>
-                </a:solidFill>
-                <a:highlight>
-                  <a:srgbClr val="FFFFFF"/>
-                </a:highlight>
-                <a:latin typeface="Courier New" panose="02070309020205020404"/>
-                <a:ea typeface="Courier New" panose="02070309020205020404"/>
-                <a:cs typeface="Courier New" panose="02070309020205020404"/>
-                <a:sym typeface="Courier New" panose="02070309020205020404"/>
-              </a:rPr>
-              <a:t>(arr)</a:t>
-            </a:r>
-            <a:endParaRPr sz="1100">
-              <a:solidFill>
-                <a:schemeClr val="dk1"/>
-              </a:solidFill>
-            </a:endParaRPr>
-          </a:p>
-          <a:p>
-            <a:pPr marL="0" lvl="0" indent="0" algn="l" rtl="0">
-              <a:spcBef>
-                <a:spcPts val="1200"/>
-              </a:spcBef>
-              <a:spcAft>
-                <a:spcPts val="0"/>
-              </a:spcAft>
-              <a:buNone/>
-            </a:pPr>
-            <a:r>
-              <a:rPr lang="en-GB" sz="1150">
-                <a:solidFill>
-                  <a:srgbClr val="0000CD"/>
-                </a:solidFill>
-                <a:highlight>
-                  <a:srgbClr val="FFFFFF"/>
-                </a:highlight>
-                <a:latin typeface="Courier New" panose="02070309020205020404"/>
-                <a:ea typeface="Courier New" panose="02070309020205020404"/>
-                <a:cs typeface="Courier New" panose="02070309020205020404"/>
-                <a:sym typeface="Courier New" panose="02070309020205020404"/>
-              </a:rPr>
-              <a:t>print</a:t>
-            </a:r>
-            <a:r>
-              <a:rPr lang="en-GB" sz="1150">
-                <a:solidFill>
-                  <a:schemeClr val="dk1"/>
-                </a:solidFill>
-                <a:highlight>
-                  <a:srgbClr val="FFFFFF"/>
-                </a:highlight>
-                <a:latin typeface="Courier New" panose="02070309020205020404"/>
-                <a:ea typeface="Courier New" panose="02070309020205020404"/>
-                <a:cs typeface="Courier New" panose="02070309020205020404"/>
-                <a:sym typeface="Courier New" panose="02070309020205020404"/>
-              </a:rPr>
-              <a:t>(</a:t>
-            </a:r>
-            <a:r>
-              <a:rPr lang="en-GB" sz="1150">
-                <a:solidFill>
-                  <a:srgbClr val="0000CD"/>
-                </a:solidFill>
-                <a:highlight>
-                  <a:srgbClr val="FFFFFF"/>
-                </a:highlight>
-                <a:latin typeface="Courier New" panose="02070309020205020404"/>
-                <a:ea typeface="Courier New" panose="02070309020205020404"/>
-                <a:cs typeface="Courier New" panose="02070309020205020404"/>
-                <a:sym typeface="Courier New" panose="02070309020205020404"/>
-              </a:rPr>
-              <a:t>type</a:t>
-            </a:r>
-            <a:r>
-              <a:rPr lang="en-GB" sz="1150">
-                <a:solidFill>
-                  <a:schemeClr val="dk1"/>
-                </a:solidFill>
-                <a:highlight>
-                  <a:srgbClr val="FFFFFF"/>
-                </a:highlight>
-                <a:latin typeface="Courier New" panose="02070309020205020404"/>
-                <a:ea typeface="Courier New" panose="02070309020205020404"/>
-                <a:cs typeface="Courier New" panose="02070309020205020404"/>
-                <a:sym typeface="Courier New" panose="02070309020205020404"/>
-              </a:rPr>
-              <a:t>(arr))</a:t>
-            </a:r>
-            <a:endParaRPr sz="1150">
-              <a:solidFill>
-                <a:schemeClr val="dk1"/>
-              </a:solidFill>
-              <a:highlight>
-                <a:srgbClr val="FFFFFF"/>
-              </a:highlight>
-              <a:latin typeface="Courier New" panose="02070309020205020404"/>
-              <a:ea typeface="Courier New" panose="02070309020205020404"/>
-              <a:cs typeface="Courier New" panose="02070309020205020404"/>
-              <a:sym typeface="Courier New" panose="02070309020205020404"/>
-            </a:endParaRPr>
-          </a:p>
-          <a:p>
-            <a:pPr marL="0" lvl="0" indent="0" algn="l" rtl="0">
-              <a:spcBef>
-                <a:spcPts val="1200"/>
-              </a:spcBef>
-              <a:spcAft>
-                <a:spcPts val="0"/>
-              </a:spcAft>
-              <a:buNone/>
-            </a:pPr>
-            <a:r>
-              <a:rPr lang="en-GB" sz="1150">
-                <a:solidFill>
-                  <a:schemeClr val="dk1"/>
-                </a:solidFill>
-                <a:highlight>
-                  <a:srgbClr val="FFFFCC"/>
-                </a:highlight>
-                <a:latin typeface="Verdana" panose="020B0604030504040204"/>
-                <a:ea typeface="Verdana" panose="020B0604030504040204"/>
-                <a:cs typeface="Verdana" panose="020B0604030504040204"/>
-                <a:sym typeface="Verdana" panose="020B0604030504040204"/>
-              </a:rPr>
-              <a:t>type(): This built-in Python function tells us the type of the object passed to it. Like in above code it shows that </a:t>
-            </a:r>
-            <a:r>
-              <a:rPr lang="en-GB" sz="1200">
-                <a:solidFill>
-                  <a:srgbClr val="DC143C"/>
-                </a:solidFill>
-                <a:latin typeface="Courier New" panose="02070309020205020404"/>
-                <a:ea typeface="Courier New" panose="02070309020205020404"/>
-                <a:cs typeface="Courier New" panose="02070309020205020404"/>
-                <a:sym typeface="Courier New" panose="02070309020205020404"/>
-              </a:rPr>
-              <a:t>arr</a:t>
-            </a:r>
-            <a:r>
-              <a:rPr lang="en-GB" sz="1150">
-                <a:solidFill>
-                  <a:schemeClr val="dk1"/>
-                </a:solidFill>
-                <a:highlight>
-                  <a:srgbClr val="FFFFCC"/>
-                </a:highlight>
-                <a:latin typeface="Verdana" panose="020B0604030504040204"/>
-                <a:ea typeface="Verdana" panose="020B0604030504040204"/>
-                <a:cs typeface="Verdana" panose="020B0604030504040204"/>
-                <a:sym typeface="Verdana" panose="020B0604030504040204"/>
-              </a:rPr>
-              <a:t> is </a:t>
-            </a:r>
-            <a:r>
-              <a:rPr lang="en-GB" sz="1200">
-                <a:solidFill>
-                  <a:srgbClr val="DC143C"/>
-                </a:solidFill>
-                <a:latin typeface="Courier New" panose="02070309020205020404"/>
-                <a:ea typeface="Courier New" panose="02070309020205020404"/>
-                <a:cs typeface="Courier New" panose="02070309020205020404"/>
-                <a:sym typeface="Courier New" panose="02070309020205020404"/>
-              </a:rPr>
-              <a:t>numpy.ndarray</a:t>
-            </a:r>
-            <a:r>
-              <a:rPr lang="en-GB" sz="1150">
-                <a:solidFill>
-                  <a:schemeClr val="dk1"/>
-                </a:solidFill>
-                <a:highlight>
-                  <a:srgbClr val="FFFFCC"/>
-                </a:highlight>
-                <a:latin typeface="Verdana" panose="020B0604030504040204"/>
-                <a:ea typeface="Verdana" panose="020B0604030504040204"/>
-                <a:cs typeface="Verdana" panose="020B0604030504040204"/>
-                <a:sym typeface="Verdana" panose="020B0604030504040204"/>
-              </a:rPr>
-              <a:t> type.</a:t>
-            </a:r>
-            <a:endParaRPr sz="1150">
-              <a:solidFill>
-                <a:schemeClr val="dk1"/>
-              </a:solidFill>
-              <a:highlight>
-                <a:srgbClr val="FFFFCC"/>
-              </a:highlight>
-              <a:latin typeface="Verdana" panose="020B0604030504040204"/>
-              <a:ea typeface="Verdana" panose="020B0604030504040204"/>
-              <a:cs typeface="Verdana" panose="020B0604030504040204"/>
-              <a:sym typeface="Verdana" panose="020B0604030504040204"/>
-            </a:endParaRPr>
-          </a:p>
-          <a:p>
-            <a:pPr marL="0" lvl="0" indent="0" algn="l" rtl="0">
-              <a:spcBef>
-                <a:spcPts val="1200"/>
-              </a:spcBef>
-              <a:spcAft>
-                <a:spcPts val="1200"/>
-              </a:spcAft>
-              <a:buNone/>
-            </a:pPr>
-            <a:r>
-              <a:rPr lang="en-GB" sz="1150">
-                <a:solidFill>
-                  <a:schemeClr val="dk1"/>
-                </a:solidFill>
-                <a:highlight>
-                  <a:srgbClr val="FFFFFF"/>
-                </a:highlight>
-                <a:latin typeface="Verdana" panose="020B0604030504040204"/>
-                <a:ea typeface="Verdana" panose="020B0604030504040204"/>
-                <a:cs typeface="Verdana" panose="020B0604030504040204"/>
-                <a:sym typeface="Verdana" panose="020B0604030504040204"/>
-              </a:rPr>
-              <a:t>To create an </a:t>
-            </a:r>
-            <a:r>
-              <a:rPr lang="en-GB" sz="1200">
-                <a:solidFill>
-                  <a:srgbClr val="DC143C"/>
-                </a:solidFill>
-                <a:latin typeface="Courier New" panose="02070309020205020404"/>
-                <a:ea typeface="Courier New" panose="02070309020205020404"/>
-                <a:cs typeface="Courier New" panose="02070309020205020404"/>
-                <a:sym typeface="Courier New" panose="02070309020205020404"/>
-              </a:rPr>
-              <a:t>ndarray</a:t>
-            </a:r>
-            <a:r>
-              <a:rPr lang="en-GB" sz="1150">
-                <a:solidFill>
-                  <a:schemeClr val="dk1"/>
-                </a:solidFill>
-                <a:highlight>
-                  <a:srgbClr val="FFFFFF"/>
-                </a:highlight>
-                <a:latin typeface="Verdana" panose="020B0604030504040204"/>
-                <a:ea typeface="Verdana" panose="020B0604030504040204"/>
-                <a:cs typeface="Verdana" panose="020B0604030504040204"/>
-                <a:sym typeface="Verdana" panose="020B0604030504040204"/>
-              </a:rPr>
-              <a:t>, we can pass a list, tuple or any array-like object into the </a:t>
-            </a:r>
-            <a:r>
-              <a:rPr lang="en-GB" sz="1200">
-                <a:solidFill>
-                  <a:srgbClr val="DC143C"/>
-                </a:solidFill>
-                <a:latin typeface="Courier New" panose="02070309020205020404"/>
-                <a:ea typeface="Courier New" panose="02070309020205020404"/>
-                <a:cs typeface="Courier New" panose="02070309020205020404"/>
-                <a:sym typeface="Courier New" panose="02070309020205020404"/>
-              </a:rPr>
-              <a:t>array()</a:t>
-            </a:r>
-            <a:r>
-              <a:rPr lang="en-GB" sz="1150">
-                <a:solidFill>
-                  <a:schemeClr val="dk1"/>
-                </a:solidFill>
-                <a:highlight>
-                  <a:srgbClr val="FFFFFF"/>
-                </a:highlight>
-                <a:latin typeface="Verdana" panose="020B0604030504040204"/>
-                <a:ea typeface="Verdana" panose="020B0604030504040204"/>
-                <a:cs typeface="Verdana" panose="020B0604030504040204"/>
-                <a:sym typeface="Verdana" panose="020B0604030504040204"/>
-              </a:rPr>
-              <a:t> method, and it will be converted into an </a:t>
-            </a:r>
-            <a:r>
-              <a:rPr lang="en-GB" sz="1200">
-                <a:solidFill>
-                  <a:srgbClr val="DC143C"/>
-                </a:solidFill>
-                <a:latin typeface="Courier New" panose="02070309020205020404"/>
-                <a:ea typeface="Courier New" panose="02070309020205020404"/>
-                <a:cs typeface="Courier New" panose="02070309020205020404"/>
-                <a:sym typeface="Courier New" panose="02070309020205020404"/>
-              </a:rPr>
-              <a:t>ndarray</a:t>
-            </a:r>
-            <a:r>
-              <a:rPr lang="en-GB" sz="1150">
-                <a:solidFill>
-                  <a:schemeClr val="dk1"/>
-                </a:solidFill>
-                <a:highlight>
-                  <a:srgbClr val="FFFFFF"/>
-                </a:highlight>
-                <a:latin typeface="Verdana" panose="020B0604030504040204"/>
-                <a:ea typeface="Verdana" panose="020B0604030504040204"/>
-                <a:cs typeface="Verdana" panose="020B0604030504040204"/>
-                <a:sym typeface="Verdana" panose="020B0604030504040204"/>
-              </a:rPr>
-              <a:t>:</a:t>
-            </a:r>
-            <a:endParaRPr sz="1150">
-              <a:solidFill>
-                <a:schemeClr val="dk1"/>
-              </a:solidFill>
-              <a:highlight>
-                <a:srgbClr val="FFFFCC"/>
-              </a:highlight>
-              <a:latin typeface="Verdana" panose="020B0604030504040204"/>
-              <a:ea typeface="Verdana" panose="020B0604030504040204"/>
-              <a:cs typeface="Verdana" panose="020B0604030504040204"/>
-              <a:sym typeface="Verdana" panose="020B0604030504040204"/>
-            </a:endParaRPr>
-          </a:p>
-        </p:txBody>
-      </p:sp>
-    </p:spTree>
-  </p:cSld>
-  <p:clrMapOvr>
-    <a:masterClrMapping/>
-  </p:clrMapOvr>
-</p:sld>
-</file>
-
-<file path=ppt/slides/slide60.xml><?xml version="1.0" encoding="utf-8"?>
+<file path=ppt/slides/slide61.xml><?xml version="1.0" encoding="utf-8"?>
 <p:sld xmlns:a="http://schemas.openxmlformats.org/drawingml/2006/main" xmlns:r="http://schemas.openxmlformats.org/officeDocument/2006/relationships" xmlns:p="http://schemas.openxmlformats.org/presentationml/2006/main">
   <p:cSld>
     <p:spTree>
@@ -38562,7 +39109,7 @@
 </p:sld>
 </file>
 
-<file path=ppt/slides/slide61.xml><?xml version="1.0" encoding="utf-8"?>
+<file path=ppt/slides/slide62.xml><?xml version="1.0" encoding="utf-8"?>
 <p:sld xmlns:a="http://schemas.openxmlformats.org/drawingml/2006/main" xmlns:r="http://schemas.openxmlformats.org/officeDocument/2006/relationships" xmlns:p="http://schemas.openxmlformats.org/presentationml/2006/main">
   <p:cSld>
     <p:spTree>
@@ -38783,7 +39330,7 @@
 </p:sld>
 </file>
 
-<file path=ppt/slides/slide62.xml><?xml version="1.0" encoding="utf-8"?>
+<file path=ppt/slides/slide63.xml><?xml version="1.0" encoding="utf-8"?>
 <p:sld xmlns:a="http://schemas.openxmlformats.org/drawingml/2006/main" xmlns:r="http://schemas.openxmlformats.org/officeDocument/2006/relationships" xmlns:p="http://schemas.openxmlformats.org/presentationml/2006/main">
   <p:cSld>
     <p:spTree>
@@ -38852,7 +39399,7 @@
 </p:sld>
 </file>
 
-<file path=ppt/slides/slide63.xml><?xml version="1.0" encoding="utf-8"?>
+<file path=ppt/slides/slide64.xml><?xml version="1.0" encoding="utf-8"?>
 <p:sld xmlns:a="http://schemas.openxmlformats.org/drawingml/2006/main" xmlns:r="http://schemas.openxmlformats.org/officeDocument/2006/relationships" xmlns:p="http://schemas.openxmlformats.org/presentationml/2006/main">
   <p:cSld>
     <p:bg>

--- a/5.0_python_6.libraries/python_libraries/1.numpy/Numpy_class.pptx
+++ b/5.0_python_6.libraries/python_libraries/1.numpy/Numpy_class.pptx
@@ -51,27 +51,27 @@
     <p:sldId id="334" r:id="rId44"/>
     <p:sldId id="296" r:id="rId45"/>
     <p:sldId id="333" r:id="rId46"/>
-    <p:sldId id="297" r:id="rId47"/>
-    <p:sldId id="298" r:id="rId48"/>
-    <p:sldId id="299" r:id="rId49"/>
-    <p:sldId id="300" r:id="rId50"/>
-    <p:sldId id="309" r:id="rId51"/>
-    <p:sldId id="310" r:id="rId52"/>
-    <p:sldId id="301" r:id="rId53"/>
-    <p:sldId id="302" r:id="rId54"/>
-    <p:sldId id="303" r:id="rId55"/>
-    <p:sldId id="311" r:id="rId56"/>
-    <p:sldId id="304" r:id="rId57"/>
-    <p:sldId id="312" r:id="rId58"/>
-    <p:sldId id="305" r:id="rId59"/>
-    <p:sldId id="306" r:id="rId60"/>
-    <p:sldId id="321" r:id="rId61"/>
-    <p:sldId id="322" r:id="rId62"/>
-    <p:sldId id="328" r:id="rId63"/>
-    <p:sldId id="332" r:id="rId64"/>
-    <p:sldId id="325" r:id="rId65"/>
-    <p:sldId id="323" r:id="rId66"/>
-    <p:sldId id="308" r:id="rId67"/>
+    <p:sldId id="298" r:id="rId47"/>
+    <p:sldId id="299" r:id="rId48"/>
+    <p:sldId id="300" r:id="rId49"/>
+    <p:sldId id="309" r:id="rId50"/>
+    <p:sldId id="310" r:id="rId51"/>
+    <p:sldId id="301" r:id="rId52"/>
+    <p:sldId id="302" r:id="rId53"/>
+    <p:sldId id="303" r:id="rId54"/>
+    <p:sldId id="311" r:id="rId55"/>
+    <p:sldId id="304" r:id="rId56"/>
+    <p:sldId id="312" r:id="rId57"/>
+    <p:sldId id="305" r:id="rId58"/>
+    <p:sldId id="306" r:id="rId59"/>
+    <p:sldId id="321" r:id="rId60"/>
+    <p:sldId id="322" r:id="rId61"/>
+    <p:sldId id="328" r:id="rId62"/>
+    <p:sldId id="332" r:id="rId63"/>
+    <p:sldId id="325" r:id="rId64"/>
+    <p:sldId id="323" r:id="rId65"/>
+    <p:sldId id="308" r:id="rId66"/>
+    <p:sldId id="335" r:id="rId67"/>
   </p:sldIdLst>
   <p:sldSz cx="9144000" cy="5143500"/>
   <p:notesSz cx="6858000" cy="9144000"/>
@@ -4327,105 +4327,6 @@
   <p:cSld>
     <p:spTree>
       <p:nvGrpSpPr>
-        <p:cNvPr id="286" name="Shape 286"/>
-        <p:cNvGrpSpPr/>
-        <p:nvPr/>
-      </p:nvGrpSpPr>
-      <p:grpSpPr>
-        <a:xfrm>
-          <a:off x="0" y="0"/>
-          <a:ext cx="0" cy="0"/>
-          <a:chOff x="0" y="0"/>
-          <a:chExt cx="0" cy="0"/>
-        </a:xfrm>
-      </p:grpSpPr>
-      <p:sp>
-        <p:nvSpPr>
-          <p:cNvPr id="287" name="Google Shape;287;g25c18dd4481_0_88:notes"/>
-          <p:cNvSpPr/>
-          <p:nvPr>
-            <p:ph type="sldImg" idx="2"/>
-          </p:nvPr>
-        </p:nvSpPr>
-        <p:spPr>
-          <a:xfrm>
-            <a:off x="381300" y="685800"/>
-            <a:ext cx="6096000" cy="3429000"/>
-          </a:xfrm>
-          <a:custGeom>
-            <a:avLst/>
-            <a:gdLst/>
-            <a:ahLst/>
-            <a:cxnLst/>
-            <a:rect l="l" t="t" r="r" b="b"/>
-            <a:pathLst>
-              <a:path w="120000" h="120000" extrusionOk="0">
-                <a:moveTo>
-                  <a:pt x="0" y="0"/>
-                </a:moveTo>
-                <a:lnTo>
-                  <a:pt x="120000" y="0"/>
-                </a:lnTo>
-                <a:lnTo>
-                  <a:pt x="120000" y="120000"/>
-                </a:lnTo>
-                <a:lnTo>
-                  <a:pt x="0" y="120000"/>
-                </a:lnTo>
-                <a:close/>
-              </a:path>
-            </a:pathLst>
-          </a:custGeom>
-        </p:spPr>
-      </p:sp>
-      <p:sp>
-        <p:nvSpPr>
-          <p:cNvPr id="288" name="Google Shape;288;g25c18dd4481_0_88:notes"/>
-          <p:cNvSpPr txBox="1"/>
-          <p:nvPr>
-            <p:ph type="body" idx="1"/>
-          </p:nvPr>
-        </p:nvSpPr>
-        <p:spPr>
-          <a:xfrm>
-            <a:off x="685800" y="4343400"/>
-            <a:ext cx="5486400" cy="4114800"/>
-          </a:xfrm>
-          <a:prstGeom prst="rect">
-            <a:avLst/>
-          </a:prstGeom>
-        </p:spPr>
-        <p:txBody>
-          <a:bodyPr spcFirstLastPara="1" wrap="square" lIns="91425" tIns="91425" rIns="91425" bIns="91425" anchor="t" anchorCtr="0">
-            <a:noAutofit/>
-          </a:bodyPr>
-          <a:lstStyle/>
-          <a:p>
-            <a:pPr marL="0" lvl="0" indent="0" algn="l" rtl="0">
-              <a:spcBef>
-                <a:spcPts val="0"/>
-              </a:spcBef>
-              <a:spcAft>
-                <a:spcPts val="0"/>
-              </a:spcAft>
-              <a:buNone/>
-            </a:pPr>
-          </a:p>
-        </p:txBody>
-      </p:sp>
-    </p:spTree>
-  </p:cSld>
-  <p:clrMapOvr>
-    <a:masterClrMapping/>
-  </p:clrMapOvr>
-</p:notes>
-</file>
-
-<file path=ppt/notesSlides/notesSlide43.xml><?xml version="1.0" encoding="utf-8"?>
-<p:notes xmlns:a="http://schemas.openxmlformats.org/drawingml/2006/main" xmlns:r="http://schemas.openxmlformats.org/officeDocument/2006/relationships" xmlns:p="http://schemas.openxmlformats.org/presentationml/2006/main" showMasterPhAnim="0" showMasterSp="0">
-  <p:cSld>
-    <p:spTree>
-      <p:nvGrpSpPr>
         <p:cNvPr id="292" name="Shape 292"/>
         <p:cNvGrpSpPr/>
         <p:nvPr/>
@@ -4520,7 +4421,7 @@
 </p:notes>
 </file>
 
-<file path=ppt/notesSlides/notesSlide44.xml><?xml version="1.0" encoding="utf-8"?>
+<file path=ppt/notesSlides/notesSlide43.xml><?xml version="1.0" encoding="utf-8"?>
 <p:notes xmlns:a="http://schemas.openxmlformats.org/drawingml/2006/main" xmlns:r="http://schemas.openxmlformats.org/officeDocument/2006/relationships" xmlns:p="http://schemas.openxmlformats.org/presentationml/2006/main" showMasterPhAnim="0" showMasterSp="0">
   <p:cSld>
     <p:spTree>
@@ -4619,7 +4520,7 @@
 </p:notes>
 </file>
 
-<file path=ppt/notesSlides/notesSlide45.xml><?xml version="1.0" encoding="utf-8"?>
+<file path=ppt/notesSlides/notesSlide44.xml><?xml version="1.0" encoding="utf-8"?>
 <p:notes xmlns:a="http://schemas.openxmlformats.org/drawingml/2006/main" xmlns:r="http://schemas.openxmlformats.org/officeDocument/2006/relationships" xmlns:p="http://schemas.openxmlformats.org/presentationml/2006/main" showMasterPhAnim="0" showMasterSp="0">
   <p:cSld>
     <p:spTree>
@@ -4718,7 +4619,7 @@
 </p:notes>
 </file>
 
-<file path=ppt/notesSlides/notesSlide46.xml><?xml version="1.0" encoding="utf-8"?>
+<file path=ppt/notesSlides/notesSlide45.xml><?xml version="1.0" encoding="utf-8"?>
 <p:notes xmlns:a="http://schemas.openxmlformats.org/drawingml/2006/main" xmlns:r="http://schemas.openxmlformats.org/officeDocument/2006/relationships" xmlns:p="http://schemas.openxmlformats.org/presentationml/2006/main" showMasterPhAnim="0" showMasterSp="0">
   <p:cSld>
     <p:spTree>
@@ -4817,7 +4718,7 @@
 </p:notes>
 </file>
 
-<file path=ppt/notesSlides/notesSlide47.xml><?xml version="1.0" encoding="utf-8"?>
+<file path=ppt/notesSlides/notesSlide46.xml><?xml version="1.0" encoding="utf-8"?>
 <p:notes xmlns:a="http://schemas.openxmlformats.org/drawingml/2006/main" xmlns:r="http://schemas.openxmlformats.org/officeDocument/2006/relationships" xmlns:p="http://schemas.openxmlformats.org/presentationml/2006/main" showMasterPhAnim="0" showMasterSp="0">
   <p:cSld>
     <p:spTree>
@@ -4916,7 +4817,7 @@
 </p:notes>
 </file>
 
-<file path=ppt/notesSlides/notesSlide48.xml><?xml version="1.0" encoding="utf-8"?>
+<file path=ppt/notesSlides/notesSlide47.xml><?xml version="1.0" encoding="utf-8"?>
 <p:notes xmlns:a="http://schemas.openxmlformats.org/drawingml/2006/main" xmlns:r="http://schemas.openxmlformats.org/officeDocument/2006/relationships" xmlns:p="http://schemas.openxmlformats.org/presentationml/2006/main" showMasterPhAnim="0" showMasterSp="0">
   <p:cSld>
     <p:spTree>
@@ -5015,7 +4916,7 @@
 </p:notes>
 </file>
 
-<file path=ppt/notesSlides/notesSlide49.xml><?xml version="1.0" encoding="utf-8"?>
+<file path=ppt/notesSlides/notesSlide48.xml><?xml version="1.0" encoding="utf-8"?>
 <p:notes xmlns:a="http://schemas.openxmlformats.org/drawingml/2006/main" xmlns:r="http://schemas.openxmlformats.org/officeDocument/2006/relationships" xmlns:p="http://schemas.openxmlformats.org/presentationml/2006/main" showMasterPhAnim="0" showMasterSp="0">
   <p:cSld>
     <p:spTree>
@@ -5074,6 +4975,105 @@
       <p:sp>
         <p:nvSpPr>
           <p:cNvPr id="330" name="Google Shape;330;g25c18dd4481_0_151:notes"/>
+          <p:cNvSpPr txBox="1"/>
+          <p:nvPr>
+            <p:ph type="body" idx="1"/>
+          </p:nvPr>
+        </p:nvSpPr>
+        <p:spPr>
+          <a:xfrm>
+            <a:off x="685800" y="4343400"/>
+            <a:ext cx="5486400" cy="4114800"/>
+          </a:xfrm>
+          <a:prstGeom prst="rect">
+            <a:avLst/>
+          </a:prstGeom>
+        </p:spPr>
+        <p:txBody>
+          <a:bodyPr spcFirstLastPara="1" wrap="square" lIns="91425" tIns="91425" rIns="91425" bIns="91425" anchor="t" anchorCtr="0">
+            <a:noAutofit/>
+          </a:bodyPr>
+          <a:lstStyle/>
+          <a:p>
+            <a:pPr marL="0" lvl="0" indent="0" algn="l" rtl="0">
+              <a:spcBef>
+                <a:spcPts val="0"/>
+              </a:spcBef>
+              <a:spcAft>
+                <a:spcPts val="0"/>
+              </a:spcAft>
+              <a:buNone/>
+            </a:pPr>
+          </a:p>
+        </p:txBody>
+      </p:sp>
+    </p:spTree>
+  </p:cSld>
+  <p:clrMapOvr>
+    <a:masterClrMapping/>
+  </p:clrMapOvr>
+</p:notes>
+</file>
+
+<file path=ppt/notesSlides/notesSlide49.xml><?xml version="1.0" encoding="utf-8"?>
+<p:notes xmlns:a="http://schemas.openxmlformats.org/drawingml/2006/main" xmlns:r="http://schemas.openxmlformats.org/officeDocument/2006/relationships" xmlns:p="http://schemas.openxmlformats.org/presentationml/2006/main" showMasterPhAnim="0" showMasterSp="0">
+  <p:cSld>
+    <p:spTree>
+      <p:nvGrpSpPr>
+        <p:cNvPr id="334" name="Shape 334"/>
+        <p:cNvGrpSpPr/>
+        <p:nvPr/>
+      </p:nvGrpSpPr>
+      <p:grpSpPr>
+        <a:xfrm>
+          <a:off x="0" y="0"/>
+          <a:ext cx="0" cy="0"/>
+          <a:chOff x="0" y="0"/>
+          <a:chExt cx="0" cy="0"/>
+        </a:xfrm>
+      </p:grpSpPr>
+      <p:sp>
+        <p:nvSpPr>
+          <p:cNvPr id="335" name="Google Shape;335;g25c18dd4481_0_159:notes"/>
+          <p:cNvSpPr/>
+          <p:nvPr>
+            <p:ph type="sldImg" idx="2"/>
+          </p:nvPr>
+        </p:nvSpPr>
+        <p:spPr>
+          <a:xfrm>
+            <a:off x="381300" y="685800"/>
+            <a:ext cx="6096000" cy="3429000"/>
+          </a:xfrm>
+          <a:custGeom>
+            <a:avLst/>
+            <a:gdLst/>
+            <a:ahLst/>
+            <a:cxnLst/>
+            <a:rect l="l" t="t" r="r" b="b"/>
+            <a:pathLst>
+              <a:path w="120000" h="120000" extrusionOk="0">
+                <a:moveTo>
+                  <a:pt x="0" y="0"/>
+                </a:moveTo>
+                <a:lnTo>
+                  <a:pt x="120000" y="0"/>
+                </a:lnTo>
+                <a:lnTo>
+                  <a:pt x="120000" y="120000"/>
+                </a:lnTo>
+                <a:lnTo>
+                  <a:pt x="0" y="120000"/>
+                </a:lnTo>
+                <a:close/>
+              </a:path>
+            </a:pathLst>
+          </a:custGeom>
+        </p:spPr>
+      </p:sp>
+      <p:sp>
+        <p:nvSpPr>
+          <p:cNvPr id="336" name="Google Shape;336;g25c18dd4481_0_159:notes"/>
           <p:cNvSpPr txBox="1"/>
           <p:nvPr>
             <p:ph type="body" idx="1"/>
@@ -5218,105 +5218,6 @@
   <p:cSld>
     <p:spTree>
       <p:nvGrpSpPr>
-        <p:cNvPr id="334" name="Shape 334"/>
-        <p:cNvGrpSpPr/>
-        <p:nvPr/>
-      </p:nvGrpSpPr>
-      <p:grpSpPr>
-        <a:xfrm>
-          <a:off x="0" y="0"/>
-          <a:ext cx="0" cy="0"/>
-          <a:chOff x="0" y="0"/>
-          <a:chExt cx="0" cy="0"/>
-        </a:xfrm>
-      </p:grpSpPr>
-      <p:sp>
-        <p:nvSpPr>
-          <p:cNvPr id="335" name="Google Shape;335;g25c18dd4481_0_159:notes"/>
-          <p:cNvSpPr/>
-          <p:nvPr>
-            <p:ph type="sldImg" idx="2"/>
-          </p:nvPr>
-        </p:nvSpPr>
-        <p:spPr>
-          <a:xfrm>
-            <a:off x="381300" y="685800"/>
-            <a:ext cx="6096000" cy="3429000"/>
-          </a:xfrm>
-          <a:custGeom>
-            <a:avLst/>
-            <a:gdLst/>
-            <a:ahLst/>
-            <a:cxnLst/>
-            <a:rect l="l" t="t" r="r" b="b"/>
-            <a:pathLst>
-              <a:path w="120000" h="120000" extrusionOk="0">
-                <a:moveTo>
-                  <a:pt x="0" y="0"/>
-                </a:moveTo>
-                <a:lnTo>
-                  <a:pt x="120000" y="0"/>
-                </a:lnTo>
-                <a:lnTo>
-                  <a:pt x="120000" y="120000"/>
-                </a:lnTo>
-                <a:lnTo>
-                  <a:pt x="0" y="120000"/>
-                </a:lnTo>
-                <a:close/>
-              </a:path>
-            </a:pathLst>
-          </a:custGeom>
-        </p:spPr>
-      </p:sp>
-      <p:sp>
-        <p:nvSpPr>
-          <p:cNvPr id="336" name="Google Shape;336;g25c18dd4481_0_159:notes"/>
-          <p:cNvSpPr txBox="1"/>
-          <p:nvPr>
-            <p:ph type="body" idx="1"/>
-          </p:nvPr>
-        </p:nvSpPr>
-        <p:spPr>
-          <a:xfrm>
-            <a:off x="685800" y="4343400"/>
-            <a:ext cx="5486400" cy="4114800"/>
-          </a:xfrm>
-          <a:prstGeom prst="rect">
-            <a:avLst/>
-          </a:prstGeom>
-        </p:spPr>
-        <p:txBody>
-          <a:bodyPr spcFirstLastPara="1" wrap="square" lIns="91425" tIns="91425" rIns="91425" bIns="91425" anchor="t" anchorCtr="0">
-            <a:noAutofit/>
-          </a:bodyPr>
-          <a:lstStyle/>
-          <a:p>
-            <a:pPr marL="0" lvl="0" indent="0" algn="l" rtl="0">
-              <a:spcBef>
-                <a:spcPts val="0"/>
-              </a:spcBef>
-              <a:spcAft>
-                <a:spcPts val="0"/>
-              </a:spcAft>
-              <a:buNone/>
-            </a:pPr>
-          </a:p>
-        </p:txBody>
-      </p:sp>
-    </p:spTree>
-  </p:cSld>
-  <p:clrMapOvr>
-    <a:masterClrMapping/>
-  </p:clrMapOvr>
-</p:notes>
-</file>
-
-<file path=ppt/notesSlides/notesSlide51.xml><?xml version="1.0" encoding="utf-8"?>
-<p:notes xmlns:a="http://schemas.openxmlformats.org/drawingml/2006/main" xmlns:r="http://schemas.openxmlformats.org/officeDocument/2006/relationships" xmlns:p="http://schemas.openxmlformats.org/presentationml/2006/main" showMasterPhAnim="0" showMasterSp="0">
-  <p:cSld>
-    <p:spTree>
-      <p:nvGrpSpPr>
         <p:cNvPr id="340" name="Shape 340"/>
         <p:cNvGrpSpPr/>
         <p:nvPr/>
@@ -5411,7 +5312,7 @@
 </p:notes>
 </file>
 
-<file path=ppt/notesSlides/notesSlide52.xml><?xml version="1.0" encoding="utf-8"?>
+<file path=ppt/notesSlides/notesSlide51.xml><?xml version="1.0" encoding="utf-8"?>
 <p:notes xmlns:a="http://schemas.openxmlformats.org/drawingml/2006/main" xmlns:r="http://schemas.openxmlformats.org/officeDocument/2006/relationships" xmlns:p="http://schemas.openxmlformats.org/presentationml/2006/main" showMasterPhAnim="0" showMasterSp="0">
   <p:cSld>
     <p:spTree>
@@ -32813,8 +32714,8 @@
         </p:nvSpPr>
         <p:spPr>
           <a:xfrm>
-            <a:off x="311700" y="201820"/>
-            <a:ext cx="8520600" cy="572700"/>
+            <a:off x="311785" y="201930"/>
+            <a:ext cx="2044065" cy="572770"/>
           </a:xfrm>
           <a:prstGeom prst="rect">
             <a:avLst/>
@@ -33984,63 +33885,6 @@
   <p:cSld>
     <p:spTree>
       <p:nvGrpSpPr>
-        <p:cNvPr id="289" name="Shape 289"/>
-        <p:cNvGrpSpPr/>
-        <p:nvPr/>
-      </p:nvGrpSpPr>
-      <p:grpSpPr>
-        <a:xfrm>
-          <a:off x="0" y="0"/>
-          <a:ext cx="0" cy="0"/>
-          <a:chOff x="0" y="0"/>
-          <a:chExt cx="0" cy="0"/>
-        </a:xfrm>
-      </p:grpSpPr>
-      <p:sp>
-        <p:nvSpPr>
-          <p:cNvPr id="1" name="Title 0"/>
-          <p:cNvSpPr/>
-          <p:nvPr>
-            <p:ph type="title"/>
-          </p:nvPr>
-        </p:nvSpPr>
-        <p:spPr/>
-        <p:txBody>
-          <a:bodyPr/>
-          <a:p>
-            <a:endParaRPr lang="en-US"/>
-          </a:p>
-        </p:txBody>
-      </p:sp>
-      <p:sp>
-        <p:nvSpPr>
-          <p:cNvPr id="3" name="Text Placeholder 2"/>
-          <p:cNvSpPr/>
-          <p:nvPr>
-            <p:ph type="body" idx="1"/>
-          </p:nvPr>
-        </p:nvSpPr>
-        <p:spPr/>
-        <p:txBody>
-          <a:bodyPr/>
-          <a:p>
-            <a:endParaRPr lang="en-US"/>
-          </a:p>
-        </p:txBody>
-      </p:sp>
-    </p:spTree>
-  </p:cSld>
-  <p:clrMapOvr>
-    <a:masterClrMapping/>
-  </p:clrMapOvr>
-</p:sld>
-</file>
-
-<file path=ppt/slides/slide45.xml><?xml version="1.0" encoding="utf-8"?>
-<p:sld xmlns:a="http://schemas.openxmlformats.org/drawingml/2006/main" xmlns:r="http://schemas.openxmlformats.org/officeDocument/2006/relationships" xmlns:p="http://schemas.openxmlformats.org/presentationml/2006/main">
-  <p:cSld>
-    <p:spTree>
-      <p:nvGrpSpPr>
         <p:cNvPr id="295" name="Shape 295"/>
         <p:cNvGrpSpPr/>
         <p:nvPr/>
@@ -34346,7 +34190,7 @@
 </p:sld>
 </file>
 
-<file path=ppt/slides/slide46.xml><?xml version="1.0" encoding="utf-8"?>
+<file path=ppt/slides/slide45.xml><?xml version="1.0" encoding="utf-8"?>
 <p:sld xmlns:a="http://schemas.openxmlformats.org/drawingml/2006/main" xmlns:r="http://schemas.openxmlformats.org/officeDocument/2006/relationships" xmlns:p="http://schemas.openxmlformats.org/presentationml/2006/main">
   <p:cSld>
     <p:spTree>
@@ -34529,7 +34373,7 @@
 </p:sld>
 </file>
 
-<file path=ppt/slides/slide47.xml><?xml version="1.0" encoding="utf-8"?>
+<file path=ppt/slides/slide46.xml><?xml version="1.0" encoding="utf-8"?>
 <p:sld xmlns:a="http://schemas.openxmlformats.org/drawingml/2006/main" xmlns:r="http://schemas.openxmlformats.org/officeDocument/2006/relationships" xmlns:p="http://schemas.openxmlformats.org/presentationml/2006/main">
   <p:cSld>
     <p:spTree>
@@ -34823,7 +34667,7 @@
 </p:sld>
 </file>
 
-<file path=ppt/slides/slide48.xml><?xml version="1.0" encoding="utf-8"?>
+<file path=ppt/slides/slide47.xml><?xml version="1.0" encoding="utf-8"?>
 <p:sld xmlns:a="http://schemas.openxmlformats.org/drawingml/2006/main" xmlns:r="http://schemas.openxmlformats.org/officeDocument/2006/relationships" xmlns:p="http://schemas.openxmlformats.org/presentationml/2006/main">
   <p:cSld>
     <p:spTree>
@@ -35221,7 +35065,7 @@
 </p:sld>
 </file>
 
-<file path=ppt/slides/slide49.xml><?xml version="1.0" encoding="utf-8"?>
+<file path=ppt/slides/slide48.xml><?xml version="1.0" encoding="utf-8"?>
 <p:sld xmlns:a="http://schemas.openxmlformats.org/drawingml/2006/main" xmlns:r="http://schemas.openxmlformats.org/officeDocument/2006/relationships" xmlns:p="http://schemas.openxmlformats.org/presentationml/2006/main">
   <p:cSld>
     <p:spTree>
@@ -35586,6 +35430,207 @@
               <a:buNone/>
             </a:pPr>
             <a:endParaRPr lang="en-US" sz="1400"/>
+          </a:p>
+        </p:txBody>
+      </p:sp>
+    </p:spTree>
+  </p:cSld>
+  <p:clrMapOvr>
+    <a:masterClrMapping/>
+  </p:clrMapOvr>
+</p:sld>
+</file>
+
+<file path=ppt/slides/slide49.xml><?xml version="1.0" encoding="utf-8"?>
+<p:sld xmlns:a="http://schemas.openxmlformats.org/drawingml/2006/main" xmlns:r="http://schemas.openxmlformats.org/officeDocument/2006/relationships" xmlns:p="http://schemas.openxmlformats.org/presentationml/2006/main">
+  <p:cSld>
+    <p:spTree>
+      <p:nvGrpSpPr>
+        <p:cNvPr id="313" name="Shape 313"/>
+        <p:cNvGrpSpPr/>
+        <p:nvPr/>
+      </p:nvGrpSpPr>
+      <p:grpSpPr>
+        <a:xfrm>
+          <a:off x="0" y="0"/>
+          <a:ext cx="0" cy="0"/>
+          <a:chOff x="0" y="0"/>
+          <a:chExt cx="0" cy="0"/>
+        </a:xfrm>
+      </p:grpSpPr>
+      <p:sp>
+        <p:nvSpPr>
+          <p:cNvPr id="314" name="Google Shape;314;p58"/>
+          <p:cNvSpPr txBox="1"/>
+          <p:nvPr>
+            <p:ph type="title"/>
+          </p:nvPr>
+        </p:nvSpPr>
+        <p:spPr>
+          <a:xfrm>
+            <a:off x="311700" y="445025"/>
+            <a:ext cx="8520600" cy="572700"/>
+          </a:xfrm>
+          <a:prstGeom prst="rect">
+            <a:avLst/>
+          </a:prstGeom>
+        </p:spPr>
+        <p:txBody>
+          <a:bodyPr spcFirstLastPara="1" wrap="square" lIns="91425" tIns="91425" rIns="91425" bIns="91425" anchor="t" anchorCtr="0">
+            <a:normAutofit fontScale="90000"/>
+          </a:bodyPr>
+          <a:lstStyle/>
+          <a:p>
+            <a:pPr marL="0" lvl="0" indent="0" algn="l" rtl="0">
+              <a:spcBef>
+                <a:spcPts val="0"/>
+              </a:spcBef>
+              <a:spcAft>
+                <a:spcPts val="0"/>
+              </a:spcAft>
+              <a:buNone/>
+            </a:pPr>
+            <a:r>
+              <a:rPr lang="en-GB"/>
+              <a:t>Additional Functions inMachine Learning</a:t>
+            </a:r>
+            <a:endParaRPr lang="en-GB"/>
+          </a:p>
+        </p:txBody>
+      </p:sp>
+      <p:sp>
+        <p:nvSpPr>
+          <p:cNvPr id="315" name="Google Shape;315;p58"/>
+          <p:cNvSpPr txBox="1"/>
+          <p:nvPr>
+            <p:ph type="body" idx="1"/>
+          </p:nvPr>
+        </p:nvSpPr>
+        <p:spPr>
+          <a:xfrm>
+            <a:off x="311700" y="1152475"/>
+            <a:ext cx="8520600" cy="3416400"/>
+          </a:xfrm>
+          <a:prstGeom prst="rect">
+            <a:avLst/>
+          </a:prstGeom>
+        </p:spPr>
+        <p:txBody>
+          <a:bodyPr spcFirstLastPara="1" wrap="square" lIns="91425" tIns="91425" rIns="91425" bIns="91425" anchor="t" anchorCtr="0">
+            <a:normAutofit/>
+          </a:bodyPr>
+          <a:lstStyle/>
+          <a:p>
+            <a:pPr marL="0" lvl="0" indent="0" algn="l" rtl="0">
+              <a:spcBef>
+                <a:spcPts val="0"/>
+              </a:spcBef>
+              <a:spcAft>
+                <a:spcPts val="0"/>
+              </a:spcAft>
+              <a:buNone/>
+            </a:pPr>
+            <a:r>
+              <a:rPr lang="en-GB"/>
+              <a:t>Statistics and Data Analysis</a:t>
+            </a:r>
+            <a:endParaRPr lang="en-GB"/>
+          </a:p>
+          <a:p>
+            <a:pPr marL="0" lvl="0" indent="0" algn="l" rtl="0">
+              <a:spcBef>
+                <a:spcPts val="1200"/>
+              </a:spcBef>
+              <a:spcAft>
+                <a:spcPts val="0"/>
+              </a:spcAft>
+              <a:buNone/>
+            </a:pPr>
+            <a:r>
+              <a:rPr lang="en-GB"/>
+              <a:t>np.mean(): Compute the mean of an array.</a:t>
+            </a:r>
+            <a:endParaRPr lang="en-GB"/>
+          </a:p>
+          <a:p>
+            <a:pPr marL="0" lvl="0" indent="0" algn="l" rtl="0">
+              <a:spcBef>
+                <a:spcPts val="1200"/>
+              </a:spcBef>
+              <a:spcAft>
+                <a:spcPts val="0"/>
+              </a:spcAft>
+              <a:buNone/>
+            </a:pPr>
+            <a:r>
+              <a:rPr lang="en-GB"/>
+              <a:t>np.median(): Compute the median of an array.</a:t>
+            </a:r>
+            <a:endParaRPr lang="en-GB"/>
+          </a:p>
+          <a:p>
+            <a:pPr marL="0" lvl="0" indent="0" algn="l" rtl="0">
+              <a:spcBef>
+                <a:spcPts val="1200"/>
+              </a:spcBef>
+              <a:spcAft>
+                <a:spcPts val="0"/>
+              </a:spcAft>
+              <a:buNone/>
+            </a:pPr>
+            <a:r>
+              <a:rPr lang="en-GB"/>
+              <a:t>np.percentile(): Compute the q-th percentile of the data along the specified axis.</a:t>
+            </a:r>
+            <a:endParaRPr lang="en-GB"/>
+          </a:p>
+          <a:p>
+            <a:pPr marL="0" lvl="0" indent="0" algn="l" rtl="0">
+              <a:spcBef>
+                <a:spcPts val="1200"/>
+              </a:spcBef>
+              <a:spcAft>
+                <a:spcPts val="0"/>
+              </a:spcAft>
+              <a:buNone/>
+            </a:pPr>
+            <a:r>
+              <a:rPr lang="en-GB"/>
+              <a:t>np.cov(): Compute the covariance matrix.</a:t>
+            </a:r>
+            <a:endParaRPr lang="en-GB"/>
+          </a:p>
+          <a:p>
+            <a:pPr marL="0" lvl="0" indent="0" algn="l" rtl="0">
+              <a:spcBef>
+                <a:spcPts val="1200"/>
+              </a:spcBef>
+              <a:spcAft>
+                <a:spcPts val="0"/>
+              </a:spcAft>
+              <a:buNone/>
+            </a:pPr>
+            <a:r>
+              <a:rPr lang="en-GB"/>
+              <a:t>np.corrcoef(): Compute the correlation coefficient matrix.</a:t>
+            </a:r>
+            <a:endParaRPr lang="en-GB"/>
+          </a:p>
+          <a:p>
+            <a:pPr marL="0" lvl="0" indent="0" algn="l" rtl="0">
+              <a:spcBef>
+                <a:spcPts val="1200"/>
+              </a:spcBef>
+              <a:spcAft>
+                <a:spcPts val="1200"/>
+              </a:spcAft>
+              <a:buNone/>
+            </a:pPr>
+            <a:r>
+              <a:rPr lang="en-GB"/>
+              <a:t>np.histogram(): Compute the histogram of a set of data.</a:t>
+            </a:r>
+            <a:endParaRPr lang="en-GB"/>
           </a:p>
         </p:txBody>
       </p:sp>
@@ -35920,207 +35965,6 @@
   <p:cSld>
     <p:spTree>
       <p:nvGrpSpPr>
-        <p:cNvPr id="313" name="Shape 313"/>
-        <p:cNvGrpSpPr/>
-        <p:nvPr/>
-      </p:nvGrpSpPr>
-      <p:grpSpPr>
-        <a:xfrm>
-          <a:off x="0" y="0"/>
-          <a:ext cx="0" cy="0"/>
-          <a:chOff x="0" y="0"/>
-          <a:chExt cx="0" cy="0"/>
-        </a:xfrm>
-      </p:grpSpPr>
-      <p:sp>
-        <p:nvSpPr>
-          <p:cNvPr id="314" name="Google Shape;314;p58"/>
-          <p:cNvSpPr txBox="1"/>
-          <p:nvPr>
-            <p:ph type="title"/>
-          </p:nvPr>
-        </p:nvSpPr>
-        <p:spPr>
-          <a:xfrm>
-            <a:off x="311700" y="445025"/>
-            <a:ext cx="8520600" cy="572700"/>
-          </a:xfrm>
-          <a:prstGeom prst="rect">
-            <a:avLst/>
-          </a:prstGeom>
-        </p:spPr>
-        <p:txBody>
-          <a:bodyPr spcFirstLastPara="1" wrap="square" lIns="91425" tIns="91425" rIns="91425" bIns="91425" anchor="t" anchorCtr="0">
-            <a:normAutofit fontScale="90000"/>
-          </a:bodyPr>
-          <a:lstStyle/>
-          <a:p>
-            <a:pPr marL="0" lvl="0" indent="0" algn="l" rtl="0">
-              <a:spcBef>
-                <a:spcPts val="0"/>
-              </a:spcBef>
-              <a:spcAft>
-                <a:spcPts val="0"/>
-              </a:spcAft>
-              <a:buNone/>
-            </a:pPr>
-            <a:r>
-              <a:rPr lang="en-GB"/>
-              <a:t>Additional Functions inMachine Learning</a:t>
-            </a:r>
-            <a:endParaRPr lang="en-GB"/>
-          </a:p>
-        </p:txBody>
-      </p:sp>
-      <p:sp>
-        <p:nvSpPr>
-          <p:cNvPr id="315" name="Google Shape;315;p58"/>
-          <p:cNvSpPr txBox="1"/>
-          <p:nvPr>
-            <p:ph type="body" idx="1"/>
-          </p:nvPr>
-        </p:nvSpPr>
-        <p:spPr>
-          <a:xfrm>
-            <a:off x="311700" y="1152475"/>
-            <a:ext cx="8520600" cy="3416400"/>
-          </a:xfrm>
-          <a:prstGeom prst="rect">
-            <a:avLst/>
-          </a:prstGeom>
-        </p:spPr>
-        <p:txBody>
-          <a:bodyPr spcFirstLastPara="1" wrap="square" lIns="91425" tIns="91425" rIns="91425" bIns="91425" anchor="t" anchorCtr="0">
-            <a:normAutofit/>
-          </a:bodyPr>
-          <a:lstStyle/>
-          <a:p>
-            <a:pPr marL="0" lvl="0" indent="0" algn="l" rtl="0">
-              <a:spcBef>
-                <a:spcPts val="0"/>
-              </a:spcBef>
-              <a:spcAft>
-                <a:spcPts val="0"/>
-              </a:spcAft>
-              <a:buNone/>
-            </a:pPr>
-            <a:r>
-              <a:rPr lang="en-GB"/>
-              <a:t>Statistics and Data Analysis</a:t>
-            </a:r>
-            <a:endParaRPr lang="en-GB"/>
-          </a:p>
-          <a:p>
-            <a:pPr marL="0" lvl="0" indent="0" algn="l" rtl="0">
-              <a:spcBef>
-                <a:spcPts val="1200"/>
-              </a:spcBef>
-              <a:spcAft>
-                <a:spcPts val="0"/>
-              </a:spcAft>
-              <a:buNone/>
-            </a:pPr>
-            <a:r>
-              <a:rPr lang="en-GB"/>
-              <a:t>np.mean(): Compute the mean of an array.</a:t>
-            </a:r>
-            <a:endParaRPr lang="en-GB"/>
-          </a:p>
-          <a:p>
-            <a:pPr marL="0" lvl="0" indent="0" algn="l" rtl="0">
-              <a:spcBef>
-                <a:spcPts val="1200"/>
-              </a:spcBef>
-              <a:spcAft>
-                <a:spcPts val="0"/>
-              </a:spcAft>
-              <a:buNone/>
-            </a:pPr>
-            <a:r>
-              <a:rPr lang="en-GB"/>
-              <a:t>np.median(): Compute the median of an array.</a:t>
-            </a:r>
-            <a:endParaRPr lang="en-GB"/>
-          </a:p>
-          <a:p>
-            <a:pPr marL="0" lvl="0" indent="0" algn="l" rtl="0">
-              <a:spcBef>
-                <a:spcPts val="1200"/>
-              </a:spcBef>
-              <a:spcAft>
-                <a:spcPts val="0"/>
-              </a:spcAft>
-              <a:buNone/>
-            </a:pPr>
-            <a:r>
-              <a:rPr lang="en-GB"/>
-              <a:t>np.percentile(): Compute the q-th percentile of the data along the specified axis.</a:t>
-            </a:r>
-            <a:endParaRPr lang="en-GB"/>
-          </a:p>
-          <a:p>
-            <a:pPr marL="0" lvl="0" indent="0" algn="l" rtl="0">
-              <a:spcBef>
-                <a:spcPts val="1200"/>
-              </a:spcBef>
-              <a:spcAft>
-                <a:spcPts val="0"/>
-              </a:spcAft>
-              <a:buNone/>
-            </a:pPr>
-            <a:r>
-              <a:rPr lang="en-GB"/>
-              <a:t>np.cov(): Compute the covariance matrix.</a:t>
-            </a:r>
-            <a:endParaRPr lang="en-GB"/>
-          </a:p>
-          <a:p>
-            <a:pPr marL="0" lvl="0" indent="0" algn="l" rtl="0">
-              <a:spcBef>
-                <a:spcPts val="1200"/>
-              </a:spcBef>
-              <a:spcAft>
-                <a:spcPts val="0"/>
-              </a:spcAft>
-              <a:buNone/>
-            </a:pPr>
-            <a:r>
-              <a:rPr lang="en-GB"/>
-              <a:t>np.corrcoef(): Compute the correlation coefficient matrix.</a:t>
-            </a:r>
-            <a:endParaRPr lang="en-GB"/>
-          </a:p>
-          <a:p>
-            <a:pPr marL="0" lvl="0" indent="0" algn="l" rtl="0">
-              <a:spcBef>
-                <a:spcPts val="1200"/>
-              </a:spcBef>
-              <a:spcAft>
-                <a:spcPts val="1200"/>
-              </a:spcAft>
-              <a:buNone/>
-            </a:pPr>
-            <a:r>
-              <a:rPr lang="en-GB"/>
-              <a:t>np.histogram(): Compute the histogram of a set of data.</a:t>
-            </a:r>
-            <a:endParaRPr lang="en-GB"/>
-          </a:p>
-        </p:txBody>
-      </p:sp>
-    </p:spTree>
-  </p:cSld>
-  <p:clrMapOvr>
-    <a:masterClrMapping/>
-  </p:clrMapOvr>
-</p:sld>
-</file>
-
-<file path=ppt/slides/slide51.xml><?xml version="1.0" encoding="utf-8"?>
-<p:sld xmlns:a="http://schemas.openxmlformats.org/drawingml/2006/main" xmlns:r="http://schemas.openxmlformats.org/officeDocument/2006/relationships" xmlns:p="http://schemas.openxmlformats.org/presentationml/2006/main">
-  <p:cSld>
-    <p:spTree>
-      <p:nvGrpSpPr>
         <p:cNvPr id="319" name="Shape 319"/>
         <p:cNvGrpSpPr/>
         <p:nvPr/>
@@ -36302,7 +36146,7 @@
 </p:sld>
 </file>
 
-<file path=ppt/slides/slide52.xml><?xml version="1.0" encoding="utf-8"?>
+<file path=ppt/slides/slide51.xml><?xml version="1.0" encoding="utf-8"?>
 <p:sld xmlns:a="http://schemas.openxmlformats.org/drawingml/2006/main" xmlns:r="http://schemas.openxmlformats.org/officeDocument/2006/relationships" xmlns:p="http://schemas.openxmlformats.org/presentationml/2006/main">
   <p:cSld>
     <p:spTree>
@@ -36593,7 +36437,7 @@
 </p:sld>
 </file>
 
-<file path=ppt/slides/slide53.xml><?xml version="1.0" encoding="utf-8"?>
+<file path=ppt/slides/slide52.xml><?xml version="1.0" encoding="utf-8"?>
 <p:sld xmlns:a="http://schemas.openxmlformats.org/drawingml/2006/main" xmlns:r="http://schemas.openxmlformats.org/officeDocument/2006/relationships" xmlns:p="http://schemas.openxmlformats.org/presentationml/2006/main">
   <p:cSld>
     <p:spTree>
@@ -36777,7 +36621,7 @@
 </p:sld>
 </file>
 
-<file path=ppt/slides/slide54.xml><?xml version="1.0" encoding="utf-8"?>
+<file path=ppt/slides/slide53.xml><?xml version="1.0" encoding="utf-8"?>
 <p:sld xmlns:a="http://schemas.openxmlformats.org/drawingml/2006/main" xmlns:r="http://schemas.openxmlformats.org/officeDocument/2006/relationships" xmlns:p="http://schemas.openxmlformats.org/presentationml/2006/main">
   <p:cSld>
     <p:spTree>
@@ -37150,7 +36994,7 @@
 </p:sld>
 </file>
 
-<file path=ppt/slides/slide55.xml><?xml version="1.0" encoding="utf-8"?>
+<file path=ppt/slides/slide54.xml><?xml version="1.0" encoding="utf-8"?>
 <p:sld xmlns:a="http://schemas.openxmlformats.org/drawingml/2006/main" xmlns:r="http://schemas.openxmlformats.org/officeDocument/2006/relationships" xmlns:p="http://schemas.openxmlformats.org/presentationml/2006/main">
   <p:cSld>
     <p:spTree>
@@ -37356,7 +37200,7 @@
 </p:sld>
 </file>
 
-<file path=ppt/slides/slide56.xml><?xml version="1.0" encoding="utf-8"?>
+<file path=ppt/slides/slide55.xml><?xml version="1.0" encoding="utf-8"?>
 <p:sld xmlns:a="http://schemas.openxmlformats.org/drawingml/2006/main" xmlns:r="http://schemas.openxmlformats.org/officeDocument/2006/relationships" xmlns:p="http://schemas.openxmlformats.org/presentationml/2006/main">
   <p:cSld>
     <p:spTree>
@@ -37536,7 +37380,7 @@
 </p:sld>
 </file>
 
-<file path=ppt/slides/slide57.xml><?xml version="1.0" encoding="utf-8"?>
+<file path=ppt/slides/slide56.xml><?xml version="1.0" encoding="utf-8"?>
 <p:sld xmlns:a="http://schemas.openxmlformats.org/drawingml/2006/main" xmlns:r="http://schemas.openxmlformats.org/officeDocument/2006/relationships" xmlns:p="http://schemas.openxmlformats.org/presentationml/2006/main">
   <p:cSld>
     <p:spTree>
@@ -37716,7 +37560,7 @@
 </p:sld>
 </file>
 
-<file path=ppt/slides/slide58.xml><?xml version="1.0" encoding="utf-8"?>
+<file path=ppt/slides/slide57.xml><?xml version="1.0" encoding="utf-8"?>
 <p:sld xmlns:a="http://schemas.openxmlformats.org/drawingml/2006/main" xmlns:r="http://schemas.openxmlformats.org/officeDocument/2006/relationships" xmlns:p="http://schemas.openxmlformats.org/presentationml/2006/main">
   <p:cSld>
     <p:spTree>
@@ -37883,7 +37727,7 @@
 </p:sld>
 </file>
 
-<file path=ppt/slides/slide59.xml><?xml version="1.0" encoding="utf-8"?>
+<file path=ppt/slides/slide58.xml><?xml version="1.0" encoding="utf-8"?>
 <p:sld xmlns:a="http://schemas.openxmlformats.org/drawingml/2006/main" xmlns:r="http://schemas.openxmlformats.org/officeDocument/2006/relationships" xmlns:p="http://schemas.openxmlformats.org/presentationml/2006/main">
   <p:cSld>
     <p:spTree>
@@ -38101,911 +37945,7 @@
 </p:sld>
 </file>
 
-<file path=ppt/slides/slide6.xml><?xml version="1.0" encoding="utf-8"?>
-<p:sld xmlns:a="http://schemas.openxmlformats.org/drawingml/2006/main" xmlns:r="http://schemas.openxmlformats.org/officeDocument/2006/relationships" xmlns:p="http://schemas.openxmlformats.org/presentationml/2006/main">
-  <p:cSld>
-    <p:spTree>
-      <p:nvGrpSpPr>
-        <p:cNvPr id="82" name="Shape 82"/>
-        <p:cNvGrpSpPr/>
-        <p:nvPr/>
-      </p:nvGrpSpPr>
-      <p:grpSpPr>
-        <a:xfrm>
-          <a:off x="0" y="0"/>
-          <a:ext cx="0" cy="0"/>
-          <a:chOff x="0" y="0"/>
-          <a:chExt cx="0" cy="0"/>
-        </a:xfrm>
-      </p:grpSpPr>
-      <p:sp>
-        <p:nvSpPr>
-          <p:cNvPr id="83" name="Google Shape;83;p18"/>
-          <p:cNvSpPr txBox="1"/>
-          <p:nvPr>
-            <p:ph type="title"/>
-          </p:nvPr>
-        </p:nvSpPr>
-        <p:spPr>
-          <a:xfrm>
-            <a:off x="311700" y="445025"/>
-            <a:ext cx="8520600" cy="572700"/>
-          </a:xfrm>
-          <a:prstGeom prst="rect">
-            <a:avLst/>
-          </a:prstGeom>
-        </p:spPr>
-        <p:txBody>
-          <a:bodyPr spcFirstLastPara="1" wrap="square" lIns="91425" tIns="91425" rIns="91425" bIns="91425" anchor="t" anchorCtr="0">
-            <a:normAutofit fontScale="90000"/>
-          </a:bodyPr>
-          <a:lstStyle/>
-          <a:p>
-            <a:pPr marL="0" lvl="0" indent="0" algn="l" rtl="0">
-              <a:lnSpc>
-                <a:spcPct val="115000"/>
-              </a:lnSpc>
-              <a:spcBef>
-                <a:spcPts val="800"/>
-              </a:spcBef>
-              <a:spcAft>
-                <a:spcPts val="0"/>
-              </a:spcAft>
-              <a:buClr>
-                <a:schemeClr val="dk1"/>
-              </a:buClr>
-              <a:buSzPct val="46000"/>
-              <a:buFont typeface="Arial" panose="020B0604020202020204"/>
-              <a:buNone/>
-            </a:pPr>
-            <a:r>
-              <a:rPr lang="en-GB" sz="2400">
-                <a:highlight>
-                  <a:srgbClr val="FFFFFF"/>
-                </a:highlight>
-              </a:rPr>
-              <a:t>Create a NumPy ndarray Object</a:t>
-            </a:r>
-            <a:endParaRPr sz="2400">
-              <a:highlight>
-                <a:srgbClr val="FFFFFF"/>
-              </a:highlight>
-            </a:endParaRPr>
-          </a:p>
-          <a:p>
-            <a:pPr marL="0" lvl="0" indent="0" algn="l" rtl="0">
-              <a:spcBef>
-                <a:spcPts val="800"/>
-              </a:spcBef>
-              <a:spcAft>
-                <a:spcPts val="0"/>
-              </a:spcAft>
-              <a:buNone/>
-            </a:pPr>
-          </a:p>
-        </p:txBody>
-      </p:sp>
-      <p:sp>
-        <p:nvSpPr>
-          <p:cNvPr id="84" name="Google Shape;84;p18"/>
-          <p:cNvSpPr txBox="1"/>
-          <p:nvPr>
-            <p:ph type="body" idx="1"/>
-          </p:nvPr>
-        </p:nvSpPr>
-        <p:spPr>
-          <a:xfrm>
-            <a:off x="257090" y="1152475"/>
-            <a:ext cx="8520600" cy="3416400"/>
-          </a:xfrm>
-          <a:prstGeom prst="rect">
-            <a:avLst/>
-          </a:prstGeom>
-        </p:spPr>
-        <p:txBody>
-          <a:bodyPr spcFirstLastPara="1" wrap="square" lIns="91425" tIns="91425" rIns="91425" bIns="91425" anchor="t" anchorCtr="0">
-            <a:normAutofit/>
-          </a:bodyPr>
-          <a:lstStyle/>
-          <a:p>
-            <a:pPr marL="0" lvl="0" indent="0" algn="l" rtl="0">
-              <a:spcBef>
-                <a:spcPts val="1400"/>
-              </a:spcBef>
-              <a:spcAft>
-                <a:spcPts val="0"/>
-              </a:spcAft>
-              <a:buClr>
-                <a:schemeClr val="dk1"/>
-              </a:buClr>
-              <a:buSzPts val="1100"/>
-              <a:buFont typeface="Arial" panose="020B0604020202020204"/>
-              <a:buNone/>
-            </a:pPr>
-            <a:r>
-              <a:rPr lang="en-GB" sz="1150">
-                <a:solidFill>
-                  <a:schemeClr val="dk1"/>
-                </a:solidFill>
-                <a:highlight>
-                  <a:srgbClr val="FFFFFF"/>
-                </a:highlight>
-                <a:latin typeface="Verdana" panose="020B0604030504040204"/>
-                <a:ea typeface="Verdana" panose="020B0604030504040204"/>
-                <a:cs typeface="Verdana" panose="020B0604030504040204"/>
-                <a:sym typeface="Verdana" panose="020B0604030504040204"/>
-              </a:rPr>
-              <a:t>NumPy is used to work with arrays. The array object in NumPy is called </a:t>
-            </a:r>
-            <a:r>
-              <a:rPr lang="en-GB" sz="1200">
-                <a:solidFill>
-                  <a:srgbClr val="DC143C"/>
-                </a:solidFill>
-                <a:highlight>
-                  <a:srgbClr val="FFFFFF"/>
-                </a:highlight>
-                <a:latin typeface="Courier New" panose="02070309020205020404"/>
-                <a:ea typeface="Courier New" panose="02070309020205020404"/>
-                <a:cs typeface="Courier New" panose="02070309020205020404"/>
-                <a:sym typeface="Courier New" panose="02070309020205020404"/>
-              </a:rPr>
-              <a:t>ndarray</a:t>
-            </a:r>
-            <a:r>
-              <a:rPr lang="en-GB" sz="1150">
-                <a:solidFill>
-                  <a:schemeClr val="dk1"/>
-                </a:solidFill>
-                <a:highlight>
-                  <a:srgbClr val="FFFFFF"/>
-                </a:highlight>
-                <a:latin typeface="Verdana" panose="020B0604030504040204"/>
-                <a:ea typeface="Verdana" panose="020B0604030504040204"/>
-                <a:cs typeface="Verdana" panose="020B0604030504040204"/>
-                <a:sym typeface="Verdana" panose="020B0604030504040204"/>
-              </a:rPr>
-              <a:t>.</a:t>
-            </a:r>
-            <a:endParaRPr sz="1150">
-              <a:solidFill>
-                <a:schemeClr val="dk1"/>
-              </a:solidFill>
-              <a:highlight>
-                <a:srgbClr val="FFFFFF"/>
-              </a:highlight>
-              <a:latin typeface="Verdana" panose="020B0604030504040204"/>
-              <a:ea typeface="Verdana" panose="020B0604030504040204"/>
-              <a:cs typeface="Verdana" panose="020B0604030504040204"/>
-              <a:sym typeface="Verdana" panose="020B0604030504040204"/>
-            </a:endParaRPr>
-          </a:p>
-          <a:p>
-            <a:pPr marL="0" lvl="0" indent="0" algn="l" rtl="0">
-              <a:spcBef>
-                <a:spcPts val="1400"/>
-              </a:spcBef>
-              <a:spcAft>
-                <a:spcPts val="0"/>
-              </a:spcAft>
-              <a:buClr>
-                <a:schemeClr val="dk1"/>
-              </a:buClr>
-              <a:buSzPts val="1100"/>
-              <a:buFont typeface="Arial" panose="020B0604020202020204"/>
-              <a:buNone/>
-            </a:pPr>
-            <a:r>
-              <a:rPr lang="en-GB" sz="1150">
-                <a:solidFill>
-                  <a:schemeClr val="dk1"/>
-                </a:solidFill>
-                <a:highlight>
-                  <a:srgbClr val="FFFFFF"/>
-                </a:highlight>
-                <a:latin typeface="Verdana" panose="020B0604030504040204"/>
-                <a:ea typeface="Verdana" panose="020B0604030504040204"/>
-                <a:cs typeface="Verdana" panose="020B0604030504040204"/>
-                <a:sym typeface="Verdana" panose="020B0604030504040204"/>
-              </a:rPr>
-              <a:t>We can create a NumPy </a:t>
-            </a:r>
-            <a:r>
-              <a:rPr lang="en-GB" sz="1200">
-                <a:solidFill>
-                  <a:srgbClr val="DC143C"/>
-                </a:solidFill>
-                <a:highlight>
-                  <a:srgbClr val="FFFFFF"/>
-                </a:highlight>
-                <a:latin typeface="Courier New" panose="02070309020205020404"/>
-                <a:ea typeface="Courier New" panose="02070309020205020404"/>
-                <a:cs typeface="Courier New" panose="02070309020205020404"/>
-                <a:sym typeface="Courier New" panose="02070309020205020404"/>
-              </a:rPr>
-              <a:t>ndarray</a:t>
-            </a:r>
-            <a:r>
-              <a:rPr lang="en-GB" sz="1150">
-                <a:solidFill>
-                  <a:schemeClr val="dk1"/>
-                </a:solidFill>
-                <a:highlight>
-                  <a:srgbClr val="FFFFFF"/>
-                </a:highlight>
-                <a:latin typeface="Verdana" panose="020B0604030504040204"/>
-                <a:ea typeface="Verdana" panose="020B0604030504040204"/>
-                <a:cs typeface="Verdana" panose="020B0604030504040204"/>
-                <a:sym typeface="Verdana" panose="020B0604030504040204"/>
-              </a:rPr>
-              <a:t> object by using the </a:t>
-            </a:r>
-            <a:r>
-              <a:rPr lang="en-GB" sz="1200">
-                <a:solidFill>
-                  <a:srgbClr val="DC143C"/>
-                </a:solidFill>
-                <a:highlight>
-                  <a:srgbClr val="FFFFFF"/>
-                </a:highlight>
-                <a:latin typeface="Courier New" panose="02070309020205020404"/>
-                <a:ea typeface="Courier New" panose="02070309020205020404"/>
-                <a:cs typeface="Courier New" panose="02070309020205020404"/>
-                <a:sym typeface="Courier New" panose="02070309020205020404"/>
-              </a:rPr>
-              <a:t>array()</a:t>
-            </a:r>
-            <a:r>
-              <a:rPr lang="en-GB" sz="1150">
-                <a:solidFill>
-                  <a:schemeClr val="dk1"/>
-                </a:solidFill>
-                <a:highlight>
-                  <a:srgbClr val="FFFFFF"/>
-                </a:highlight>
-                <a:latin typeface="Verdana" panose="020B0604030504040204"/>
-                <a:ea typeface="Verdana" panose="020B0604030504040204"/>
-                <a:cs typeface="Verdana" panose="020B0604030504040204"/>
-                <a:sym typeface="Verdana" panose="020B0604030504040204"/>
-              </a:rPr>
-              <a:t> function.</a:t>
-            </a:r>
-            <a:endParaRPr sz="1150">
-              <a:solidFill>
-                <a:schemeClr val="dk1"/>
-              </a:solidFill>
-              <a:highlight>
-                <a:srgbClr val="FFFFFF"/>
-              </a:highlight>
-              <a:latin typeface="Verdana" panose="020B0604030504040204"/>
-              <a:ea typeface="Verdana" panose="020B0604030504040204"/>
-              <a:cs typeface="Verdana" panose="020B0604030504040204"/>
-              <a:sym typeface="Verdana" panose="020B0604030504040204"/>
-            </a:endParaRPr>
-          </a:p>
-          <a:p>
-            <a:pPr marL="0" lvl="0" indent="0" algn="l" rtl="0">
-              <a:spcBef>
-                <a:spcPts val="1400"/>
-              </a:spcBef>
-              <a:spcAft>
-                <a:spcPts val="0"/>
-              </a:spcAft>
-              <a:buClr>
-                <a:schemeClr val="dk1"/>
-              </a:buClr>
-              <a:buSzPts val="1100"/>
-              <a:buFont typeface="Arial" panose="020B0604020202020204"/>
-              <a:buNone/>
-            </a:pPr>
-            <a:r>
-              <a:rPr lang="en-GB" sz="1150">
-                <a:solidFill>
-                  <a:srgbClr val="0000CD"/>
-                </a:solidFill>
-                <a:highlight>
-                  <a:srgbClr val="FFFFFF"/>
-                </a:highlight>
-                <a:latin typeface="Courier New" panose="02070309020205020404"/>
-                <a:ea typeface="Courier New" panose="02070309020205020404"/>
-                <a:cs typeface="Courier New" panose="02070309020205020404"/>
-                <a:sym typeface="Courier New" panose="02070309020205020404"/>
-              </a:rPr>
-              <a:t>import</a:t>
-            </a:r>
-            <a:r>
-              <a:rPr lang="en-GB" sz="1150">
-                <a:solidFill>
-                  <a:schemeClr val="dk1"/>
-                </a:solidFill>
-                <a:highlight>
-                  <a:srgbClr val="FFFFFF"/>
-                </a:highlight>
-                <a:latin typeface="Courier New" panose="02070309020205020404"/>
-                <a:ea typeface="Courier New" panose="02070309020205020404"/>
-                <a:cs typeface="Courier New" panose="02070309020205020404"/>
-                <a:sym typeface="Courier New" panose="02070309020205020404"/>
-              </a:rPr>
-              <a:t> numpy </a:t>
-            </a:r>
-            <a:r>
-              <a:rPr lang="en-GB" sz="1150">
-                <a:solidFill>
-                  <a:srgbClr val="0000CD"/>
-                </a:solidFill>
-                <a:highlight>
-                  <a:srgbClr val="FFFFFF"/>
-                </a:highlight>
-                <a:latin typeface="Courier New" panose="02070309020205020404"/>
-                <a:ea typeface="Courier New" panose="02070309020205020404"/>
-                <a:cs typeface="Courier New" panose="02070309020205020404"/>
-                <a:sym typeface="Courier New" panose="02070309020205020404"/>
-              </a:rPr>
-              <a:t>as</a:t>
-            </a:r>
-            <a:r>
-              <a:rPr lang="en-GB" sz="1150">
-                <a:solidFill>
-                  <a:schemeClr val="dk1"/>
-                </a:solidFill>
-                <a:highlight>
-                  <a:srgbClr val="FFFFFF"/>
-                </a:highlight>
-                <a:latin typeface="Courier New" panose="02070309020205020404"/>
-                <a:ea typeface="Courier New" panose="02070309020205020404"/>
-                <a:cs typeface="Courier New" panose="02070309020205020404"/>
-                <a:sym typeface="Courier New" panose="02070309020205020404"/>
-              </a:rPr>
-              <a:t> np</a:t>
-            </a:r>
-            <a:endParaRPr sz="1100">
-              <a:solidFill>
-                <a:schemeClr val="dk1"/>
-              </a:solidFill>
-            </a:endParaRPr>
-          </a:p>
-          <a:p>
-            <a:pPr marL="0" lvl="0" indent="0" algn="l" rtl="0">
-              <a:spcBef>
-                <a:spcPts val="1200"/>
-              </a:spcBef>
-              <a:spcAft>
-                <a:spcPts val="0"/>
-              </a:spcAft>
-              <a:buClr>
-                <a:schemeClr val="dk1"/>
-              </a:buClr>
-              <a:buSzPts val="1100"/>
-              <a:buFont typeface="Arial" panose="020B0604020202020204"/>
-              <a:buNone/>
-            </a:pPr>
-            <a:r>
-              <a:rPr lang="en-GB" sz="1150">
-                <a:solidFill>
-                  <a:schemeClr val="dk1"/>
-                </a:solidFill>
-                <a:highlight>
-                  <a:srgbClr val="FFFFFF"/>
-                </a:highlight>
-                <a:latin typeface="Courier New" panose="02070309020205020404"/>
-                <a:ea typeface="Courier New" panose="02070309020205020404"/>
-                <a:cs typeface="Courier New" panose="02070309020205020404"/>
-                <a:sym typeface="Courier New" panose="02070309020205020404"/>
-              </a:rPr>
-              <a:t>arr = np.array([</a:t>
-            </a:r>
-            <a:r>
-              <a:rPr lang="en-GB" sz="1150">
-                <a:solidFill>
-                  <a:srgbClr val="FF0000"/>
-                </a:solidFill>
-                <a:highlight>
-                  <a:srgbClr val="FFFFFF"/>
-                </a:highlight>
-                <a:latin typeface="Courier New" panose="02070309020205020404"/>
-                <a:ea typeface="Courier New" panose="02070309020205020404"/>
-                <a:cs typeface="Courier New" panose="02070309020205020404"/>
-                <a:sym typeface="Courier New" panose="02070309020205020404"/>
-              </a:rPr>
-              <a:t>1</a:t>
-            </a:r>
-            <a:r>
-              <a:rPr lang="en-GB" sz="1150">
-                <a:solidFill>
-                  <a:schemeClr val="dk1"/>
-                </a:solidFill>
-                <a:highlight>
-                  <a:srgbClr val="FFFFFF"/>
-                </a:highlight>
-                <a:latin typeface="Courier New" panose="02070309020205020404"/>
-                <a:ea typeface="Courier New" panose="02070309020205020404"/>
-                <a:cs typeface="Courier New" panose="02070309020205020404"/>
-                <a:sym typeface="Courier New" panose="02070309020205020404"/>
-              </a:rPr>
-              <a:t>, </a:t>
-            </a:r>
-            <a:r>
-              <a:rPr lang="en-GB" sz="1150">
-                <a:solidFill>
-                  <a:srgbClr val="FF0000"/>
-                </a:solidFill>
-                <a:highlight>
-                  <a:srgbClr val="FFFFFF"/>
-                </a:highlight>
-                <a:latin typeface="Courier New" panose="02070309020205020404"/>
-                <a:ea typeface="Courier New" panose="02070309020205020404"/>
-                <a:cs typeface="Courier New" panose="02070309020205020404"/>
-                <a:sym typeface="Courier New" panose="02070309020205020404"/>
-              </a:rPr>
-              <a:t>2</a:t>
-            </a:r>
-            <a:r>
-              <a:rPr lang="en-GB" sz="1150">
-                <a:solidFill>
-                  <a:schemeClr val="dk1"/>
-                </a:solidFill>
-                <a:highlight>
-                  <a:srgbClr val="FFFFFF"/>
-                </a:highlight>
-                <a:latin typeface="Courier New" panose="02070309020205020404"/>
-                <a:ea typeface="Courier New" panose="02070309020205020404"/>
-                <a:cs typeface="Courier New" panose="02070309020205020404"/>
-                <a:sym typeface="Courier New" panose="02070309020205020404"/>
-              </a:rPr>
-              <a:t>, </a:t>
-            </a:r>
-            <a:r>
-              <a:rPr lang="en-GB" sz="1150">
-                <a:solidFill>
-                  <a:srgbClr val="FF0000"/>
-                </a:solidFill>
-                <a:highlight>
-                  <a:srgbClr val="FFFFFF"/>
-                </a:highlight>
-                <a:latin typeface="Courier New" panose="02070309020205020404"/>
-                <a:ea typeface="Courier New" panose="02070309020205020404"/>
-                <a:cs typeface="Courier New" panose="02070309020205020404"/>
-                <a:sym typeface="Courier New" panose="02070309020205020404"/>
-              </a:rPr>
-              <a:t>3</a:t>
-            </a:r>
-            <a:r>
-              <a:rPr lang="en-GB" sz="1150">
-                <a:solidFill>
-                  <a:schemeClr val="dk1"/>
-                </a:solidFill>
-                <a:highlight>
-                  <a:srgbClr val="FFFFFF"/>
-                </a:highlight>
-                <a:latin typeface="Courier New" panose="02070309020205020404"/>
-                <a:ea typeface="Courier New" panose="02070309020205020404"/>
-                <a:cs typeface="Courier New" panose="02070309020205020404"/>
-                <a:sym typeface="Courier New" panose="02070309020205020404"/>
-              </a:rPr>
-              <a:t>, </a:t>
-            </a:r>
-            <a:r>
-              <a:rPr lang="en-GB" sz="1150">
-                <a:solidFill>
-                  <a:srgbClr val="FF0000"/>
-                </a:solidFill>
-                <a:highlight>
-                  <a:srgbClr val="FFFFFF"/>
-                </a:highlight>
-                <a:latin typeface="Courier New" panose="02070309020205020404"/>
-                <a:ea typeface="Courier New" panose="02070309020205020404"/>
-                <a:cs typeface="Courier New" panose="02070309020205020404"/>
-                <a:sym typeface="Courier New" panose="02070309020205020404"/>
-              </a:rPr>
-              <a:t>4</a:t>
-            </a:r>
-            <a:r>
-              <a:rPr lang="en-GB" sz="1150">
-                <a:solidFill>
-                  <a:schemeClr val="dk1"/>
-                </a:solidFill>
-                <a:highlight>
-                  <a:srgbClr val="FFFFFF"/>
-                </a:highlight>
-                <a:latin typeface="Courier New" panose="02070309020205020404"/>
-                <a:ea typeface="Courier New" panose="02070309020205020404"/>
-                <a:cs typeface="Courier New" panose="02070309020205020404"/>
-                <a:sym typeface="Courier New" panose="02070309020205020404"/>
-              </a:rPr>
-              <a:t>, </a:t>
-            </a:r>
-            <a:r>
-              <a:rPr lang="en-GB" sz="1150">
-                <a:solidFill>
-                  <a:srgbClr val="FF0000"/>
-                </a:solidFill>
-                <a:highlight>
-                  <a:srgbClr val="FFFFFF"/>
-                </a:highlight>
-                <a:latin typeface="Courier New" panose="02070309020205020404"/>
-                <a:ea typeface="Courier New" panose="02070309020205020404"/>
-                <a:cs typeface="Courier New" panose="02070309020205020404"/>
-                <a:sym typeface="Courier New" panose="02070309020205020404"/>
-              </a:rPr>
-              <a:t>5</a:t>
-            </a:r>
-            <a:r>
-              <a:rPr lang="en-GB" sz="1150">
-                <a:solidFill>
-                  <a:schemeClr val="dk1"/>
-                </a:solidFill>
-                <a:highlight>
-                  <a:srgbClr val="FFFFFF"/>
-                </a:highlight>
-                <a:latin typeface="Courier New" panose="02070309020205020404"/>
-                <a:ea typeface="Courier New" panose="02070309020205020404"/>
-                <a:cs typeface="Courier New" panose="02070309020205020404"/>
-                <a:sym typeface="Courier New" panose="02070309020205020404"/>
-              </a:rPr>
-              <a:t>])</a:t>
-            </a:r>
-            <a:endParaRPr sz="1100">
-              <a:solidFill>
-                <a:schemeClr val="dk1"/>
-              </a:solidFill>
-            </a:endParaRPr>
-          </a:p>
-          <a:p>
-            <a:pPr marL="0" lvl="0" indent="0" algn="l" rtl="0">
-              <a:spcBef>
-                <a:spcPts val="1200"/>
-              </a:spcBef>
-              <a:spcAft>
-                <a:spcPts val="0"/>
-              </a:spcAft>
-              <a:buClr>
-                <a:schemeClr val="dk1"/>
-              </a:buClr>
-              <a:buSzPts val="1100"/>
-              <a:buFont typeface="Arial" panose="020B0604020202020204"/>
-              <a:buNone/>
-            </a:pPr>
-            <a:r>
-              <a:rPr lang="en-GB" sz="1150">
-                <a:solidFill>
-                  <a:srgbClr val="0000CD"/>
-                </a:solidFill>
-                <a:highlight>
-                  <a:srgbClr val="FFFFFF"/>
-                </a:highlight>
-                <a:latin typeface="Courier New" panose="02070309020205020404"/>
-                <a:ea typeface="Courier New" panose="02070309020205020404"/>
-                <a:cs typeface="Courier New" panose="02070309020205020404"/>
-                <a:sym typeface="Courier New" panose="02070309020205020404"/>
-              </a:rPr>
-              <a:t>print</a:t>
-            </a:r>
-            <a:r>
-              <a:rPr lang="en-GB" sz="1150">
-                <a:solidFill>
-                  <a:schemeClr val="dk1"/>
-                </a:solidFill>
-                <a:highlight>
-                  <a:srgbClr val="FFFFFF"/>
-                </a:highlight>
-                <a:latin typeface="Courier New" panose="02070309020205020404"/>
-                <a:ea typeface="Courier New" panose="02070309020205020404"/>
-                <a:cs typeface="Courier New" panose="02070309020205020404"/>
-                <a:sym typeface="Courier New" panose="02070309020205020404"/>
-              </a:rPr>
-              <a:t>(arr)</a:t>
-            </a:r>
-            <a:endParaRPr sz="1100">
-              <a:solidFill>
-                <a:schemeClr val="dk1"/>
-              </a:solidFill>
-            </a:endParaRPr>
-          </a:p>
-          <a:p>
-            <a:pPr marL="0" lvl="0" indent="0" algn="l" rtl="0">
-              <a:spcBef>
-                <a:spcPts val="1200"/>
-              </a:spcBef>
-              <a:spcAft>
-                <a:spcPts val="0"/>
-              </a:spcAft>
-              <a:buNone/>
-            </a:pPr>
-            <a:r>
-              <a:rPr lang="en-GB" sz="1150">
-                <a:solidFill>
-                  <a:srgbClr val="0000CD"/>
-                </a:solidFill>
-                <a:highlight>
-                  <a:srgbClr val="FFFFFF"/>
-                </a:highlight>
-                <a:latin typeface="Courier New" panose="02070309020205020404"/>
-                <a:ea typeface="Courier New" panose="02070309020205020404"/>
-                <a:cs typeface="Courier New" panose="02070309020205020404"/>
-                <a:sym typeface="Courier New" panose="02070309020205020404"/>
-              </a:rPr>
-              <a:t>print</a:t>
-            </a:r>
-            <a:r>
-              <a:rPr lang="en-GB" sz="1150">
-                <a:solidFill>
-                  <a:schemeClr val="dk1"/>
-                </a:solidFill>
-                <a:highlight>
-                  <a:srgbClr val="FFFFFF"/>
-                </a:highlight>
-                <a:latin typeface="Courier New" panose="02070309020205020404"/>
-                <a:ea typeface="Courier New" panose="02070309020205020404"/>
-                <a:cs typeface="Courier New" panose="02070309020205020404"/>
-                <a:sym typeface="Courier New" panose="02070309020205020404"/>
-              </a:rPr>
-              <a:t>(</a:t>
-            </a:r>
-            <a:r>
-              <a:rPr lang="en-GB" sz="1150">
-                <a:solidFill>
-                  <a:srgbClr val="0000CD"/>
-                </a:solidFill>
-                <a:highlight>
-                  <a:srgbClr val="FFFFFF"/>
-                </a:highlight>
-                <a:latin typeface="Courier New" panose="02070309020205020404"/>
-                <a:ea typeface="Courier New" panose="02070309020205020404"/>
-                <a:cs typeface="Courier New" panose="02070309020205020404"/>
-                <a:sym typeface="Courier New" panose="02070309020205020404"/>
-              </a:rPr>
-              <a:t>type</a:t>
-            </a:r>
-            <a:r>
-              <a:rPr lang="en-GB" sz="1150">
-                <a:solidFill>
-                  <a:schemeClr val="dk1"/>
-                </a:solidFill>
-                <a:highlight>
-                  <a:srgbClr val="FFFFFF"/>
-                </a:highlight>
-                <a:latin typeface="Courier New" panose="02070309020205020404"/>
-                <a:ea typeface="Courier New" panose="02070309020205020404"/>
-                <a:cs typeface="Courier New" panose="02070309020205020404"/>
-                <a:sym typeface="Courier New" panose="02070309020205020404"/>
-              </a:rPr>
-              <a:t>(arr))</a:t>
-            </a:r>
-            <a:endParaRPr sz="1150">
-              <a:solidFill>
-                <a:schemeClr val="dk1"/>
-              </a:solidFill>
-              <a:highlight>
-                <a:srgbClr val="FFFFFF"/>
-              </a:highlight>
-              <a:latin typeface="Courier New" panose="02070309020205020404"/>
-              <a:ea typeface="Courier New" panose="02070309020205020404"/>
-              <a:cs typeface="Courier New" panose="02070309020205020404"/>
-              <a:sym typeface="Courier New" panose="02070309020205020404"/>
-            </a:endParaRPr>
-          </a:p>
-          <a:p>
-            <a:pPr marL="0" lvl="0" indent="0" algn="l" rtl="0">
-              <a:spcBef>
-                <a:spcPts val="1200"/>
-              </a:spcBef>
-              <a:spcAft>
-                <a:spcPts val="0"/>
-              </a:spcAft>
-              <a:buNone/>
-            </a:pPr>
-            <a:r>
-              <a:rPr lang="en-GB" sz="1150">
-                <a:solidFill>
-                  <a:schemeClr val="dk1"/>
-                </a:solidFill>
-                <a:highlight>
-                  <a:srgbClr val="FFFFCC"/>
-                </a:highlight>
-                <a:latin typeface="Verdana" panose="020B0604030504040204"/>
-                <a:ea typeface="Verdana" panose="020B0604030504040204"/>
-                <a:cs typeface="Verdana" panose="020B0604030504040204"/>
-                <a:sym typeface="Verdana" panose="020B0604030504040204"/>
-              </a:rPr>
-              <a:t>type(): This built-in Python function tells us the type of the object passed to it. Like in above code it shows that </a:t>
-            </a:r>
-            <a:r>
-              <a:rPr lang="en-GB" sz="1200">
-                <a:solidFill>
-                  <a:srgbClr val="DC143C"/>
-                </a:solidFill>
-                <a:latin typeface="Courier New" panose="02070309020205020404"/>
-                <a:ea typeface="Courier New" panose="02070309020205020404"/>
-                <a:cs typeface="Courier New" panose="02070309020205020404"/>
-                <a:sym typeface="Courier New" panose="02070309020205020404"/>
-              </a:rPr>
-              <a:t>arr</a:t>
-            </a:r>
-            <a:r>
-              <a:rPr lang="en-GB" sz="1150">
-                <a:solidFill>
-                  <a:schemeClr val="dk1"/>
-                </a:solidFill>
-                <a:highlight>
-                  <a:srgbClr val="FFFFCC"/>
-                </a:highlight>
-                <a:latin typeface="Verdana" panose="020B0604030504040204"/>
-                <a:ea typeface="Verdana" panose="020B0604030504040204"/>
-                <a:cs typeface="Verdana" panose="020B0604030504040204"/>
-                <a:sym typeface="Verdana" panose="020B0604030504040204"/>
-              </a:rPr>
-              <a:t> is </a:t>
-            </a:r>
-            <a:r>
-              <a:rPr lang="en-GB" sz="1200">
-                <a:solidFill>
-                  <a:srgbClr val="DC143C"/>
-                </a:solidFill>
-                <a:latin typeface="Courier New" panose="02070309020205020404"/>
-                <a:ea typeface="Courier New" panose="02070309020205020404"/>
-                <a:cs typeface="Courier New" panose="02070309020205020404"/>
-                <a:sym typeface="Courier New" panose="02070309020205020404"/>
-              </a:rPr>
-              <a:t>numpy.ndarray</a:t>
-            </a:r>
-            <a:r>
-              <a:rPr lang="en-GB" sz="1150">
-                <a:solidFill>
-                  <a:schemeClr val="dk1"/>
-                </a:solidFill>
-                <a:highlight>
-                  <a:srgbClr val="FFFFCC"/>
-                </a:highlight>
-                <a:latin typeface="Verdana" panose="020B0604030504040204"/>
-                <a:ea typeface="Verdana" panose="020B0604030504040204"/>
-                <a:cs typeface="Verdana" panose="020B0604030504040204"/>
-                <a:sym typeface="Verdana" panose="020B0604030504040204"/>
-              </a:rPr>
-              <a:t> type.</a:t>
-            </a:r>
-            <a:endParaRPr sz="1150">
-              <a:solidFill>
-                <a:schemeClr val="dk1"/>
-              </a:solidFill>
-              <a:highlight>
-                <a:srgbClr val="FFFFCC"/>
-              </a:highlight>
-              <a:latin typeface="Verdana" panose="020B0604030504040204"/>
-              <a:ea typeface="Verdana" panose="020B0604030504040204"/>
-              <a:cs typeface="Verdana" panose="020B0604030504040204"/>
-              <a:sym typeface="Verdana" panose="020B0604030504040204"/>
-            </a:endParaRPr>
-          </a:p>
-          <a:p>
-            <a:pPr marL="0" lvl="0" indent="0" algn="l" rtl="0">
-              <a:spcBef>
-                <a:spcPts val="1200"/>
-              </a:spcBef>
-              <a:spcAft>
-                <a:spcPts val="1200"/>
-              </a:spcAft>
-              <a:buNone/>
-            </a:pPr>
-            <a:r>
-              <a:rPr lang="en-GB" sz="1150">
-                <a:solidFill>
-                  <a:schemeClr val="dk1"/>
-                </a:solidFill>
-                <a:highlight>
-                  <a:srgbClr val="FFFFFF"/>
-                </a:highlight>
-                <a:latin typeface="Verdana" panose="020B0604030504040204"/>
-                <a:ea typeface="Verdana" panose="020B0604030504040204"/>
-                <a:cs typeface="Verdana" panose="020B0604030504040204"/>
-                <a:sym typeface="Verdana" panose="020B0604030504040204"/>
-              </a:rPr>
-              <a:t>To create an </a:t>
-            </a:r>
-            <a:r>
-              <a:rPr lang="en-GB" sz="1200">
-                <a:solidFill>
-                  <a:srgbClr val="DC143C"/>
-                </a:solidFill>
-                <a:latin typeface="Courier New" panose="02070309020205020404"/>
-                <a:ea typeface="Courier New" panose="02070309020205020404"/>
-                <a:cs typeface="Courier New" panose="02070309020205020404"/>
-                <a:sym typeface="Courier New" panose="02070309020205020404"/>
-              </a:rPr>
-              <a:t>ndarray</a:t>
-            </a:r>
-            <a:r>
-              <a:rPr lang="en-GB" sz="1150">
-                <a:solidFill>
-                  <a:schemeClr val="dk1"/>
-                </a:solidFill>
-                <a:highlight>
-                  <a:srgbClr val="FFFFFF"/>
-                </a:highlight>
-                <a:latin typeface="Verdana" panose="020B0604030504040204"/>
-                <a:ea typeface="Verdana" panose="020B0604030504040204"/>
-                <a:cs typeface="Verdana" panose="020B0604030504040204"/>
-                <a:sym typeface="Verdana" panose="020B0604030504040204"/>
-              </a:rPr>
-              <a:t>, we can pass a list, tuple or any array-like object into the </a:t>
-            </a:r>
-            <a:r>
-              <a:rPr lang="en-GB" sz="1200">
-                <a:solidFill>
-                  <a:srgbClr val="DC143C"/>
-                </a:solidFill>
-                <a:latin typeface="Courier New" panose="02070309020205020404"/>
-                <a:ea typeface="Courier New" panose="02070309020205020404"/>
-                <a:cs typeface="Courier New" panose="02070309020205020404"/>
-                <a:sym typeface="Courier New" panose="02070309020205020404"/>
-              </a:rPr>
-              <a:t>array()</a:t>
-            </a:r>
-            <a:r>
-              <a:rPr lang="en-GB" sz="1150">
-                <a:solidFill>
-                  <a:schemeClr val="dk1"/>
-                </a:solidFill>
-                <a:highlight>
-                  <a:srgbClr val="FFFFFF"/>
-                </a:highlight>
-                <a:latin typeface="Verdana" panose="020B0604030504040204"/>
-                <a:ea typeface="Verdana" panose="020B0604030504040204"/>
-                <a:cs typeface="Verdana" panose="020B0604030504040204"/>
-                <a:sym typeface="Verdana" panose="020B0604030504040204"/>
-              </a:rPr>
-              <a:t> method, and it will be converted into an </a:t>
-            </a:r>
-            <a:r>
-              <a:rPr lang="en-GB" sz="1200">
-                <a:solidFill>
-                  <a:srgbClr val="DC143C"/>
-                </a:solidFill>
-                <a:latin typeface="Courier New" panose="02070309020205020404"/>
-                <a:ea typeface="Courier New" panose="02070309020205020404"/>
-                <a:cs typeface="Courier New" panose="02070309020205020404"/>
-                <a:sym typeface="Courier New" panose="02070309020205020404"/>
-              </a:rPr>
-              <a:t>ndarray</a:t>
-            </a:r>
-            <a:r>
-              <a:rPr lang="en-GB" sz="1150">
-                <a:solidFill>
-                  <a:schemeClr val="dk1"/>
-                </a:solidFill>
-                <a:highlight>
-                  <a:srgbClr val="FFFFFF"/>
-                </a:highlight>
-                <a:latin typeface="Verdana" panose="020B0604030504040204"/>
-                <a:ea typeface="Verdana" panose="020B0604030504040204"/>
-                <a:cs typeface="Verdana" panose="020B0604030504040204"/>
-                <a:sym typeface="Verdana" panose="020B0604030504040204"/>
-              </a:rPr>
-              <a:t>:</a:t>
-            </a:r>
-            <a:endParaRPr sz="1150">
-              <a:solidFill>
-                <a:schemeClr val="dk1"/>
-              </a:solidFill>
-              <a:highlight>
-                <a:srgbClr val="FFFFCC"/>
-              </a:highlight>
-              <a:latin typeface="Verdana" panose="020B0604030504040204"/>
-              <a:ea typeface="Verdana" panose="020B0604030504040204"/>
-              <a:cs typeface="Verdana" panose="020B0604030504040204"/>
-              <a:sym typeface="Verdana" panose="020B0604030504040204"/>
-            </a:endParaRPr>
-          </a:p>
-        </p:txBody>
-      </p:sp>
-    </p:spTree>
-  </p:cSld>
-  <p:clrMapOvr>
-    <a:masterClrMapping/>
-  </p:clrMapOvr>
-</p:sld>
-</file>
-
-<file path=ppt/slides/slide60.xml><?xml version="1.0" encoding="utf-8"?>
+<file path=ppt/slides/slide59.xml><?xml version="1.0" encoding="utf-8"?>
 <p:sld xmlns:a="http://schemas.openxmlformats.org/drawingml/2006/main" xmlns:r="http://schemas.openxmlformats.org/officeDocument/2006/relationships" xmlns:p="http://schemas.openxmlformats.org/presentationml/2006/main">
   <p:cSld>
     <p:spTree>
@@ -39067,7 +38007,911 @@
 </p:sld>
 </file>
 
-<file path=ppt/slides/slide61.xml><?xml version="1.0" encoding="utf-8"?>
+<file path=ppt/slides/slide6.xml><?xml version="1.0" encoding="utf-8"?>
+<p:sld xmlns:a="http://schemas.openxmlformats.org/drawingml/2006/main" xmlns:r="http://schemas.openxmlformats.org/officeDocument/2006/relationships" xmlns:p="http://schemas.openxmlformats.org/presentationml/2006/main">
+  <p:cSld>
+    <p:spTree>
+      <p:nvGrpSpPr>
+        <p:cNvPr id="82" name="Shape 82"/>
+        <p:cNvGrpSpPr/>
+        <p:nvPr/>
+      </p:nvGrpSpPr>
+      <p:grpSpPr>
+        <a:xfrm>
+          <a:off x="0" y="0"/>
+          <a:ext cx="0" cy="0"/>
+          <a:chOff x="0" y="0"/>
+          <a:chExt cx="0" cy="0"/>
+        </a:xfrm>
+      </p:grpSpPr>
+      <p:sp>
+        <p:nvSpPr>
+          <p:cNvPr id="83" name="Google Shape;83;p18"/>
+          <p:cNvSpPr txBox="1"/>
+          <p:nvPr>
+            <p:ph type="title"/>
+          </p:nvPr>
+        </p:nvSpPr>
+        <p:spPr>
+          <a:xfrm>
+            <a:off x="311700" y="445025"/>
+            <a:ext cx="8520600" cy="572700"/>
+          </a:xfrm>
+          <a:prstGeom prst="rect">
+            <a:avLst/>
+          </a:prstGeom>
+        </p:spPr>
+        <p:txBody>
+          <a:bodyPr spcFirstLastPara="1" wrap="square" lIns="91425" tIns="91425" rIns="91425" bIns="91425" anchor="t" anchorCtr="0">
+            <a:normAutofit fontScale="90000"/>
+          </a:bodyPr>
+          <a:lstStyle/>
+          <a:p>
+            <a:pPr marL="0" lvl="0" indent="0" algn="l" rtl="0">
+              <a:lnSpc>
+                <a:spcPct val="115000"/>
+              </a:lnSpc>
+              <a:spcBef>
+                <a:spcPts val="800"/>
+              </a:spcBef>
+              <a:spcAft>
+                <a:spcPts val="0"/>
+              </a:spcAft>
+              <a:buClr>
+                <a:schemeClr val="dk1"/>
+              </a:buClr>
+              <a:buSzPct val="46000"/>
+              <a:buFont typeface="Arial" panose="020B0604020202020204"/>
+              <a:buNone/>
+            </a:pPr>
+            <a:r>
+              <a:rPr lang="en-GB" sz="2400">
+                <a:highlight>
+                  <a:srgbClr val="FFFFFF"/>
+                </a:highlight>
+              </a:rPr>
+              <a:t>Create a NumPy ndarray Object</a:t>
+            </a:r>
+            <a:endParaRPr sz="2400">
+              <a:highlight>
+                <a:srgbClr val="FFFFFF"/>
+              </a:highlight>
+            </a:endParaRPr>
+          </a:p>
+          <a:p>
+            <a:pPr marL="0" lvl="0" indent="0" algn="l" rtl="0">
+              <a:spcBef>
+                <a:spcPts val="800"/>
+              </a:spcBef>
+              <a:spcAft>
+                <a:spcPts val="0"/>
+              </a:spcAft>
+              <a:buNone/>
+            </a:pPr>
+          </a:p>
+        </p:txBody>
+      </p:sp>
+      <p:sp>
+        <p:nvSpPr>
+          <p:cNvPr id="84" name="Google Shape;84;p18"/>
+          <p:cNvSpPr txBox="1"/>
+          <p:nvPr>
+            <p:ph type="body" idx="1"/>
+          </p:nvPr>
+        </p:nvSpPr>
+        <p:spPr>
+          <a:xfrm>
+            <a:off x="257090" y="1152475"/>
+            <a:ext cx="8520600" cy="3416400"/>
+          </a:xfrm>
+          <a:prstGeom prst="rect">
+            <a:avLst/>
+          </a:prstGeom>
+        </p:spPr>
+        <p:txBody>
+          <a:bodyPr spcFirstLastPara="1" wrap="square" lIns="91425" tIns="91425" rIns="91425" bIns="91425" anchor="t" anchorCtr="0">
+            <a:normAutofit/>
+          </a:bodyPr>
+          <a:lstStyle/>
+          <a:p>
+            <a:pPr marL="0" lvl="0" indent="0" algn="l" rtl="0">
+              <a:spcBef>
+                <a:spcPts val="1400"/>
+              </a:spcBef>
+              <a:spcAft>
+                <a:spcPts val="0"/>
+              </a:spcAft>
+              <a:buClr>
+                <a:schemeClr val="dk1"/>
+              </a:buClr>
+              <a:buSzPts val="1100"/>
+              <a:buFont typeface="Arial" panose="020B0604020202020204"/>
+              <a:buNone/>
+            </a:pPr>
+            <a:r>
+              <a:rPr lang="en-GB" sz="1150">
+                <a:solidFill>
+                  <a:schemeClr val="dk1"/>
+                </a:solidFill>
+                <a:highlight>
+                  <a:srgbClr val="FFFFFF"/>
+                </a:highlight>
+                <a:latin typeface="Verdana" panose="020B0604030504040204"/>
+                <a:ea typeface="Verdana" panose="020B0604030504040204"/>
+                <a:cs typeface="Verdana" panose="020B0604030504040204"/>
+                <a:sym typeface="Verdana" panose="020B0604030504040204"/>
+              </a:rPr>
+              <a:t>NumPy is used to work with arrays. The array object in NumPy is called </a:t>
+            </a:r>
+            <a:r>
+              <a:rPr lang="en-GB" sz="1200">
+                <a:solidFill>
+                  <a:srgbClr val="DC143C"/>
+                </a:solidFill>
+                <a:highlight>
+                  <a:srgbClr val="FFFFFF"/>
+                </a:highlight>
+                <a:latin typeface="Courier New" panose="02070309020205020404"/>
+                <a:ea typeface="Courier New" panose="02070309020205020404"/>
+                <a:cs typeface="Courier New" panose="02070309020205020404"/>
+                <a:sym typeface="Courier New" panose="02070309020205020404"/>
+              </a:rPr>
+              <a:t>ndarray</a:t>
+            </a:r>
+            <a:r>
+              <a:rPr lang="en-GB" sz="1150">
+                <a:solidFill>
+                  <a:schemeClr val="dk1"/>
+                </a:solidFill>
+                <a:highlight>
+                  <a:srgbClr val="FFFFFF"/>
+                </a:highlight>
+                <a:latin typeface="Verdana" panose="020B0604030504040204"/>
+                <a:ea typeface="Verdana" panose="020B0604030504040204"/>
+                <a:cs typeface="Verdana" panose="020B0604030504040204"/>
+                <a:sym typeface="Verdana" panose="020B0604030504040204"/>
+              </a:rPr>
+              <a:t>.</a:t>
+            </a:r>
+            <a:endParaRPr sz="1150">
+              <a:solidFill>
+                <a:schemeClr val="dk1"/>
+              </a:solidFill>
+              <a:highlight>
+                <a:srgbClr val="FFFFFF"/>
+              </a:highlight>
+              <a:latin typeface="Verdana" panose="020B0604030504040204"/>
+              <a:ea typeface="Verdana" panose="020B0604030504040204"/>
+              <a:cs typeface="Verdana" panose="020B0604030504040204"/>
+              <a:sym typeface="Verdana" panose="020B0604030504040204"/>
+            </a:endParaRPr>
+          </a:p>
+          <a:p>
+            <a:pPr marL="0" lvl="0" indent="0" algn="l" rtl="0">
+              <a:spcBef>
+                <a:spcPts val="1400"/>
+              </a:spcBef>
+              <a:spcAft>
+                <a:spcPts val="0"/>
+              </a:spcAft>
+              <a:buClr>
+                <a:schemeClr val="dk1"/>
+              </a:buClr>
+              <a:buSzPts val="1100"/>
+              <a:buFont typeface="Arial" panose="020B0604020202020204"/>
+              <a:buNone/>
+            </a:pPr>
+            <a:r>
+              <a:rPr lang="en-GB" sz="1150">
+                <a:solidFill>
+                  <a:schemeClr val="dk1"/>
+                </a:solidFill>
+                <a:highlight>
+                  <a:srgbClr val="FFFFFF"/>
+                </a:highlight>
+                <a:latin typeface="Verdana" panose="020B0604030504040204"/>
+                <a:ea typeface="Verdana" panose="020B0604030504040204"/>
+                <a:cs typeface="Verdana" panose="020B0604030504040204"/>
+                <a:sym typeface="Verdana" panose="020B0604030504040204"/>
+              </a:rPr>
+              <a:t>We can create a NumPy </a:t>
+            </a:r>
+            <a:r>
+              <a:rPr lang="en-GB" sz="1200">
+                <a:solidFill>
+                  <a:srgbClr val="DC143C"/>
+                </a:solidFill>
+                <a:highlight>
+                  <a:srgbClr val="FFFFFF"/>
+                </a:highlight>
+                <a:latin typeface="Courier New" panose="02070309020205020404"/>
+                <a:ea typeface="Courier New" panose="02070309020205020404"/>
+                <a:cs typeface="Courier New" panose="02070309020205020404"/>
+                <a:sym typeface="Courier New" panose="02070309020205020404"/>
+              </a:rPr>
+              <a:t>ndarray</a:t>
+            </a:r>
+            <a:r>
+              <a:rPr lang="en-GB" sz="1150">
+                <a:solidFill>
+                  <a:schemeClr val="dk1"/>
+                </a:solidFill>
+                <a:highlight>
+                  <a:srgbClr val="FFFFFF"/>
+                </a:highlight>
+                <a:latin typeface="Verdana" panose="020B0604030504040204"/>
+                <a:ea typeface="Verdana" panose="020B0604030504040204"/>
+                <a:cs typeface="Verdana" panose="020B0604030504040204"/>
+                <a:sym typeface="Verdana" panose="020B0604030504040204"/>
+              </a:rPr>
+              <a:t> object by using the </a:t>
+            </a:r>
+            <a:r>
+              <a:rPr lang="en-GB" sz="1200">
+                <a:solidFill>
+                  <a:srgbClr val="DC143C"/>
+                </a:solidFill>
+                <a:highlight>
+                  <a:srgbClr val="FFFFFF"/>
+                </a:highlight>
+                <a:latin typeface="Courier New" panose="02070309020205020404"/>
+                <a:ea typeface="Courier New" panose="02070309020205020404"/>
+                <a:cs typeface="Courier New" panose="02070309020205020404"/>
+                <a:sym typeface="Courier New" panose="02070309020205020404"/>
+              </a:rPr>
+              <a:t>array()</a:t>
+            </a:r>
+            <a:r>
+              <a:rPr lang="en-GB" sz="1150">
+                <a:solidFill>
+                  <a:schemeClr val="dk1"/>
+                </a:solidFill>
+                <a:highlight>
+                  <a:srgbClr val="FFFFFF"/>
+                </a:highlight>
+                <a:latin typeface="Verdana" panose="020B0604030504040204"/>
+                <a:ea typeface="Verdana" panose="020B0604030504040204"/>
+                <a:cs typeface="Verdana" panose="020B0604030504040204"/>
+                <a:sym typeface="Verdana" panose="020B0604030504040204"/>
+              </a:rPr>
+              <a:t> function.</a:t>
+            </a:r>
+            <a:endParaRPr sz="1150">
+              <a:solidFill>
+                <a:schemeClr val="dk1"/>
+              </a:solidFill>
+              <a:highlight>
+                <a:srgbClr val="FFFFFF"/>
+              </a:highlight>
+              <a:latin typeface="Verdana" panose="020B0604030504040204"/>
+              <a:ea typeface="Verdana" panose="020B0604030504040204"/>
+              <a:cs typeface="Verdana" panose="020B0604030504040204"/>
+              <a:sym typeface="Verdana" panose="020B0604030504040204"/>
+            </a:endParaRPr>
+          </a:p>
+          <a:p>
+            <a:pPr marL="0" lvl="0" indent="0" algn="l" rtl="0">
+              <a:spcBef>
+                <a:spcPts val="1400"/>
+              </a:spcBef>
+              <a:spcAft>
+                <a:spcPts val="0"/>
+              </a:spcAft>
+              <a:buClr>
+                <a:schemeClr val="dk1"/>
+              </a:buClr>
+              <a:buSzPts val="1100"/>
+              <a:buFont typeface="Arial" panose="020B0604020202020204"/>
+              <a:buNone/>
+            </a:pPr>
+            <a:r>
+              <a:rPr lang="en-GB" sz="1150">
+                <a:solidFill>
+                  <a:srgbClr val="0000CD"/>
+                </a:solidFill>
+                <a:highlight>
+                  <a:srgbClr val="FFFFFF"/>
+                </a:highlight>
+                <a:latin typeface="Courier New" panose="02070309020205020404"/>
+                <a:ea typeface="Courier New" panose="02070309020205020404"/>
+                <a:cs typeface="Courier New" panose="02070309020205020404"/>
+                <a:sym typeface="Courier New" panose="02070309020205020404"/>
+              </a:rPr>
+              <a:t>import</a:t>
+            </a:r>
+            <a:r>
+              <a:rPr lang="en-GB" sz="1150">
+                <a:solidFill>
+                  <a:schemeClr val="dk1"/>
+                </a:solidFill>
+                <a:highlight>
+                  <a:srgbClr val="FFFFFF"/>
+                </a:highlight>
+                <a:latin typeface="Courier New" panose="02070309020205020404"/>
+                <a:ea typeface="Courier New" panose="02070309020205020404"/>
+                <a:cs typeface="Courier New" panose="02070309020205020404"/>
+                <a:sym typeface="Courier New" panose="02070309020205020404"/>
+              </a:rPr>
+              <a:t> numpy </a:t>
+            </a:r>
+            <a:r>
+              <a:rPr lang="en-GB" sz="1150">
+                <a:solidFill>
+                  <a:srgbClr val="0000CD"/>
+                </a:solidFill>
+                <a:highlight>
+                  <a:srgbClr val="FFFFFF"/>
+                </a:highlight>
+                <a:latin typeface="Courier New" panose="02070309020205020404"/>
+                <a:ea typeface="Courier New" panose="02070309020205020404"/>
+                <a:cs typeface="Courier New" panose="02070309020205020404"/>
+                <a:sym typeface="Courier New" panose="02070309020205020404"/>
+              </a:rPr>
+              <a:t>as</a:t>
+            </a:r>
+            <a:r>
+              <a:rPr lang="en-GB" sz="1150">
+                <a:solidFill>
+                  <a:schemeClr val="dk1"/>
+                </a:solidFill>
+                <a:highlight>
+                  <a:srgbClr val="FFFFFF"/>
+                </a:highlight>
+                <a:latin typeface="Courier New" panose="02070309020205020404"/>
+                <a:ea typeface="Courier New" panose="02070309020205020404"/>
+                <a:cs typeface="Courier New" panose="02070309020205020404"/>
+                <a:sym typeface="Courier New" panose="02070309020205020404"/>
+              </a:rPr>
+              <a:t> np</a:t>
+            </a:r>
+            <a:endParaRPr sz="1100">
+              <a:solidFill>
+                <a:schemeClr val="dk1"/>
+              </a:solidFill>
+            </a:endParaRPr>
+          </a:p>
+          <a:p>
+            <a:pPr marL="0" lvl="0" indent="0" algn="l" rtl="0">
+              <a:spcBef>
+                <a:spcPts val="1200"/>
+              </a:spcBef>
+              <a:spcAft>
+                <a:spcPts val="0"/>
+              </a:spcAft>
+              <a:buClr>
+                <a:schemeClr val="dk1"/>
+              </a:buClr>
+              <a:buSzPts val="1100"/>
+              <a:buFont typeface="Arial" panose="020B0604020202020204"/>
+              <a:buNone/>
+            </a:pPr>
+            <a:r>
+              <a:rPr lang="en-GB" sz="1150">
+                <a:solidFill>
+                  <a:schemeClr val="dk1"/>
+                </a:solidFill>
+                <a:highlight>
+                  <a:srgbClr val="FFFFFF"/>
+                </a:highlight>
+                <a:latin typeface="Courier New" panose="02070309020205020404"/>
+                <a:ea typeface="Courier New" panose="02070309020205020404"/>
+                <a:cs typeface="Courier New" panose="02070309020205020404"/>
+                <a:sym typeface="Courier New" panose="02070309020205020404"/>
+              </a:rPr>
+              <a:t>arr = np.array([</a:t>
+            </a:r>
+            <a:r>
+              <a:rPr lang="en-GB" sz="1150">
+                <a:solidFill>
+                  <a:srgbClr val="FF0000"/>
+                </a:solidFill>
+                <a:highlight>
+                  <a:srgbClr val="FFFFFF"/>
+                </a:highlight>
+                <a:latin typeface="Courier New" panose="02070309020205020404"/>
+                <a:ea typeface="Courier New" panose="02070309020205020404"/>
+                <a:cs typeface="Courier New" panose="02070309020205020404"/>
+                <a:sym typeface="Courier New" panose="02070309020205020404"/>
+              </a:rPr>
+              <a:t>1</a:t>
+            </a:r>
+            <a:r>
+              <a:rPr lang="en-GB" sz="1150">
+                <a:solidFill>
+                  <a:schemeClr val="dk1"/>
+                </a:solidFill>
+                <a:highlight>
+                  <a:srgbClr val="FFFFFF"/>
+                </a:highlight>
+                <a:latin typeface="Courier New" panose="02070309020205020404"/>
+                <a:ea typeface="Courier New" panose="02070309020205020404"/>
+                <a:cs typeface="Courier New" panose="02070309020205020404"/>
+                <a:sym typeface="Courier New" panose="02070309020205020404"/>
+              </a:rPr>
+              <a:t>, </a:t>
+            </a:r>
+            <a:r>
+              <a:rPr lang="en-GB" sz="1150">
+                <a:solidFill>
+                  <a:srgbClr val="FF0000"/>
+                </a:solidFill>
+                <a:highlight>
+                  <a:srgbClr val="FFFFFF"/>
+                </a:highlight>
+                <a:latin typeface="Courier New" panose="02070309020205020404"/>
+                <a:ea typeface="Courier New" panose="02070309020205020404"/>
+                <a:cs typeface="Courier New" panose="02070309020205020404"/>
+                <a:sym typeface="Courier New" panose="02070309020205020404"/>
+              </a:rPr>
+              <a:t>2</a:t>
+            </a:r>
+            <a:r>
+              <a:rPr lang="en-GB" sz="1150">
+                <a:solidFill>
+                  <a:schemeClr val="dk1"/>
+                </a:solidFill>
+                <a:highlight>
+                  <a:srgbClr val="FFFFFF"/>
+                </a:highlight>
+                <a:latin typeface="Courier New" panose="02070309020205020404"/>
+                <a:ea typeface="Courier New" panose="02070309020205020404"/>
+                <a:cs typeface="Courier New" panose="02070309020205020404"/>
+                <a:sym typeface="Courier New" panose="02070309020205020404"/>
+              </a:rPr>
+              <a:t>, </a:t>
+            </a:r>
+            <a:r>
+              <a:rPr lang="en-GB" sz="1150">
+                <a:solidFill>
+                  <a:srgbClr val="FF0000"/>
+                </a:solidFill>
+                <a:highlight>
+                  <a:srgbClr val="FFFFFF"/>
+                </a:highlight>
+                <a:latin typeface="Courier New" panose="02070309020205020404"/>
+                <a:ea typeface="Courier New" panose="02070309020205020404"/>
+                <a:cs typeface="Courier New" panose="02070309020205020404"/>
+                <a:sym typeface="Courier New" panose="02070309020205020404"/>
+              </a:rPr>
+              <a:t>3</a:t>
+            </a:r>
+            <a:r>
+              <a:rPr lang="en-GB" sz="1150">
+                <a:solidFill>
+                  <a:schemeClr val="dk1"/>
+                </a:solidFill>
+                <a:highlight>
+                  <a:srgbClr val="FFFFFF"/>
+                </a:highlight>
+                <a:latin typeface="Courier New" panose="02070309020205020404"/>
+                <a:ea typeface="Courier New" panose="02070309020205020404"/>
+                <a:cs typeface="Courier New" panose="02070309020205020404"/>
+                <a:sym typeface="Courier New" panose="02070309020205020404"/>
+              </a:rPr>
+              <a:t>, </a:t>
+            </a:r>
+            <a:r>
+              <a:rPr lang="en-GB" sz="1150">
+                <a:solidFill>
+                  <a:srgbClr val="FF0000"/>
+                </a:solidFill>
+                <a:highlight>
+                  <a:srgbClr val="FFFFFF"/>
+                </a:highlight>
+                <a:latin typeface="Courier New" panose="02070309020205020404"/>
+                <a:ea typeface="Courier New" panose="02070309020205020404"/>
+                <a:cs typeface="Courier New" panose="02070309020205020404"/>
+                <a:sym typeface="Courier New" panose="02070309020205020404"/>
+              </a:rPr>
+              <a:t>4</a:t>
+            </a:r>
+            <a:r>
+              <a:rPr lang="en-GB" sz="1150">
+                <a:solidFill>
+                  <a:schemeClr val="dk1"/>
+                </a:solidFill>
+                <a:highlight>
+                  <a:srgbClr val="FFFFFF"/>
+                </a:highlight>
+                <a:latin typeface="Courier New" panose="02070309020205020404"/>
+                <a:ea typeface="Courier New" panose="02070309020205020404"/>
+                <a:cs typeface="Courier New" panose="02070309020205020404"/>
+                <a:sym typeface="Courier New" panose="02070309020205020404"/>
+              </a:rPr>
+              <a:t>, </a:t>
+            </a:r>
+            <a:r>
+              <a:rPr lang="en-GB" sz="1150">
+                <a:solidFill>
+                  <a:srgbClr val="FF0000"/>
+                </a:solidFill>
+                <a:highlight>
+                  <a:srgbClr val="FFFFFF"/>
+                </a:highlight>
+                <a:latin typeface="Courier New" panose="02070309020205020404"/>
+                <a:ea typeface="Courier New" panose="02070309020205020404"/>
+                <a:cs typeface="Courier New" panose="02070309020205020404"/>
+                <a:sym typeface="Courier New" panose="02070309020205020404"/>
+              </a:rPr>
+              <a:t>5</a:t>
+            </a:r>
+            <a:r>
+              <a:rPr lang="en-GB" sz="1150">
+                <a:solidFill>
+                  <a:schemeClr val="dk1"/>
+                </a:solidFill>
+                <a:highlight>
+                  <a:srgbClr val="FFFFFF"/>
+                </a:highlight>
+                <a:latin typeface="Courier New" panose="02070309020205020404"/>
+                <a:ea typeface="Courier New" panose="02070309020205020404"/>
+                <a:cs typeface="Courier New" panose="02070309020205020404"/>
+                <a:sym typeface="Courier New" panose="02070309020205020404"/>
+              </a:rPr>
+              <a:t>])</a:t>
+            </a:r>
+            <a:endParaRPr sz="1100">
+              <a:solidFill>
+                <a:schemeClr val="dk1"/>
+              </a:solidFill>
+            </a:endParaRPr>
+          </a:p>
+          <a:p>
+            <a:pPr marL="0" lvl="0" indent="0" algn="l" rtl="0">
+              <a:spcBef>
+                <a:spcPts val="1200"/>
+              </a:spcBef>
+              <a:spcAft>
+                <a:spcPts val="0"/>
+              </a:spcAft>
+              <a:buClr>
+                <a:schemeClr val="dk1"/>
+              </a:buClr>
+              <a:buSzPts val="1100"/>
+              <a:buFont typeface="Arial" panose="020B0604020202020204"/>
+              <a:buNone/>
+            </a:pPr>
+            <a:r>
+              <a:rPr lang="en-GB" sz="1150">
+                <a:solidFill>
+                  <a:srgbClr val="0000CD"/>
+                </a:solidFill>
+                <a:highlight>
+                  <a:srgbClr val="FFFFFF"/>
+                </a:highlight>
+                <a:latin typeface="Courier New" panose="02070309020205020404"/>
+                <a:ea typeface="Courier New" panose="02070309020205020404"/>
+                <a:cs typeface="Courier New" panose="02070309020205020404"/>
+                <a:sym typeface="Courier New" panose="02070309020205020404"/>
+              </a:rPr>
+              <a:t>print</a:t>
+            </a:r>
+            <a:r>
+              <a:rPr lang="en-GB" sz="1150">
+                <a:solidFill>
+                  <a:schemeClr val="dk1"/>
+                </a:solidFill>
+                <a:highlight>
+                  <a:srgbClr val="FFFFFF"/>
+                </a:highlight>
+                <a:latin typeface="Courier New" panose="02070309020205020404"/>
+                <a:ea typeface="Courier New" panose="02070309020205020404"/>
+                <a:cs typeface="Courier New" panose="02070309020205020404"/>
+                <a:sym typeface="Courier New" panose="02070309020205020404"/>
+              </a:rPr>
+              <a:t>(arr)</a:t>
+            </a:r>
+            <a:endParaRPr sz="1100">
+              <a:solidFill>
+                <a:schemeClr val="dk1"/>
+              </a:solidFill>
+            </a:endParaRPr>
+          </a:p>
+          <a:p>
+            <a:pPr marL="0" lvl="0" indent="0" algn="l" rtl="0">
+              <a:spcBef>
+                <a:spcPts val="1200"/>
+              </a:spcBef>
+              <a:spcAft>
+                <a:spcPts val="0"/>
+              </a:spcAft>
+              <a:buNone/>
+            </a:pPr>
+            <a:r>
+              <a:rPr lang="en-GB" sz="1150">
+                <a:solidFill>
+                  <a:srgbClr val="0000CD"/>
+                </a:solidFill>
+                <a:highlight>
+                  <a:srgbClr val="FFFFFF"/>
+                </a:highlight>
+                <a:latin typeface="Courier New" panose="02070309020205020404"/>
+                <a:ea typeface="Courier New" panose="02070309020205020404"/>
+                <a:cs typeface="Courier New" panose="02070309020205020404"/>
+                <a:sym typeface="Courier New" panose="02070309020205020404"/>
+              </a:rPr>
+              <a:t>print</a:t>
+            </a:r>
+            <a:r>
+              <a:rPr lang="en-GB" sz="1150">
+                <a:solidFill>
+                  <a:schemeClr val="dk1"/>
+                </a:solidFill>
+                <a:highlight>
+                  <a:srgbClr val="FFFFFF"/>
+                </a:highlight>
+                <a:latin typeface="Courier New" panose="02070309020205020404"/>
+                <a:ea typeface="Courier New" panose="02070309020205020404"/>
+                <a:cs typeface="Courier New" panose="02070309020205020404"/>
+                <a:sym typeface="Courier New" panose="02070309020205020404"/>
+              </a:rPr>
+              <a:t>(</a:t>
+            </a:r>
+            <a:r>
+              <a:rPr lang="en-GB" sz="1150">
+                <a:solidFill>
+                  <a:srgbClr val="0000CD"/>
+                </a:solidFill>
+                <a:highlight>
+                  <a:srgbClr val="FFFFFF"/>
+                </a:highlight>
+                <a:latin typeface="Courier New" panose="02070309020205020404"/>
+                <a:ea typeface="Courier New" panose="02070309020205020404"/>
+                <a:cs typeface="Courier New" panose="02070309020205020404"/>
+                <a:sym typeface="Courier New" panose="02070309020205020404"/>
+              </a:rPr>
+              <a:t>type</a:t>
+            </a:r>
+            <a:r>
+              <a:rPr lang="en-GB" sz="1150">
+                <a:solidFill>
+                  <a:schemeClr val="dk1"/>
+                </a:solidFill>
+                <a:highlight>
+                  <a:srgbClr val="FFFFFF"/>
+                </a:highlight>
+                <a:latin typeface="Courier New" panose="02070309020205020404"/>
+                <a:ea typeface="Courier New" panose="02070309020205020404"/>
+                <a:cs typeface="Courier New" panose="02070309020205020404"/>
+                <a:sym typeface="Courier New" panose="02070309020205020404"/>
+              </a:rPr>
+              <a:t>(arr))</a:t>
+            </a:r>
+            <a:endParaRPr sz="1150">
+              <a:solidFill>
+                <a:schemeClr val="dk1"/>
+              </a:solidFill>
+              <a:highlight>
+                <a:srgbClr val="FFFFFF"/>
+              </a:highlight>
+              <a:latin typeface="Courier New" panose="02070309020205020404"/>
+              <a:ea typeface="Courier New" panose="02070309020205020404"/>
+              <a:cs typeface="Courier New" panose="02070309020205020404"/>
+              <a:sym typeface="Courier New" panose="02070309020205020404"/>
+            </a:endParaRPr>
+          </a:p>
+          <a:p>
+            <a:pPr marL="0" lvl="0" indent="0" algn="l" rtl="0">
+              <a:spcBef>
+                <a:spcPts val="1200"/>
+              </a:spcBef>
+              <a:spcAft>
+                <a:spcPts val="0"/>
+              </a:spcAft>
+              <a:buNone/>
+            </a:pPr>
+            <a:r>
+              <a:rPr lang="en-GB" sz="1150">
+                <a:solidFill>
+                  <a:schemeClr val="dk1"/>
+                </a:solidFill>
+                <a:highlight>
+                  <a:srgbClr val="FFFFCC"/>
+                </a:highlight>
+                <a:latin typeface="Verdana" panose="020B0604030504040204"/>
+                <a:ea typeface="Verdana" panose="020B0604030504040204"/>
+                <a:cs typeface="Verdana" panose="020B0604030504040204"/>
+                <a:sym typeface="Verdana" panose="020B0604030504040204"/>
+              </a:rPr>
+              <a:t>type(): This built-in Python function tells us the type of the object passed to it. Like in above code it shows that </a:t>
+            </a:r>
+            <a:r>
+              <a:rPr lang="en-GB" sz="1200">
+                <a:solidFill>
+                  <a:srgbClr val="DC143C"/>
+                </a:solidFill>
+                <a:latin typeface="Courier New" panose="02070309020205020404"/>
+                <a:ea typeface="Courier New" panose="02070309020205020404"/>
+                <a:cs typeface="Courier New" panose="02070309020205020404"/>
+                <a:sym typeface="Courier New" panose="02070309020205020404"/>
+              </a:rPr>
+              <a:t>arr</a:t>
+            </a:r>
+            <a:r>
+              <a:rPr lang="en-GB" sz="1150">
+                <a:solidFill>
+                  <a:schemeClr val="dk1"/>
+                </a:solidFill>
+                <a:highlight>
+                  <a:srgbClr val="FFFFCC"/>
+                </a:highlight>
+                <a:latin typeface="Verdana" panose="020B0604030504040204"/>
+                <a:ea typeface="Verdana" panose="020B0604030504040204"/>
+                <a:cs typeface="Verdana" panose="020B0604030504040204"/>
+                <a:sym typeface="Verdana" panose="020B0604030504040204"/>
+              </a:rPr>
+              <a:t> is </a:t>
+            </a:r>
+            <a:r>
+              <a:rPr lang="en-GB" sz="1200">
+                <a:solidFill>
+                  <a:srgbClr val="DC143C"/>
+                </a:solidFill>
+                <a:latin typeface="Courier New" panose="02070309020205020404"/>
+                <a:ea typeface="Courier New" panose="02070309020205020404"/>
+                <a:cs typeface="Courier New" panose="02070309020205020404"/>
+                <a:sym typeface="Courier New" panose="02070309020205020404"/>
+              </a:rPr>
+              <a:t>numpy.ndarray</a:t>
+            </a:r>
+            <a:r>
+              <a:rPr lang="en-GB" sz="1150">
+                <a:solidFill>
+                  <a:schemeClr val="dk1"/>
+                </a:solidFill>
+                <a:highlight>
+                  <a:srgbClr val="FFFFCC"/>
+                </a:highlight>
+                <a:latin typeface="Verdana" panose="020B0604030504040204"/>
+                <a:ea typeface="Verdana" panose="020B0604030504040204"/>
+                <a:cs typeface="Verdana" panose="020B0604030504040204"/>
+                <a:sym typeface="Verdana" panose="020B0604030504040204"/>
+              </a:rPr>
+              <a:t> type.</a:t>
+            </a:r>
+            <a:endParaRPr sz="1150">
+              <a:solidFill>
+                <a:schemeClr val="dk1"/>
+              </a:solidFill>
+              <a:highlight>
+                <a:srgbClr val="FFFFCC"/>
+              </a:highlight>
+              <a:latin typeface="Verdana" panose="020B0604030504040204"/>
+              <a:ea typeface="Verdana" panose="020B0604030504040204"/>
+              <a:cs typeface="Verdana" panose="020B0604030504040204"/>
+              <a:sym typeface="Verdana" panose="020B0604030504040204"/>
+            </a:endParaRPr>
+          </a:p>
+          <a:p>
+            <a:pPr marL="0" lvl="0" indent="0" algn="l" rtl="0">
+              <a:spcBef>
+                <a:spcPts val="1200"/>
+              </a:spcBef>
+              <a:spcAft>
+                <a:spcPts val="1200"/>
+              </a:spcAft>
+              <a:buNone/>
+            </a:pPr>
+            <a:r>
+              <a:rPr lang="en-GB" sz="1150">
+                <a:solidFill>
+                  <a:schemeClr val="dk1"/>
+                </a:solidFill>
+                <a:highlight>
+                  <a:srgbClr val="FFFFFF"/>
+                </a:highlight>
+                <a:latin typeface="Verdana" panose="020B0604030504040204"/>
+                <a:ea typeface="Verdana" panose="020B0604030504040204"/>
+                <a:cs typeface="Verdana" panose="020B0604030504040204"/>
+                <a:sym typeface="Verdana" panose="020B0604030504040204"/>
+              </a:rPr>
+              <a:t>To create an </a:t>
+            </a:r>
+            <a:r>
+              <a:rPr lang="en-GB" sz="1200">
+                <a:solidFill>
+                  <a:srgbClr val="DC143C"/>
+                </a:solidFill>
+                <a:latin typeface="Courier New" panose="02070309020205020404"/>
+                <a:ea typeface="Courier New" panose="02070309020205020404"/>
+                <a:cs typeface="Courier New" panose="02070309020205020404"/>
+                <a:sym typeface="Courier New" panose="02070309020205020404"/>
+              </a:rPr>
+              <a:t>ndarray</a:t>
+            </a:r>
+            <a:r>
+              <a:rPr lang="en-GB" sz="1150">
+                <a:solidFill>
+                  <a:schemeClr val="dk1"/>
+                </a:solidFill>
+                <a:highlight>
+                  <a:srgbClr val="FFFFFF"/>
+                </a:highlight>
+                <a:latin typeface="Verdana" panose="020B0604030504040204"/>
+                <a:ea typeface="Verdana" panose="020B0604030504040204"/>
+                <a:cs typeface="Verdana" panose="020B0604030504040204"/>
+                <a:sym typeface="Verdana" panose="020B0604030504040204"/>
+              </a:rPr>
+              <a:t>, we can pass a list, tuple or any array-like object into the </a:t>
+            </a:r>
+            <a:r>
+              <a:rPr lang="en-GB" sz="1200">
+                <a:solidFill>
+                  <a:srgbClr val="DC143C"/>
+                </a:solidFill>
+                <a:latin typeface="Courier New" panose="02070309020205020404"/>
+                <a:ea typeface="Courier New" panose="02070309020205020404"/>
+                <a:cs typeface="Courier New" panose="02070309020205020404"/>
+                <a:sym typeface="Courier New" panose="02070309020205020404"/>
+              </a:rPr>
+              <a:t>array()</a:t>
+            </a:r>
+            <a:r>
+              <a:rPr lang="en-GB" sz="1150">
+                <a:solidFill>
+                  <a:schemeClr val="dk1"/>
+                </a:solidFill>
+                <a:highlight>
+                  <a:srgbClr val="FFFFFF"/>
+                </a:highlight>
+                <a:latin typeface="Verdana" panose="020B0604030504040204"/>
+                <a:ea typeface="Verdana" panose="020B0604030504040204"/>
+                <a:cs typeface="Verdana" panose="020B0604030504040204"/>
+                <a:sym typeface="Verdana" panose="020B0604030504040204"/>
+              </a:rPr>
+              <a:t> method, and it will be converted into an </a:t>
+            </a:r>
+            <a:r>
+              <a:rPr lang="en-GB" sz="1200">
+                <a:solidFill>
+                  <a:srgbClr val="DC143C"/>
+                </a:solidFill>
+                <a:latin typeface="Courier New" panose="02070309020205020404"/>
+                <a:ea typeface="Courier New" panose="02070309020205020404"/>
+                <a:cs typeface="Courier New" panose="02070309020205020404"/>
+                <a:sym typeface="Courier New" panose="02070309020205020404"/>
+              </a:rPr>
+              <a:t>ndarray</a:t>
+            </a:r>
+            <a:r>
+              <a:rPr lang="en-GB" sz="1150">
+                <a:solidFill>
+                  <a:schemeClr val="dk1"/>
+                </a:solidFill>
+                <a:highlight>
+                  <a:srgbClr val="FFFFFF"/>
+                </a:highlight>
+                <a:latin typeface="Verdana" panose="020B0604030504040204"/>
+                <a:ea typeface="Verdana" panose="020B0604030504040204"/>
+                <a:cs typeface="Verdana" panose="020B0604030504040204"/>
+                <a:sym typeface="Verdana" panose="020B0604030504040204"/>
+              </a:rPr>
+              <a:t>:</a:t>
+            </a:r>
+            <a:endParaRPr sz="1150">
+              <a:solidFill>
+                <a:schemeClr val="dk1"/>
+              </a:solidFill>
+              <a:highlight>
+                <a:srgbClr val="FFFFCC"/>
+              </a:highlight>
+              <a:latin typeface="Verdana" panose="020B0604030504040204"/>
+              <a:ea typeface="Verdana" panose="020B0604030504040204"/>
+              <a:cs typeface="Verdana" panose="020B0604030504040204"/>
+              <a:sym typeface="Verdana" panose="020B0604030504040204"/>
+            </a:endParaRPr>
+          </a:p>
+        </p:txBody>
+      </p:sp>
+    </p:spTree>
+  </p:cSld>
+  <p:clrMapOvr>
+    <a:masterClrMapping/>
+  </p:clrMapOvr>
+</p:sld>
+</file>
+
+<file path=ppt/slides/slide60.xml><?xml version="1.0" encoding="utf-8"?>
 <p:sld xmlns:a="http://schemas.openxmlformats.org/drawingml/2006/main" xmlns:r="http://schemas.openxmlformats.org/officeDocument/2006/relationships" xmlns:p="http://schemas.openxmlformats.org/presentationml/2006/main">
   <p:cSld>
     <p:spTree>
@@ -39109,7 +38953,7 @@
 </p:sld>
 </file>
 
-<file path=ppt/slides/slide62.xml><?xml version="1.0" encoding="utf-8"?>
+<file path=ppt/slides/slide61.xml><?xml version="1.0" encoding="utf-8"?>
 <p:sld xmlns:a="http://schemas.openxmlformats.org/drawingml/2006/main" xmlns:r="http://schemas.openxmlformats.org/officeDocument/2006/relationships" xmlns:p="http://schemas.openxmlformats.org/presentationml/2006/main">
   <p:cSld>
     <p:spTree>
@@ -39330,7 +39174,7 @@
 </p:sld>
 </file>
 
-<file path=ppt/slides/slide63.xml><?xml version="1.0" encoding="utf-8"?>
+<file path=ppt/slides/slide62.xml><?xml version="1.0" encoding="utf-8"?>
 <p:sld xmlns:a="http://schemas.openxmlformats.org/drawingml/2006/main" xmlns:r="http://schemas.openxmlformats.org/officeDocument/2006/relationships" xmlns:p="http://schemas.openxmlformats.org/presentationml/2006/main">
   <p:cSld>
     <p:spTree>
@@ -39399,7 +39243,7 @@
 </p:sld>
 </file>
 
-<file path=ppt/slides/slide64.xml><?xml version="1.0" encoding="utf-8"?>
+<file path=ppt/slides/slide63.xml><?xml version="1.0" encoding="utf-8"?>
 <p:sld xmlns:a="http://schemas.openxmlformats.org/drawingml/2006/main" xmlns:r="http://schemas.openxmlformats.org/officeDocument/2006/relationships" xmlns:p="http://schemas.openxmlformats.org/presentationml/2006/main">
   <p:cSld>
     <p:bg>
@@ -39470,6 +39314,86 @@
                 <a:schemeClr val="lt2"/>
               </a:solidFill>
             </a:endParaRPr>
+          </a:p>
+        </p:txBody>
+      </p:sp>
+    </p:spTree>
+  </p:cSld>
+  <p:clrMapOvr>
+    <a:masterClrMapping/>
+  </p:clrMapOvr>
+</p:sld>
+</file>
+
+<file path=ppt/slides/slide64.xml><?xml version="1.0" encoding="utf-8"?>
+<p:sld xmlns:a="http://schemas.openxmlformats.org/drawingml/2006/main" xmlns:r="http://schemas.openxmlformats.org/officeDocument/2006/relationships" xmlns:p="http://schemas.openxmlformats.org/presentationml/2006/main">
+  <p:cSld>
+    <p:spTree>
+      <p:nvGrpSpPr>
+        <p:cNvPr id="1" name=""/>
+        <p:cNvGrpSpPr/>
+        <p:nvPr/>
+      </p:nvGrpSpPr>
+      <p:grpSpPr/>
+      <p:sp>
+        <p:nvSpPr>
+          <p:cNvPr id="4" name="Text Box 3"/>
+          <p:cNvSpPr txBox="1"/>
+          <p:nvPr/>
+        </p:nvSpPr>
+        <p:spPr>
+          <a:xfrm>
+            <a:off x="388620" y="350520"/>
+            <a:ext cx="6609715" cy="953135"/>
+          </a:xfrm>
+          <a:prstGeom prst="rect">
+            <a:avLst/>
+          </a:prstGeom>
+          <a:noFill/>
+        </p:spPr>
+        <p:txBody>
+          <a:bodyPr wrap="square" rtlCol="0" anchor="t">
+            <a:spAutoFit/>
+          </a:bodyPr>
+          <a:p>
+            <a:pPr marL="285750" indent="-285750">
+              <a:buFont typeface="Arial" panose="020B0604020202020204" pitchFamily="34" charset="0"/>
+              <a:buChar char="•"/>
+            </a:pPr>
+            <a:r>
+              <a:rPr lang="en-US" altLang="en-US"/>
+              <a:t>https://github.com/Devinterview-io/numpy-interview-questions</a:t>
+            </a:r>
+            <a:endParaRPr lang="en-US" altLang="en-US"/>
+          </a:p>
+          <a:p>
+            <a:pPr marL="285750" indent="-285750">
+              <a:buFont typeface="Arial" panose="020B0604020202020204" pitchFamily="34" charset="0"/>
+              <a:buChar char="•"/>
+            </a:pPr>
+            <a:r>
+              <a:rPr lang="en-US" altLang="en-US"/>
+              <a:t>https://www.interviewbit.com/numpy-interview-questions/</a:t>
+            </a:r>
+            <a:endParaRPr lang="en-US" altLang="en-US"/>
+          </a:p>
+          <a:p>
+            <a:pPr marL="285750" indent="-285750">
+              <a:buFont typeface="Arial" panose="020B0604020202020204" pitchFamily="34" charset="0"/>
+              <a:buChar char="•"/>
+            </a:pPr>
+            <a:r>
+              <a:rPr lang="en-US" altLang="en-US"/>
+              <a:t>https://www.datacamp.com/blog/numpy-interview-questions</a:t>
+            </a:r>
+            <a:endParaRPr lang="en-US" altLang="en-US"/>
+          </a:p>
+          <a:p>
+            <a:pPr marL="285750" indent="-285750">
+              <a:buFont typeface="Arial" panose="020B0604020202020204" pitchFamily="34" charset="0"/>
+              <a:buChar char="•"/>
+            </a:pPr>
+            <a:endParaRPr lang="en-US" altLang="en-US"/>
           </a:p>
         </p:txBody>
       </p:sp>

--- a/5.0_python_6.libraries/python_libraries/1.numpy/Numpy_class.pptx
+++ b/5.0_python_6.libraries/python_libraries/1.numpy/Numpy_class.pptx
@@ -75,8 +75,9 @@
     <p:sldId id="332" r:id="rId68"/>
     <p:sldId id="325" r:id="rId69"/>
     <p:sldId id="323" r:id="rId70"/>
-    <p:sldId id="308" r:id="rId71"/>
-    <p:sldId id="335" r:id="rId72"/>
+    <p:sldId id="341" r:id="rId71"/>
+    <p:sldId id="308" r:id="rId72"/>
+    <p:sldId id="335" r:id="rId73"/>
   </p:sldIdLst>
   <p:sldSz cx="9144000" cy="5143500"/>
   <p:notesSz cx="6858000" cy="9144000"/>
@@ -38621,7 +38622,7 @@
         </p:nvSpPr>
         <p:spPr>
           <a:xfrm>
-            <a:off x="4010660" y="1520190"/>
+            <a:off x="4010660" y="1508760"/>
             <a:ext cx="3255010" cy="2916555"/>
           </a:xfrm>
           <a:prstGeom prst="rect">
@@ -45205,6 +45206,46 @@
 <file path=ppt/slides/slide68.xml><?xml version="1.0" encoding="utf-8"?>
 <p:sld xmlns:a="http://schemas.openxmlformats.org/drawingml/2006/main" xmlns:r="http://schemas.openxmlformats.org/officeDocument/2006/relationships" xmlns:p="http://schemas.openxmlformats.org/presentationml/2006/main">
   <p:cSld>
+    <p:spTree>
+      <p:nvGrpSpPr>
+        <p:cNvPr id="1" name=""/>
+        <p:cNvGrpSpPr/>
+        <p:nvPr/>
+      </p:nvGrpSpPr>
+      <p:grpSpPr/>
+      <p:pic>
+        <p:nvPicPr>
+          <p:cNvPr id="4" name="Picture 3"/>
+          <p:cNvPicPr/>
+          <p:nvPr/>
+        </p:nvPicPr>
+        <p:blipFill>
+          <a:blip r:embed="rId1"/>
+          <a:stretch>
+            <a:fillRect/>
+          </a:stretch>
+        </p:blipFill>
+        <p:spPr>
+          <a:xfrm>
+            <a:off x="203835" y="434340"/>
+            <a:ext cx="8749665" cy="3990340"/>
+          </a:xfrm>
+          <a:prstGeom prst="rect">
+            <a:avLst/>
+          </a:prstGeom>
+        </p:spPr>
+      </p:pic>
+    </p:spTree>
+  </p:cSld>
+  <p:clrMapOvr>
+    <a:masterClrMapping/>
+  </p:clrMapOvr>
+</p:sld>
+</file>
+
+<file path=ppt/slides/slide69.xml><?xml version="1.0" encoding="utf-8"?>
+<p:sld xmlns:a="http://schemas.openxmlformats.org/drawingml/2006/main" xmlns:r="http://schemas.openxmlformats.org/officeDocument/2006/relationships" xmlns:p="http://schemas.openxmlformats.org/presentationml/2006/main">
+  <p:cSld>
     <p:bg>
       <p:bgPr>
         <a:solidFill>
@@ -45284,7 +45325,25 @@
 </p:sld>
 </file>
 
-<file path=ppt/slides/slide69.xml><?xml version="1.0" encoding="utf-8"?>
+<file path=ppt/slides/slide7.xml><?xml version="1.0" encoding="utf-8"?>
+<p:sld xmlns:a="http://schemas.openxmlformats.org/drawingml/2006/main" xmlns:r="http://schemas.openxmlformats.org/officeDocument/2006/relationships" xmlns:p="http://schemas.openxmlformats.org/presentationml/2006/main">
+  <p:cSld>
+    <p:spTree>
+      <p:nvGrpSpPr>
+        <p:cNvPr id="1" name=""/>
+        <p:cNvGrpSpPr/>
+        <p:nvPr/>
+      </p:nvGrpSpPr>
+      <p:grpSpPr/>
+    </p:spTree>
+  </p:cSld>
+  <p:clrMapOvr>
+    <a:masterClrMapping/>
+  </p:clrMapOvr>
+</p:sld>
+</file>
+
+<file path=ppt/slides/slide70.xml><?xml version="1.0" encoding="utf-8"?>
 <p:sld xmlns:a="http://schemas.openxmlformats.org/drawingml/2006/main" xmlns:r="http://schemas.openxmlformats.org/officeDocument/2006/relationships" xmlns:p="http://schemas.openxmlformats.org/presentationml/2006/main">
   <p:cSld>
     <p:spTree>
@@ -45356,24 +45415,6 @@
           </a:p>
         </p:txBody>
       </p:sp>
-    </p:spTree>
-  </p:cSld>
-  <p:clrMapOvr>
-    <a:masterClrMapping/>
-  </p:clrMapOvr>
-</p:sld>
-</file>
-
-<file path=ppt/slides/slide7.xml><?xml version="1.0" encoding="utf-8"?>
-<p:sld xmlns:a="http://schemas.openxmlformats.org/drawingml/2006/main" xmlns:r="http://schemas.openxmlformats.org/officeDocument/2006/relationships" xmlns:p="http://schemas.openxmlformats.org/presentationml/2006/main">
-  <p:cSld>
-    <p:spTree>
-      <p:nvGrpSpPr>
-        <p:cNvPr id="1" name=""/>
-        <p:cNvGrpSpPr/>
-        <p:nvPr/>
-      </p:nvGrpSpPr>
-      <p:grpSpPr/>
     </p:spTree>
   </p:cSld>
   <p:clrMapOvr>

--- a/5.0_python_6.libraries/python_libraries/1.numpy/Numpy_class.pptx
+++ b/5.0_python_6.libraries/python_libraries/1.numpy/Numpy_class.pptx
@@ -63,21 +63,25 @@
     <p:sldId id="310" r:id="rId56"/>
     <p:sldId id="301" r:id="rId57"/>
     <p:sldId id="302" r:id="rId58"/>
-    <p:sldId id="303" r:id="rId59"/>
-    <p:sldId id="311" r:id="rId60"/>
-    <p:sldId id="304" r:id="rId61"/>
-    <p:sldId id="312" r:id="rId62"/>
-    <p:sldId id="305" r:id="rId63"/>
-    <p:sldId id="306" r:id="rId64"/>
-    <p:sldId id="321" r:id="rId65"/>
-    <p:sldId id="322" r:id="rId66"/>
-    <p:sldId id="328" r:id="rId67"/>
-    <p:sldId id="332" r:id="rId68"/>
-    <p:sldId id="325" r:id="rId69"/>
-    <p:sldId id="323" r:id="rId70"/>
-    <p:sldId id="341" r:id="rId71"/>
-    <p:sldId id="308" r:id="rId72"/>
-    <p:sldId id="335" r:id="rId73"/>
+    <p:sldId id="342" r:id="rId59"/>
+    <p:sldId id="343" r:id="rId60"/>
+    <p:sldId id="345" r:id="rId61"/>
+    <p:sldId id="344" r:id="rId62"/>
+    <p:sldId id="303" r:id="rId63"/>
+    <p:sldId id="311" r:id="rId64"/>
+    <p:sldId id="304" r:id="rId65"/>
+    <p:sldId id="312" r:id="rId66"/>
+    <p:sldId id="305" r:id="rId67"/>
+    <p:sldId id="306" r:id="rId68"/>
+    <p:sldId id="321" r:id="rId69"/>
+    <p:sldId id="322" r:id="rId70"/>
+    <p:sldId id="328" r:id="rId71"/>
+    <p:sldId id="332" r:id="rId72"/>
+    <p:sldId id="325" r:id="rId73"/>
+    <p:sldId id="323" r:id="rId74"/>
+    <p:sldId id="341" r:id="rId75"/>
+    <p:sldId id="308" r:id="rId76"/>
+    <p:sldId id="335" r:id="rId77"/>
   </p:sldIdLst>
   <p:sldSz cx="9144000" cy="5143500"/>
   <p:notesSz cx="6858000" cy="9144000"/>
@@ -42650,174 +42654,21 @@
   <p:cSld>
     <p:spTree>
       <p:nvGrpSpPr>
-        <p:cNvPr id="325" name="Shape 325"/>
+        <p:cNvPr id="1" name=""/>
         <p:cNvGrpSpPr/>
         <p:nvPr/>
       </p:nvGrpSpPr>
-      <p:grpSpPr>
-        <a:xfrm>
-          <a:off x="0" y="0"/>
-          <a:ext cx="0" cy="0"/>
-          <a:chOff x="0" y="0"/>
-          <a:chExt cx="0" cy="0"/>
-        </a:xfrm>
-      </p:grpSpPr>
+      <p:grpSpPr/>
       <p:sp>
         <p:nvSpPr>
-          <p:cNvPr id="326" name="Google Shape;326;p60"/>
-          <p:cNvSpPr txBox="1"/>
-          <p:nvPr>
-            <p:ph type="title"/>
-          </p:nvPr>
-        </p:nvSpPr>
-        <p:spPr>
-          <a:xfrm>
-            <a:off x="311785" y="445135"/>
-            <a:ext cx="3542030" cy="572770"/>
-          </a:xfrm>
-          <a:prstGeom prst="rect">
-            <a:avLst/>
-          </a:prstGeom>
-        </p:spPr>
-        <p:txBody>
-          <a:bodyPr spcFirstLastPara="1" wrap="square" lIns="91425" tIns="91425" rIns="91425" bIns="91425" anchor="t" anchorCtr="0">
-            <a:normAutofit fontScale="90000"/>
-          </a:bodyPr>
-          <a:lstStyle/>
-          <a:p>
-            <a:pPr marL="0" lvl="0" indent="0" algn="l" rtl="0">
-              <a:spcBef>
-                <a:spcPts val="0"/>
-              </a:spcBef>
-              <a:spcAft>
-                <a:spcPts val="0"/>
-              </a:spcAft>
-              <a:buNone/>
-            </a:pPr>
-            <a:r>
-              <a:rPr lang="en-GB">
-                <a:solidFill>
-                  <a:srgbClr val="C00000"/>
-                </a:solidFill>
-              </a:rPr>
-              <a:t>Sorting and Searching</a:t>
-            </a:r>
-            <a:endParaRPr lang="en-GB">
-              <a:solidFill>
-                <a:srgbClr val="C00000"/>
-              </a:solidFill>
-            </a:endParaRPr>
-          </a:p>
-        </p:txBody>
-      </p:sp>
-      <p:sp>
-        <p:nvSpPr>
-          <p:cNvPr id="327" name="Google Shape;327;p60"/>
-          <p:cNvSpPr txBox="1"/>
-          <p:nvPr>
-            <p:ph type="body" idx="1"/>
-          </p:nvPr>
-        </p:nvSpPr>
-        <p:spPr>
-          <a:xfrm>
-            <a:off x="311700" y="1152475"/>
-            <a:ext cx="8520600" cy="3416400"/>
-          </a:xfrm>
-          <a:prstGeom prst="rect">
-            <a:avLst/>
-          </a:prstGeom>
-        </p:spPr>
-        <p:txBody>
-          <a:bodyPr spcFirstLastPara="1" wrap="square" lIns="91425" tIns="91425" rIns="91425" bIns="91425" anchor="t" anchorCtr="0">
-            <a:normAutofit/>
-          </a:bodyPr>
-          <a:lstStyle/>
-          <a:p>
-            <a:pPr marL="0" lvl="0" indent="0" algn="l" rtl="0">
-              <a:spcBef>
-                <a:spcPts val="0"/>
-              </a:spcBef>
-              <a:spcAft>
-                <a:spcPts val="0"/>
-              </a:spcAft>
-              <a:buClr>
-                <a:schemeClr val="dk1"/>
-              </a:buClr>
-              <a:buSzPts val="1100"/>
-              <a:buFont typeface="Arial" panose="020B0604020202020204"/>
-              <a:buNone/>
-            </a:pPr>
-            <a:r>
-              <a:rPr lang="en-GB"/>
-              <a:t>np.sort(): Sort an array in ascending order.</a:t>
-            </a:r>
-            <a:endParaRPr lang="en-GB"/>
-          </a:p>
-          <a:p>
-            <a:pPr marL="0" lvl="0" indent="0" algn="l" rtl="0">
-              <a:spcBef>
-                <a:spcPts val="1200"/>
-              </a:spcBef>
-              <a:spcAft>
-                <a:spcPts val="0"/>
-              </a:spcAft>
-              <a:buClr>
-                <a:schemeClr val="dk1"/>
-              </a:buClr>
-              <a:buSzPts val="1100"/>
-              <a:buFont typeface="Arial" panose="020B0604020202020204"/>
-              <a:buNone/>
-            </a:pPr>
-            <a:r>
-              <a:rPr lang="en-GB"/>
-              <a:t>np.argsort(): Return the indices that would sort an array.</a:t>
-            </a:r>
-            <a:endParaRPr lang="en-GB"/>
-          </a:p>
-          <a:p>
-            <a:pPr marL="0" lvl="0" indent="0" algn="l" rtl="0">
-              <a:spcBef>
-                <a:spcPts val="1200"/>
-              </a:spcBef>
-              <a:spcAft>
-                <a:spcPts val="0"/>
-              </a:spcAft>
-              <a:buClr>
-                <a:schemeClr val="dk1"/>
-              </a:buClr>
-              <a:buSzPts val="1100"/>
-              <a:buFont typeface="Arial" panose="020B0604020202020204"/>
-              <a:buNone/>
-            </a:pPr>
-            <a:r>
-              <a:rPr lang="en-GB"/>
-              <a:t>np.searchsorted(): Find the indices to insert elements to maintain order.</a:t>
-            </a:r>
-            <a:endParaRPr lang="en-GB"/>
-          </a:p>
-          <a:p>
-            <a:pPr marL="0" lvl="0" indent="0" algn="l" rtl="0">
-              <a:spcBef>
-                <a:spcPts val="1200"/>
-              </a:spcBef>
-              <a:spcAft>
-                <a:spcPts val="1200"/>
-              </a:spcAft>
-              <a:buNone/>
-            </a:pPr>
-          </a:p>
-        </p:txBody>
-      </p:sp>
-      <p:sp>
-        <p:nvSpPr>
-          <p:cNvPr id="2" name="Text Box 1"/>
+          <p:cNvPr id="4" name="Text Box 3"/>
           <p:cNvSpPr txBox="1"/>
           <p:nvPr/>
         </p:nvSpPr>
         <p:spPr>
           <a:xfrm>
-            <a:off x="247650" y="2736215"/>
-            <a:ext cx="4572000" cy="2306955"/>
+            <a:off x="212090" y="532765"/>
+            <a:ext cx="4572000" cy="3133090"/>
           </a:xfrm>
           <a:prstGeom prst="rect">
             <a:avLst/>
@@ -42829,100 +42680,501 @@
             <a:spAutoFit/>
           </a:bodyPr>
           <a:p>
-            <a:pPr marL="114300" indent="0">
-              <a:buNone/>
-            </a:pPr>
-            <a:r>
-              <a:rPr lang="en-US" sz="1600">
+            <a:pPr fontAlgn="base">
+              <a:spcBef>
+                <a:spcPts val="1800"/>
+              </a:spcBef>
+              <a:spcAft>
+                <a:spcPts val="400"/>
+              </a:spcAft>
+            </a:pPr>
+            <a:r>
+              <a:rPr lang="en-US" altLang="zh-CN" sz="1800" b="1">
                 <a:sym typeface="+mn-ea"/>
               </a:rPr>
-              <a:t>import numpy as np</a:t>
-            </a:r>
-            <a:endParaRPr lang="en-US" sz="1600"/>
-          </a:p>
-          <a:p>
-            <a:pPr marL="114300" indent="0">
-              <a:buNone/>
-            </a:pPr>
-            <a:endParaRPr lang="en-US" sz="1600"/>
-          </a:p>
-          <a:p>
-            <a:pPr marL="114300" indent="0">
-              <a:buNone/>
-            </a:pPr>
-            <a:r>
-              <a:rPr lang="en-US" sz="1600">
+              <a:t>Module 9: Array Manipulation</a:t>
+            </a:r>
+            <a:endParaRPr lang="en-US" altLang="zh-CN" sz="1800" b="1" i="0">
+              <a:solidFill>
+                <a:srgbClr val="000000"/>
+              </a:solidFill>
+              <a:latin typeface="Arial" panose="020B0604020202020204"/>
+              <a:ea typeface="Arial" panose="020B0604020202020204"/>
+            </a:endParaRPr>
+          </a:p>
+          <a:p>
+            <a:pPr fontAlgn="base">
+              <a:spcBef>
+                <a:spcPts val="1200"/>
+              </a:spcBef>
+              <a:spcAft>
+                <a:spcPct val="0"/>
+              </a:spcAft>
+              <a:buAutoNum type="arabicPeriod"/>
+            </a:pPr>
+            <a:r>
+              <a:rPr lang="en-US" altLang="zh-CN" sz="1000">
                 <a:sym typeface="+mn-ea"/>
               </a:rPr>
-              <a:t># Create an array</a:t>
-            </a:r>
-            <a:endParaRPr lang="en-US" sz="1600"/>
-          </a:p>
-          <a:p>
-            <a:pPr marL="114300" indent="0">
-              <a:buNone/>
-            </a:pPr>
-            <a:r>
-              <a:rPr lang="en-US" sz="1600">
+              <a:t>Transpose of an array (</a:t>
+            </a:r>
+            <a:r>
+              <a:rPr lang="en-US" altLang="zh-CN" sz="1000">
+                <a:solidFill>
+                  <a:srgbClr val="188038"/>
+                </a:solidFill>
+                <a:latin typeface="Roboto Mono"/>
+                <a:ea typeface="Roboto Mono"/>
                 <a:sym typeface="+mn-ea"/>
               </a:rPr>
-              <a:t>arr = np.array([50, 10, 40, 20, 30])</a:t>
-            </a:r>
-            <a:endParaRPr lang="en-US" sz="1600"/>
-          </a:p>
-          <a:p>
-            <a:pPr marL="114300" indent="0">
-              <a:buNone/>
-            </a:pPr>
-            <a:endParaRPr lang="en-US" sz="1600"/>
-          </a:p>
-          <a:p>
-            <a:pPr marL="114300" indent="0">
-              <a:buNone/>
-            </a:pPr>
-            <a:r>
-              <a:rPr lang="en-US" sz="1600">
+              <a:t>.T</a:t>
+            </a:r>
+            <a:r>
+              <a:rPr lang="en-US" altLang="zh-CN" sz="1000">
                 <a:sym typeface="+mn-ea"/>
               </a:rPr>
-              <a:t># 1. np.sort(): Sort an array in ascending order</a:t>
-            </a:r>
-            <a:endParaRPr lang="en-US" sz="1600"/>
-          </a:p>
-          <a:p>
-            <a:pPr marL="114300" indent="0">
-              <a:buNone/>
-            </a:pPr>
-            <a:r>
-              <a:rPr lang="en-US" sz="1600">
+              <a:t>).</a:t>
+            </a:r>
+            <a:endParaRPr lang="en-US" altLang="zh-CN" sz="1000" b="0" i="0">
+              <a:solidFill>
+                <a:srgbClr val="000000"/>
+              </a:solidFill>
+              <a:latin typeface="Arial" panose="020B0604020202020204"/>
+              <a:ea typeface="Arial" panose="020B0604020202020204"/>
+            </a:endParaRPr>
+          </a:p>
+          <a:p>
+            <a:pPr fontAlgn="base">
+              <a:spcBef>
+                <a:spcPct val="0"/>
+              </a:spcBef>
+              <a:spcAft>
+                <a:spcPct val="0"/>
+              </a:spcAft>
+              <a:buAutoNum type="arabicPeriod"/>
+            </a:pPr>
+            <a:r>
+              <a:rPr lang="en-US" altLang="zh-CN" sz="1000">
                 <a:sym typeface="+mn-ea"/>
               </a:rPr>
-              <a:t>sorted_arr = np.sort(arr)</a:t>
-            </a:r>
-            <a:endParaRPr lang="en-US" sz="1600"/>
-          </a:p>
-          <a:p>
-            <a:pPr marL="114300" indent="0">
-              <a:buNone/>
-            </a:pPr>
-            <a:r>
-              <a:rPr lang="en-US" sz="1600">
+              <a:t>Stacking: </a:t>
+            </a:r>
+            <a:r>
+              <a:rPr lang="en-US" altLang="zh-CN" sz="1000">
+                <a:solidFill>
+                  <a:srgbClr val="188038"/>
+                </a:solidFill>
+                <a:latin typeface="Roboto Mono"/>
+                <a:ea typeface="Roboto Mono"/>
                 <a:sym typeface="+mn-ea"/>
               </a:rPr>
-              <a:t>print("Sorted array:", sorted_arr)</a:t>
-            </a:r>
-            <a:endParaRPr lang="en-US" sz="1600"/>
-          </a:p>
-          <a:p>
-            <a:pPr marL="114300" indent="0">
-              <a:buNone/>
-            </a:pPr>
-            <a:r>
-              <a:rPr lang="en-US" sz="1600">
+              <a:t>hstack()</a:t>
+            </a:r>
+            <a:r>
+              <a:rPr lang="en-US" altLang="zh-CN" sz="1000">
                 <a:sym typeface="+mn-ea"/>
               </a:rPr>
-              <a:t># Output: [10 20 30 40 50]</a:t>
-            </a:r>
-            <a:endParaRPr lang="en-US" sz="1600">
+              <a:t>, </a:t>
+            </a:r>
+            <a:r>
+              <a:rPr lang="en-US" altLang="zh-CN" sz="1000">
+                <a:solidFill>
+                  <a:srgbClr val="188038"/>
+                </a:solidFill>
+                <a:latin typeface="Roboto Mono"/>
+                <a:ea typeface="Roboto Mono"/>
+                <a:sym typeface="+mn-ea"/>
+              </a:rPr>
+              <a:t>vstack()</a:t>
+            </a:r>
+            <a:r>
+              <a:rPr lang="en-US" altLang="zh-CN" sz="1000">
+                <a:sym typeface="+mn-ea"/>
+              </a:rPr>
+              <a:t>, </a:t>
+            </a:r>
+            <a:r>
+              <a:rPr lang="en-US" altLang="zh-CN" sz="1000">
+                <a:solidFill>
+                  <a:srgbClr val="188038"/>
+                </a:solidFill>
+                <a:latin typeface="Roboto Mono"/>
+                <a:ea typeface="Roboto Mono"/>
+                <a:sym typeface="+mn-ea"/>
+              </a:rPr>
+              <a:t>dstack()</a:t>
+            </a:r>
+            <a:r>
+              <a:rPr lang="en-US" altLang="zh-CN" sz="1000">
+                <a:sym typeface="+mn-ea"/>
+              </a:rPr>
+              <a:t>.</a:t>
+            </a:r>
+            <a:endParaRPr lang="en-US" altLang="zh-CN" sz="1000" b="0" i="0">
+              <a:solidFill>
+                <a:srgbClr val="000000"/>
+              </a:solidFill>
+              <a:latin typeface="Arial" panose="020B0604020202020204"/>
+              <a:ea typeface="Arial" panose="020B0604020202020204"/>
+            </a:endParaRPr>
+          </a:p>
+          <a:p>
+            <a:pPr fontAlgn="base">
+              <a:spcBef>
+                <a:spcPct val="0"/>
+              </a:spcBef>
+              <a:spcAft>
+                <a:spcPct val="0"/>
+              </a:spcAft>
+              <a:buAutoNum type="arabicPeriod"/>
+            </a:pPr>
+            <a:r>
+              <a:rPr lang="en-US" altLang="zh-CN" sz="1000">
+                <a:sym typeface="+mn-ea"/>
+              </a:rPr>
+              <a:t>Splitting arrays: </a:t>
+            </a:r>
+            <a:r>
+              <a:rPr lang="en-US" altLang="zh-CN" sz="1000">
+                <a:solidFill>
+                  <a:srgbClr val="188038"/>
+                </a:solidFill>
+                <a:latin typeface="Roboto Mono"/>
+                <a:ea typeface="Roboto Mono"/>
+                <a:sym typeface="+mn-ea"/>
+              </a:rPr>
+              <a:t>split()</a:t>
+            </a:r>
+            <a:r>
+              <a:rPr lang="en-US" altLang="zh-CN" sz="1000">
+                <a:sym typeface="+mn-ea"/>
+              </a:rPr>
+              <a:t>, </a:t>
+            </a:r>
+            <a:r>
+              <a:rPr lang="en-US" altLang="zh-CN" sz="1000">
+                <a:solidFill>
+                  <a:srgbClr val="188038"/>
+                </a:solidFill>
+                <a:latin typeface="Roboto Mono"/>
+                <a:ea typeface="Roboto Mono"/>
+                <a:sym typeface="+mn-ea"/>
+              </a:rPr>
+              <a:t>hsplit()</a:t>
+            </a:r>
+            <a:r>
+              <a:rPr lang="en-US" altLang="zh-CN" sz="1000">
+                <a:sym typeface="+mn-ea"/>
+              </a:rPr>
+              <a:t>, </a:t>
+            </a:r>
+            <a:r>
+              <a:rPr lang="en-US" altLang="zh-CN" sz="1000">
+                <a:solidFill>
+                  <a:srgbClr val="188038"/>
+                </a:solidFill>
+                <a:latin typeface="Roboto Mono"/>
+                <a:ea typeface="Roboto Mono"/>
+                <a:sym typeface="+mn-ea"/>
+              </a:rPr>
+              <a:t>vsplit()</a:t>
+            </a:r>
+            <a:r>
+              <a:rPr lang="en-US" altLang="zh-CN" sz="1000">
+                <a:sym typeface="+mn-ea"/>
+              </a:rPr>
+              <a:t>.</a:t>
+            </a:r>
+            <a:endParaRPr lang="en-US" altLang="zh-CN" sz="1000" b="0" i="0">
+              <a:solidFill>
+                <a:srgbClr val="000000"/>
+              </a:solidFill>
+              <a:latin typeface="Arial" panose="020B0604020202020204"/>
+              <a:ea typeface="Arial" panose="020B0604020202020204"/>
+            </a:endParaRPr>
+          </a:p>
+          <a:p>
+            <a:pPr fontAlgn="base">
+              <a:spcBef>
+                <a:spcPct val="0"/>
+              </a:spcBef>
+              <a:spcAft>
+                <a:spcPct val="0"/>
+              </a:spcAft>
+              <a:buAutoNum type="arabicPeriod"/>
+            </a:pPr>
+            <a:r>
+              <a:rPr lang="en-US" altLang="zh-CN" sz="1000">
+                <a:sym typeface="+mn-ea"/>
+              </a:rPr>
+              <a:t>Concatenation: </a:t>
+            </a:r>
+            <a:r>
+              <a:rPr lang="en-US" altLang="zh-CN" sz="1000">
+                <a:solidFill>
+                  <a:srgbClr val="188038"/>
+                </a:solidFill>
+                <a:latin typeface="Roboto Mono"/>
+                <a:ea typeface="Roboto Mono"/>
+                <a:sym typeface="+mn-ea"/>
+              </a:rPr>
+              <a:t>concatenate()</a:t>
+            </a:r>
+            <a:r>
+              <a:rPr lang="en-US" altLang="zh-CN" sz="1000">
+                <a:sym typeface="+mn-ea"/>
+              </a:rPr>
+              <a:t>.</a:t>
+            </a:r>
+            <a:endParaRPr lang="en-US" altLang="zh-CN" sz="1000" b="0" i="0">
+              <a:solidFill>
+                <a:srgbClr val="000000"/>
+              </a:solidFill>
+              <a:latin typeface="Arial" panose="020B0604020202020204"/>
+              <a:ea typeface="Arial" panose="020B0604020202020204"/>
+            </a:endParaRPr>
+          </a:p>
+          <a:p>
+            <a:pPr fontAlgn="base">
+              <a:spcBef>
+                <a:spcPct val="0"/>
+              </a:spcBef>
+              <a:spcAft>
+                <a:spcPts val="1200"/>
+              </a:spcAft>
+              <a:buAutoNum type="arabicPeriod"/>
+            </a:pPr>
+            <a:r>
+              <a:rPr lang="en-US" altLang="zh-CN" sz="1000">
+                <a:sym typeface="+mn-ea"/>
+              </a:rPr>
+              <a:t>Insertion and deletion.</a:t>
+            </a:r>
+            <a:endParaRPr lang="en-US" altLang="zh-CN" sz="1000" b="0" i="0">
+              <a:solidFill>
+                <a:srgbClr val="000000"/>
+              </a:solidFill>
+              <a:latin typeface="Arial" panose="020B0604020202020204"/>
+              <a:ea typeface="Arial" panose="020B0604020202020204"/>
+            </a:endParaRPr>
+          </a:p>
+          <a:p>
+            <a:pPr fontAlgn="base">
+              <a:spcBef>
+                <a:spcPts val="1800"/>
+              </a:spcBef>
+              <a:spcAft>
+                <a:spcPts val="400"/>
+              </a:spcAft>
+            </a:pPr>
+            <a:r>
+              <a:rPr lang="en-US" altLang="zh-CN" sz="1800" b="1">
+                <a:sym typeface="+mn-ea"/>
+              </a:rPr>
+              <a:t>Module 10: Sorting &amp; Searching</a:t>
+            </a:r>
+            <a:endParaRPr lang="en-US" altLang="zh-CN" sz="1800" b="1" i="0">
+              <a:solidFill>
+                <a:srgbClr val="000000"/>
+              </a:solidFill>
+              <a:latin typeface="Arial" panose="020B0604020202020204"/>
+              <a:ea typeface="Arial" panose="020B0604020202020204"/>
+            </a:endParaRPr>
+          </a:p>
+          <a:p>
+            <a:pPr fontAlgn="base">
+              <a:spcBef>
+                <a:spcPts val="1200"/>
+              </a:spcBef>
+              <a:spcAft>
+                <a:spcPct val="0"/>
+              </a:spcAft>
+              <a:buAutoNum type="arabicPeriod"/>
+            </a:pPr>
+            <a:r>
+              <a:rPr lang="en-US" altLang="zh-CN" sz="1000">
+                <a:sym typeface="+mn-ea"/>
+              </a:rPr>
+              <a:t>Sorting arrays: </a:t>
+            </a:r>
+            <a:r>
+              <a:rPr lang="en-US" altLang="zh-CN" sz="1000">
+                <a:solidFill>
+                  <a:srgbClr val="188038"/>
+                </a:solidFill>
+                <a:latin typeface="Roboto Mono"/>
+                <a:ea typeface="Roboto Mono"/>
+                <a:sym typeface="+mn-ea"/>
+              </a:rPr>
+              <a:t>np.sort()</a:t>
+            </a:r>
+            <a:r>
+              <a:rPr lang="en-US" altLang="zh-CN" sz="1000">
+                <a:sym typeface="+mn-ea"/>
+              </a:rPr>
+              <a:t>.</a:t>
+            </a:r>
+            <a:endParaRPr lang="en-US" altLang="zh-CN" sz="1000" b="0" i="0">
+              <a:solidFill>
+                <a:srgbClr val="000000"/>
+              </a:solidFill>
+              <a:latin typeface="Arial" panose="020B0604020202020204"/>
+              <a:ea typeface="Arial" panose="020B0604020202020204"/>
+            </a:endParaRPr>
+          </a:p>
+          <a:p>
+            <a:pPr fontAlgn="base">
+              <a:spcBef>
+                <a:spcPct val="0"/>
+              </a:spcBef>
+              <a:spcAft>
+                <a:spcPct val="0"/>
+              </a:spcAft>
+              <a:buAutoNum type="arabicPeriod"/>
+            </a:pPr>
+            <a:r>
+              <a:rPr lang="en-US" altLang="zh-CN" sz="1000">
+                <a:sym typeface="+mn-ea"/>
+              </a:rPr>
+              <a:t>Indices of sorted elements: </a:t>
+            </a:r>
+            <a:r>
+              <a:rPr lang="en-US" altLang="zh-CN" sz="1000">
+                <a:solidFill>
+                  <a:srgbClr val="188038"/>
+                </a:solidFill>
+                <a:latin typeface="Roboto Mono"/>
+                <a:ea typeface="Roboto Mono"/>
+                <a:sym typeface="+mn-ea"/>
+              </a:rPr>
+              <a:t>np.argsort()</a:t>
+            </a:r>
+            <a:r>
+              <a:rPr lang="en-US" altLang="zh-CN" sz="1000">
+                <a:sym typeface="+mn-ea"/>
+              </a:rPr>
+              <a:t>.</a:t>
+            </a:r>
+            <a:endParaRPr lang="en-US" altLang="zh-CN" sz="1000" b="0" i="0">
+              <a:solidFill>
+                <a:srgbClr val="000000"/>
+              </a:solidFill>
+              <a:latin typeface="Arial" panose="020B0604020202020204"/>
+              <a:ea typeface="Arial" panose="020B0604020202020204"/>
+            </a:endParaRPr>
+          </a:p>
+          <a:p>
+            <a:pPr fontAlgn="base">
+              <a:spcBef>
+                <a:spcPct val="0"/>
+              </a:spcBef>
+              <a:spcAft>
+                <a:spcPct val="0"/>
+              </a:spcAft>
+              <a:buAutoNum type="arabicPeriod"/>
+            </a:pPr>
+            <a:r>
+              <a:rPr lang="en-US" altLang="zh-CN" sz="1000">
+                <a:sym typeface="+mn-ea"/>
+              </a:rPr>
+              <a:t>Searching:</a:t>
+            </a:r>
+            <a:endParaRPr lang="en-US" altLang="zh-CN" sz="1000" b="0" i="0">
+              <a:solidFill>
+                <a:srgbClr val="000000"/>
+              </a:solidFill>
+              <a:latin typeface="Arial" panose="020B0604020202020204"/>
+              <a:ea typeface="Arial" panose="020B0604020202020204"/>
+            </a:endParaRPr>
+          </a:p>
+          <a:p>
+            <a:pPr lvl="1" fontAlgn="base">
+              <a:spcBef>
+                <a:spcPct val="0"/>
+              </a:spcBef>
+              <a:spcAft>
+                <a:spcPct val="0"/>
+              </a:spcAft>
+              <a:buFont typeface="Arial" panose="020B0604020202020204"/>
+              <a:buChar char="◦"/>
+            </a:pPr>
+            <a:r>
+              <a:rPr lang="en-US" altLang="zh-CN" sz="1000">
+                <a:solidFill>
+                  <a:srgbClr val="188038"/>
+                </a:solidFill>
+                <a:latin typeface="Roboto Mono"/>
+                <a:ea typeface="Roboto Mono"/>
+                <a:sym typeface="+mn-ea"/>
+              </a:rPr>
+              <a:t>np.where()</a:t>
+            </a:r>
+            <a:endParaRPr lang="en-US" altLang="zh-CN" sz="1000" b="0" i="0">
+              <a:solidFill>
+                <a:srgbClr val="188038"/>
+              </a:solidFill>
+              <a:latin typeface="Roboto Mono"/>
+              <a:ea typeface="Roboto Mono"/>
+            </a:endParaRPr>
+          </a:p>
+          <a:p>
+            <a:pPr lvl="1" fontAlgn="base">
+              <a:spcBef>
+                <a:spcPct val="0"/>
+              </a:spcBef>
+              <a:spcAft>
+                <a:spcPct val="0"/>
+              </a:spcAft>
+              <a:buFont typeface="Arial" panose="020B0604020202020204"/>
+              <a:buChar char="◦"/>
+            </a:pPr>
+            <a:r>
+              <a:rPr lang="en-US" altLang="zh-CN" sz="1000">
+                <a:solidFill>
+                  <a:srgbClr val="188038"/>
+                </a:solidFill>
+                <a:latin typeface="Roboto Mono"/>
+                <a:ea typeface="Roboto Mono"/>
+                <a:sym typeface="+mn-ea"/>
+              </a:rPr>
+              <a:t>np.searchsorted()</a:t>
+            </a:r>
+            <a:endParaRPr lang="en-US" altLang="zh-CN" sz="1000" b="0" i="0">
+              <a:solidFill>
+                <a:srgbClr val="188038"/>
+              </a:solidFill>
+              <a:latin typeface="Roboto Mono"/>
+              <a:ea typeface="Roboto Mono"/>
+            </a:endParaRPr>
+          </a:p>
+          <a:p>
+            <a:pPr lvl="1" fontAlgn="base">
+              <a:spcBef>
+                <a:spcPct val="0"/>
+              </a:spcBef>
+              <a:spcAft>
+                <a:spcPts val="1200"/>
+              </a:spcAft>
+              <a:buFont typeface="Arial" panose="020B0604020202020204"/>
+              <a:buChar char="◦"/>
+            </a:pPr>
+            <a:r>
+              <a:rPr lang="en-US" altLang="zh-CN" sz="1000">
+                <a:solidFill>
+                  <a:srgbClr val="188038"/>
+                </a:solidFill>
+                <a:latin typeface="Roboto Mono"/>
+                <a:ea typeface="Roboto Mono"/>
+                <a:sym typeface="+mn-ea"/>
+              </a:rPr>
+              <a:t>np.nonzero()</a:t>
+            </a:r>
+            <a:endParaRPr lang="en-US" altLang="zh-CN" sz="1000">
+              <a:solidFill>
+                <a:srgbClr val="188038"/>
+              </a:solidFill>
+              <a:latin typeface="Roboto Mono"/>
+              <a:ea typeface="Roboto Mono"/>
               <a:sym typeface="+mn-ea"/>
             </a:endParaRPr>
           </a:p>
@@ -42948,167 +43200,400 @@
       <p:grpSpPr/>
       <p:sp>
         <p:nvSpPr>
-          <p:cNvPr id="3" name="Text Placeholder 2"/>
+          <p:cNvPr id="2" name="Text Placeholder 1"/>
           <p:cNvSpPr/>
           <p:nvPr>
             <p:ph type="body" idx="1"/>
           </p:nvPr>
         </p:nvSpPr>
+        <p:spPr/>
+        <p:txBody>
+          <a:bodyPr/>
+          <a:p>
+            <a:endParaRPr lang="en-US"/>
+          </a:p>
+        </p:txBody>
+      </p:sp>
+      <p:sp>
+        <p:nvSpPr>
+          <p:cNvPr id="3" name="Text Box 2"/>
+          <p:cNvSpPr txBox="1"/>
+          <p:nvPr/>
+        </p:nvSpPr>
         <p:spPr>
           <a:xfrm>
-            <a:off x="241300" y="195580"/>
-            <a:ext cx="8520430" cy="4811395"/>
+            <a:off x="4331335" y="-97156"/>
+            <a:ext cx="5080000" cy="4823460"/>
           </a:xfrm>
+          <a:prstGeom prst="rect">
+            <a:avLst/>
+          </a:prstGeom>
         </p:spPr>
         <p:txBody>
           <a:bodyPr>
-            <a:noAutofit/>
+            <a:spAutoFit/>
           </a:bodyPr>
           <a:p>
-            <a:pPr marL="114300" indent="0">
-              <a:buNone/>
-            </a:pPr>
-            <a:endParaRPr lang="en-US" sz="1600"/>
-          </a:p>
-          <a:p>
-            <a:pPr marL="114300" indent="0">
-              <a:buNone/>
-            </a:pPr>
-            <a:r>
-              <a:rPr lang="en-US" sz="1600">
-                <a:solidFill>
-                  <a:srgbClr val="C00000"/>
-                </a:solidFill>
-              </a:rPr>
-              <a:t># 2. np.argsort(): Return the indices that would sort an array</a:t>
-            </a:r>
-            <a:endParaRPr lang="en-US" sz="1600">
-              <a:solidFill>
-                <a:srgbClr val="C00000"/>
-              </a:solidFill>
+            <a:pPr>
+              <a:spcAft>
+                <a:spcPct val="60000"/>
+              </a:spcAft>
+            </a:pPr>
+            <a:r>
+              <a:rPr lang="zh-CN" altLang="en-US" sz="2000" b="1"/>
+              <a:t>🔍 </a:t>
+            </a:r>
+            <a:r>
+              <a:rPr lang="en-US" altLang="zh-CN" sz="2000" b="1"/>
+              <a:t>2. np.searchsorted()</a:t>
+            </a:r>
+            <a:endParaRPr lang="en-US" altLang="zh-CN" sz="2000" b="1"/>
+          </a:p>
+          <a:p>
+            <a:pPr>
+              <a:spcAft>
+                <a:spcPct val="60000"/>
+              </a:spcAft>
+            </a:pPr>
+            <a:r>
+              <a:rPr lang="en-US" altLang="zh-CN" sz="2000" b="1"/>
+              <a:t>Definition:</a:t>
+            </a:r>
+            <a:endParaRPr lang="en-US" altLang="zh-CN" sz="2000" b="1"/>
+          </a:p>
+          <a:p>
+            <a:r>
+              <a:rPr lang="en-US" altLang="zh-CN"/>
+              <a:t>np.searchsorted() returns the indices where elements should be inserted to maintain order.</a:t>
+            </a:r>
+            <a:endParaRPr lang="en-US" altLang="zh-CN"/>
+          </a:p>
+          <a:p>
+            <a:pPr>
+              <a:spcAft>
+                <a:spcPct val="60000"/>
+              </a:spcAft>
+            </a:pPr>
+            <a:r>
+              <a:rPr lang="en-US" altLang="zh-CN" sz="2000" b="1"/>
+              <a:t>Syntax:</a:t>
+            </a:r>
+            <a:endParaRPr lang="en-US" altLang="zh-CN" sz="2000" b="1"/>
+          </a:p>
+          <a:p>
+            <a:pPr>
+              <a:buFont typeface="Arial" panose="020B0604020202020204"/>
+              <a:buChar char="•"/>
+            </a:pPr>
+            <a:r>
+              <a:rPr lang="en-US" altLang="zh-CN"/>
+              <a:t>a : Sorted array</a:t>
+            </a:r>
+            <a:endParaRPr lang="en-US" altLang="zh-CN"/>
+          </a:p>
+          <a:p>
+            <a:pPr>
+              <a:buFont typeface="Arial" panose="020B0604020202020204"/>
+              <a:buChar char="•"/>
+            </a:pPr>
+            <a:endParaRPr lang="en-US" altLang="zh-CN"/>
+          </a:p>
+          <a:p>
+            <a:pPr>
+              <a:buFont typeface="Arial" panose="020B0604020202020204"/>
+              <a:buChar char="•"/>
+            </a:pPr>
+            <a:r>
+              <a:rPr lang="en-US" altLang="zh-CN"/>
+              <a:t>v : Values to insert</a:t>
+            </a:r>
+            <a:endParaRPr lang="en-US" altLang="zh-CN"/>
+          </a:p>
+          <a:p>
+            <a:pPr>
+              <a:buFont typeface="Arial" panose="020B0604020202020204"/>
+              <a:buChar char="•"/>
+            </a:pPr>
+            <a:endParaRPr lang="en-US" altLang="zh-CN"/>
+          </a:p>
+          <a:p>
+            <a:pPr>
+              <a:buFont typeface="Arial" panose="020B0604020202020204"/>
+              <a:buChar char="•"/>
+            </a:pPr>
+            <a:r>
+              <a:rPr lang="en-US" altLang="zh-CN"/>
+              <a:t>side : 'left' (default) or 'right' → controls insertion position when equal values exist.</a:t>
+            </a:r>
+            <a:endParaRPr lang="en-US" altLang="zh-CN"/>
+          </a:p>
+          <a:p>
+            <a:pPr>
+              <a:spcAft>
+                <a:spcPct val="60000"/>
+              </a:spcAft>
+            </a:pPr>
+            <a:r>
+              <a:rPr lang="en-US" altLang="zh-CN" sz="2000" b="1"/>
+              <a:t>Use Case:</a:t>
+            </a:r>
+            <a:endParaRPr lang="en-US" altLang="zh-CN" sz="2000" b="1"/>
+          </a:p>
+          <a:p>
+            <a:pPr>
+              <a:buFont typeface="Arial" panose="020B0604020202020204"/>
+              <a:buChar char="•"/>
+            </a:pPr>
+            <a:r>
+              <a:rPr lang="en-US" altLang="zh-CN"/>
+              <a:t>Binary search–like functionality.</a:t>
+            </a:r>
+            <a:endParaRPr lang="en-US" altLang="zh-CN"/>
+          </a:p>
+          <a:p>
+            <a:pPr>
+              <a:buFont typeface="Arial" panose="020B0604020202020204"/>
+              <a:buChar char="•"/>
+            </a:pPr>
+            <a:endParaRPr lang="en-US" altLang="zh-CN"/>
+          </a:p>
+          <a:p>
+            <a:pPr>
+              <a:buFont typeface="Arial" panose="020B0604020202020204"/>
+              <a:buChar char="•"/>
+            </a:pPr>
+            <a:r>
+              <a:rPr lang="en-US" altLang="zh-CN"/>
+              <a:t>Insert values in a sorted array.</a:t>
+            </a:r>
+            <a:endParaRPr lang="en-US" altLang="zh-CN"/>
+          </a:p>
+          <a:p>
+            <a:pPr>
+              <a:spcAft>
+                <a:spcPct val="60000"/>
+              </a:spcAft>
+            </a:pPr>
+            <a:r>
+              <a:rPr lang="en-US" altLang="zh-CN" sz="2000" b="1"/>
+              <a:t>Example:</a:t>
+            </a:r>
+            <a:endParaRPr lang="en-US" altLang="zh-CN" sz="2000" b="1"/>
+          </a:p>
+        </p:txBody>
+      </p:sp>
+      <p:sp>
+        <p:nvSpPr>
+          <p:cNvPr id="5" name="Text Box 4"/>
+          <p:cNvSpPr txBox="1"/>
+          <p:nvPr/>
+        </p:nvSpPr>
+        <p:spPr>
+          <a:xfrm>
+            <a:off x="2032000" y="12064999"/>
+            <a:ext cx="5080000" cy="1137285"/>
+          </a:xfrm>
+          <a:prstGeom prst="rect">
+            <a:avLst/>
+          </a:prstGeom>
+        </p:spPr>
+        <p:txBody>
+          <a:bodyPr>
+            <a:spAutoFit/>
+          </a:bodyPr>
+          <a:p>
+            <a:endParaRPr lang="en-US" altLang="zh-CN" sz="2000"/>
+          </a:p>
+          <a:p>
+            <a:r>
+              <a:rPr lang="en-US" altLang="zh-CN" sz="1600"/>
+              <a:t>Would you like me to show a side-by-side comparison example where all three are applied to the same array for clarity?</a:t>
+            </a:r>
+            <a:endParaRPr lang="en-US" altLang="zh-CN" sz="1600"/>
+          </a:p>
+        </p:txBody>
+      </p:sp>
+      <p:sp>
+        <p:nvSpPr>
+          <p:cNvPr id="6" name="Text Box 5"/>
+          <p:cNvSpPr txBox="1"/>
+          <p:nvPr/>
+        </p:nvSpPr>
+        <p:spPr>
+          <a:xfrm>
+            <a:off x="78740" y="-784225"/>
+            <a:ext cx="4572000" cy="4823460"/>
+          </a:xfrm>
+          <a:prstGeom prst="rect">
+            <a:avLst/>
+          </a:prstGeom>
+          <a:noFill/>
+        </p:spPr>
+        <p:txBody>
+          <a:bodyPr wrap="square" rtlCol="0" anchor="t">
+            <a:spAutoFit/>
+          </a:bodyPr>
+          <a:p>
+            <a:pPr>
+              <a:spcAft>
+                <a:spcPct val="60000"/>
+              </a:spcAft>
+            </a:pPr>
+            <a:r>
+              <a:rPr lang="zh-CN" altLang="en-US" sz="2000" b="1">
+                <a:sym typeface="+mn-ea"/>
+              </a:rPr>
+              <a:t>🧩 </a:t>
+            </a:r>
+            <a:r>
+              <a:rPr lang="en-US" altLang="zh-CN" sz="2000" b="1">
+                <a:sym typeface="+mn-ea"/>
+              </a:rPr>
+              <a:t>1. np.where()</a:t>
+            </a:r>
+            <a:endParaRPr lang="en-US" altLang="zh-CN" sz="2000" b="1"/>
+          </a:p>
+          <a:p>
+            <a:pPr>
+              <a:spcAft>
+                <a:spcPct val="60000"/>
+              </a:spcAft>
+            </a:pPr>
+            <a:r>
+              <a:rPr lang="en-US" altLang="zh-CN" sz="2000" b="1">
+                <a:sym typeface="+mn-ea"/>
+              </a:rPr>
+              <a:t>Definition:</a:t>
+            </a:r>
+            <a:endParaRPr lang="en-US" altLang="zh-CN" sz="2000" b="1"/>
+          </a:p>
+          <a:p>
+            <a:r>
+              <a:rPr lang="en-US" altLang="zh-CN">
+                <a:sym typeface="+mn-ea"/>
+              </a:rPr>
+              <a:t>np.where() returns indices of elements in an array that satisfy a condition.</a:t>
+            </a:r>
+            <a:endParaRPr lang="en-US" altLang="zh-CN"/>
+          </a:p>
+          <a:p>
+            <a:r>
+              <a:rPr lang="en-US" altLang="zh-CN">
+                <a:sym typeface="+mn-ea"/>
+              </a:rPr>
+              <a:t> It can also be used as a vectorized if-else statement.</a:t>
+            </a:r>
+            <a:endParaRPr lang="en-US" altLang="zh-CN"/>
+          </a:p>
+          <a:p>
+            <a:pPr>
+              <a:spcAft>
+                <a:spcPct val="60000"/>
+              </a:spcAft>
+            </a:pPr>
+            <a:r>
+              <a:rPr lang="en-US" altLang="zh-CN" sz="2000" b="1">
+                <a:sym typeface="+mn-ea"/>
+              </a:rPr>
+              <a:t>Syntax:</a:t>
+            </a:r>
+            <a:endParaRPr lang="en-US" altLang="zh-CN" sz="2000" b="1"/>
+          </a:p>
+          <a:p>
+            <a:pPr>
+              <a:buFont typeface="Arial" panose="020B0604020202020204"/>
+              <a:buChar char="•"/>
+            </a:pPr>
+            <a:r>
+              <a:rPr lang="en-US" altLang="zh-CN">
+                <a:sym typeface="+mn-ea"/>
+              </a:rPr>
+              <a:t>If only condition is given → returns indices where condition is True.</a:t>
+            </a:r>
+            <a:endParaRPr lang="en-US" altLang="zh-CN"/>
+          </a:p>
+          <a:p>
+            <a:pPr>
+              <a:buFont typeface="Arial" panose="020B0604020202020204"/>
+              <a:buChar char="•"/>
+            </a:pPr>
+            <a:endParaRPr lang="en-US" altLang="zh-CN"/>
+          </a:p>
+          <a:p>
+            <a:pPr>
+              <a:buFont typeface="Arial" panose="020B0604020202020204"/>
+              <a:buChar char="•"/>
+            </a:pPr>
+            <a:r>
+              <a:rPr lang="en-US" altLang="zh-CN">
+                <a:sym typeface="+mn-ea"/>
+              </a:rPr>
+              <a:t>If x and y are given → returns elements from x or y depending on condition.</a:t>
+            </a:r>
+            <a:endParaRPr lang="en-US" altLang="zh-CN"/>
+          </a:p>
+          <a:p>
+            <a:pPr>
+              <a:spcAft>
+                <a:spcPct val="60000"/>
+              </a:spcAft>
+            </a:pPr>
+            <a:r>
+              <a:rPr lang="en-US" altLang="zh-CN" sz="2000" b="1">
+                <a:sym typeface="+mn-ea"/>
+              </a:rPr>
+              <a:t>Use Case:</a:t>
+            </a:r>
+            <a:endParaRPr lang="en-US" altLang="zh-CN" sz="2000" b="1"/>
+          </a:p>
+          <a:p>
+            <a:pPr>
+              <a:buFont typeface="Arial" panose="020B0604020202020204"/>
+              <a:buChar char="•"/>
+            </a:pPr>
+            <a:r>
+              <a:rPr lang="en-US" altLang="zh-CN">
+                <a:sym typeface="+mn-ea"/>
+              </a:rPr>
+              <a:t>Find positions of specific values.</a:t>
+            </a:r>
+            <a:endParaRPr lang="en-US" altLang="zh-CN"/>
+          </a:p>
+          <a:p>
+            <a:pPr>
+              <a:buFont typeface="Arial" panose="020B0604020202020204"/>
+              <a:buChar char="•"/>
+            </a:pPr>
+            <a:endParaRPr lang="en-US" altLang="zh-CN"/>
+          </a:p>
+          <a:p>
+            <a:pPr>
+              <a:buFont typeface="Arial" panose="020B0604020202020204"/>
+              <a:buChar char="•"/>
+            </a:pPr>
+            <a:r>
+              <a:rPr lang="en-US" altLang="zh-CN">
+                <a:sym typeface="+mn-ea"/>
+              </a:rPr>
+              <a:t>Replace values based on a condition.</a:t>
+            </a:r>
+            <a:endParaRPr lang="en-US" altLang="zh-CN"/>
+          </a:p>
+          <a:p>
+            <a:pPr>
+              <a:spcAft>
+                <a:spcPct val="60000"/>
+              </a:spcAft>
+            </a:pPr>
+            <a:r>
+              <a:rPr lang="en-US" altLang="zh-CN" sz="2000" b="1">
+                <a:sym typeface="+mn-ea"/>
+              </a:rPr>
+              <a:t>Example:</a:t>
+            </a:r>
+            <a:endParaRPr lang="en-US" altLang="zh-CN" sz="2000" b="1">
+              <a:sym typeface="+mn-ea"/>
             </a:endParaRPr>
-          </a:p>
-          <a:p>
-            <a:pPr marL="114300" indent="0">
-              <a:buNone/>
-            </a:pPr>
-            <a:r>
-              <a:rPr lang="en-US" sz="1600"/>
-              <a:t>sorted_indices = np.argsort(arr)</a:t>
-            </a:r>
-            <a:endParaRPr lang="en-US" sz="1600"/>
-          </a:p>
-          <a:p>
-            <a:pPr marL="114300" indent="0">
-              <a:buNone/>
-            </a:pPr>
-            <a:r>
-              <a:rPr lang="en-US" sz="1600"/>
-              <a:t>print("Indices that would sort the array:", sorted_indices)</a:t>
-            </a:r>
-            <a:endParaRPr lang="en-US" sz="1600"/>
-          </a:p>
-          <a:p>
-            <a:pPr marL="114300" indent="0">
-              <a:buNone/>
-            </a:pPr>
-            <a:r>
-              <a:rPr lang="en-US" sz="1600"/>
-              <a:t># Output: [1 3 4 2 0]</a:t>
-            </a:r>
-            <a:endParaRPr lang="en-US" sz="1600"/>
-          </a:p>
-          <a:p>
-            <a:pPr marL="114300" indent="0">
-              <a:buNone/>
-            </a:pPr>
-            <a:r>
-              <a:rPr lang="en-US" sz="1600"/>
-              <a:t># Explanation: The element at index 1 (value 10) is the smallest, so it's placed first.</a:t>
-            </a:r>
-            <a:endParaRPr lang="en-US" sz="1600"/>
-          </a:p>
-          <a:p>
-            <a:pPr marL="114300" indent="0">
-              <a:buNone/>
-            </a:pPr>
-            <a:endParaRPr lang="en-US" sz="1600"/>
-          </a:p>
-          <a:p>
-            <a:pPr marL="114300" indent="0">
-              <a:buNone/>
-            </a:pPr>
-            <a:r>
-              <a:rPr lang="en-US" sz="1600">
-                <a:solidFill>
-                  <a:srgbClr val="C00000"/>
-                </a:solidFill>
-              </a:rPr>
-              <a:t># 3. np.searchsorted(): Find indices where elements should be inserted to maintain order</a:t>
-            </a:r>
-            <a:endParaRPr lang="en-US" sz="1600">
-              <a:solidFill>
-                <a:srgbClr val="C00000"/>
-              </a:solidFill>
-            </a:endParaRPr>
-          </a:p>
-          <a:p>
-            <a:pPr marL="114300" indent="0">
-              <a:buNone/>
-            </a:pPr>
-            <a:r>
-              <a:rPr lang="en-US" sz="1600">
-                <a:solidFill>
-                  <a:srgbClr val="C00000"/>
-                </a:solidFill>
-              </a:rPr>
-              <a:t># Searching for positions to insert 25 and 35 to maintain the sorted order</a:t>
-            </a:r>
-            <a:endParaRPr lang="en-US" sz="1600">
-              <a:solidFill>
-                <a:srgbClr val="C00000"/>
-              </a:solidFill>
-            </a:endParaRPr>
-          </a:p>
-          <a:p>
-            <a:pPr marL="114300" indent="0">
-              <a:buNone/>
-            </a:pPr>
-            <a:r>
-              <a:rPr lang="en-US" sz="1600"/>
-              <a:t>insert_positions = np.searchsorted(sorted_arr, [25, 35])</a:t>
-            </a:r>
-            <a:endParaRPr lang="en-US" sz="1600"/>
-          </a:p>
-          <a:p>
-            <a:pPr marL="114300" indent="0">
-              <a:buNone/>
-            </a:pPr>
-            <a:r>
-              <a:rPr lang="en-US" sz="1600"/>
-              <a:t>print("Insert positions for 25 and 35:", insert_positions)</a:t>
-            </a:r>
-            <a:endParaRPr lang="en-US" sz="1600"/>
-          </a:p>
-          <a:p>
-            <a:pPr marL="114300" indent="0">
-              <a:buNone/>
-            </a:pPr>
-            <a:r>
-              <a:rPr lang="en-US" sz="1600"/>
-              <a:t># Output: [2 3]</a:t>
-            </a:r>
-            <a:endParaRPr lang="en-US" sz="1600"/>
-          </a:p>
-          <a:p>
-            <a:pPr marL="114300" indent="0">
-              <a:buNone/>
-            </a:pPr>
-            <a:r>
-              <a:rPr lang="en-US" sz="1600"/>
-              <a:t># Explanation: 25 should be inserted at index 2 and 35 at index 3 to maintain order.</a:t>
-            </a:r>
-            <a:endParaRPr lang="en-US" sz="1600"/>
           </a:p>
         </p:txBody>
       </p:sp>
@@ -43125,166 +43610,37 @@
   <p:cSld>
     <p:spTree>
       <p:nvGrpSpPr>
-        <p:cNvPr id="331" name="Shape 331"/>
+        <p:cNvPr id="1" name=""/>
         <p:cNvGrpSpPr/>
         <p:nvPr/>
       </p:nvGrpSpPr>
-      <p:grpSpPr>
-        <a:xfrm>
-          <a:off x="0" y="0"/>
-          <a:ext cx="0" cy="0"/>
-          <a:chOff x="0" y="0"/>
-          <a:chExt cx="0" cy="0"/>
-        </a:xfrm>
-      </p:grpSpPr>
+      <p:grpSpPr/>
       <p:sp>
         <p:nvSpPr>
-          <p:cNvPr id="332" name="Google Shape;332;p61"/>
-          <p:cNvSpPr txBox="1"/>
+          <p:cNvPr id="2" name="Text Placeholder 1"/>
+          <p:cNvSpPr/>
           <p:nvPr>
-            <p:ph type="title"/>
+            <p:ph type="body" idx="1"/>
           </p:nvPr>
         </p:nvSpPr>
-        <p:spPr>
-          <a:xfrm>
-            <a:off x="311700" y="445025"/>
-            <a:ext cx="8520600" cy="572700"/>
-          </a:xfrm>
-          <a:prstGeom prst="rect">
-            <a:avLst/>
-          </a:prstGeom>
-        </p:spPr>
+        <p:spPr/>
         <p:txBody>
-          <a:bodyPr spcFirstLastPara="1" wrap="square" lIns="91425" tIns="91425" rIns="91425" bIns="91425" anchor="t" anchorCtr="0">
-            <a:normAutofit fontScale="90000"/>
-          </a:bodyPr>
-          <a:lstStyle/>
-          <a:p>
-            <a:pPr marL="0" lvl="0" indent="0" algn="l" rtl="0">
-              <a:spcBef>
-                <a:spcPts val="0"/>
-              </a:spcBef>
-              <a:spcAft>
-                <a:spcPts val="0"/>
-              </a:spcAft>
-              <a:buNone/>
-            </a:pPr>
-            <a:r>
-              <a:rPr lang="en-GB"/>
-              <a:t>Element-wise Comparisons</a:t>
-            </a:r>
-            <a:endParaRPr lang="en-GB"/>
+          <a:bodyPr/>
+          <a:p>
+            <a:endParaRPr lang="en-US"/>
           </a:p>
         </p:txBody>
       </p:sp>
       <p:sp>
         <p:nvSpPr>
-          <p:cNvPr id="333" name="Google Shape;333;p61"/>
-          <p:cNvSpPr txBox="1"/>
-          <p:nvPr>
-            <p:ph type="body" idx="1"/>
-          </p:nvPr>
-        </p:nvSpPr>
-        <p:spPr>
-          <a:xfrm>
-            <a:off x="382185" y="863550"/>
-            <a:ext cx="8520600" cy="3416400"/>
-          </a:xfrm>
-          <a:prstGeom prst="rect">
-            <a:avLst/>
-          </a:prstGeom>
-        </p:spPr>
-        <p:txBody>
-          <a:bodyPr spcFirstLastPara="1" wrap="square" lIns="91425" tIns="91425" rIns="91425" bIns="91425" anchor="t" anchorCtr="0">
-            <a:normAutofit/>
-          </a:bodyPr>
-          <a:lstStyle/>
-          <a:p>
-            <a:pPr marL="0" lvl="0" indent="0" algn="l" rtl="0">
-              <a:spcBef>
-                <a:spcPts val="0"/>
-              </a:spcBef>
-              <a:spcAft>
-                <a:spcPts val="0"/>
-              </a:spcAft>
-              <a:buClr>
-                <a:schemeClr val="dk1"/>
-              </a:buClr>
-              <a:buSzPts val="1100"/>
-              <a:buFont typeface="Arial" panose="020B0604020202020204"/>
-              <a:buNone/>
-            </a:pPr>
-            <a:r>
-              <a:rPr lang="en-GB"/>
-              <a:t>np.equal(): Compare if two arrays have the same elements.</a:t>
-            </a:r>
-            <a:endParaRPr lang="en-GB"/>
-          </a:p>
-          <a:p>
-            <a:pPr marL="0" lvl="0" indent="0" algn="l" rtl="0">
-              <a:spcBef>
-                <a:spcPts val="1200"/>
-              </a:spcBef>
-              <a:spcAft>
-                <a:spcPts val="0"/>
-              </a:spcAft>
-              <a:buClr>
-                <a:schemeClr val="dk1"/>
-              </a:buClr>
-              <a:buSzPts val="1100"/>
-              <a:buFont typeface="Arial" panose="020B0604020202020204"/>
-              <a:buNone/>
-            </a:pPr>
-            <a:r>
-              <a:rPr lang="en-GB"/>
-              <a:t>np.not_equal(): Compare if two arrays have different elements.</a:t>
-            </a:r>
-            <a:endParaRPr lang="en-GB"/>
-          </a:p>
-          <a:p>
-            <a:pPr marL="0" lvl="0" indent="0" algn="l" rtl="0">
-              <a:spcBef>
-                <a:spcPts val="1200"/>
-              </a:spcBef>
-              <a:spcAft>
-                <a:spcPts val="0"/>
-              </a:spcAft>
-              <a:buClr>
-                <a:schemeClr val="dk1"/>
-              </a:buClr>
-              <a:buSzPts val="1100"/>
-              <a:buFont typeface="Arial" panose="020B0604020202020204"/>
-              <a:buNone/>
-            </a:pPr>
-            <a:r>
-              <a:rPr lang="en-GB"/>
-              <a:t>np.logical_and(), np.logical_or(), np.logical_not(): Perform element-wise logical operations.</a:t>
-            </a:r>
-            <a:endParaRPr lang="en-GB"/>
-          </a:p>
-          <a:p>
-            <a:pPr marL="0" lvl="0" indent="0" algn="l" rtl="0">
-              <a:spcBef>
-                <a:spcPts val="1200"/>
-              </a:spcBef>
-              <a:spcAft>
-                <a:spcPts val="1200"/>
-              </a:spcAft>
-              <a:buNone/>
-            </a:pPr>
-          </a:p>
-        </p:txBody>
-      </p:sp>
-      <p:sp>
-        <p:nvSpPr>
-          <p:cNvPr id="2" name="Text Box 1"/>
+          <p:cNvPr id="3" name="Text Box 2"/>
           <p:cNvSpPr txBox="1"/>
           <p:nvPr/>
         </p:nvSpPr>
         <p:spPr>
           <a:xfrm>
-            <a:off x="678180" y="2388870"/>
-            <a:ext cx="5897245" cy="2707005"/>
+            <a:off x="1218565" y="292735"/>
+            <a:ext cx="5639435" cy="4558030"/>
           </a:xfrm>
           <a:prstGeom prst="rect">
             <a:avLst/>
@@ -43296,190 +43652,144 @@
             <a:spAutoFit/>
           </a:bodyPr>
           <a:p>
-            <a:pPr marL="114300" indent="0">
-              <a:buNone/>
-            </a:pPr>
-            <a:r>
-              <a:rPr lang="en-US" sz="1000">
+            <a:pPr>
+              <a:spcAft>
+                <a:spcPct val="60000"/>
+              </a:spcAft>
+            </a:pPr>
+            <a:r>
+              <a:rPr lang="zh-CN" altLang="en-US" sz="2000" b="1">
                 <a:sym typeface="+mn-ea"/>
               </a:rPr>
-              <a:t>import numpy as np</a:t>
-            </a:r>
-            <a:endParaRPr lang="en-US" sz="1000"/>
-          </a:p>
-          <a:p>
-            <a:pPr marL="114300" indent="0">
-              <a:buNone/>
-            </a:pPr>
-            <a:endParaRPr lang="en-US" sz="1000"/>
-          </a:p>
-          <a:p>
-            <a:pPr marL="114300" indent="0">
-              <a:buNone/>
-            </a:pPr>
-            <a:r>
-              <a:rPr lang="en-US" sz="1000">
+              <a:t>⚙</a:t>
+            </a:r>
+            <a:r>
+              <a:rPr lang="en-US" altLang="zh-CN" sz="2000" b="1">
                 <a:sym typeface="+mn-ea"/>
               </a:rPr>
-              <a:t># Create two arrays</a:t>
-            </a:r>
-            <a:endParaRPr lang="en-US" sz="1000"/>
-          </a:p>
-          <a:p>
-            <a:pPr marL="114300" indent="0">
-              <a:buNone/>
-            </a:pPr>
-            <a:r>
-              <a:rPr lang="en-US" sz="1000">
+              <a:t>️ 3. np.nonzero()</a:t>
+            </a:r>
+            <a:endParaRPr lang="en-US" altLang="zh-CN" sz="2000" b="1"/>
+          </a:p>
+          <a:p>
+            <a:pPr>
+              <a:spcAft>
+                <a:spcPct val="60000"/>
+              </a:spcAft>
+            </a:pPr>
+            <a:r>
+              <a:rPr lang="en-US" altLang="zh-CN" sz="2000" b="1">
                 <a:sym typeface="+mn-ea"/>
               </a:rPr>
-              <a:t>arr1 = np.array([1, 2, 3, 4, 5])</a:t>
-            </a:r>
-            <a:endParaRPr lang="en-US" sz="1000"/>
-          </a:p>
-          <a:p>
-            <a:pPr marL="114300" indent="0">
-              <a:buNone/>
-            </a:pPr>
-            <a:r>
-              <a:rPr lang="en-US" sz="1000">
+              <a:t>Definition:</a:t>
+            </a:r>
+            <a:endParaRPr lang="en-US" altLang="zh-CN" sz="2000" b="1"/>
+          </a:p>
+          <a:p>
+            <a:r>
+              <a:rPr lang="en-US" altLang="zh-CN">
                 <a:sym typeface="+mn-ea"/>
               </a:rPr>
-              <a:t>arr2 = np.array([1, 3, 2, 4, 5])</a:t>
-            </a:r>
-            <a:endParaRPr lang="en-US" sz="1000"/>
-          </a:p>
-          <a:p>
-            <a:pPr marL="114300" indent="0">
-              <a:buNone/>
-            </a:pPr>
-            <a:endParaRPr lang="en-US" sz="1000"/>
-          </a:p>
-          <a:p>
-            <a:pPr marL="114300" indent="0">
-              <a:buNone/>
-            </a:pPr>
-            <a:r>
-              <a:rPr lang="en-US" sz="1000">
+              <a:t>np.nonzero() returns the indices of non-zero (or True) elements in an array.</a:t>
+            </a:r>
+            <a:endParaRPr lang="en-US" altLang="zh-CN"/>
+          </a:p>
+          <a:p>
+            <a:pPr>
+              <a:spcAft>
+                <a:spcPct val="60000"/>
+              </a:spcAft>
+            </a:pPr>
+            <a:r>
+              <a:rPr lang="en-US" altLang="zh-CN" sz="2000" b="1">
                 <a:sym typeface="+mn-ea"/>
               </a:rPr>
-              <a:t># 1. np.equal(): Compare if two arrays have the same elements</a:t>
-            </a:r>
-            <a:endParaRPr lang="en-US" sz="1000"/>
-          </a:p>
-          <a:p>
-            <a:pPr marL="114300" indent="0">
-              <a:buNone/>
-            </a:pPr>
-            <a:r>
-              <a:rPr lang="en-US" sz="1000">
+              <a:t>Syntax:</a:t>
+            </a:r>
+            <a:endParaRPr lang="en-US" altLang="zh-CN" sz="2000" b="1"/>
+          </a:p>
+          <a:p>
+            <a:pPr>
+              <a:spcAft>
+                <a:spcPct val="60000"/>
+              </a:spcAft>
+            </a:pPr>
+            <a:r>
+              <a:rPr lang="en-US" altLang="zh-CN" sz="2000" b="1">
                 <a:sym typeface="+mn-ea"/>
               </a:rPr>
-              <a:t>equal_result = np.equal(arr1, arr2)</a:t>
-            </a:r>
-            <a:endParaRPr lang="en-US" sz="1000"/>
-          </a:p>
-          <a:p>
-            <a:pPr marL="114300" indent="0">
-              <a:buNone/>
-            </a:pPr>
-            <a:r>
-              <a:rPr lang="en-US" sz="1000">
+              <a:t>Use Case:</a:t>
+            </a:r>
+            <a:endParaRPr lang="en-US" altLang="zh-CN" sz="2000" b="1"/>
+          </a:p>
+          <a:p>
+            <a:pPr>
+              <a:spcAft>
+                <a:spcPct val="60000"/>
+              </a:spcAft>
+            </a:pPr>
+            <a:endParaRPr lang="en-US" altLang="zh-CN" sz="2000" b="1"/>
+          </a:p>
+          <a:p>
+            <a:pPr>
+              <a:buFont typeface="Arial" panose="020B0604020202020204"/>
+              <a:buChar char="•"/>
+            </a:pPr>
+            <a:r>
+              <a:rPr lang="en-US" altLang="zh-CN">
                 <a:sym typeface="+mn-ea"/>
               </a:rPr>
-              <a:t>print("Equal comparison:", equal_result)</a:t>
-            </a:r>
-            <a:endParaRPr lang="en-US" sz="1000"/>
-          </a:p>
-          <a:p>
-            <a:pPr marL="114300" indent="0">
-              <a:buNone/>
-            </a:pPr>
-            <a:r>
-              <a:rPr lang="en-US" sz="1000">
+              <a:t>Identify where data is non-zero or non-False.</a:t>
+            </a:r>
+            <a:endParaRPr lang="en-US" altLang="zh-CN"/>
+          </a:p>
+          <a:p>
+            <a:pPr>
+              <a:buFont typeface="Arial" panose="020B0604020202020204"/>
+              <a:buChar char="•"/>
+            </a:pPr>
+            <a:endParaRPr lang="en-US" altLang="zh-CN"/>
+          </a:p>
+          <a:p>
+            <a:pPr>
+              <a:buFont typeface="Arial" panose="020B0604020202020204"/>
+              <a:buChar char="•"/>
+            </a:pPr>
+            <a:r>
+              <a:rPr lang="en-US" altLang="zh-CN">
                 <a:sym typeface="+mn-ea"/>
               </a:rPr>
-              <a:t># Output: [ True False False  True  True ]</a:t>
-            </a:r>
-            <a:endParaRPr lang="en-US" sz="1000"/>
-          </a:p>
-          <a:p>
-            <a:pPr marL="114300" indent="0">
-              <a:buNone/>
-            </a:pPr>
-            <a:r>
-              <a:rPr lang="en-US" sz="1000">
+              <a:t>Similar to np.where(a != 0).</a:t>
+            </a:r>
+            <a:endParaRPr lang="en-US" altLang="zh-CN"/>
+          </a:p>
+          <a:p>
+            <a:pPr>
+              <a:spcAft>
+                <a:spcPct val="60000"/>
+              </a:spcAft>
+            </a:pPr>
+            <a:r>
+              <a:rPr lang="en-US" altLang="zh-CN" sz="2000" b="1">
                 <a:sym typeface="+mn-ea"/>
               </a:rPr>
-              <a:t># Explanation: Elements at positions 0, 3, and 4 are equal between the two arrays.</a:t>
-            </a:r>
-            <a:endParaRPr lang="en-US" sz="1000"/>
-          </a:p>
-          <a:p>
-            <a:pPr marL="114300" indent="0">
-              <a:buNone/>
-            </a:pPr>
-            <a:endParaRPr lang="en-US" sz="1000"/>
-          </a:p>
-          <a:p>
-            <a:pPr marL="114300" indent="0">
-              <a:buNone/>
-            </a:pPr>
-            <a:r>
-              <a:rPr lang="en-US" sz="1000">
+              <a:t>Example:</a:t>
+            </a:r>
+            <a:endParaRPr lang="en-US" altLang="zh-CN" sz="2000" b="1"/>
+          </a:p>
+          <a:p>
+            <a:pPr>
+              <a:spcAft>
+                <a:spcPct val="60000"/>
+              </a:spcAft>
+            </a:pPr>
+            <a:r>
+              <a:rPr lang="en-US" altLang="zh-CN" sz="2000" b="1">
                 <a:sym typeface="+mn-ea"/>
               </a:rPr>
-              <a:t># 2. np.not_equal(): Compare if two arrays have different elements</a:t>
-            </a:r>
-            <a:endParaRPr lang="en-US" sz="1000"/>
-          </a:p>
-          <a:p>
-            <a:pPr marL="114300" indent="0">
-              <a:buNone/>
-            </a:pPr>
-            <a:r>
-              <a:rPr lang="en-US" sz="1000">
-                <a:sym typeface="+mn-ea"/>
-              </a:rPr>
-              <a:t>not_equal_result = np.not_equal(arr1, arr2)</a:t>
-            </a:r>
-            <a:endParaRPr lang="en-US" sz="1000"/>
-          </a:p>
-          <a:p>
-            <a:pPr marL="114300" indent="0">
-              <a:buNone/>
-            </a:pPr>
-            <a:r>
-              <a:rPr lang="en-US" sz="1000">
-                <a:sym typeface="+mn-ea"/>
-              </a:rPr>
-              <a:t>print("Not equal comparison:", not_equal_result)</a:t>
-            </a:r>
-            <a:endParaRPr lang="en-US" sz="1000"/>
-          </a:p>
-          <a:p>
-            <a:pPr marL="114300" indent="0">
-              <a:buNone/>
-            </a:pPr>
-            <a:r>
-              <a:rPr lang="en-US" sz="1000">
-                <a:sym typeface="+mn-ea"/>
-              </a:rPr>
-              <a:t># Output: [False  True  True False False]</a:t>
-            </a:r>
-            <a:endParaRPr lang="en-US" sz="1000"/>
-          </a:p>
-          <a:p>
-            <a:pPr marL="114300" indent="0">
-              <a:buNone/>
-            </a:pPr>
-            <a:r>
-              <a:rPr lang="en-US" sz="1000">
-                <a:sym typeface="+mn-ea"/>
-              </a:rPr>
-              <a:t># Explanation: Elements at positions 1 and 2 are not equal between the two arrays.</a:t>
-            </a:r>
-            <a:endParaRPr lang="en-US" sz="1000">
+              <a:t>✅ Summary Table</a:t>
+            </a:r>
+            <a:endParaRPr lang="en-US" altLang="zh-CN" sz="2000" b="1">
               <a:sym typeface="+mn-ea"/>
             </a:endParaRPr>
           </a:p>
@@ -43505,192 +43815,484 @@
       <p:grpSpPr/>
       <p:sp>
         <p:nvSpPr>
-          <p:cNvPr id="3" name="Text Placeholder 2"/>
+          <p:cNvPr id="2" name="Text Placeholder 1"/>
           <p:cNvSpPr/>
           <p:nvPr>
             <p:ph type="body" idx="1"/>
           </p:nvPr>
         </p:nvSpPr>
-        <p:spPr>
-          <a:xfrm>
-            <a:off x="241300" y="203835"/>
-            <a:ext cx="8520430" cy="3819525"/>
-          </a:xfrm>
-        </p:spPr>
+        <p:spPr/>
         <p:txBody>
-          <a:bodyPr>
-            <a:noAutofit/>
-          </a:bodyPr>
-          <a:p>
-            <a:pPr marL="114300" indent="0">
-              <a:buNone/>
-            </a:pPr>
-            <a:endParaRPr lang="en-US" sz="1400"/>
-          </a:p>
-          <a:p>
-            <a:pPr marL="114300" indent="0">
-              <a:buNone/>
-            </a:pPr>
-            <a:r>
-              <a:rPr lang="en-US" sz="1400"/>
-              <a:t># 3. np.logical_and(): Perform element-wise logical AND operation</a:t>
-            </a:r>
-            <a:endParaRPr lang="en-US" sz="1400"/>
-          </a:p>
-          <a:p>
-            <a:pPr marL="114300" indent="0">
-              <a:buNone/>
-            </a:pPr>
-            <a:r>
-              <a:rPr lang="en-US" sz="1400"/>
-              <a:t>logical_and_result = np.logical_and(arr1 &gt; 2, arr2 &gt; 2)</a:t>
-            </a:r>
-            <a:endParaRPr lang="en-US" sz="1400"/>
-          </a:p>
-          <a:p>
-            <a:pPr marL="114300" indent="0">
-              <a:buNone/>
-            </a:pPr>
-            <a:r>
-              <a:rPr lang="en-US" sz="1400"/>
-              <a:t>print("Logical AND result:", logical_and_result)</a:t>
-            </a:r>
-            <a:endParaRPr lang="en-US" sz="1400"/>
-          </a:p>
-          <a:p>
-            <a:pPr marL="114300" indent="0">
-              <a:buNone/>
-            </a:pPr>
-            <a:r>
-              <a:rPr lang="en-US" sz="1400"/>
-              <a:t># Output: [False False  True  True  True]</a:t>
-            </a:r>
-            <a:endParaRPr lang="en-US" sz="1400"/>
-          </a:p>
-          <a:p>
-            <a:pPr marL="114300" indent="0">
-              <a:buNone/>
-            </a:pPr>
-            <a:r>
-              <a:rPr lang="en-US" sz="1400"/>
-              <a:t># Explanation: Both arr1 and arr2 must have elements greater than 2 for the result to be True.</a:t>
-            </a:r>
-            <a:endParaRPr lang="en-US" sz="1400"/>
-          </a:p>
-          <a:p>
-            <a:pPr marL="114300" indent="0">
-              <a:buNone/>
-            </a:pPr>
-            <a:endParaRPr lang="en-US" sz="1400"/>
-          </a:p>
-          <a:p>
-            <a:pPr marL="114300" indent="0">
-              <a:buNone/>
-            </a:pPr>
-            <a:r>
-              <a:rPr lang="en-US" sz="1400"/>
-              <a:t># 4. np.logical_or(): Perform element-wise logical OR operation</a:t>
-            </a:r>
-            <a:endParaRPr lang="en-US" sz="1400"/>
-          </a:p>
-          <a:p>
-            <a:pPr marL="114300" indent="0">
-              <a:buNone/>
-            </a:pPr>
-            <a:r>
-              <a:rPr lang="en-US" sz="1400"/>
-              <a:t>logical_or_result = np.logical_or(arr1 &gt; 2, arr2 &gt; 2)</a:t>
-            </a:r>
-            <a:endParaRPr lang="en-US" sz="1400"/>
-          </a:p>
-          <a:p>
-            <a:pPr marL="114300" indent="0">
-              <a:buNone/>
-            </a:pPr>
-            <a:r>
-              <a:rPr lang="en-US" sz="1400"/>
-              <a:t>print("Logical OR result:", logical_or_result)</a:t>
-            </a:r>
-            <a:endParaRPr lang="en-US" sz="1400"/>
-          </a:p>
-          <a:p>
-            <a:pPr marL="114300" indent="0">
-              <a:buNone/>
-            </a:pPr>
-            <a:r>
-              <a:rPr lang="en-US" sz="1400"/>
-              <a:t># Output: [False  True  True  True  True]</a:t>
-            </a:r>
-            <a:endParaRPr lang="en-US" sz="1400"/>
-          </a:p>
-          <a:p>
-            <a:pPr marL="114300" indent="0">
-              <a:buNone/>
-            </a:pPr>
-            <a:r>
-              <a:rPr lang="en-US" sz="1400"/>
-              <a:t># Explanation: If either arr1 or arr2 have elements greater than 2, the result is True.</a:t>
-            </a:r>
-            <a:endParaRPr lang="en-US" sz="1400"/>
-          </a:p>
-          <a:p>
-            <a:pPr marL="114300" indent="0">
-              <a:buNone/>
-            </a:pPr>
-            <a:endParaRPr lang="en-US" sz="1400"/>
-          </a:p>
-          <a:p>
-            <a:pPr marL="114300" indent="0">
-              <a:buNone/>
-            </a:pPr>
-            <a:r>
-              <a:rPr lang="en-US" sz="1400"/>
-              <a:t># 5. np.logical_not(): Perform element-wise logical NOT operation</a:t>
-            </a:r>
-            <a:endParaRPr lang="en-US" sz="1400"/>
-          </a:p>
-          <a:p>
-            <a:pPr marL="114300" indent="0">
-              <a:buNone/>
-            </a:pPr>
-            <a:r>
-              <a:rPr lang="en-US" sz="1400"/>
-              <a:t>logical_not_result = np.logical_not(arr1 &gt; 3)</a:t>
-            </a:r>
-            <a:endParaRPr lang="en-US" sz="1400"/>
-          </a:p>
-          <a:p>
-            <a:pPr marL="114300" indent="0">
-              <a:buNone/>
-            </a:pPr>
-            <a:r>
-              <a:rPr lang="en-US" sz="1400"/>
-              <a:t>print("Logical NOT result:", logical_not_result)</a:t>
-            </a:r>
-            <a:endParaRPr lang="en-US" sz="1400"/>
-          </a:p>
-          <a:p>
-            <a:pPr marL="114300" indent="0">
-              <a:buNone/>
-            </a:pPr>
-            <a:r>
-              <a:rPr lang="en-US" sz="1400"/>
-              <a:t># Output: [ True  True  True False False]</a:t>
-            </a:r>
-            <a:endParaRPr lang="en-US" sz="1400"/>
-          </a:p>
-          <a:p>
-            <a:pPr marL="114300" indent="0">
-              <a:buNone/>
-            </a:pPr>
-            <a:r>
-              <a:rPr lang="en-US" sz="1200"/>
-              <a:t># Explanation: Elements where arr1 &gt; 3 are False, and others are True.</a:t>
-            </a:r>
-            <a:endParaRPr lang="en-US" sz="1200"/>
+          <a:bodyPr/>
+          <a:p>
+            <a:endParaRPr lang="en-US"/>
           </a:p>
         </p:txBody>
       </p:sp>
+      <p:graphicFrame>
+        <p:nvGraphicFramePr>
+          <p:cNvPr id="3" name="Table 2"/>
+          <p:cNvGraphicFramePr/>
+          <p:nvPr/>
+        </p:nvGraphicFramePr>
+        <p:xfrm>
+          <a:off x="715645" y="3076574"/>
+          <a:ext cx="7863840" cy="0"/>
+        </p:xfrm>
+        <a:graphic>
+          <a:graphicData uri="http://schemas.openxmlformats.org/drawingml/2006/table">
+            <a:tbl>
+              <a:tblPr/>
+              <a:tblGrid>
+                <a:gridCol w="1965960"/>
+                <a:gridCol w="1965960"/>
+                <a:gridCol w="1965960"/>
+                <a:gridCol w="1965960"/>
+              </a:tblGrid>
+              <a:tr h="0">
+                <a:tc>
+                  <a:txBody>
+                    <a:bodyPr/>
+                    <a:p>
+                      <a:r>
+                        <a:rPr lang="en-US" altLang="zh-CN" sz="1100"/>
+                        <a:t>Function</a:t>
+                      </a:r>
+                      <a:endParaRPr lang="en-US" altLang="zh-CN" sz="1100"/>
+                    </a:p>
+                  </a:txBody>
+                  <a:tcPr marL="0" marR="0" marT="0" marB="0" anchor="ctr" anchorCtr="0">
+                    <a:lnL>
+                      <a:noFill/>
+                    </a:lnL>
+                    <a:lnR>
+                      <a:noFill/>
+                    </a:lnR>
+                    <a:lnT>
+                      <a:noFill/>
+                    </a:lnT>
+                    <a:lnB>
+                      <a:noFill/>
+                    </a:lnB>
+                    <a:noFill/>
+                  </a:tcPr>
+                </a:tc>
+                <a:tc>
+                  <a:txBody>
+                    <a:bodyPr/>
+                    <a:p>
+                      <a:r>
+                        <a:rPr lang="en-US" altLang="zh-CN" sz="1100"/>
+                        <a:t>Purpose</a:t>
+                      </a:r>
+                      <a:endParaRPr lang="en-US" altLang="zh-CN" sz="1100"/>
+                    </a:p>
+                  </a:txBody>
+                  <a:tcPr marL="0" marR="0" marT="0" marB="0" anchor="ctr" anchorCtr="0">
+                    <a:lnL>
+                      <a:noFill/>
+                    </a:lnL>
+                    <a:lnR>
+                      <a:noFill/>
+                    </a:lnR>
+                    <a:lnT>
+                      <a:noFill/>
+                    </a:lnT>
+                    <a:lnB>
+                      <a:noFill/>
+                    </a:lnB>
+                    <a:noFill/>
+                  </a:tcPr>
+                </a:tc>
+                <a:tc>
+                  <a:txBody>
+                    <a:bodyPr/>
+                    <a:p>
+                      <a:r>
+                        <a:rPr lang="en-US" altLang="zh-CN" sz="1100"/>
+                        <a:t>Returns</a:t>
+                      </a:r>
+                      <a:endParaRPr lang="en-US" altLang="zh-CN" sz="1100"/>
+                    </a:p>
+                  </a:txBody>
+                  <a:tcPr marL="0" marR="0" marT="0" marB="0" anchor="ctr" anchorCtr="0">
+                    <a:lnL>
+                      <a:noFill/>
+                    </a:lnL>
+                    <a:lnR>
+                      <a:noFill/>
+                    </a:lnR>
+                    <a:lnT>
+                      <a:noFill/>
+                    </a:lnT>
+                    <a:lnB>
+                      <a:noFill/>
+                    </a:lnB>
+                    <a:noFill/>
+                  </a:tcPr>
+                </a:tc>
+                <a:tc>
+                  <a:txBody>
+                    <a:bodyPr/>
+                    <a:p>
+                      <a:r>
+                        <a:rPr lang="en-US" altLang="zh-CN" sz="1100"/>
+                        <a:t>Typical Use Case</a:t>
+                      </a:r>
+                      <a:endParaRPr lang="en-US" altLang="zh-CN" sz="1100"/>
+                    </a:p>
+                  </a:txBody>
+                  <a:tcPr marL="0" marR="0" marT="0" marB="0" anchor="ctr" anchorCtr="0">
+                    <a:lnL>
+                      <a:noFill/>
+                    </a:lnL>
+                    <a:lnR>
+                      <a:noFill/>
+                    </a:lnR>
+                    <a:lnT>
+                      <a:noFill/>
+                    </a:lnT>
+                    <a:lnB>
+                      <a:noFill/>
+                    </a:lnB>
+                    <a:noFill/>
+                  </a:tcPr>
+                </a:tc>
+              </a:tr>
+              <a:tr h="0">
+                <a:tc>
+                  <a:txBody>
+                    <a:bodyPr/>
+                    <a:p>
+                      <a:r>
+                        <a:rPr lang="en-US" altLang="zh-CN" sz="1100"/>
+                        <a:t>np.where()</a:t>
+                      </a:r>
+                      <a:endParaRPr lang="en-US" altLang="zh-CN" sz="1100"/>
+                    </a:p>
+                  </a:txBody>
+                  <a:tcPr marL="0" marR="0" marT="0" marB="0" anchor="ctr" anchorCtr="0">
+                    <a:lnL>
+                      <a:noFill/>
+                    </a:lnL>
+                    <a:lnR>
+                      <a:noFill/>
+                    </a:lnR>
+                    <a:lnT>
+                      <a:noFill/>
+                    </a:lnT>
+                    <a:lnB>
+                      <a:noFill/>
+                    </a:lnB>
+                    <a:noFill/>
+                  </a:tcPr>
+                </a:tc>
+                <a:tc>
+                  <a:txBody>
+                    <a:bodyPr/>
+                    <a:p>
+                      <a:r>
+                        <a:rPr lang="en-US" altLang="zh-CN" sz="1100"/>
+                        <a:t>Conditional selection</a:t>
+                      </a:r>
+                      <a:endParaRPr lang="en-US" altLang="zh-CN" sz="1100"/>
+                    </a:p>
+                  </a:txBody>
+                  <a:tcPr marL="0" marR="0" marT="0" marB="0" anchor="ctr" anchorCtr="0">
+                    <a:lnL>
+                      <a:noFill/>
+                    </a:lnL>
+                    <a:lnR>
+                      <a:noFill/>
+                    </a:lnR>
+                    <a:lnT>
+                      <a:noFill/>
+                    </a:lnT>
+                    <a:lnB>
+                      <a:noFill/>
+                    </a:lnB>
+                    <a:noFill/>
+                  </a:tcPr>
+                </a:tc>
+                <a:tc>
+                  <a:txBody>
+                    <a:bodyPr/>
+                    <a:p>
+                      <a:r>
+                        <a:rPr lang="en-US" altLang="zh-CN" sz="1100"/>
+                        <a:t>Indices or chosen elements</a:t>
+                      </a:r>
+                      <a:endParaRPr lang="en-US" altLang="zh-CN" sz="1100"/>
+                    </a:p>
+                  </a:txBody>
+                  <a:tcPr marL="0" marR="0" marT="0" marB="0" anchor="ctr" anchorCtr="0">
+                    <a:lnL>
+                      <a:noFill/>
+                    </a:lnL>
+                    <a:lnR>
+                      <a:noFill/>
+                    </a:lnR>
+                    <a:lnT>
+                      <a:noFill/>
+                    </a:lnT>
+                    <a:lnB>
+                      <a:noFill/>
+                    </a:lnB>
+                    <a:noFill/>
+                  </a:tcPr>
+                </a:tc>
+                <a:tc>
+                  <a:txBody>
+                    <a:bodyPr/>
+                    <a:p>
+                      <a:r>
+                        <a:rPr lang="en-US" altLang="zh-CN" sz="1100"/>
+                        <a:t>Filtering, replacing</a:t>
+                      </a:r>
+                      <a:endParaRPr lang="en-US" altLang="zh-CN" sz="1100"/>
+                    </a:p>
+                  </a:txBody>
+                  <a:tcPr marL="0" marR="0" marT="0" marB="0" anchor="ctr" anchorCtr="0">
+                    <a:lnL>
+                      <a:noFill/>
+                    </a:lnL>
+                    <a:lnR>
+                      <a:noFill/>
+                    </a:lnR>
+                    <a:lnT>
+                      <a:noFill/>
+                    </a:lnT>
+                    <a:lnB>
+                      <a:noFill/>
+                    </a:lnB>
+                    <a:noFill/>
+                  </a:tcPr>
+                </a:tc>
+              </a:tr>
+              <a:tr h="0">
+                <a:tc>
+                  <a:txBody>
+                    <a:bodyPr/>
+                    <a:p>
+                      <a:r>
+                        <a:rPr lang="en-US" altLang="zh-CN" sz="1100"/>
+                        <a:t>np.searchsorted()</a:t>
+                      </a:r>
+                      <a:endParaRPr lang="en-US" altLang="zh-CN" sz="1100"/>
+                    </a:p>
+                  </a:txBody>
+                  <a:tcPr marL="0" marR="0" marT="0" marB="0" anchor="ctr" anchorCtr="0">
+                    <a:lnL>
+                      <a:noFill/>
+                    </a:lnL>
+                    <a:lnR>
+                      <a:noFill/>
+                    </a:lnR>
+                    <a:lnT>
+                      <a:noFill/>
+                    </a:lnT>
+                    <a:lnB>
+                      <a:noFill/>
+                    </a:lnB>
+                    <a:noFill/>
+                  </a:tcPr>
+                </a:tc>
+                <a:tc>
+                  <a:txBody>
+                    <a:bodyPr/>
+                    <a:p>
+                      <a:r>
+                        <a:rPr lang="en-US" altLang="zh-CN" sz="1100"/>
+                        <a:t>Find insert positions</a:t>
+                      </a:r>
+                      <a:endParaRPr lang="en-US" altLang="zh-CN" sz="1100"/>
+                    </a:p>
+                  </a:txBody>
+                  <a:tcPr marL="0" marR="0" marT="0" marB="0" anchor="ctr" anchorCtr="0">
+                    <a:lnL>
+                      <a:noFill/>
+                    </a:lnL>
+                    <a:lnR>
+                      <a:noFill/>
+                    </a:lnR>
+                    <a:lnT>
+                      <a:noFill/>
+                    </a:lnT>
+                    <a:lnB>
+                      <a:noFill/>
+                    </a:lnB>
+                    <a:noFill/>
+                  </a:tcPr>
+                </a:tc>
+                <a:tc>
+                  <a:txBody>
+                    <a:bodyPr/>
+                    <a:p>
+                      <a:r>
+                        <a:rPr lang="en-US" altLang="zh-CN" sz="1100"/>
+                        <a:t>Indices</a:t>
+                      </a:r>
+                      <a:endParaRPr lang="en-US" altLang="zh-CN" sz="1100"/>
+                    </a:p>
+                  </a:txBody>
+                  <a:tcPr marL="0" marR="0" marT="0" marB="0" anchor="ctr" anchorCtr="0">
+                    <a:lnL>
+                      <a:noFill/>
+                    </a:lnL>
+                    <a:lnR>
+                      <a:noFill/>
+                    </a:lnR>
+                    <a:lnT>
+                      <a:noFill/>
+                    </a:lnT>
+                    <a:lnB>
+                      <a:noFill/>
+                    </a:lnB>
+                    <a:noFill/>
+                  </a:tcPr>
+                </a:tc>
+                <a:tc>
+                  <a:txBody>
+                    <a:bodyPr/>
+                    <a:p>
+                      <a:r>
+                        <a:rPr lang="en-US" altLang="zh-CN" sz="1100"/>
+                        <a:t>Maintain sorted order</a:t>
+                      </a:r>
+                      <a:endParaRPr lang="en-US" altLang="zh-CN" sz="1100"/>
+                    </a:p>
+                  </a:txBody>
+                  <a:tcPr marL="0" marR="0" marT="0" marB="0" anchor="ctr" anchorCtr="0">
+                    <a:lnL>
+                      <a:noFill/>
+                    </a:lnL>
+                    <a:lnR>
+                      <a:noFill/>
+                    </a:lnR>
+                    <a:lnT>
+                      <a:noFill/>
+                    </a:lnT>
+                    <a:lnB>
+                      <a:noFill/>
+                    </a:lnB>
+                    <a:noFill/>
+                  </a:tcPr>
+                </a:tc>
+              </a:tr>
+              <a:tr h="0">
+                <a:tc>
+                  <a:txBody>
+                    <a:bodyPr/>
+                    <a:p>
+                      <a:r>
+                        <a:rPr lang="en-US" altLang="zh-CN" sz="1100"/>
+                        <a:t>np.nonzero()</a:t>
+                      </a:r>
+                      <a:endParaRPr lang="en-US" altLang="zh-CN" sz="1100"/>
+                    </a:p>
+                  </a:txBody>
+                  <a:tcPr marL="0" marR="0" marT="0" marB="0" anchor="ctr" anchorCtr="0">
+                    <a:lnL>
+                      <a:noFill/>
+                    </a:lnL>
+                    <a:lnR>
+                      <a:noFill/>
+                    </a:lnR>
+                    <a:lnT>
+                      <a:noFill/>
+                    </a:lnT>
+                    <a:lnB>
+                      <a:noFill/>
+                    </a:lnB>
+                    <a:noFill/>
+                  </a:tcPr>
+                </a:tc>
+                <a:tc>
+                  <a:txBody>
+                    <a:bodyPr/>
+                    <a:p>
+                      <a:r>
+                        <a:rPr lang="en-US" altLang="zh-CN" sz="1100"/>
+                        <a:t>Find non-zero elements</a:t>
+                      </a:r>
+                      <a:endParaRPr lang="en-US" altLang="zh-CN" sz="1100"/>
+                    </a:p>
+                  </a:txBody>
+                  <a:tcPr marL="0" marR="0" marT="0" marB="0" anchor="ctr" anchorCtr="0">
+                    <a:lnL>
+                      <a:noFill/>
+                    </a:lnL>
+                    <a:lnR>
+                      <a:noFill/>
+                    </a:lnR>
+                    <a:lnT>
+                      <a:noFill/>
+                    </a:lnT>
+                    <a:lnB>
+                      <a:noFill/>
+                    </a:lnB>
+                    <a:noFill/>
+                  </a:tcPr>
+                </a:tc>
+                <a:tc>
+                  <a:txBody>
+                    <a:bodyPr/>
+                    <a:p>
+                      <a:r>
+                        <a:rPr lang="en-US" altLang="zh-CN" sz="1100"/>
+                        <a:t>Tuple of indices</a:t>
+                      </a:r>
+                      <a:endParaRPr lang="en-US" altLang="zh-CN" sz="1100"/>
+                    </a:p>
+                  </a:txBody>
+                  <a:tcPr marL="0" marR="0" marT="0" marB="0" anchor="ctr" anchorCtr="0">
+                    <a:lnL>
+                      <a:noFill/>
+                    </a:lnL>
+                    <a:lnR>
+                      <a:noFill/>
+                    </a:lnR>
+                    <a:lnT>
+                      <a:noFill/>
+                    </a:lnT>
+                    <a:lnB>
+                      <a:noFill/>
+                    </a:lnB>
+                    <a:noFill/>
+                  </a:tcPr>
+                </a:tc>
+                <a:tc>
+                  <a:txBody>
+                    <a:bodyPr/>
+                    <a:p>
+                      <a:r>
+                        <a:rPr lang="en-US" altLang="zh-CN" sz="1100"/>
+                        <a:t>Sparse data, filtering</a:t>
+                      </a:r>
+                      <a:endParaRPr lang="en-US" altLang="zh-CN" sz="1100"/>
+                    </a:p>
+                  </a:txBody>
+                  <a:tcPr marL="0" marR="0" marT="0" marB="0" anchor="ctr" anchorCtr="0">
+                    <a:lnL>
+                      <a:noFill/>
+                    </a:lnL>
+                    <a:lnR>
+                      <a:noFill/>
+                    </a:lnR>
+                    <a:lnT>
+                      <a:noFill/>
+                    </a:lnT>
+                    <a:lnB>
+                      <a:noFill/>
+                    </a:lnB>
+                    <a:noFill/>
+                  </a:tcPr>
+                </a:tc>
+              </a:tr>
+            </a:tbl>
+          </a:graphicData>
+        </a:graphic>
+      </p:graphicFrame>
     </p:spTree>
   </p:cSld>
   <p:clrMapOvr>
@@ -44069,6 +44671,1060 @@
   <p:cSld>
     <p:spTree>
       <p:nvGrpSpPr>
+        <p:cNvPr id="325" name="Shape 325"/>
+        <p:cNvGrpSpPr/>
+        <p:nvPr/>
+      </p:nvGrpSpPr>
+      <p:grpSpPr>
+        <a:xfrm>
+          <a:off x="0" y="0"/>
+          <a:ext cx="0" cy="0"/>
+          <a:chOff x="0" y="0"/>
+          <a:chExt cx="0" cy="0"/>
+        </a:xfrm>
+      </p:grpSpPr>
+      <p:sp>
+        <p:nvSpPr>
+          <p:cNvPr id="326" name="Google Shape;326;p60"/>
+          <p:cNvSpPr txBox="1"/>
+          <p:nvPr>
+            <p:ph type="title"/>
+          </p:nvPr>
+        </p:nvSpPr>
+        <p:spPr>
+          <a:xfrm>
+            <a:off x="311785" y="445135"/>
+            <a:ext cx="3542030" cy="572770"/>
+          </a:xfrm>
+          <a:prstGeom prst="rect">
+            <a:avLst/>
+          </a:prstGeom>
+        </p:spPr>
+        <p:txBody>
+          <a:bodyPr spcFirstLastPara="1" wrap="square" lIns="91425" tIns="91425" rIns="91425" bIns="91425" anchor="t" anchorCtr="0">
+            <a:normAutofit fontScale="90000"/>
+          </a:bodyPr>
+          <a:lstStyle/>
+          <a:p>
+            <a:pPr marL="0" lvl="0" indent="0" algn="l" rtl="0">
+              <a:spcBef>
+                <a:spcPts val="0"/>
+              </a:spcBef>
+              <a:spcAft>
+                <a:spcPts val="0"/>
+              </a:spcAft>
+              <a:buNone/>
+            </a:pPr>
+            <a:r>
+              <a:rPr lang="en-GB">
+                <a:solidFill>
+                  <a:srgbClr val="C00000"/>
+                </a:solidFill>
+              </a:rPr>
+              <a:t>Sorting and Searching</a:t>
+            </a:r>
+            <a:endParaRPr lang="en-GB">
+              <a:solidFill>
+                <a:srgbClr val="C00000"/>
+              </a:solidFill>
+            </a:endParaRPr>
+          </a:p>
+        </p:txBody>
+      </p:sp>
+      <p:sp>
+        <p:nvSpPr>
+          <p:cNvPr id="327" name="Google Shape;327;p60"/>
+          <p:cNvSpPr txBox="1"/>
+          <p:nvPr>
+            <p:ph type="body" idx="1"/>
+          </p:nvPr>
+        </p:nvSpPr>
+        <p:spPr>
+          <a:xfrm>
+            <a:off x="311700" y="1152475"/>
+            <a:ext cx="8520600" cy="3416400"/>
+          </a:xfrm>
+          <a:prstGeom prst="rect">
+            <a:avLst/>
+          </a:prstGeom>
+        </p:spPr>
+        <p:txBody>
+          <a:bodyPr spcFirstLastPara="1" wrap="square" lIns="91425" tIns="91425" rIns="91425" bIns="91425" anchor="t" anchorCtr="0">
+            <a:normAutofit/>
+          </a:bodyPr>
+          <a:lstStyle/>
+          <a:p>
+            <a:pPr marL="0" lvl="0" indent="0" algn="l" rtl="0">
+              <a:spcBef>
+                <a:spcPts val="0"/>
+              </a:spcBef>
+              <a:spcAft>
+                <a:spcPts val="0"/>
+              </a:spcAft>
+              <a:buClr>
+                <a:schemeClr val="dk1"/>
+              </a:buClr>
+              <a:buSzPts val="1100"/>
+              <a:buFont typeface="Arial" panose="020B0604020202020204"/>
+              <a:buNone/>
+            </a:pPr>
+            <a:r>
+              <a:rPr lang="en-GB"/>
+              <a:t>np.sort(): Sort an array in ascending order.</a:t>
+            </a:r>
+            <a:endParaRPr lang="en-GB"/>
+          </a:p>
+          <a:p>
+            <a:pPr marL="0" lvl="0" indent="0" algn="l" rtl="0">
+              <a:spcBef>
+                <a:spcPts val="1200"/>
+              </a:spcBef>
+              <a:spcAft>
+                <a:spcPts val="0"/>
+              </a:spcAft>
+              <a:buClr>
+                <a:schemeClr val="dk1"/>
+              </a:buClr>
+              <a:buSzPts val="1100"/>
+              <a:buFont typeface="Arial" panose="020B0604020202020204"/>
+              <a:buNone/>
+            </a:pPr>
+            <a:r>
+              <a:rPr lang="en-GB"/>
+              <a:t>np.argsort(): Return the indices that would sort an array.</a:t>
+            </a:r>
+            <a:endParaRPr lang="en-GB"/>
+          </a:p>
+          <a:p>
+            <a:pPr marL="0" lvl="0" indent="0" algn="l" rtl="0">
+              <a:spcBef>
+                <a:spcPts val="1200"/>
+              </a:spcBef>
+              <a:spcAft>
+                <a:spcPts val="0"/>
+              </a:spcAft>
+              <a:buClr>
+                <a:schemeClr val="dk1"/>
+              </a:buClr>
+              <a:buSzPts val="1100"/>
+              <a:buFont typeface="Arial" panose="020B0604020202020204"/>
+              <a:buNone/>
+            </a:pPr>
+            <a:r>
+              <a:rPr lang="en-GB"/>
+              <a:t>np.searchsorted(): Find the indices to insert elements to maintain order.</a:t>
+            </a:r>
+            <a:endParaRPr lang="en-GB"/>
+          </a:p>
+          <a:p>
+            <a:pPr marL="0" lvl="0" indent="0" algn="l" rtl="0">
+              <a:spcBef>
+                <a:spcPts val="1200"/>
+              </a:spcBef>
+              <a:spcAft>
+                <a:spcPts val="1200"/>
+              </a:spcAft>
+              <a:buNone/>
+            </a:pPr>
+          </a:p>
+        </p:txBody>
+      </p:sp>
+      <p:sp>
+        <p:nvSpPr>
+          <p:cNvPr id="2" name="Text Box 1"/>
+          <p:cNvSpPr txBox="1"/>
+          <p:nvPr/>
+        </p:nvSpPr>
+        <p:spPr>
+          <a:xfrm>
+            <a:off x="247650" y="2736215"/>
+            <a:ext cx="4572000" cy="2306955"/>
+          </a:xfrm>
+          <a:prstGeom prst="rect">
+            <a:avLst/>
+          </a:prstGeom>
+          <a:noFill/>
+        </p:spPr>
+        <p:txBody>
+          <a:bodyPr wrap="square" rtlCol="0" anchor="t">
+            <a:spAutoFit/>
+          </a:bodyPr>
+          <a:p>
+            <a:pPr marL="114300" indent="0">
+              <a:buNone/>
+            </a:pPr>
+            <a:r>
+              <a:rPr lang="en-US" sz="1600">
+                <a:sym typeface="+mn-ea"/>
+              </a:rPr>
+              <a:t>import numpy as np</a:t>
+            </a:r>
+            <a:endParaRPr lang="en-US" sz="1600"/>
+          </a:p>
+          <a:p>
+            <a:pPr marL="114300" indent="0">
+              <a:buNone/>
+            </a:pPr>
+            <a:endParaRPr lang="en-US" sz="1600"/>
+          </a:p>
+          <a:p>
+            <a:pPr marL="114300" indent="0">
+              <a:buNone/>
+            </a:pPr>
+            <a:r>
+              <a:rPr lang="en-US" sz="1600">
+                <a:sym typeface="+mn-ea"/>
+              </a:rPr>
+              <a:t># Create an array</a:t>
+            </a:r>
+            <a:endParaRPr lang="en-US" sz="1600"/>
+          </a:p>
+          <a:p>
+            <a:pPr marL="114300" indent="0">
+              <a:buNone/>
+            </a:pPr>
+            <a:r>
+              <a:rPr lang="en-US" sz="1600">
+                <a:sym typeface="+mn-ea"/>
+              </a:rPr>
+              <a:t>arr = np.array([50, 10, 40, 20, 30])</a:t>
+            </a:r>
+            <a:endParaRPr lang="en-US" sz="1600"/>
+          </a:p>
+          <a:p>
+            <a:pPr marL="114300" indent="0">
+              <a:buNone/>
+            </a:pPr>
+            <a:endParaRPr lang="en-US" sz="1600"/>
+          </a:p>
+          <a:p>
+            <a:pPr marL="114300" indent="0">
+              <a:buNone/>
+            </a:pPr>
+            <a:r>
+              <a:rPr lang="en-US" sz="1600">
+                <a:sym typeface="+mn-ea"/>
+              </a:rPr>
+              <a:t># 1. np.sort(): Sort an array in ascending order</a:t>
+            </a:r>
+            <a:endParaRPr lang="en-US" sz="1600"/>
+          </a:p>
+          <a:p>
+            <a:pPr marL="114300" indent="0">
+              <a:buNone/>
+            </a:pPr>
+            <a:r>
+              <a:rPr lang="en-US" sz="1600">
+                <a:sym typeface="+mn-ea"/>
+              </a:rPr>
+              <a:t>sorted_arr = np.sort(arr)</a:t>
+            </a:r>
+            <a:endParaRPr lang="en-US" sz="1600"/>
+          </a:p>
+          <a:p>
+            <a:pPr marL="114300" indent="0">
+              <a:buNone/>
+            </a:pPr>
+            <a:r>
+              <a:rPr lang="en-US" sz="1600">
+                <a:sym typeface="+mn-ea"/>
+              </a:rPr>
+              <a:t>print("Sorted array:", sorted_arr)</a:t>
+            </a:r>
+            <a:endParaRPr lang="en-US" sz="1600"/>
+          </a:p>
+          <a:p>
+            <a:pPr marL="114300" indent="0">
+              <a:buNone/>
+            </a:pPr>
+            <a:r>
+              <a:rPr lang="en-US" sz="1600">
+                <a:sym typeface="+mn-ea"/>
+              </a:rPr>
+              <a:t># Output: [10 20 30 40 50]</a:t>
+            </a:r>
+            <a:endParaRPr lang="en-US" sz="1600">
+              <a:sym typeface="+mn-ea"/>
+            </a:endParaRPr>
+          </a:p>
+        </p:txBody>
+      </p:sp>
+    </p:spTree>
+  </p:cSld>
+  <p:clrMapOvr>
+    <a:masterClrMapping/>
+  </p:clrMapOvr>
+</p:sld>
+</file>
+
+<file path=ppt/slides/slide61.xml><?xml version="1.0" encoding="utf-8"?>
+<p:sld xmlns:a="http://schemas.openxmlformats.org/drawingml/2006/main" xmlns:r="http://schemas.openxmlformats.org/officeDocument/2006/relationships" xmlns:p="http://schemas.openxmlformats.org/presentationml/2006/main">
+  <p:cSld>
+    <p:spTree>
+      <p:nvGrpSpPr>
+        <p:cNvPr id="1" name=""/>
+        <p:cNvGrpSpPr/>
+        <p:nvPr/>
+      </p:nvGrpSpPr>
+      <p:grpSpPr/>
+      <p:sp>
+        <p:nvSpPr>
+          <p:cNvPr id="3" name="Text Placeholder 2"/>
+          <p:cNvSpPr/>
+          <p:nvPr>
+            <p:ph type="body" idx="1"/>
+          </p:nvPr>
+        </p:nvSpPr>
+        <p:spPr>
+          <a:xfrm>
+            <a:off x="241300" y="195580"/>
+            <a:ext cx="8520430" cy="4811395"/>
+          </a:xfrm>
+        </p:spPr>
+        <p:txBody>
+          <a:bodyPr>
+            <a:noAutofit/>
+          </a:bodyPr>
+          <a:p>
+            <a:pPr marL="114300" indent="0">
+              <a:buNone/>
+            </a:pPr>
+            <a:endParaRPr lang="en-US" sz="1600"/>
+          </a:p>
+          <a:p>
+            <a:pPr marL="114300" indent="0">
+              <a:buNone/>
+            </a:pPr>
+            <a:r>
+              <a:rPr lang="en-US" sz="1600">
+                <a:solidFill>
+                  <a:srgbClr val="C00000"/>
+                </a:solidFill>
+              </a:rPr>
+              <a:t># 2. np.argsort(): Return the indices that would sort an array</a:t>
+            </a:r>
+            <a:endParaRPr lang="en-US" sz="1600">
+              <a:solidFill>
+                <a:srgbClr val="C00000"/>
+              </a:solidFill>
+            </a:endParaRPr>
+          </a:p>
+          <a:p>
+            <a:pPr marL="114300" indent="0">
+              <a:buNone/>
+            </a:pPr>
+            <a:r>
+              <a:rPr lang="en-US" sz="1600"/>
+              <a:t>sorted_indices = np.argsort(arr)</a:t>
+            </a:r>
+            <a:endParaRPr lang="en-US" sz="1600"/>
+          </a:p>
+          <a:p>
+            <a:pPr marL="114300" indent="0">
+              <a:buNone/>
+            </a:pPr>
+            <a:r>
+              <a:rPr lang="en-US" sz="1600"/>
+              <a:t>print("Indices that would sort the array:", sorted_indices)</a:t>
+            </a:r>
+            <a:endParaRPr lang="en-US" sz="1600"/>
+          </a:p>
+          <a:p>
+            <a:pPr marL="114300" indent="0">
+              <a:buNone/>
+            </a:pPr>
+            <a:r>
+              <a:rPr lang="en-US" sz="1600"/>
+              <a:t># Output: [1 3 4 2 0]</a:t>
+            </a:r>
+            <a:endParaRPr lang="en-US" sz="1600"/>
+          </a:p>
+          <a:p>
+            <a:pPr marL="114300" indent="0">
+              <a:buNone/>
+            </a:pPr>
+            <a:r>
+              <a:rPr lang="en-US" sz="1600"/>
+              <a:t># Explanation: The element at index 1 (value 10) is the smallest, so it's placed first.</a:t>
+            </a:r>
+            <a:endParaRPr lang="en-US" sz="1600"/>
+          </a:p>
+          <a:p>
+            <a:pPr marL="114300" indent="0">
+              <a:buNone/>
+            </a:pPr>
+            <a:endParaRPr lang="en-US" sz="1600"/>
+          </a:p>
+          <a:p>
+            <a:pPr marL="114300" indent="0">
+              <a:buNone/>
+            </a:pPr>
+            <a:r>
+              <a:rPr lang="en-US" sz="1600">
+                <a:solidFill>
+                  <a:srgbClr val="C00000"/>
+                </a:solidFill>
+              </a:rPr>
+              <a:t># 3. np.searchsorted(): Find indices where elements should be inserted to maintain order</a:t>
+            </a:r>
+            <a:endParaRPr lang="en-US" sz="1600">
+              <a:solidFill>
+                <a:srgbClr val="C00000"/>
+              </a:solidFill>
+            </a:endParaRPr>
+          </a:p>
+          <a:p>
+            <a:pPr marL="114300" indent="0">
+              <a:buNone/>
+            </a:pPr>
+            <a:r>
+              <a:rPr lang="en-US" sz="1600">
+                <a:solidFill>
+                  <a:srgbClr val="C00000"/>
+                </a:solidFill>
+              </a:rPr>
+              <a:t># Searching for positions to insert 25 and 35 to maintain the sorted order</a:t>
+            </a:r>
+            <a:endParaRPr lang="en-US" sz="1600">
+              <a:solidFill>
+                <a:srgbClr val="C00000"/>
+              </a:solidFill>
+            </a:endParaRPr>
+          </a:p>
+          <a:p>
+            <a:pPr marL="114300" indent="0">
+              <a:buNone/>
+            </a:pPr>
+            <a:r>
+              <a:rPr lang="en-US" sz="1600"/>
+              <a:t>insert_positions = np.searchsorted(sorted_arr, [25, 35])</a:t>
+            </a:r>
+            <a:endParaRPr lang="en-US" sz="1600"/>
+          </a:p>
+          <a:p>
+            <a:pPr marL="114300" indent="0">
+              <a:buNone/>
+            </a:pPr>
+            <a:r>
+              <a:rPr lang="en-US" sz="1600"/>
+              <a:t>print("Insert positions for 25 and 35:", insert_positions)</a:t>
+            </a:r>
+            <a:endParaRPr lang="en-US" sz="1600"/>
+          </a:p>
+          <a:p>
+            <a:pPr marL="114300" indent="0">
+              <a:buNone/>
+            </a:pPr>
+            <a:r>
+              <a:rPr lang="en-US" sz="1600"/>
+              <a:t># Output: [2 3]</a:t>
+            </a:r>
+            <a:endParaRPr lang="en-US" sz="1600"/>
+          </a:p>
+          <a:p>
+            <a:pPr marL="114300" indent="0">
+              <a:buNone/>
+            </a:pPr>
+            <a:r>
+              <a:rPr lang="en-US" sz="1600"/>
+              <a:t># Explanation: 25 should be inserted at index 2 and 35 at index 3 to maintain order.</a:t>
+            </a:r>
+            <a:endParaRPr lang="en-US" sz="1600"/>
+          </a:p>
+        </p:txBody>
+      </p:sp>
+    </p:spTree>
+  </p:cSld>
+  <p:clrMapOvr>
+    <a:masterClrMapping/>
+  </p:clrMapOvr>
+</p:sld>
+</file>
+
+<file path=ppt/slides/slide62.xml><?xml version="1.0" encoding="utf-8"?>
+<p:sld xmlns:a="http://schemas.openxmlformats.org/drawingml/2006/main" xmlns:r="http://schemas.openxmlformats.org/officeDocument/2006/relationships" xmlns:p="http://schemas.openxmlformats.org/presentationml/2006/main">
+  <p:cSld>
+    <p:spTree>
+      <p:nvGrpSpPr>
+        <p:cNvPr id="331" name="Shape 331"/>
+        <p:cNvGrpSpPr/>
+        <p:nvPr/>
+      </p:nvGrpSpPr>
+      <p:grpSpPr>
+        <a:xfrm>
+          <a:off x="0" y="0"/>
+          <a:ext cx="0" cy="0"/>
+          <a:chOff x="0" y="0"/>
+          <a:chExt cx="0" cy="0"/>
+        </a:xfrm>
+      </p:grpSpPr>
+      <p:sp>
+        <p:nvSpPr>
+          <p:cNvPr id="332" name="Google Shape;332;p61"/>
+          <p:cNvSpPr txBox="1"/>
+          <p:nvPr>
+            <p:ph type="title"/>
+          </p:nvPr>
+        </p:nvSpPr>
+        <p:spPr>
+          <a:xfrm>
+            <a:off x="311700" y="445025"/>
+            <a:ext cx="8520600" cy="572700"/>
+          </a:xfrm>
+          <a:prstGeom prst="rect">
+            <a:avLst/>
+          </a:prstGeom>
+        </p:spPr>
+        <p:txBody>
+          <a:bodyPr spcFirstLastPara="1" wrap="square" lIns="91425" tIns="91425" rIns="91425" bIns="91425" anchor="t" anchorCtr="0">
+            <a:normAutofit fontScale="90000"/>
+          </a:bodyPr>
+          <a:lstStyle/>
+          <a:p>
+            <a:pPr marL="0" lvl="0" indent="0" algn="l" rtl="0">
+              <a:spcBef>
+                <a:spcPts val="0"/>
+              </a:spcBef>
+              <a:spcAft>
+                <a:spcPts val="0"/>
+              </a:spcAft>
+              <a:buNone/>
+            </a:pPr>
+            <a:r>
+              <a:rPr lang="en-GB"/>
+              <a:t>Element-wise Comparisons</a:t>
+            </a:r>
+            <a:endParaRPr lang="en-GB"/>
+          </a:p>
+        </p:txBody>
+      </p:sp>
+      <p:sp>
+        <p:nvSpPr>
+          <p:cNvPr id="333" name="Google Shape;333;p61"/>
+          <p:cNvSpPr txBox="1"/>
+          <p:nvPr>
+            <p:ph type="body" idx="1"/>
+          </p:nvPr>
+        </p:nvSpPr>
+        <p:spPr>
+          <a:xfrm>
+            <a:off x="382185" y="863550"/>
+            <a:ext cx="8520600" cy="3416400"/>
+          </a:xfrm>
+          <a:prstGeom prst="rect">
+            <a:avLst/>
+          </a:prstGeom>
+        </p:spPr>
+        <p:txBody>
+          <a:bodyPr spcFirstLastPara="1" wrap="square" lIns="91425" tIns="91425" rIns="91425" bIns="91425" anchor="t" anchorCtr="0">
+            <a:normAutofit/>
+          </a:bodyPr>
+          <a:lstStyle/>
+          <a:p>
+            <a:pPr marL="0" lvl="0" indent="0" algn="l" rtl="0">
+              <a:spcBef>
+                <a:spcPts val="0"/>
+              </a:spcBef>
+              <a:spcAft>
+                <a:spcPts val="0"/>
+              </a:spcAft>
+              <a:buClr>
+                <a:schemeClr val="dk1"/>
+              </a:buClr>
+              <a:buSzPts val="1100"/>
+              <a:buFont typeface="Arial" panose="020B0604020202020204"/>
+              <a:buNone/>
+            </a:pPr>
+            <a:r>
+              <a:rPr lang="en-GB"/>
+              <a:t>np.equal(): Compare if two arrays have the same elements.</a:t>
+            </a:r>
+            <a:endParaRPr lang="en-GB"/>
+          </a:p>
+          <a:p>
+            <a:pPr marL="0" lvl="0" indent="0" algn="l" rtl="0">
+              <a:spcBef>
+                <a:spcPts val="1200"/>
+              </a:spcBef>
+              <a:spcAft>
+                <a:spcPts val="0"/>
+              </a:spcAft>
+              <a:buClr>
+                <a:schemeClr val="dk1"/>
+              </a:buClr>
+              <a:buSzPts val="1100"/>
+              <a:buFont typeface="Arial" panose="020B0604020202020204"/>
+              <a:buNone/>
+            </a:pPr>
+            <a:r>
+              <a:rPr lang="en-GB"/>
+              <a:t>np.not_equal(): Compare if two arrays have different elements.</a:t>
+            </a:r>
+            <a:endParaRPr lang="en-GB"/>
+          </a:p>
+          <a:p>
+            <a:pPr marL="0" lvl="0" indent="0" algn="l" rtl="0">
+              <a:spcBef>
+                <a:spcPts val="1200"/>
+              </a:spcBef>
+              <a:spcAft>
+                <a:spcPts val="0"/>
+              </a:spcAft>
+              <a:buClr>
+                <a:schemeClr val="dk1"/>
+              </a:buClr>
+              <a:buSzPts val="1100"/>
+              <a:buFont typeface="Arial" panose="020B0604020202020204"/>
+              <a:buNone/>
+            </a:pPr>
+            <a:r>
+              <a:rPr lang="en-GB"/>
+              <a:t>np.logical_and(), np.logical_or(), np.logical_not(): Perform element-wise logical operations.</a:t>
+            </a:r>
+            <a:endParaRPr lang="en-GB"/>
+          </a:p>
+          <a:p>
+            <a:pPr marL="0" lvl="0" indent="0" algn="l" rtl="0">
+              <a:spcBef>
+                <a:spcPts val="1200"/>
+              </a:spcBef>
+              <a:spcAft>
+                <a:spcPts val="1200"/>
+              </a:spcAft>
+              <a:buNone/>
+            </a:pPr>
+          </a:p>
+        </p:txBody>
+      </p:sp>
+      <p:sp>
+        <p:nvSpPr>
+          <p:cNvPr id="2" name="Text Box 1"/>
+          <p:cNvSpPr txBox="1"/>
+          <p:nvPr/>
+        </p:nvSpPr>
+        <p:spPr>
+          <a:xfrm>
+            <a:off x="678180" y="2388870"/>
+            <a:ext cx="5897245" cy="2707005"/>
+          </a:xfrm>
+          <a:prstGeom prst="rect">
+            <a:avLst/>
+          </a:prstGeom>
+          <a:noFill/>
+        </p:spPr>
+        <p:txBody>
+          <a:bodyPr wrap="square" rtlCol="0" anchor="t">
+            <a:spAutoFit/>
+          </a:bodyPr>
+          <a:p>
+            <a:pPr marL="114300" indent="0">
+              <a:buNone/>
+            </a:pPr>
+            <a:r>
+              <a:rPr lang="en-US" sz="1000">
+                <a:sym typeface="+mn-ea"/>
+              </a:rPr>
+              <a:t>import numpy as np</a:t>
+            </a:r>
+            <a:endParaRPr lang="en-US" sz="1000"/>
+          </a:p>
+          <a:p>
+            <a:pPr marL="114300" indent="0">
+              <a:buNone/>
+            </a:pPr>
+            <a:endParaRPr lang="en-US" sz="1000"/>
+          </a:p>
+          <a:p>
+            <a:pPr marL="114300" indent="0">
+              <a:buNone/>
+            </a:pPr>
+            <a:r>
+              <a:rPr lang="en-US" sz="1000">
+                <a:sym typeface="+mn-ea"/>
+              </a:rPr>
+              <a:t># Create two arrays</a:t>
+            </a:r>
+            <a:endParaRPr lang="en-US" sz="1000"/>
+          </a:p>
+          <a:p>
+            <a:pPr marL="114300" indent="0">
+              <a:buNone/>
+            </a:pPr>
+            <a:r>
+              <a:rPr lang="en-US" sz="1000">
+                <a:sym typeface="+mn-ea"/>
+              </a:rPr>
+              <a:t>arr1 = np.array([1, 2, 3, 4, 5])</a:t>
+            </a:r>
+            <a:endParaRPr lang="en-US" sz="1000"/>
+          </a:p>
+          <a:p>
+            <a:pPr marL="114300" indent="0">
+              <a:buNone/>
+            </a:pPr>
+            <a:r>
+              <a:rPr lang="en-US" sz="1000">
+                <a:sym typeface="+mn-ea"/>
+              </a:rPr>
+              <a:t>arr2 = np.array([1, 3, 2, 4, 5])</a:t>
+            </a:r>
+            <a:endParaRPr lang="en-US" sz="1000"/>
+          </a:p>
+          <a:p>
+            <a:pPr marL="114300" indent="0">
+              <a:buNone/>
+            </a:pPr>
+            <a:endParaRPr lang="en-US" sz="1000"/>
+          </a:p>
+          <a:p>
+            <a:pPr marL="114300" indent="0">
+              <a:buNone/>
+            </a:pPr>
+            <a:r>
+              <a:rPr lang="en-US" sz="1000">
+                <a:sym typeface="+mn-ea"/>
+              </a:rPr>
+              <a:t># 1. np.equal(): Compare if two arrays have the same elements</a:t>
+            </a:r>
+            <a:endParaRPr lang="en-US" sz="1000"/>
+          </a:p>
+          <a:p>
+            <a:pPr marL="114300" indent="0">
+              <a:buNone/>
+            </a:pPr>
+            <a:r>
+              <a:rPr lang="en-US" sz="1000">
+                <a:sym typeface="+mn-ea"/>
+              </a:rPr>
+              <a:t>equal_result = np.equal(arr1, arr2)</a:t>
+            </a:r>
+            <a:endParaRPr lang="en-US" sz="1000"/>
+          </a:p>
+          <a:p>
+            <a:pPr marL="114300" indent="0">
+              <a:buNone/>
+            </a:pPr>
+            <a:r>
+              <a:rPr lang="en-US" sz="1000">
+                <a:sym typeface="+mn-ea"/>
+              </a:rPr>
+              <a:t>print("Equal comparison:", equal_result)</a:t>
+            </a:r>
+            <a:endParaRPr lang="en-US" sz="1000"/>
+          </a:p>
+          <a:p>
+            <a:pPr marL="114300" indent="0">
+              <a:buNone/>
+            </a:pPr>
+            <a:r>
+              <a:rPr lang="en-US" sz="1000">
+                <a:sym typeface="+mn-ea"/>
+              </a:rPr>
+              <a:t># Output: [ True False False  True  True ]</a:t>
+            </a:r>
+            <a:endParaRPr lang="en-US" sz="1000"/>
+          </a:p>
+          <a:p>
+            <a:pPr marL="114300" indent="0">
+              <a:buNone/>
+            </a:pPr>
+            <a:r>
+              <a:rPr lang="en-US" sz="1000">
+                <a:sym typeface="+mn-ea"/>
+              </a:rPr>
+              <a:t># Explanation: Elements at positions 0, 3, and 4 are equal between the two arrays.</a:t>
+            </a:r>
+            <a:endParaRPr lang="en-US" sz="1000"/>
+          </a:p>
+          <a:p>
+            <a:pPr marL="114300" indent="0">
+              <a:buNone/>
+            </a:pPr>
+            <a:endParaRPr lang="en-US" sz="1000"/>
+          </a:p>
+          <a:p>
+            <a:pPr marL="114300" indent="0">
+              <a:buNone/>
+            </a:pPr>
+            <a:r>
+              <a:rPr lang="en-US" sz="1000">
+                <a:sym typeface="+mn-ea"/>
+              </a:rPr>
+              <a:t># 2. np.not_equal(): Compare if two arrays have different elements</a:t>
+            </a:r>
+            <a:endParaRPr lang="en-US" sz="1000"/>
+          </a:p>
+          <a:p>
+            <a:pPr marL="114300" indent="0">
+              <a:buNone/>
+            </a:pPr>
+            <a:r>
+              <a:rPr lang="en-US" sz="1000">
+                <a:sym typeface="+mn-ea"/>
+              </a:rPr>
+              <a:t>not_equal_result = np.not_equal(arr1, arr2)</a:t>
+            </a:r>
+            <a:endParaRPr lang="en-US" sz="1000"/>
+          </a:p>
+          <a:p>
+            <a:pPr marL="114300" indent="0">
+              <a:buNone/>
+            </a:pPr>
+            <a:r>
+              <a:rPr lang="en-US" sz="1000">
+                <a:sym typeface="+mn-ea"/>
+              </a:rPr>
+              <a:t>print("Not equal comparison:", not_equal_result)</a:t>
+            </a:r>
+            <a:endParaRPr lang="en-US" sz="1000"/>
+          </a:p>
+          <a:p>
+            <a:pPr marL="114300" indent="0">
+              <a:buNone/>
+            </a:pPr>
+            <a:r>
+              <a:rPr lang="en-US" sz="1000">
+                <a:sym typeface="+mn-ea"/>
+              </a:rPr>
+              <a:t># Output: [False  True  True False False]</a:t>
+            </a:r>
+            <a:endParaRPr lang="en-US" sz="1000"/>
+          </a:p>
+          <a:p>
+            <a:pPr marL="114300" indent="0">
+              <a:buNone/>
+            </a:pPr>
+            <a:r>
+              <a:rPr lang="en-US" sz="1000">
+                <a:sym typeface="+mn-ea"/>
+              </a:rPr>
+              <a:t># Explanation: Elements at positions 1 and 2 are not equal between the two arrays.</a:t>
+            </a:r>
+            <a:endParaRPr lang="en-US" sz="1000">
+              <a:sym typeface="+mn-ea"/>
+            </a:endParaRPr>
+          </a:p>
+        </p:txBody>
+      </p:sp>
+    </p:spTree>
+  </p:cSld>
+  <p:clrMapOvr>
+    <a:masterClrMapping/>
+  </p:clrMapOvr>
+</p:sld>
+</file>
+
+<file path=ppt/slides/slide63.xml><?xml version="1.0" encoding="utf-8"?>
+<p:sld xmlns:a="http://schemas.openxmlformats.org/drawingml/2006/main" xmlns:r="http://schemas.openxmlformats.org/officeDocument/2006/relationships" xmlns:p="http://schemas.openxmlformats.org/presentationml/2006/main">
+  <p:cSld>
+    <p:spTree>
+      <p:nvGrpSpPr>
+        <p:cNvPr id="1" name=""/>
+        <p:cNvGrpSpPr/>
+        <p:nvPr/>
+      </p:nvGrpSpPr>
+      <p:grpSpPr/>
+      <p:sp>
+        <p:nvSpPr>
+          <p:cNvPr id="3" name="Text Placeholder 2"/>
+          <p:cNvSpPr/>
+          <p:nvPr>
+            <p:ph type="body" idx="1"/>
+          </p:nvPr>
+        </p:nvSpPr>
+        <p:spPr>
+          <a:xfrm>
+            <a:off x="241300" y="203835"/>
+            <a:ext cx="8520430" cy="3819525"/>
+          </a:xfrm>
+        </p:spPr>
+        <p:txBody>
+          <a:bodyPr>
+            <a:noAutofit/>
+          </a:bodyPr>
+          <a:p>
+            <a:pPr marL="114300" indent="0">
+              <a:buNone/>
+            </a:pPr>
+            <a:endParaRPr lang="en-US" sz="1400"/>
+          </a:p>
+          <a:p>
+            <a:pPr marL="114300" indent="0">
+              <a:buNone/>
+            </a:pPr>
+            <a:r>
+              <a:rPr lang="en-US" sz="1400"/>
+              <a:t># 3. np.logical_and(): Perform element-wise logical AND operation</a:t>
+            </a:r>
+            <a:endParaRPr lang="en-US" sz="1400"/>
+          </a:p>
+          <a:p>
+            <a:pPr marL="114300" indent="0">
+              <a:buNone/>
+            </a:pPr>
+            <a:r>
+              <a:rPr lang="en-US" sz="1400"/>
+              <a:t>logical_and_result = np.logical_and(arr1 &gt; 2, arr2 &gt; 2)</a:t>
+            </a:r>
+            <a:endParaRPr lang="en-US" sz="1400"/>
+          </a:p>
+          <a:p>
+            <a:pPr marL="114300" indent="0">
+              <a:buNone/>
+            </a:pPr>
+            <a:r>
+              <a:rPr lang="en-US" sz="1400"/>
+              <a:t>print("Logical AND result:", logical_and_result)</a:t>
+            </a:r>
+            <a:endParaRPr lang="en-US" sz="1400"/>
+          </a:p>
+          <a:p>
+            <a:pPr marL="114300" indent="0">
+              <a:buNone/>
+            </a:pPr>
+            <a:r>
+              <a:rPr lang="en-US" sz="1400"/>
+              <a:t># Output: [False False  True  True  True]</a:t>
+            </a:r>
+            <a:endParaRPr lang="en-US" sz="1400"/>
+          </a:p>
+          <a:p>
+            <a:pPr marL="114300" indent="0">
+              <a:buNone/>
+            </a:pPr>
+            <a:r>
+              <a:rPr lang="en-US" sz="1400"/>
+              <a:t># Explanation: Both arr1 and arr2 must have elements greater than 2 for the result to be True.</a:t>
+            </a:r>
+            <a:endParaRPr lang="en-US" sz="1400"/>
+          </a:p>
+          <a:p>
+            <a:pPr marL="114300" indent="0">
+              <a:buNone/>
+            </a:pPr>
+            <a:endParaRPr lang="en-US" sz="1400"/>
+          </a:p>
+          <a:p>
+            <a:pPr marL="114300" indent="0">
+              <a:buNone/>
+            </a:pPr>
+            <a:r>
+              <a:rPr lang="en-US" sz="1400"/>
+              <a:t># 4. np.logical_or(): Perform element-wise logical OR operation</a:t>
+            </a:r>
+            <a:endParaRPr lang="en-US" sz="1400"/>
+          </a:p>
+          <a:p>
+            <a:pPr marL="114300" indent="0">
+              <a:buNone/>
+            </a:pPr>
+            <a:r>
+              <a:rPr lang="en-US" sz="1400"/>
+              <a:t>logical_or_result = np.logical_or(arr1 &gt; 2, arr2 &gt; 2)</a:t>
+            </a:r>
+            <a:endParaRPr lang="en-US" sz="1400"/>
+          </a:p>
+          <a:p>
+            <a:pPr marL="114300" indent="0">
+              <a:buNone/>
+            </a:pPr>
+            <a:r>
+              <a:rPr lang="en-US" sz="1400"/>
+              <a:t>print("Logical OR result:", logical_or_result)</a:t>
+            </a:r>
+            <a:endParaRPr lang="en-US" sz="1400"/>
+          </a:p>
+          <a:p>
+            <a:pPr marL="114300" indent="0">
+              <a:buNone/>
+            </a:pPr>
+            <a:r>
+              <a:rPr lang="en-US" sz="1400"/>
+              <a:t># Output: [False  True  True  True  True]</a:t>
+            </a:r>
+            <a:endParaRPr lang="en-US" sz="1400"/>
+          </a:p>
+          <a:p>
+            <a:pPr marL="114300" indent="0">
+              <a:buNone/>
+            </a:pPr>
+            <a:r>
+              <a:rPr lang="en-US" sz="1400"/>
+              <a:t># Explanation: If either arr1 or arr2 have elements greater than 2, the result is True.</a:t>
+            </a:r>
+            <a:endParaRPr lang="en-US" sz="1400"/>
+          </a:p>
+          <a:p>
+            <a:pPr marL="114300" indent="0">
+              <a:buNone/>
+            </a:pPr>
+            <a:endParaRPr lang="en-US" sz="1400"/>
+          </a:p>
+          <a:p>
+            <a:pPr marL="114300" indent="0">
+              <a:buNone/>
+            </a:pPr>
+            <a:r>
+              <a:rPr lang="en-US" sz="1400"/>
+              <a:t># 5. np.logical_not(): Perform element-wise logical NOT operation</a:t>
+            </a:r>
+            <a:endParaRPr lang="en-US" sz="1400"/>
+          </a:p>
+          <a:p>
+            <a:pPr marL="114300" indent="0">
+              <a:buNone/>
+            </a:pPr>
+            <a:r>
+              <a:rPr lang="en-US" sz="1400"/>
+              <a:t>logical_not_result = np.logical_not(arr1 &gt; 3)</a:t>
+            </a:r>
+            <a:endParaRPr lang="en-US" sz="1400"/>
+          </a:p>
+          <a:p>
+            <a:pPr marL="114300" indent="0">
+              <a:buNone/>
+            </a:pPr>
+            <a:r>
+              <a:rPr lang="en-US" sz="1400"/>
+              <a:t>print("Logical NOT result:", logical_not_result)</a:t>
+            </a:r>
+            <a:endParaRPr lang="en-US" sz="1400"/>
+          </a:p>
+          <a:p>
+            <a:pPr marL="114300" indent="0">
+              <a:buNone/>
+            </a:pPr>
+            <a:r>
+              <a:rPr lang="en-US" sz="1400"/>
+              <a:t># Output: [ True  True  True False False]</a:t>
+            </a:r>
+            <a:endParaRPr lang="en-US" sz="1400"/>
+          </a:p>
+          <a:p>
+            <a:pPr marL="114300" indent="0">
+              <a:buNone/>
+            </a:pPr>
+            <a:r>
+              <a:rPr lang="en-US" sz="1200"/>
+              <a:t># Explanation: Elements where arr1 &gt; 3 are False, and others are True.</a:t>
+            </a:r>
+            <a:endParaRPr lang="en-US" sz="1200"/>
+          </a:p>
+        </p:txBody>
+      </p:sp>
+    </p:spTree>
+  </p:cSld>
+  <p:clrMapOvr>
+    <a:masterClrMapping/>
+  </p:clrMapOvr>
+</p:sld>
+</file>
+
+<file path=ppt/slides/slide64.xml><?xml version="1.0" encoding="utf-8"?>
+<p:sld xmlns:a="http://schemas.openxmlformats.org/drawingml/2006/main" xmlns:r="http://schemas.openxmlformats.org/officeDocument/2006/relationships" xmlns:p="http://schemas.openxmlformats.org/presentationml/2006/main">
+  <p:cSld>
+    <p:spTree>
+      <p:nvGrpSpPr>
         <p:cNvPr id="337" name="Shape 337"/>
         <p:cNvGrpSpPr/>
         <p:nvPr/>
@@ -44244,7 +45900,7 @@
 </p:sld>
 </file>
 
-<file path=ppt/slides/slide61.xml><?xml version="1.0" encoding="utf-8"?>
+<file path=ppt/slides/slide65.xml><?xml version="1.0" encoding="utf-8"?>
 <p:sld xmlns:a="http://schemas.openxmlformats.org/drawingml/2006/main" xmlns:r="http://schemas.openxmlformats.org/officeDocument/2006/relationships" xmlns:p="http://schemas.openxmlformats.org/presentationml/2006/main">
   <p:cSld>
     <p:spTree>
@@ -44424,7 +46080,7 @@
 </p:sld>
 </file>
 
-<file path=ppt/slides/slide62.xml><?xml version="1.0" encoding="utf-8"?>
+<file path=ppt/slides/slide66.xml><?xml version="1.0" encoding="utf-8"?>
 <p:sld xmlns:a="http://schemas.openxmlformats.org/drawingml/2006/main" xmlns:r="http://schemas.openxmlformats.org/officeDocument/2006/relationships" xmlns:p="http://schemas.openxmlformats.org/presentationml/2006/main">
   <p:cSld>
     <p:spTree>
@@ -44591,7 +46247,7 @@
 </p:sld>
 </file>
 
-<file path=ppt/slides/slide63.xml><?xml version="1.0" encoding="utf-8"?>
+<file path=ppt/slides/slide67.xml><?xml version="1.0" encoding="utf-8"?>
 <p:sld xmlns:a="http://schemas.openxmlformats.org/drawingml/2006/main" xmlns:r="http://schemas.openxmlformats.org/officeDocument/2006/relationships" xmlns:p="http://schemas.openxmlformats.org/presentationml/2006/main">
   <p:cSld>
     <p:spTree>
@@ -44809,7 +46465,7 @@
 </p:sld>
 </file>
 
-<file path=ppt/slides/slide64.xml><?xml version="1.0" encoding="utf-8"?>
+<file path=ppt/slides/slide68.xml><?xml version="1.0" encoding="utf-8"?>
 <p:sld xmlns:a="http://schemas.openxmlformats.org/drawingml/2006/main" xmlns:r="http://schemas.openxmlformats.org/officeDocument/2006/relationships" xmlns:p="http://schemas.openxmlformats.org/presentationml/2006/main">
   <p:cSld>
     <p:spTree>
@@ -44871,7 +46527,7 @@
 </p:sld>
 </file>
 
-<file path=ppt/slides/slide65.xml><?xml version="1.0" encoding="utf-8"?>
+<file path=ppt/slides/slide69.xml><?xml version="1.0" encoding="utf-8"?>
 <p:sld xmlns:a="http://schemas.openxmlformats.org/drawingml/2006/main" xmlns:r="http://schemas.openxmlformats.org/officeDocument/2006/relationships" xmlns:p="http://schemas.openxmlformats.org/presentationml/2006/main">
   <p:cSld>
     <p:spTree>
@@ -44913,7 +46569,25 @@
 </p:sld>
 </file>
 
-<file path=ppt/slides/slide66.xml><?xml version="1.0" encoding="utf-8"?>
+<file path=ppt/slides/slide7.xml><?xml version="1.0" encoding="utf-8"?>
+<p:sld xmlns:a="http://schemas.openxmlformats.org/drawingml/2006/main" xmlns:r="http://schemas.openxmlformats.org/officeDocument/2006/relationships" xmlns:p="http://schemas.openxmlformats.org/presentationml/2006/main">
+  <p:cSld>
+    <p:spTree>
+      <p:nvGrpSpPr>
+        <p:cNvPr id="1" name=""/>
+        <p:cNvGrpSpPr/>
+        <p:nvPr/>
+      </p:nvGrpSpPr>
+      <p:grpSpPr/>
+    </p:spTree>
+  </p:cSld>
+  <p:clrMapOvr>
+    <a:masterClrMapping/>
+  </p:clrMapOvr>
+</p:sld>
+</file>
+
+<file path=ppt/slides/slide70.xml><?xml version="1.0" encoding="utf-8"?>
 <p:sld xmlns:a="http://schemas.openxmlformats.org/drawingml/2006/main" xmlns:r="http://schemas.openxmlformats.org/officeDocument/2006/relationships" xmlns:p="http://schemas.openxmlformats.org/presentationml/2006/main">
   <p:cSld>
     <p:spTree>
@@ -45134,7 +46808,7 @@
 </p:sld>
 </file>
 
-<file path=ppt/slides/slide67.xml><?xml version="1.0" encoding="utf-8"?>
+<file path=ppt/slides/slide71.xml><?xml version="1.0" encoding="utf-8"?>
 <p:sld xmlns:a="http://schemas.openxmlformats.org/drawingml/2006/main" xmlns:r="http://schemas.openxmlformats.org/officeDocument/2006/relationships" xmlns:p="http://schemas.openxmlformats.org/presentationml/2006/main">
   <p:cSld>
     <p:spTree>
@@ -45203,7 +46877,7 @@
 </p:sld>
 </file>
 
-<file path=ppt/slides/slide68.xml><?xml version="1.0" encoding="utf-8"?>
+<file path=ppt/slides/slide72.xml><?xml version="1.0" encoding="utf-8"?>
 <p:sld xmlns:a="http://schemas.openxmlformats.org/drawingml/2006/main" xmlns:r="http://schemas.openxmlformats.org/officeDocument/2006/relationships" xmlns:p="http://schemas.openxmlformats.org/presentationml/2006/main">
   <p:cSld>
     <p:spTree>
@@ -45243,7 +46917,7 @@
 </p:sld>
 </file>
 
-<file path=ppt/slides/slide69.xml><?xml version="1.0" encoding="utf-8"?>
+<file path=ppt/slides/slide73.xml><?xml version="1.0" encoding="utf-8"?>
 <p:sld xmlns:a="http://schemas.openxmlformats.org/drawingml/2006/main" xmlns:r="http://schemas.openxmlformats.org/officeDocument/2006/relationships" xmlns:p="http://schemas.openxmlformats.org/presentationml/2006/main">
   <p:cSld>
     <p:bg>
@@ -45325,25 +46999,7 @@
 </p:sld>
 </file>
 
-<file path=ppt/slides/slide7.xml><?xml version="1.0" encoding="utf-8"?>
-<p:sld xmlns:a="http://schemas.openxmlformats.org/drawingml/2006/main" xmlns:r="http://schemas.openxmlformats.org/officeDocument/2006/relationships" xmlns:p="http://schemas.openxmlformats.org/presentationml/2006/main">
-  <p:cSld>
-    <p:spTree>
-      <p:nvGrpSpPr>
-        <p:cNvPr id="1" name=""/>
-        <p:cNvGrpSpPr/>
-        <p:nvPr/>
-      </p:nvGrpSpPr>
-      <p:grpSpPr/>
-    </p:spTree>
-  </p:cSld>
-  <p:clrMapOvr>
-    <a:masterClrMapping/>
-  </p:clrMapOvr>
-</p:sld>
-</file>
-
-<file path=ppt/slides/slide70.xml><?xml version="1.0" encoding="utf-8"?>
+<file path=ppt/slides/slide74.xml><?xml version="1.0" encoding="utf-8"?>
 <p:sld xmlns:a="http://schemas.openxmlformats.org/drawingml/2006/main" xmlns:r="http://schemas.openxmlformats.org/officeDocument/2006/relationships" xmlns:p="http://schemas.openxmlformats.org/presentationml/2006/main">
   <p:cSld>
     <p:spTree>
